--- a/kolloquium/TemplateSlides2016.pptx
+++ b/kolloquium/TemplateSlides2016.pptx
@@ -5,28 +5,29 @@
     <p:sldMasterId id="2147483667" r:id="rId1"/>
   </p:sldMasterIdLst>
   <p:notesMasterIdLst>
-    <p:notesMasterId r:id="rId18"/>
+    <p:notesMasterId r:id="rId19"/>
   </p:notesMasterIdLst>
   <p:handoutMasterIdLst>
-    <p:handoutMasterId r:id="rId19"/>
+    <p:handoutMasterId r:id="rId20"/>
   </p:handoutMasterIdLst>
   <p:sldIdLst>
     <p:sldId id="479" r:id="rId2"/>
     <p:sldId id="682" r:id="rId3"/>
     <p:sldId id="669" r:id="rId4"/>
-    <p:sldId id="671" r:id="rId5"/>
-    <p:sldId id="684" r:id="rId6"/>
-    <p:sldId id="683" r:id="rId7"/>
-    <p:sldId id="672" r:id="rId8"/>
-    <p:sldId id="673" r:id="rId9"/>
-    <p:sldId id="674" r:id="rId10"/>
-    <p:sldId id="675" r:id="rId11"/>
-    <p:sldId id="676" r:id="rId12"/>
-    <p:sldId id="677" r:id="rId13"/>
-    <p:sldId id="681" r:id="rId14"/>
-    <p:sldId id="678" r:id="rId15"/>
-    <p:sldId id="679" r:id="rId16"/>
-    <p:sldId id="680" r:id="rId17"/>
+    <p:sldId id="684" r:id="rId5"/>
+    <p:sldId id="683" r:id="rId6"/>
+    <p:sldId id="672" r:id="rId7"/>
+    <p:sldId id="673" r:id="rId8"/>
+    <p:sldId id="674" r:id="rId9"/>
+    <p:sldId id="685" r:id="rId10"/>
+    <p:sldId id="677" r:id="rId11"/>
+    <p:sldId id="681" r:id="rId12"/>
+    <p:sldId id="678" r:id="rId13"/>
+    <p:sldId id="679" r:id="rId14"/>
+    <p:sldId id="680" r:id="rId15"/>
+    <p:sldId id="671" r:id="rId16"/>
+    <p:sldId id="675" r:id="rId17"/>
+    <p:sldId id="676" r:id="rId18"/>
   </p:sldIdLst>
   <p:sldSz cx="9144000" cy="6858000" type="screen4x3"/>
   <p:notesSz cx="6858000" cy="9144000"/>
@@ -245,11 +246,11 @@
           <c:showBubbleSize val="0"/>
         </c:dLbls>
         <c:gapWidth val="75"/>
-        <c:axId val="45211008"/>
-        <c:axId val="45463424"/>
+        <c:axId val="43240448"/>
+        <c:axId val="43242240"/>
       </c:barChart>
       <c:catAx>
-        <c:axId val="45211008"/>
+        <c:axId val="43240448"/>
         <c:scaling>
           <c:orientation val="minMax"/>
         </c:scaling>
@@ -268,7 +269,7 @@
             <a:endParaRPr lang="de-DE"/>
           </a:p>
         </c:txPr>
-        <c:crossAx val="45463424"/>
+        <c:crossAx val="43242240"/>
         <c:crosses val="autoZero"/>
         <c:auto val="1"/>
         <c:lblAlgn val="ctr"/>
@@ -276,7 +277,7 @@
         <c:noMultiLvlLbl val="0"/>
       </c:catAx>
       <c:valAx>
-        <c:axId val="45463424"/>
+        <c:axId val="43242240"/>
         <c:scaling>
           <c:orientation val="minMax"/>
         </c:scaling>
@@ -313,7 +314,7 @@
         <c:majorTickMark val="none"/>
         <c:minorTickMark val="none"/>
         <c:tickLblPos val="nextTo"/>
-        <c:crossAx val="45211008"/>
+        <c:crossAx val="43240448"/>
         <c:crosses val="autoZero"/>
         <c:crossBetween val="between"/>
       </c:valAx>
@@ -1009,7 +1010,7 @@
               <a:rPr lang="de-DE" smtClean="0">
                 <a:latin typeface="Calibri"/>
               </a:rPr>
-              <a:t>15.03.2018</a:t>
+              <a:t>18.03.2018</a:t>
             </a:fld>
             <a:endParaRPr lang="de-DE" dirty="0">
               <a:latin typeface="Calibri"/>
@@ -1273,7 +1274,7 @@
               </a14:hiddenFill>
             </a:ext>
             <a:ext uri="{FAA26D3D-D897-4be2-8F04-BA451C77F1D7}">
-              <ma14:placeholderFlag xmlns:ma14="http://schemas.microsoft.com/office/mac/drawingml/2011/main" xmlns="" val="1"/>
+              <ma14:placeholderFlag xmlns="" xmlns:ma14="http://schemas.microsoft.com/office/mac/drawingml/2011/main" val="1"/>
             </a:ext>
           </a:extLst>
         </p:spPr>
@@ -2171,7 +2172,7 @@
             </a:pPr>
             <a:r>
               <a:rPr lang="en-US" dirty="0" smtClean="0"/>
-              <a:t>Serious threat for companies (examples)</a:t>
+              <a:t>regular access control, intrusion detection systems, ... not usable, because users are allowed too perform actions</a:t>
             </a:r>
           </a:p>
           <a:p>
@@ -2181,15 +2182,38 @@
             </a:pPr>
             <a:r>
               <a:rPr lang="en-US" dirty="0" smtClean="0"/>
-              <a:t>IBM, </a:t>
+              <a:t/>
+            </a:r>
+            <a:br>
+              <a:rPr lang="en-US" dirty="0" smtClean="0"/>
+            </a:br>
+            <a:r>
+              <a:rPr lang="en-US" dirty="0" smtClean="0"/>
+              <a:t>-&gt; </a:t>
+            </a:r>
+            <a:r>
+              <a:rPr lang="en-US" b="1" dirty="0" smtClean="0"/>
+              <a:t>anomaly-based detection </a:t>
+            </a:r>
+            <a:r>
+              <a:rPr lang="en-US" dirty="0" smtClean="0"/>
+              <a:t>= comparing current user </a:t>
             </a:r>
             <a:r>
               <a:rPr lang="en-US" dirty="0" err="1" smtClean="0"/>
-              <a:t>Bitkom</a:t>
+              <a:t>behaviour</a:t>
             </a:r>
             <a:r>
               <a:rPr lang="en-US" dirty="0" smtClean="0"/>
-              <a:t> TODO</a:t>
+              <a:t> with common user </a:t>
+            </a:r>
+            <a:r>
+              <a:rPr lang="en-US" dirty="0" err="1" smtClean="0"/>
+              <a:t>behaviour</a:t>
+            </a:r>
+            <a:r>
+              <a:rPr lang="en-US" dirty="0" smtClean="0"/>
+              <a:t> (statistical approach/machine learning)</a:t>
             </a:r>
           </a:p>
           <a:p>
@@ -2199,7 +2223,7 @@
             </a:pPr>
             <a:r>
               <a:rPr lang="en-US" dirty="0" smtClean="0"/>
-              <a:t>regular access control, intrusion detection systems, ... not usable, because users are allowed too perform actions</a:t>
+              <a:t>requires a lot of data</a:t>
             </a:r>
           </a:p>
           <a:p>
@@ -2207,26 +2231,7 @@
               <a:buFont typeface="Arial" panose="020B0604020202020204" pitchFamily="34" charset="0"/>
               <a:buChar char="•"/>
             </a:pPr>
-            <a:r>
-              <a:rPr lang="en-US" dirty="0" smtClean="0"/>
-              <a:t>-&gt; anomaly-based detection = comparing current user </a:t>
-            </a:r>
-            <a:r>
-              <a:rPr lang="en-US" dirty="0" err="1" smtClean="0"/>
-              <a:t>behaviour</a:t>
-            </a:r>
-            <a:r>
-              <a:rPr lang="en-US" dirty="0" smtClean="0"/>
-              <a:t> with common user </a:t>
-            </a:r>
-            <a:r>
-              <a:rPr lang="en-US" dirty="0" err="1" smtClean="0"/>
-              <a:t>behaviour</a:t>
-            </a:r>
-            <a:r>
-              <a:rPr lang="en-US" dirty="0" smtClean="0"/>
-              <a:t> (statistical approach/machine learning)</a:t>
-            </a:r>
+            <a:endParaRPr lang="en-US" dirty="0" smtClean="0"/>
           </a:p>
           <a:p>
             <a:pPr marL="171450" indent="-171450">
@@ -2235,7 +2240,7 @@
             </a:pPr>
             <a:r>
               <a:rPr lang="en-US" dirty="0" smtClean="0"/>
-              <a:t>requires a lot of data</a:t>
+              <a:t>But storing and processing this data can collide with the privacy of employees</a:t>
             </a:r>
           </a:p>
           <a:p>
@@ -2244,8 +2249,19 @@
               <a:buChar char="•"/>
             </a:pPr>
             <a:r>
+              <a:rPr lang="en-US" i="1" dirty="0" smtClean="0"/>
+              <a:t>Bundesdatenschutzgesetz</a:t>
+            </a:r>
+            <a:r>
               <a:rPr lang="en-US" dirty="0" smtClean="0"/>
-              <a:t>But storing and processing this data can collide with the privacy of employees</a:t>
+              <a:t>,§32, 1:</a:t>
+            </a:r>
+            <a:br>
+              <a:rPr lang="en-US" dirty="0" smtClean="0"/>
+            </a:br>
+            <a:r>
+              <a:rPr lang="en-US" dirty="0" smtClean="0"/>
+              <a:t>Data related to employees may just be used for detecting crimes when there is concrete evidence </a:t>
             </a:r>
           </a:p>
           <a:p>
@@ -2254,19 +2270,35 @@
               <a:buChar char="•"/>
             </a:pPr>
             <a:r>
-              <a:rPr lang="en-US" i="1" dirty="0" smtClean="0"/>
-              <a:t>Bundesdatenschutzgesetz</a:t>
-            </a:r>
-            <a:r>
               <a:rPr lang="en-US" dirty="0" smtClean="0"/>
-              <a:t>,§32, 1:</a:t>
+              <a:t>BAG Erfurt:</a:t>
             </a:r>
             <a:br>
               <a:rPr lang="en-US" dirty="0" smtClean="0"/>
             </a:br>
             <a:r>
               <a:rPr lang="en-US" dirty="0" smtClean="0"/>
-              <a:t>Data related to employees can be used for detecting crimes just with concrete evidence </a:t>
+              <a:t>Using</a:t>
+            </a:r>
+            <a:r>
+              <a:rPr lang="en-US" baseline="0" dirty="0" smtClean="0"/>
+              <a:t> </a:t>
+            </a:r>
+            <a:r>
+              <a:rPr lang="en-US" baseline="0" dirty="0" err="1" smtClean="0"/>
+              <a:t>keyloggers</a:t>
+            </a:r>
+            <a:r>
+              <a:rPr lang="en-US" baseline="0" dirty="0" smtClean="0"/>
+              <a:t> to test user </a:t>
+            </a:r>
+            <a:r>
+              <a:rPr lang="en-US" baseline="0" dirty="0" err="1" smtClean="0"/>
+              <a:t>behaviour</a:t>
+            </a:r>
+            <a:r>
+              <a:rPr lang="en-US" baseline="0" dirty="0" smtClean="0"/>
+              <a:t> is not allowed</a:t>
             </a:r>
             <a:endParaRPr lang="de-DE" dirty="0" smtClean="0"/>
           </a:p>
@@ -2302,7 +2334,7 @@
               <a:pPr>
                 <a:defRPr/>
               </a:pPr>
-              <a:t>4</a:t>
+              <a:t>5</a:t>
             </a:fld>
             <a:endParaRPr lang="de-DE"/>
           </a:p>
@@ -2311,7 +2343,7 @@
     </p:spTree>
     <p:extLst>
       <p:ext uri="{BB962C8B-B14F-4D97-AF65-F5344CB8AC3E}">
-        <p14:creationId xmlns:p14="http://schemas.microsoft.com/office/powerpoint/2010/main" val="715939272"/>
+        <p14:creationId xmlns:p14="http://schemas.microsoft.com/office/powerpoint/2010/main" val="2430395130"/>
       </p:ext>
     </p:extLst>
   </p:cSld>
@@ -2688,7 +2720,7 @@
               <a:pPr>
                 <a:defRPr/>
               </a:pPr>
-              <a:t>7</a:t>
+              <a:t>6</a:t>
             </a:fld>
             <a:endParaRPr lang="de-DE"/>
           </a:p>
@@ -2698,6 +2730,296 @@
     <p:extLst>
       <p:ext uri="{BB962C8B-B14F-4D97-AF65-F5344CB8AC3E}">
         <p14:creationId xmlns:p14="http://schemas.microsoft.com/office/powerpoint/2010/main" val="2854611297"/>
+      </p:ext>
+    </p:extLst>
+  </p:cSld>
+  <p:clrMapOvr>
+    <a:masterClrMapping/>
+  </p:clrMapOvr>
+</p:notes>
+</file>
+
+<file path=ppt/notesSlides/notesSlide5.xml><?xml version="1.0" encoding="utf-8"?>
+<p:notes xmlns:a="http://schemas.openxmlformats.org/drawingml/2006/main" xmlns:r="http://schemas.openxmlformats.org/officeDocument/2006/relationships" xmlns:p="http://schemas.openxmlformats.org/presentationml/2006/main">
+  <p:cSld>
+    <p:spTree>
+      <p:nvGrpSpPr>
+        <p:cNvPr id="1" name=""/>
+        <p:cNvGrpSpPr/>
+        <p:nvPr/>
+      </p:nvGrpSpPr>
+      <p:grpSpPr>
+        <a:xfrm>
+          <a:off x="0" y="0"/>
+          <a:ext cx="0" cy="0"/>
+          <a:chOff x="0" y="0"/>
+          <a:chExt cx="0" cy="0"/>
+        </a:xfrm>
+      </p:grpSpPr>
+      <p:sp>
+        <p:nvSpPr>
+          <p:cNvPr id="2" name="Folienbildplatzhalter 1"/>
+          <p:cNvSpPr>
+            <a:spLocks noGrp="1" noRot="1" noChangeAspect="1"/>
+          </p:cNvSpPr>
+          <p:nvPr>
+            <p:ph type="sldImg"/>
+          </p:nvPr>
+        </p:nvSpPr>
+        <p:spPr/>
+      </p:sp>
+      <p:sp>
+        <p:nvSpPr>
+          <p:cNvPr id="3" name="Notizenplatzhalter 2"/>
+          <p:cNvSpPr>
+            <a:spLocks noGrp="1"/>
+          </p:cNvSpPr>
+          <p:nvPr>
+            <p:ph type="body" idx="1"/>
+          </p:nvPr>
+        </p:nvSpPr>
+        <p:spPr/>
+        <p:txBody>
+          <a:bodyPr/>
+          <a:lstStyle/>
+          <a:p>
+            <a:endParaRPr lang="de-DE" dirty="0"/>
+          </a:p>
+        </p:txBody>
+      </p:sp>
+      <p:sp>
+        <p:nvSpPr>
+          <p:cNvPr id="4" name="Foliennummernplatzhalter 3"/>
+          <p:cNvSpPr>
+            <a:spLocks noGrp="1"/>
+          </p:cNvSpPr>
+          <p:nvPr>
+            <p:ph type="sldNum" sz="quarter" idx="10"/>
+          </p:nvPr>
+        </p:nvSpPr>
+        <p:spPr/>
+        <p:txBody>
+          <a:bodyPr/>
+          <a:lstStyle/>
+          <a:p>
+            <a:pPr>
+              <a:defRPr/>
+            </a:pPr>
+            <a:fld id="{9DDC5E44-63C0-EF42-9B94-8202B4B6C3D9}" type="slidenum">
+              <a:rPr lang="de-DE" smtClean="0"/>
+              <a:pPr>
+                <a:defRPr/>
+              </a:pPr>
+              <a:t>9</a:t>
+            </a:fld>
+            <a:endParaRPr lang="de-DE"/>
+          </a:p>
+        </p:txBody>
+      </p:sp>
+    </p:spTree>
+    <p:extLst>
+      <p:ext uri="{BB962C8B-B14F-4D97-AF65-F5344CB8AC3E}">
+        <p14:creationId xmlns:p14="http://schemas.microsoft.com/office/powerpoint/2010/main" val="2854611297"/>
+      </p:ext>
+    </p:extLst>
+  </p:cSld>
+  <p:clrMapOvr>
+    <a:masterClrMapping/>
+  </p:clrMapOvr>
+</p:notes>
+</file>
+
+<file path=ppt/notesSlides/notesSlide6.xml><?xml version="1.0" encoding="utf-8"?>
+<p:notes xmlns:a="http://schemas.openxmlformats.org/drawingml/2006/main" xmlns:r="http://schemas.openxmlformats.org/officeDocument/2006/relationships" xmlns:p="http://schemas.openxmlformats.org/presentationml/2006/main">
+  <p:cSld>
+    <p:spTree>
+      <p:nvGrpSpPr>
+        <p:cNvPr id="1" name=""/>
+        <p:cNvGrpSpPr/>
+        <p:nvPr/>
+      </p:nvGrpSpPr>
+      <p:grpSpPr>
+        <a:xfrm>
+          <a:off x="0" y="0"/>
+          <a:ext cx="0" cy="0"/>
+          <a:chOff x="0" y="0"/>
+          <a:chExt cx="0" cy="0"/>
+        </a:xfrm>
+      </p:grpSpPr>
+      <p:sp>
+        <p:nvSpPr>
+          <p:cNvPr id="2" name="Folienbildplatzhalter 1"/>
+          <p:cNvSpPr>
+            <a:spLocks noGrp="1" noRot="1" noChangeAspect="1"/>
+          </p:cNvSpPr>
+          <p:nvPr>
+            <p:ph type="sldImg"/>
+          </p:nvPr>
+        </p:nvSpPr>
+        <p:spPr/>
+      </p:sp>
+      <p:sp>
+        <p:nvSpPr>
+          <p:cNvPr id="3" name="Notizenplatzhalter 2"/>
+          <p:cNvSpPr>
+            <a:spLocks noGrp="1"/>
+          </p:cNvSpPr>
+          <p:nvPr>
+            <p:ph type="body" idx="1"/>
+          </p:nvPr>
+        </p:nvSpPr>
+        <p:spPr/>
+        <p:txBody>
+          <a:bodyPr/>
+          <a:lstStyle/>
+          <a:p>
+            <a:pPr marL="171450" indent="-171450">
+              <a:buFont typeface="Arial" panose="020B0604020202020204" pitchFamily="34" charset="0"/>
+              <a:buChar char="•"/>
+            </a:pPr>
+            <a:r>
+              <a:rPr lang="en-US" dirty="0" smtClean="0"/>
+              <a:t>Serious threat for companies (examples)</a:t>
+            </a:r>
+          </a:p>
+          <a:p>
+            <a:pPr marL="171450" indent="-171450">
+              <a:buFont typeface="Arial" panose="020B0604020202020204" pitchFamily="34" charset="0"/>
+              <a:buChar char="•"/>
+            </a:pPr>
+            <a:r>
+              <a:rPr lang="en-US" dirty="0" smtClean="0"/>
+              <a:t>IBM, </a:t>
+            </a:r>
+            <a:r>
+              <a:rPr lang="en-US" dirty="0" err="1" smtClean="0"/>
+              <a:t>Bitkom</a:t>
+            </a:r>
+            <a:r>
+              <a:rPr lang="en-US" dirty="0" smtClean="0"/>
+              <a:t> TODO</a:t>
+            </a:r>
+          </a:p>
+          <a:p>
+            <a:pPr marL="171450" indent="-171450">
+              <a:buFont typeface="Arial" panose="020B0604020202020204" pitchFamily="34" charset="0"/>
+              <a:buChar char="•"/>
+            </a:pPr>
+            <a:r>
+              <a:rPr lang="en-US" dirty="0" smtClean="0"/>
+              <a:t>regular access control, intrusion detection systems, ... not usable, because users are allowed too perform actions</a:t>
+            </a:r>
+          </a:p>
+          <a:p>
+            <a:pPr marL="171450" indent="-171450">
+              <a:buFont typeface="Arial" panose="020B0604020202020204" pitchFamily="34" charset="0"/>
+              <a:buChar char="•"/>
+            </a:pPr>
+            <a:r>
+              <a:rPr lang="en-US" dirty="0" smtClean="0"/>
+              <a:t>-&gt; anomaly-based detection = comparing current user </a:t>
+            </a:r>
+            <a:r>
+              <a:rPr lang="en-US" dirty="0" err="1" smtClean="0"/>
+              <a:t>behaviour</a:t>
+            </a:r>
+            <a:r>
+              <a:rPr lang="en-US" dirty="0" smtClean="0"/>
+              <a:t> with common user </a:t>
+            </a:r>
+            <a:r>
+              <a:rPr lang="en-US" dirty="0" err="1" smtClean="0"/>
+              <a:t>behaviour</a:t>
+            </a:r>
+            <a:r>
+              <a:rPr lang="en-US" dirty="0" smtClean="0"/>
+              <a:t> (statistical approach/machine learning)</a:t>
+            </a:r>
+          </a:p>
+          <a:p>
+            <a:pPr marL="171450" indent="-171450">
+              <a:buFont typeface="Arial" panose="020B0604020202020204" pitchFamily="34" charset="0"/>
+              <a:buChar char="•"/>
+            </a:pPr>
+            <a:r>
+              <a:rPr lang="en-US" dirty="0" smtClean="0"/>
+              <a:t>requires a lot of data</a:t>
+            </a:r>
+          </a:p>
+          <a:p>
+            <a:pPr marL="171450" indent="-171450">
+              <a:buFont typeface="Arial" panose="020B0604020202020204" pitchFamily="34" charset="0"/>
+              <a:buChar char="•"/>
+            </a:pPr>
+            <a:r>
+              <a:rPr lang="en-US" dirty="0" smtClean="0"/>
+              <a:t>But storing and processing this data can collide with the privacy of employees</a:t>
+            </a:r>
+          </a:p>
+          <a:p>
+            <a:pPr marL="171450" indent="-171450">
+              <a:buFont typeface="Arial" panose="020B0604020202020204" pitchFamily="34" charset="0"/>
+              <a:buChar char="•"/>
+            </a:pPr>
+            <a:r>
+              <a:rPr lang="en-US" i="1" dirty="0" smtClean="0"/>
+              <a:t>Bundesdatenschutzgesetz</a:t>
+            </a:r>
+            <a:r>
+              <a:rPr lang="en-US" dirty="0" smtClean="0"/>
+              <a:t>,§32, 1:</a:t>
+            </a:r>
+            <a:br>
+              <a:rPr lang="en-US" dirty="0" smtClean="0"/>
+            </a:br>
+            <a:r>
+              <a:rPr lang="en-US" dirty="0" smtClean="0"/>
+              <a:t>Data related to employees can be used for detecting crimes just with concrete evidence </a:t>
+            </a:r>
+            <a:endParaRPr lang="de-DE" dirty="0" smtClean="0"/>
+          </a:p>
+          <a:p>
+            <a:pPr marL="171450" indent="-171450">
+              <a:buFont typeface="Arial" panose="020B0604020202020204" pitchFamily="34" charset="0"/>
+              <a:buChar char="•"/>
+            </a:pPr>
+            <a:endParaRPr lang="de-DE" dirty="0"/>
+          </a:p>
+        </p:txBody>
+      </p:sp>
+      <p:sp>
+        <p:nvSpPr>
+          <p:cNvPr id="4" name="Foliennummernplatzhalter 3"/>
+          <p:cNvSpPr>
+            <a:spLocks noGrp="1"/>
+          </p:cNvSpPr>
+          <p:nvPr>
+            <p:ph type="sldNum" sz="quarter" idx="10"/>
+          </p:nvPr>
+        </p:nvSpPr>
+        <p:spPr/>
+        <p:txBody>
+          <a:bodyPr/>
+          <a:lstStyle/>
+          <a:p>
+            <a:pPr>
+              <a:defRPr/>
+            </a:pPr>
+            <a:fld id="{9DDC5E44-63C0-EF42-9B94-8202B4B6C3D9}" type="slidenum">
+              <a:rPr lang="de-DE" smtClean="0"/>
+              <a:pPr>
+                <a:defRPr/>
+              </a:pPr>
+              <a:t>15</a:t>
+            </a:fld>
+            <a:endParaRPr lang="de-DE"/>
+          </a:p>
+        </p:txBody>
+      </p:sp>
+    </p:spTree>
+    <p:extLst>
+      <p:ext uri="{BB962C8B-B14F-4D97-AF65-F5344CB8AC3E}">
+        <p14:creationId xmlns:p14="http://schemas.microsoft.com/office/powerpoint/2010/main" val="715939272"/>
       </p:ext>
     </p:extLst>
   </p:cSld>
@@ -3327,7 +3649,7 @@
               </a14:hiddenLine>
             </a:ext>
             <a:ext uri="{FAA26D3D-D897-4be2-8F04-BA451C77F1D7}">
-              <ma14:placeholderFlag xmlns:ma14="http://schemas.microsoft.com/office/mac/drawingml/2011/main" xmlns="" val="1"/>
+              <ma14:placeholderFlag xmlns="" xmlns:ma14="http://schemas.microsoft.com/office/mac/drawingml/2011/main" val="1"/>
             </a:ext>
           </a:extLst>
         </p:spPr>
@@ -3388,7 +3710,7 @@
               </a14:hiddenLine>
             </a:ext>
             <a:ext uri="{FAA26D3D-D897-4be2-8F04-BA451C77F1D7}">
-              <ma14:placeholderFlag xmlns:ma14="http://schemas.microsoft.com/office/mac/drawingml/2011/main" xmlns="" val="1"/>
+              <ma14:placeholderFlag xmlns="" xmlns:ma14="http://schemas.microsoft.com/office/mac/drawingml/2011/main" val="1"/>
             </a:ext>
           </a:extLst>
         </p:spPr>
@@ -4243,7 +4565,6 @@
               <a:rPr lang="de-DE" dirty="0"/>
               <a:t> und kryptographischer Schwellwertschemata</a:t>
             </a:r>
-            <a:endParaRPr lang="de-DE" dirty="0"/>
           </a:p>
         </p:txBody>
       </p:sp>
@@ -4362,7 +4683,23 @@
           <a:p>
             <a:r>
               <a:rPr lang="de-DE" dirty="0" err="1" smtClean="0"/>
-              <a:t>Pseudonymisation</a:t>
+              <a:t>Identifying</a:t>
+            </a:r>
+            <a:r>
+              <a:rPr lang="de-DE" dirty="0" smtClean="0"/>
+              <a:t> </a:t>
+            </a:r>
+            <a:r>
+              <a:rPr lang="de-DE" dirty="0" err="1" smtClean="0"/>
+              <a:t>created</a:t>
+            </a:r>
+            <a:r>
+              <a:rPr lang="de-DE" dirty="0" smtClean="0"/>
+              <a:t> </a:t>
+            </a:r>
+            <a:r>
+              <a:rPr lang="de-DE" dirty="0" err="1" smtClean="0"/>
+              <a:t>pseudonyms</a:t>
             </a:r>
             <a:endParaRPr lang="de-DE" dirty="0"/>
           </a:p>
@@ -4378,201 +4715,130 @@
             <p:ph idx="1"/>
           </p:nvPr>
         </p:nvSpPr>
-        <p:spPr/>
+        <p:spPr>
+          <a:xfrm>
+            <a:off x="3023828" y="4040832"/>
+            <a:ext cx="3096344" cy="2484512"/>
+          </a:xfrm>
+        </p:spPr>
         <p:txBody>
           <a:bodyPr/>
           <a:lstStyle/>
           <a:p>
             <a:r>
-              <a:rPr lang="de-DE" dirty="0" err="1" smtClean="0"/>
-              <a:t>Changing</a:t>
-            </a:r>
-            <a:r>
-              <a:rPr lang="de-DE" dirty="0" smtClean="0"/>
-              <a:t> </a:t>
-            </a:r>
-            <a:r>
-              <a:rPr lang="de-DE" dirty="0" err="1" smtClean="0"/>
-              <a:t>pseudonyms</a:t>
-            </a:r>
-            <a:r>
-              <a:rPr lang="de-DE" dirty="0" smtClean="0"/>
-              <a:t> </a:t>
-            </a:r>
-            <a:r>
-              <a:rPr lang="de-DE" dirty="0" err="1" smtClean="0"/>
-              <a:t>regularly</a:t>
+              <a:rPr lang="de-DE" dirty="0" err="1"/>
+              <a:t>Local</a:t>
+            </a:r>
+            <a:r>
+              <a:rPr lang="de-DE" dirty="0"/>
+              <a:t> </a:t>
+            </a:r>
+            <a:r>
+              <a:rPr lang="de-DE" dirty="0" err="1" smtClean="0"/>
+              <a:t>storage</a:t>
+            </a:r>
+            <a:endParaRPr lang="de-DE" strike="sngStrike" dirty="0" smtClean="0"/>
+          </a:p>
+          <a:p>
+            <a:r>
+              <a:rPr lang="de-DE" strike="sngStrike" dirty="0" err="1" smtClean="0"/>
+              <a:t>Decryption</a:t>
+            </a:r>
+            <a:endParaRPr lang="de-DE" strike="sngStrike" dirty="0" smtClean="0"/>
+          </a:p>
+          <a:p>
+            <a:r>
+              <a:rPr lang="de-DE" strike="sngStrike" dirty="0" err="1" smtClean="0"/>
+              <a:t>Deterministic</a:t>
+            </a:r>
+            <a:r>
+              <a:rPr lang="de-DE" strike="sngStrike" dirty="0" smtClean="0"/>
+              <a:t> </a:t>
+            </a:r>
+            <a:r>
+              <a:rPr lang="de-DE" strike="sngStrike" dirty="0" err="1" smtClean="0"/>
+              <a:t>encryption</a:t>
+            </a:r>
+            <a:endParaRPr lang="de-DE" strike="sngStrike" dirty="0"/>
+          </a:p>
+          <a:p>
+            <a:r>
+              <a:rPr lang="de-DE" strike="sngStrike" dirty="0" err="1" smtClean="0"/>
+              <a:t>Hashing</a:t>
+            </a:r>
+            <a:endParaRPr lang="de-DE" strike="sngStrike" dirty="0" smtClean="0"/>
+          </a:p>
+          <a:p>
+            <a:r>
+              <a:rPr lang="de-DE" b="1" dirty="0" smtClean="0"/>
+              <a:t>MACs</a:t>
+            </a:r>
+          </a:p>
+          <a:p>
+            <a:r>
+              <a:rPr lang="de-DE" dirty="0" err="1" smtClean="0"/>
+              <a:t>Searchable</a:t>
+            </a:r>
+            <a:r>
+              <a:rPr lang="de-DE" dirty="0" smtClean="0"/>
+              <a:t> </a:t>
+            </a:r>
+            <a:r>
+              <a:rPr lang="de-DE" dirty="0" err="1" smtClean="0"/>
+              <a:t>encryption</a:t>
             </a:r>
             <a:endParaRPr lang="de-DE" dirty="0" smtClean="0"/>
           </a:p>
           <a:p>
-            <a:r>
-              <a:rPr lang="de-DE" dirty="0" err="1" smtClean="0"/>
-              <a:t>Linkability</a:t>
-            </a:r>
-            <a:r>
-              <a:rPr lang="de-DE" dirty="0" smtClean="0"/>
-              <a:t>: </a:t>
-            </a:r>
-            <a:r>
-              <a:rPr lang="de-DE" dirty="0" err="1" smtClean="0"/>
-              <a:t>balancing</a:t>
-            </a:r>
-            <a:r>
-              <a:rPr lang="de-DE" dirty="0" smtClean="0"/>
-              <a:t> </a:t>
-            </a:r>
-            <a:r>
-              <a:rPr lang="de-DE" dirty="0" err="1" smtClean="0"/>
-              <a:t>privacy</a:t>
-            </a:r>
-            <a:r>
-              <a:rPr lang="de-DE" dirty="0" smtClean="0"/>
-              <a:t> </a:t>
-            </a:r>
-            <a:r>
-              <a:rPr lang="de-DE" dirty="0" err="1" smtClean="0"/>
-              <a:t>and</a:t>
-            </a:r>
-            <a:r>
-              <a:rPr lang="de-DE" dirty="0" smtClean="0"/>
-              <a:t> </a:t>
-            </a:r>
-            <a:r>
-              <a:rPr lang="de-DE" dirty="0" err="1" smtClean="0"/>
-              <a:t>anomaly</a:t>
-            </a:r>
-            <a:r>
-              <a:rPr lang="de-DE" dirty="0" smtClean="0"/>
-              <a:t> </a:t>
-            </a:r>
-            <a:r>
-              <a:rPr lang="de-DE" dirty="0" err="1" smtClean="0"/>
-              <a:t>detection</a:t>
-            </a:r>
-            <a:r>
-              <a:rPr lang="de-DE" dirty="0" smtClean="0"/>
-              <a:t> </a:t>
-            </a:r>
-            <a:r>
-              <a:rPr lang="de-DE" dirty="0" err="1" smtClean="0"/>
-              <a:t>requirements</a:t>
-            </a:r>
-            <a:endParaRPr lang="de-DE" dirty="0" smtClean="0"/>
-          </a:p>
-          <a:p>
-            <a:r>
-              <a:rPr lang="de-DE" dirty="0" smtClean="0"/>
-              <a:t>Time </a:t>
-            </a:r>
-            <a:r>
-              <a:rPr lang="de-DE" dirty="0" err="1" smtClean="0"/>
-              <a:t>and</a:t>
-            </a:r>
-            <a:r>
-              <a:rPr lang="de-DE" dirty="0" smtClean="0"/>
-              <a:t> </a:t>
-            </a:r>
-            <a:r>
-              <a:rPr lang="de-DE" dirty="0" err="1" smtClean="0"/>
-              <a:t>usage</a:t>
-            </a:r>
-            <a:r>
-              <a:rPr lang="de-DE" dirty="0" smtClean="0"/>
-              <a:t> </a:t>
-            </a:r>
-            <a:r>
-              <a:rPr lang="de-DE" dirty="0" err="1" smtClean="0"/>
-              <a:t>dependent</a:t>
-            </a:r>
-            <a:endParaRPr lang="de-DE" dirty="0" smtClean="0"/>
-          </a:p>
-          <a:p>
-            <a:r>
-              <a:rPr lang="de-DE" dirty="0" smtClean="0"/>
-              <a:t>Parameter </a:t>
-            </a:r>
-            <a:r>
-              <a:rPr lang="de-DE" dirty="0" err="1" smtClean="0"/>
-              <a:t>choice</a:t>
-            </a:r>
-            <a:r>
-              <a:rPr lang="de-DE" dirty="0" smtClean="0"/>
-              <a:t> </a:t>
-            </a:r>
-            <a:r>
-              <a:rPr lang="de-DE" dirty="0" err="1" smtClean="0"/>
-              <a:t>depends</a:t>
-            </a:r>
-            <a:r>
-              <a:rPr lang="de-DE" dirty="0" smtClean="0"/>
-              <a:t> on</a:t>
-            </a:r>
-          </a:p>
-          <a:p>
-            <a:pPr lvl="1"/>
-            <a:r>
-              <a:rPr lang="de-DE" dirty="0" smtClean="0"/>
-              <a:t>Data </a:t>
-            </a:r>
-            <a:r>
-              <a:rPr lang="de-DE" dirty="0" err="1" smtClean="0"/>
-              <a:t>source</a:t>
-            </a:r>
-            <a:r>
-              <a:rPr lang="de-DE" dirty="0" smtClean="0"/>
-              <a:t> </a:t>
-            </a:r>
-            <a:r>
-              <a:rPr lang="de-DE" dirty="0" err="1" smtClean="0"/>
-              <a:t>properties</a:t>
-            </a:r>
-            <a:endParaRPr lang="de-DE" dirty="0" smtClean="0"/>
-          </a:p>
-          <a:p>
-            <a:pPr lvl="1"/>
-            <a:r>
-              <a:rPr lang="de-DE" dirty="0" err="1" smtClean="0"/>
-              <a:t>Anomaly</a:t>
-            </a:r>
-            <a:r>
-              <a:rPr lang="de-DE" dirty="0" smtClean="0"/>
-              <a:t> </a:t>
-            </a:r>
-            <a:r>
-              <a:rPr lang="de-DE" dirty="0" err="1" smtClean="0"/>
-              <a:t>detection</a:t>
-            </a:r>
-            <a:r>
-              <a:rPr lang="de-DE" dirty="0" smtClean="0"/>
-              <a:t> </a:t>
-            </a:r>
-            <a:r>
-              <a:rPr lang="de-DE" dirty="0" err="1" smtClean="0"/>
-              <a:t>requirements</a:t>
-            </a:r>
-            <a:endParaRPr lang="de-DE" dirty="0" smtClean="0"/>
-          </a:p>
-          <a:p>
-            <a:endParaRPr lang="de-DE" dirty="0"/>
-          </a:p>
-          <a:p>
-            <a:r>
-              <a:rPr lang="de-DE" dirty="0" smtClean="0"/>
-              <a:t>Implementation:  </a:t>
-            </a:r>
-            <a:r>
-              <a:rPr lang="de-DE" dirty="0" err="1" smtClean="0"/>
-              <a:t>straightforward</a:t>
-            </a:r>
             <a:endParaRPr lang="de-DE" dirty="0"/>
           </a:p>
         </p:txBody>
       </p:sp>
+      <p:pic>
+        <p:nvPicPr>
+          <p:cNvPr id="17410" name="Picture 2" descr="C:\Users\m3\Entwicklung\git\master-thesis\thesis\dia\se_overview.png"/>
+          <p:cNvPicPr>
+            <a:picLocks noChangeAspect="1" noChangeArrowheads="1"/>
+          </p:cNvPicPr>
+          <p:nvPr/>
+        </p:nvPicPr>
+        <p:blipFill>
+          <a:blip r:embed="rId2">
+            <a:extLst>
+              <a:ext uri="{28A0092B-C50C-407E-A947-70E740481C1C}">
+                <a14:useLocalDpi xmlns:a14="http://schemas.microsoft.com/office/drawing/2010/main" val="0"/>
+              </a:ext>
+            </a:extLst>
+          </a:blip>
+          <a:srcRect/>
+          <a:stretch>
+            <a:fillRect/>
+          </a:stretch>
+        </p:blipFill>
+        <p:spPr bwMode="auto">
+          <a:xfrm>
+            <a:off x="1554522" y="1628800"/>
+            <a:ext cx="6034956" cy="2266799"/>
+          </a:xfrm>
+          <a:prstGeom prst="rect">
+            <a:avLst/>
+          </a:prstGeom>
+          <a:noFill/>
+          <a:extLst>
+            <a:ext uri="{909E8E84-426E-40DD-AFC4-6F175D3DCCD1}">
+              <a14:hiddenFill xmlns:a14="http://schemas.microsoft.com/office/drawing/2010/main">
+                <a:solidFill>
+                  <a:srgbClr val="FFFFFF"/>
+                </a:solidFill>
+              </a14:hiddenFill>
+            </a:ext>
+          </a:extLst>
+        </p:spPr>
+      </p:pic>
     </p:spTree>
     <p:extLst>
       <p:ext uri="{BB962C8B-B14F-4D97-AF65-F5344CB8AC3E}">
-        <p14:creationId xmlns:p14="http://schemas.microsoft.com/office/powerpoint/2010/main" val="917131898"/>
+        <p14:creationId xmlns:p14="http://schemas.microsoft.com/office/powerpoint/2010/main" val="3862439232"/>
       </p:ext>
     </p:extLst>
   </p:cSld>
@@ -4615,16 +4881,24 @@
           <a:lstStyle/>
           <a:p>
             <a:r>
-              <a:rPr lang="de-DE" dirty="0" err="1" smtClean="0"/>
-              <a:t>Threshold</a:t>
-            </a:r>
-            <a:r>
-              <a:rPr lang="de-DE" dirty="0" smtClean="0"/>
-              <a:t> </a:t>
-            </a:r>
-            <a:r>
-              <a:rPr lang="de-DE" dirty="0" err="1" smtClean="0"/>
-              <a:t>cryptosystem</a:t>
+              <a:rPr lang="de-DE" dirty="0" smtClean="0"/>
+              <a:t>Evaluation (I) - </a:t>
+            </a:r>
+            <a:r>
+              <a:rPr lang="de-DE" dirty="0" err="1" smtClean="0"/>
+              <a:t>possible</a:t>
+            </a:r>
+            <a:r>
+              <a:rPr lang="de-DE" dirty="0" smtClean="0"/>
+              <a:t> </a:t>
+            </a:r>
+            <a:r>
+              <a:rPr lang="de-DE" dirty="0" err="1" smtClean="0"/>
+              <a:t>attacks</a:t>
+            </a:r>
+            <a:r>
+              <a:rPr lang="de-DE" dirty="0" smtClean="0"/>
+              <a:t> </a:t>
             </a:r>
             <a:endParaRPr lang="de-DE" dirty="0"/>
           </a:p>
@@ -4646,478 +4920,6 @@
           <a:lstStyle/>
           <a:p>
             <a:r>
-              <a:rPr lang="de-DE" dirty="0" err="1" smtClean="0"/>
-              <a:t>Threshold</a:t>
-            </a:r>
-            <a:r>
-              <a:rPr lang="de-DE" dirty="0" smtClean="0"/>
-              <a:t> </a:t>
-            </a:r>
-            <a:r>
-              <a:rPr lang="de-DE" dirty="0" err="1" smtClean="0"/>
-              <a:t>public</a:t>
-            </a:r>
-            <a:r>
-              <a:rPr lang="de-DE" dirty="0" smtClean="0"/>
-              <a:t> </a:t>
-            </a:r>
-            <a:r>
-              <a:rPr lang="de-DE" dirty="0" err="1" smtClean="0"/>
-              <a:t>key</a:t>
-            </a:r>
-            <a:r>
-              <a:rPr lang="de-DE" dirty="0" smtClean="0"/>
-              <a:t> </a:t>
-            </a:r>
-            <a:r>
-              <a:rPr lang="de-DE" dirty="0" err="1" smtClean="0"/>
-              <a:t>decryption</a:t>
-            </a:r>
-            <a:r>
-              <a:rPr lang="de-DE" dirty="0" smtClean="0"/>
-              <a:t> </a:t>
-            </a:r>
-            <a:br>
-              <a:rPr lang="de-DE" dirty="0" smtClean="0"/>
-            </a:br>
-            <a:r>
-              <a:rPr lang="de-DE" dirty="0" err="1" smtClean="0"/>
-              <a:t>combining</a:t>
-            </a:r>
-            <a:r>
-              <a:rPr lang="de-DE" dirty="0" smtClean="0"/>
-              <a:t> </a:t>
-            </a:r>
-            <a:r>
-              <a:rPr lang="de-DE" dirty="0" err="1" smtClean="0"/>
-              <a:t>ElGamal</a:t>
-            </a:r>
-            <a:r>
-              <a:rPr lang="de-DE" dirty="0" smtClean="0"/>
-              <a:t> </a:t>
-            </a:r>
-            <a:r>
-              <a:rPr lang="de-DE" dirty="0" err="1" smtClean="0"/>
-              <a:t>and</a:t>
-            </a:r>
-            <a:r>
-              <a:rPr lang="de-DE" dirty="0" smtClean="0"/>
-              <a:t> </a:t>
-            </a:r>
-            <a:r>
-              <a:rPr lang="de-DE" dirty="0" err="1" smtClean="0"/>
-              <a:t>Shamir‘s</a:t>
-            </a:r>
-            <a:r>
-              <a:rPr lang="de-DE" dirty="0" smtClean="0"/>
-              <a:t> </a:t>
-            </a:r>
-            <a:r>
-              <a:rPr lang="de-DE" dirty="0" err="1" smtClean="0"/>
-              <a:t>secret</a:t>
-            </a:r>
-            <a:r>
-              <a:rPr lang="de-DE" dirty="0" smtClean="0"/>
-              <a:t> </a:t>
-            </a:r>
-            <a:r>
-              <a:rPr lang="de-DE" dirty="0" err="1" smtClean="0"/>
-              <a:t>sharing</a:t>
-            </a:r>
-            <a:endParaRPr lang="de-DE" dirty="0" smtClean="0"/>
-          </a:p>
-          <a:p>
-            <a:r>
-              <a:rPr lang="de-DE" dirty="0" err="1" smtClean="0"/>
-              <a:t>Centralized</a:t>
-            </a:r>
-            <a:r>
-              <a:rPr lang="de-DE" dirty="0" smtClean="0"/>
-              <a:t> </a:t>
-            </a:r>
-            <a:r>
-              <a:rPr lang="de-DE" dirty="0" err="1" smtClean="0"/>
-              <a:t>key</a:t>
-            </a:r>
-            <a:r>
-              <a:rPr lang="de-DE" dirty="0" smtClean="0"/>
-              <a:t> </a:t>
-            </a:r>
-            <a:r>
-              <a:rPr lang="de-DE" dirty="0" err="1" smtClean="0"/>
-              <a:t>generation</a:t>
-            </a:r>
-            <a:endParaRPr lang="de-DE" dirty="0" smtClean="0"/>
-          </a:p>
-          <a:p>
-            <a:endParaRPr lang="de-DE" dirty="0"/>
-          </a:p>
-          <a:p>
-            <a:r>
-              <a:rPr lang="de-DE" dirty="0" smtClean="0"/>
-              <a:t>Implementation:</a:t>
-            </a:r>
-          </a:p>
-          <a:p>
-            <a:pPr lvl="1"/>
-            <a:r>
-              <a:rPr lang="de-DE" dirty="0" err="1" smtClean="0"/>
-              <a:t>No</a:t>
-            </a:r>
-            <a:r>
-              <a:rPr lang="de-DE" dirty="0" smtClean="0"/>
-              <a:t> </a:t>
-            </a:r>
-            <a:r>
-              <a:rPr lang="de-DE" dirty="0" err="1"/>
-              <a:t>usable</a:t>
-            </a:r>
-            <a:r>
-              <a:rPr lang="de-DE" dirty="0"/>
-              <a:t> </a:t>
-            </a:r>
-            <a:r>
-              <a:rPr lang="de-DE" dirty="0" smtClean="0"/>
-              <a:t>open </a:t>
-            </a:r>
-            <a:r>
-              <a:rPr lang="de-DE" dirty="0" err="1" smtClean="0"/>
-              <a:t>source</a:t>
-            </a:r>
-            <a:r>
-              <a:rPr lang="de-DE" dirty="0" smtClean="0"/>
-              <a:t> </a:t>
-            </a:r>
-            <a:r>
-              <a:rPr lang="de-DE" dirty="0" err="1" smtClean="0"/>
-              <a:t>implementation</a:t>
-            </a:r>
-            <a:endParaRPr lang="de-DE" dirty="0" smtClean="0"/>
-          </a:p>
-          <a:p>
-            <a:pPr lvl="1"/>
-            <a:r>
-              <a:rPr lang="de-DE" dirty="0" err="1" smtClean="0"/>
-              <a:t>Own</a:t>
-            </a:r>
-            <a:r>
-              <a:rPr lang="de-DE" dirty="0" smtClean="0"/>
-              <a:t> </a:t>
-            </a:r>
-            <a:r>
-              <a:rPr lang="de-DE" dirty="0" err="1" smtClean="0"/>
-              <a:t>implementation</a:t>
-            </a:r>
-            <a:r>
-              <a:rPr lang="de-DE" dirty="0" smtClean="0"/>
-              <a:t> </a:t>
-            </a:r>
-            <a:r>
-              <a:rPr lang="de-DE" dirty="0" err="1" smtClean="0"/>
-              <a:t>as</a:t>
-            </a:r>
-            <a:r>
-              <a:rPr lang="de-DE" dirty="0" smtClean="0"/>
-              <a:t> hybrid </a:t>
-            </a:r>
-            <a:r>
-              <a:rPr lang="de-DE" dirty="0" err="1" smtClean="0"/>
-              <a:t>scheme</a:t>
-            </a:r>
-            <a:r>
-              <a:rPr lang="de-DE" dirty="0" smtClean="0"/>
-              <a:t> </a:t>
-            </a:r>
-          </a:p>
-          <a:p>
-            <a:endParaRPr lang="de-DE" dirty="0"/>
-          </a:p>
-        </p:txBody>
-      </p:sp>
-    </p:spTree>
-    <p:extLst>
-      <p:ext uri="{BB962C8B-B14F-4D97-AF65-F5344CB8AC3E}">
-        <p14:creationId xmlns:p14="http://schemas.microsoft.com/office/powerpoint/2010/main" val="3386287776"/>
-      </p:ext>
-    </p:extLst>
-  </p:cSld>
-  <p:clrMapOvr>
-    <a:masterClrMapping/>
-  </p:clrMapOvr>
-</p:sld>
-</file>
-
-<file path=ppt/slides/slide12.xml><?xml version="1.0" encoding="utf-8"?>
-<p:sld xmlns:a="http://schemas.openxmlformats.org/drawingml/2006/main" xmlns:r="http://schemas.openxmlformats.org/officeDocument/2006/relationships" xmlns:p="http://schemas.openxmlformats.org/presentationml/2006/main">
-  <p:cSld>
-    <p:spTree>
-      <p:nvGrpSpPr>
-        <p:cNvPr id="1" name=""/>
-        <p:cNvGrpSpPr/>
-        <p:nvPr/>
-      </p:nvGrpSpPr>
-      <p:grpSpPr>
-        <a:xfrm>
-          <a:off x="0" y="0"/>
-          <a:ext cx="0" cy="0"/>
-          <a:chOff x="0" y="0"/>
-          <a:chExt cx="0" cy="0"/>
-        </a:xfrm>
-      </p:grpSpPr>
-      <p:sp>
-        <p:nvSpPr>
-          <p:cNvPr id="2" name="Titel 1"/>
-          <p:cNvSpPr>
-            <a:spLocks noGrp="1"/>
-          </p:cNvSpPr>
-          <p:nvPr>
-            <p:ph type="title"/>
-          </p:nvPr>
-        </p:nvSpPr>
-        <p:spPr/>
-        <p:txBody>
-          <a:bodyPr/>
-          <a:lstStyle/>
-          <a:p>
-            <a:r>
-              <a:rPr lang="de-DE" dirty="0" err="1" smtClean="0"/>
-              <a:t>Identifying</a:t>
-            </a:r>
-            <a:r>
-              <a:rPr lang="de-DE" dirty="0" smtClean="0"/>
-              <a:t> </a:t>
-            </a:r>
-            <a:r>
-              <a:rPr lang="de-DE" dirty="0" err="1" smtClean="0"/>
-              <a:t>created</a:t>
-            </a:r>
-            <a:r>
-              <a:rPr lang="de-DE" dirty="0" smtClean="0"/>
-              <a:t> </a:t>
-            </a:r>
-            <a:r>
-              <a:rPr lang="de-DE" dirty="0" err="1" smtClean="0"/>
-              <a:t>pseudonyms</a:t>
-            </a:r>
-            <a:endParaRPr lang="de-DE" dirty="0"/>
-          </a:p>
-        </p:txBody>
-      </p:sp>
-      <p:sp>
-        <p:nvSpPr>
-          <p:cNvPr id="3" name="Inhaltsplatzhalter 2"/>
-          <p:cNvSpPr>
-            <a:spLocks noGrp="1"/>
-          </p:cNvSpPr>
-          <p:nvPr>
-            <p:ph idx="1"/>
-          </p:nvPr>
-        </p:nvSpPr>
-        <p:spPr>
-          <a:xfrm>
-            <a:off x="3023828" y="4040832"/>
-            <a:ext cx="3096344" cy="2484512"/>
-          </a:xfrm>
-        </p:spPr>
-        <p:txBody>
-          <a:bodyPr/>
-          <a:lstStyle/>
-          <a:p>
-            <a:r>
-              <a:rPr lang="de-DE" dirty="0" err="1"/>
-              <a:t>Local</a:t>
-            </a:r>
-            <a:r>
-              <a:rPr lang="de-DE" dirty="0"/>
-              <a:t> </a:t>
-            </a:r>
-            <a:r>
-              <a:rPr lang="de-DE" dirty="0" err="1" smtClean="0"/>
-              <a:t>storage</a:t>
-            </a:r>
-            <a:endParaRPr lang="de-DE" strike="sngStrike" dirty="0" smtClean="0"/>
-          </a:p>
-          <a:p>
-            <a:r>
-              <a:rPr lang="de-DE" strike="sngStrike" dirty="0" err="1" smtClean="0"/>
-              <a:t>Decryption</a:t>
-            </a:r>
-            <a:endParaRPr lang="de-DE" strike="sngStrike" dirty="0" smtClean="0"/>
-          </a:p>
-          <a:p>
-            <a:r>
-              <a:rPr lang="de-DE" strike="sngStrike" dirty="0" err="1" smtClean="0"/>
-              <a:t>Deterministic</a:t>
-            </a:r>
-            <a:r>
-              <a:rPr lang="de-DE" strike="sngStrike" dirty="0" smtClean="0"/>
-              <a:t> </a:t>
-            </a:r>
-            <a:r>
-              <a:rPr lang="de-DE" strike="sngStrike" dirty="0" err="1" smtClean="0"/>
-              <a:t>encryption</a:t>
-            </a:r>
-            <a:endParaRPr lang="de-DE" strike="sngStrike" dirty="0"/>
-          </a:p>
-          <a:p>
-            <a:r>
-              <a:rPr lang="de-DE" strike="sngStrike" dirty="0" err="1" smtClean="0"/>
-              <a:t>Hashing</a:t>
-            </a:r>
-            <a:endParaRPr lang="de-DE" strike="sngStrike" dirty="0" smtClean="0"/>
-          </a:p>
-          <a:p>
-            <a:r>
-              <a:rPr lang="de-DE" b="1" dirty="0" smtClean="0"/>
-              <a:t>MACs</a:t>
-            </a:r>
-          </a:p>
-          <a:p>
-            <a:r>
-              <a:rPr lang="de-DE" dirty="0" err="1" smtClean="0"/>
-              <a:t>Searchable</a:t>
-            </a:r>
-            <a:r>
-              <a:rPr lang="de-DE" dirty="0" smtClean="0"/>
-              <a:t> </a:t>
-            </a:r>
-            <a:r>
-              <a:rPr lang="de-DE" dirty="0" err="1" smtClean="0"/>
-              <a:t>encryption</a:t>
-            </a:r>
-            <a:endParaRPr lang="de-DE" dirty="0" smtClean="0"/>
-          </a:p>
-          <a:p>
-            <a:endParaRPr lang="de-DE" dirty="0"/>
-          </a:p>
-        </p:txBody>
-      </p:sp>
-      <p:pic>
-        <p:nvPicPr>
-          <p:cNvPr id="17410" name="Picture 2" descr="C:\Users\m3\Entwicklung\git\master-thesis\thesis\dia\se_overview.png"/>
-          <p:cNvPicPr>
-            <a:picLocks noChangeAspect="1" noChangeArrowheads="1"/>
-          </p:cNvPicPr>
-          <p:nvPr/>
-        </p:nvPicPr>
-        <p:blipFill>
-          <a:blip r:embed="rId2">
-            <a:extLst>
-              <a:ext uri="{28A0092B-C50C-407E-A947-70E740481C1C}">
-                <a14:useLocalDpi xmlns:a14="http://schemas.microsoft.com/office/drawing/2010/main" val="0"/>
-              </a:ext>
-            </a:extLst>
-          </a:blip>
-          <a:srcRect/>
-          <a:stretch>
-            <a:fillRect/>
-          </a:stretch>
-        </p:blipFill>
-        <p:spPr bwMode="auto">
-          <a:xfrm>
-            <a:off x="1554522" y="1628800"/>
-            <a:ext cx="6034956" cy="2266799"/>
-          </a:xfrm>
-          <a:prstGeom prst="rect">
-            <a:avLst/>
-          </a:prstGeom>
-          <a:noFill/>
-          <a:extLst>
-            <a:ext uri="{909E8E84-426E-40DD-AFC4-6F175D3DCCD1}">
-              <a14:hiddenFill xmlns:a14="http://schemas.microsoft.com/office/drawing/2010/main">
-                <a:solidFill>
-                  <a:srgbClr val="FFFFFF"/>
-                </a:solidFill>
-              </a14:hiddenFill>
-            </a:ext>
-          </a:extLst>
-        </p:spPr>
-      </p:pic>
-    </p:spTree>
-    <p:extLst>
-      <p:ext uri="{BB962C8B-B14F-4D97-AF65-F5344CB8AC3E}">
-        <p14:creationId xmlns:p14="http://schemas.microsoft.com/office/powerpoint/2010/main" val="3862439232"/>
-      </p:ext>
-    </p:extLst>
-  </p:cSld>
-  <p:clrMapOvr>
-    <a:masterClrMapping/>
-  </p:clrMapOvr>
-</p:sld>
-</file>
-
-<file path=ppt/slides/slide13.xml><?xml version="1.0" encoding="utf-8"?>
-<p:sld xmlns:a="http://schemas.openxmlformats.org/drawingml/2006/main" xmlns:r="http://schemas.openxmlformats.org/officeDocument/2006/relationships" xmlns:p="http://schemas.openxmlformats.org/presentationml/2006/main">
-  <p:cSld>
-    <p:spTree>
-      <p:nvGrpSpPr>
-        <p:cNvPr id="1" name=""/>
-        <p:cNvGrpSpPr/>
-        <p:nvPr/>
-      </p:nvGrpSpPr>
-      <p:grpSpPr>
-        <a:xfrm>
-          <a:off x="0" y="0"/>
-          <a:ext cx="0" cy="0"/>
-          <a:chOff x="0" y="0"/>
-          <a:chExt cx="0" cy="0"/>
-        </a:xfrm>
-      </p:grpSpPr>
-      <p:sp>
-        <p:nvSpPr>
-          <p:cNvPr id="2" name="Titel 1"/>
-          <p:cNvSpPr>
-            <a:spLocks noGrp="1"/>
-          </p:cNvSpPr>
-          <p:nvPr>
-            <p:ph type="title"/>
-          </p:nvPr>
-        </p:nvSpPr>
-        <p:spPr/>
-        <p:txBody>
-          <a:bodyPr/>
-          <a:lstStyle/>
-          <a:p>
-            <a:r>
-              <a:rPr lang="de-DE" dirty="0" smtClean="0"/>
-              <a:t>Evaluation (I) - </a:t>
-            </a:r>
-            <a:r>
-              <a:rPr lang="de-DE" dirty="0" err="1" smtClean="0"/>
-              <a:t>possible</a:t>
-            </a:r>
-            <a:r>
-              <a:rPr lang="de-DE" dirty="0" smtClean="0"/>
-              <a:t> </a:t>
-            </a:r>
-            <a:r>
-              <a:rPr lang="de-DE" dirty="0" err="1" smtClean="0"/>
-              <a:t>attacks</a:t>
-            </a:r>
-            <a:r>
-              <a:rPr lang="de-DE" dirty="0" smtClean="0"/>
-              <a:t> </a:t>
-            </a:r>
-            <a:endParaRPr lang="de-DE" dirty="0"/>
-          </a:p>
-        </p:txBody>
-      </p:sp>
-      <p:sp>
-        <p:nvSpPr>
-          <p:cNvPr id="3" name="Inhaltsplatzhalter 2"/>
-          <p:cNvSpPr>
-            <a:spLocks noGrp="1"/>
-          </p:cNvSpPr>
-          <p:nvPr>
-            <p:ph idx="1"/>
-          </p:nvPr>
-        </p:nvSpPr>
-        <p:spPr/>
-        <p:txBody>
-          <a:bodyPr/>
-          <a:lstStyle/>
-          <a:p>
-            <a:r>
               <a:rPr lang="de-DE" dirty="0" smtClean="0"/>
               <a:t>Background </a:t>
             </a:r>
@@ -5240,7 +5042,7 @@
 </p:sld>
 </file>
 
-<file path=ppt/slides/slide14.xml><?xml version="1.0" encoding="utf-8"?>
+<file path=ppt/slides/slide12.xml><?xml version="1.0" encoding="utf-8"?>
 <p:sld xmlns:a="http://schemas.openxmlformats.org/drawingml/2006/main" xmlns:r="http://schemas.openxmlformats.org/officeDocument/2006/relationships" xmlns:p="http://schemas.openxmlformats.org/presentationml/2006/main">
   <p:cSld>
     <p:spTree>
@@ -5388,6 +5190,486 @@
 </p:sld>
 </file>
 
+<file path=ppt/slides/slide13.xml><?xml version="1.0" encoding="utf-8"?>
+<p:sld xmlns:a="http://schemas.openxmlformats.org/drawingml/2006/main" xmlns:r="http://schemas.openxmlformats.org/officeDocument/2006/relationships" xmlns:p="http://schemas.openxmlformats.org/presentationml/2006/main">
+  <p:cSld>
+    <p:spTree>
+      <p:nvGrpSpPr>
+        <p:cNvPr id="1" name=""/>
+        <p:cNvGrpSpPr/>
+        <p:nvPr/>
+      </p:nvGrpSpPr>
+      <p:grpSpPr>
+        <a:xfrm>
+          <a:off x="0" y="0"/>
+          <a:ext cx="0" cy="0"/>
+          <a:chOff x="0" y="0"/>
+          <a:chExt cx="0" cy="0"/>
+        </a:xfrm>
+      </p:grpSpPr>
+      <p:sp>
+        <p:nvSpPr>
+          <p:cNvPr id="2" name="Titel 1"/>
+          <p:cNvSpPr>
+            <a:spLocks noGrp="1"/>
+          </p:cNvSpPr>
+          <p:nvPr>
+            <p:ph type="title"/>
+          </p:nvPr>
+        </p:nvSpPr>
+        <p:spPr/>
+        <p:txBody>
+          <a:bodyPr/>
+          <a:lstStyle/>
+          <a:p>
+            <a:r>
+              <a:rPr lang="de-DE" dirty="0" err="1" smtClean="0"/>
+              <a:t>Conclusion</a:t>
+            </a:r>
+            <a:r>
+              <a:rPr lang="de-DE" dirty="0" smtClean="0"/>
+              <a:t> </a:t>
+            </a:r>
+            <a:r>
+              <a:rPr lang="de-DE" dirty="0" err="1" smtClean="0"/>
+              <a:t>and</a:t>
+            </a:r>
+            <a:r>
+              <a:rPr lang="de-DE" dirty="0" smtClean="0"/>
+              <a:t> </a:t>
+            </a:r>
+            <a:r>
+              <a:rPr lang="de-DE" dirty="0" err="1" smtClean="0"/>
+              <a:t>future</a:t>
+            </a:r>
+            <a:r>
+              <a:rPr lang="de-DE" dirty="0" smtClean="0"/>
+              <a:t> </a:t>
+            </a:r>
+            <a:r>
+              <a:rPr lang="de-DE" dirty="0" err="1" smtClean="0"/>
+              <a:t>work</a:t>
+            </a:r>
+            <a:endParaRPr lang="de-DE" dirty="0"/>
+          </a:p>
+        </p:txBody>
+      </p:sp>
+      <p:sp>
+        <p:nvSpPr>
+          <p:cNvPr id="3" name="Inhaltsplatzhalter 2"/>
+          <p:cNvSpPr>
+            <a:spLocks noGrp="1"/>
+          </p:cNvSpPr>
+          <p:nvPr>
+            <p:ph idx="1"/>
+          </p:nvPr>
+        </p:nvSpPr>
+        <p:spPr/>
+        <p:txBody>
+          <a:bodyPr/>
+          <a:lstStyle/>
+          <a:p>
+            <a:r>
+              <a:rPr lang="de-DE" dirty="0" smtClean="0"/>
+              <a:t>Well-</a:t>
+            </a:r>
+            <a:r>
+              <a:rPr lang="de-DE" dirty="0" err="1" smtClean="0"/>
+              <a:t>suited</a:t>
+            </a:r>
+            <a:r>
+              <a:rPr lang="de-DE" dirty="0" smtClean="0"/>
+              <a:t> </a:t>
+            </a:r>
+            <a:r>
+              <a:rPr lang="de-DE" dirty="0" err="1" smtClean="0"/>
+              <a:t>approach</a:t>
+            </a:r>
+            <a:r>
+              <a:rPr lang="de-DE" dirty="0" smtClean="0"/>
+              <a:t> </a:t>
+            </a:r>
+            <a:r>
+              <a:rPr lang="de-DE" dirty="0" err="1" smtClean="0"/>
+              <a:t>for</a:t>
+            </a:r>
+            <a:r>
+              <a:rPr lang="de-DE" dirty="0" smtClean="0"/>
+              <a:t> </a:t>
+            </a:r>
+            <a:r>
+              <a:rPr lang="de-DE" dirty="0" err="1" smtClean="0"/>
+              <a:t>the</a:t>
+            </a:r>
+            <a:r>
+              <a:rPr lang="de-DE" dirty="0" smtClean="0"/>
+              <a:t> </a:t>
+            </a:r>
+            <a:r>
+              <a:rPr lang="de-DE" dirty="0" err="1" smtClean="0"/>
+              <a:t>stated</a:t>
+            </a:r>
+            <a:r>
+              <a:rPr lang="de-DE" dirty="0" smtClean="0"/>
+              <a:t> </a:t>
+            </a:r>
+            <a:r>
+              <a:rPr lang="de-DE" dirty="0" err="1" smtClean="0"/>
+              <a:t>problem</a:t>
+            </a:r>
+            <a:endParaRPr lang="de-DE" dirty="0" smtClean="0"/>
+          </a:p>
+          <a:p>
+            <a:pPr lvl="1"/>
+            <a:r>
+              <a:rPr lang="de-DE" dirty="0" smtClean="0"/>
+              <a:t>Parameter-</a:t>
+            </a:r>
+            <a:r>
+              <a:rPr lang="de-DE" dirty="0" err="1" smtClean="0"/>
+              <a:t>dependent</a:t>
+            </a:r>
+            <a:r>
+              <a:rPr lang="de-DE" dirty="0" smtClean="0"/>
+              <a:t> </a:t>
+            </a:r>
+            <a:r>
+              <a:rPr lang="de-DE" dirty="0" err="1" smtClean="0"/>
+              <a:t>linkability</a:t>
+            </a:r>
+            <a:r>
+              <a:rPr lang="de-DE" dirty="0" smtClean="0"/>
+              <a:t> </a:t>
+            </a:r>
+            <a:r>
+              <a:rPr lang="de-DE" dirty="0" err="1" smtClean="0"/>
+              <a:t>for</a:t>
+            </a:r>
+            <a:r>
+              <a:rPr lang="de-DE" dirty="0" smtClean="0"/>
+              <a:t> log </a:t>
+            </a:r>
+            <a:r>
+              <a:rPr lang="de-DE" dirty="0" err="1" smtClean="0"/>
+              <a:t>data</a:t>
+            </a:r>
+            <a:r>
+              <a:rPr lang="de-DE" dirty="0" smtClean="0"/>
+              <a:t/>
+            </a:r>
+            <a:br>
+              <a:rPr lang="de-DE" dirty="0" smtClean="0"/>
+            </a:br>
+            <a:r>
+              <a:rPr lang="de-DE" dirty="0" smtClean="0"/>
+              <a:t>=&gt; </a:t>
+            </a:r>
+            <a:r>
+              <a:rPr lang="de-DE" dirty="0" err="1" smtClean="0"/>
+              <a:t>privacy-preserving</a:t>
+            </a:r>
+            <a:r>
+              <a:rPr lang="de-DE" dirty="0" smtClean="0"/>
+              <a:t> </a:t>
+            </a:r>
+            <a:r>
+              <a:rPr lang="de-DE" dirty="0" err="1" smtClean="0"/>
+              <a:t>anomaly</a:t>
+            </a:r>
+            <a:r>
+              <a:rPr lang="de-DE" dirty="0" smtClean="0"/>
+              <a:t> </a:t>
+            </a:r>
+            <a:r>
+              <a:rPr lang="de-DE" dirty="0" err="1" smtClean="0"/>
+              <a:t>detection</a:t>
+            </a:r>
+            <a:endParaRPr lang="de-DE" dirty="0" smtClean="0"/>
+          </a:p>
+          <a:p>
+            <a:pPr lvl="1"/>
+            <a:r>
+              <a:rPr lang="de-DE" dirty="0" err="1" smtClean="0"/>
+              <a:t>Disclosure</a:t>
+            </a:r>
+            <a:r>
+              <a:rPr lang="de-DE" dirty="0" smtClean="0"/>
+              <a:t> </a:t>
+            </a:r>
+            <a:r>
+              <a:rPr lang="de-DE" dirty="0" err="1" smtClean="0"/>
+              <a:t>of</a:t>
+            </a:r>
+            <a:r>
+              <a:rPr lang="de-DE" dirty="0" smtClean="0"/>
+              <a:t> pseudonym </a:t>
+            </a:r>
+            <a:r>
+              <a:rPr lang="de-DE" dirty="0" err="1" smtClean="0"/>
+              <a:t>owner</a:t>
+            </a:r>
+            <a:r>
+              <a:rPr lang="de-DE" dirty="0" smtClean="0"/>
+              <a:t> </a:t>
+            </a:r>
+            <a:r>
+              <a:rPr lang="de-DE" dirty="0" err="1" smtClean="0"/>
+              <a:t>secured</a:t>
+            </a:r>
+            <a:r>
+              <a:rPr lang="de-DE" dirty="0" smtClean="0"/>
+              <a:t> </a:t>
+            </a:r>
+            <a:r>
+              <a:rPr lang="de-DE" dirty="0" err="1" smtClean="0"/>
+              <a:t>by</a:t>
+            </a:r>
+            <a:r>
+              <a:rPr lang="de-DE" dirty="0" smtClean="0"/>
+              <a:t> </a:t>
+            </a:r>
+            <a:r>
+              <a:rPr lang="de-DE" dirty="0" err="1" smtClean="0"/>
+              <a:t>four-eye</a:t>
+            </a:r>
+            <a:r>
+              <a:rPr lang="de-DE" dirty="0" smtClean="0"/>
+              <a:t> </a:t>
+            </a:r>
+            <a:r>
+              <a:rPr lang="de-DE" dirty="0" err="1" smtClean="0"/>
+              <a:t>principle</a:t>
+            </a:r>
+            <a:endParaRPr lang="de-DE" dirty="0" smtClean="0"/>
+          </a:p>
+          <a:p>
+            <a:pPr lvl="1"/>
+            <a:endParaRPr lang="de-DE" dirty="0" smtClean="0"/>
+          </a:p>
+          <a:p>
+            <a:r>
+              <a:rPr lang="de-DE" dirty="0" smtClean="0"/>
+              <a:t>Implementation </a:t>
+            </a:r>
+            <a:r>
+              <a:rPr lang="de-DE" dirty="0" err="1" smtClean="0"/>
+              <a:t>issues</a:t>
+            </a:r>
+            <a:endParaRPr lang="de-DE" dirty="0" smtClean="0"/>
+          </a:p>
+          <a:p>
+            <a:pPr lvl="1"/>
+            <a:r>
+              <a:rPr lang="de-DE" dirty="0" smtClean="0"/>
+              <a:t>Distributed </a:t>
+            </a:r>
+            <a:r>
+              <a:rPr lang="de-DE" dirty="0" err="1" smtClean="0"/>
+              <a:t>key</a:t>
+            </a:r>
+            <a:r>
+              <a:rPr lang="de-DE" dirty="0" smtClean="0"/>
+              <a:t> </a:t>
+            </a:r>
+            <a:r>
+              <a:rPr lang="de-DE" dirty="0" err="1" smtClean="0"/>
+              <a:t>generation</a:t>
+            </a:r>
+            <a:endParaRPr lang="de-DE" dirty="0" smtClean="0"/>
+          </a:p>
+          <a:p>
+            <a:pPr lvl="1"/>
+            <a:r>
+              <a:rPr lang="de-DE" dirty="0" smtClean="0"/>
+              <a:t>Review </a:t>
+            </a:r>
+            <a:r>
+              <a:rPr lang="de-DE" dirty="0" err="1" smtClean="0"/>
+              <a:t>of</a:t>
+            </a:r>
+            <a:r>
+              <a:rPr lang="de-DE" dirty="0" smtClean="0"/>
+              <a:t> </a:t>
+            </a:r>
+            <a:r>
+              <a:rPr lang="de-DE" dirty="0" err="1" smtClean="0"/>
+              <a:t>cryptographic</a:t>
+            </a:r>
+            <a:r>
+              <a:rPr lang="de-DE" dirty="0" smtClean="0"/>
+              <a:t> </a:t>
+            </a:r>
+            <a:r>
+              <a:rPr lang="de-DE" dirty="0" err="1" smtClean="0"/>
+              <a:t>library</a:t>
+            </a:r>
+            <a:endParaRPr lang="de-DE" dirty="0" smtClean="0"/>
+          </a:p>
+          <a:p>
+            <a:pPr lvl="1"/>
+            <a:r>
+              <a:rPr lang="de-DE" dirty="0" smtClean="0"/>
+              <a:t>ECC-</a:t>
+            </a:r>
+            <a:r>
+              <a:rPr lang="de-DE" dirty="0" err="1" smtClean="0"/>
+              <a:t>ElGamal</a:t>
+            </a:r>
+            <a:endParaRPr lang="de-DE" dirty="0" smtClean="0"/>
+          </a:p>
+          <a:p>
+            <a:pPr lvl="1"/>
+            <a:endParaRPr lang="de-DE" dirty="0" smtClean="0"/>
+          </a:p>
+          <a:p>
+            <a:r>
+              <a:rPr lang="de-DE" dirty="0" smtClean="0"/>
+              <a:t>Open </a:t>
+            </a:r>
+            <a:r>
+              <a:rPr lang="de-DE" dirty="0" err="1" smtClean="0"/>
+              <a:t>questions</a:t>
+            </a:r>
+            <a:endParaRPr lang="de-DE" dirty="0" smtClean="0"/>
+          </a:p>
+          <a:p>
+            <a:pPr lvl="1"/>
+            <a:r>
+              <a:rPr lang="de-DE" dirty="0" err="1" smtClean="0"/>
+              <a:t>Effect</a:t>
+            </a:r>
+            <a:r>
+              <a:rPr lang="de-DE" dirty="0" smtClean="0"/>
+              <a:t> </a:t>
+            </a:r>
+            <a:r>
+              <a:rPr lang="de-DE" dirty="0" err="1" smtClean="0"/>
+              <a:t>of</a:t>
+            </a:r>
+            <a:r>
+              <a:rPr lang="de-DE" dirty="0" smtClean="0"/>
+              <a:t> different </a:t>
+            </a:r>
+            <a:r>
+              <a:rPr lang="de-DE" dirty="0" err="1" smtClean="0"/>
+              <a:t>parameter</a:t>
+            </a:r>
+            <a:r>
+              <a:rPr lang="de-DE" dirty="0" smtClean="0"/>
+              <a:t> </a:t>
+            </a:r>
+            <a:r>
+              <a:rPr lang="de-DE" dirty="0" err="1" smtClean="0"/>
+              <a:t>choices</a:t>
+            </a:r>
+            <a:r>
+              <a:rPr lang="de-DE" dirty="0" smtClean="0"/>
+              <a:t> </a:t>
+            </a:r>
+          </a:p>
+          <a:p>
+            <a:pPr lvl="1"/>
+            <a:r>
+              <a:rPr lang="de-DE" dirty="0" smtClean="0"/>
+              <a:t>Further (</a:t>
+            </a:r>
+            <a:r>
+              <a:rPr lang="de-DE" dirty="0" err="1" smtClean="0"/>
+              <a:t>context-dependent</a:t>
+            </a:r>
+            <a:r>
+              <a:rPr lang="de-DE" dirty="0" smtClean="0"/>
+              <a:t>) </a:t>
+            </a:r>
+            <a:r>
+              <a:rPr lang="de-DE" dirty="0" err="1" smtClean="0"/>
+              <a:t>parameters</a:t>
+            </a:r>
+            <a:endParaRPr lang="de-DE" dirty="0"/>
+          </a:p>
+        </p:txBody>
+      </p:sp>
+    </p:spTree>
+    <p:extLst>
+      <p:ext uri="{BB962C8B-B14F-4D97-AF65-F5344CB8AC3E}">
+        <p14:creationId xmlns:p14="http://schemas.microsoft.com/office/powerpoint/2010/main" val="3656882663"/>
+      </p:ext>
+    </p:extLst>
+  </p:cSld>
+  <p:clrMapOvr>
+    <a:masterClrMapping/>
+  </p:clrMapOvr>
+</p:sld>
+</file>
+
+<file path=ppt/slides/slide14.xml><?xml version="1.0" encoding="utf-8"?>
+<p:sld xmlns:a="http://schemas.openxmlformats.org/drawingml/2006/main" xmlns:r="http://schemas.openxmlformats.org/officeDocument/2006/relationships" xmlns:p="http://schemas.openxmlformats.org/presentationml/2006/main">
+  <p:cSld>
+    <p:spTree>
+      <p:nvGrpSpPr>
+        <p:cNvPr id="1" name=""/>
+        <p:cNvGrpSpPr/>
+        <p:nvPr/>
+      </p:nvGrpSpPr>
+      <p:grpSpPr>
+        <a:xfrm>
+          <a:off x="0" y="0"/>
+          <a:ext cx="0" cy="0"/>
+          <a:chOff x="0" y="0"/>
+          <a:chExt cx="0" cy="0"/>
+        </a:xfrm>
+      </p:grpSpPr>
+      <p:sp>
+        <p:nvSpPr>
+          <p:cNvPr id="3" name="Inhaltsplatzhalter 2"/>
+          <p:cNvSpPr>
+            <a:spLocks noGrp="1"/>
+          </p:cNvSpPr>
+          <p:nvPr>
+            <p:ph idx="1"/>
+          </p:nvPr>
+        </p:nvSpPr>
+        <p:spPr/>
+        <p:txBody>
+          <a:bodyPr anchor="ctr"/>
+          <a:lstStyle/>
+          <a:p>
+            <a:pPr marL="0" indent="0" algn="ctr">
+              <a:buNone/>
+            </a:pPr>
+            <a:r>
+              <a:rPr lang="de-DE" sz="3200" dirty="0" err="1" smtClean="0"/>
+              <a:t>Thank</a:t>
+            </a:r>
+            <a:r>
+              <a:rPr lang="de-DE" sz="3200" dirty="0" smtClean="0"/>
+              <a:t> </a:t>
+            </a:r>
+            <a:r>
+              <a:rPr lang="de-DE" sz="3200" dirty="0" err="1" smtClean="0"/>
+              <a:t>you</a:t>
+            </a:r>
+            <a:r>
+              <a:rPr lang="de-DE" sz="3200" dirty="0" smtClean="0"/>
+              <a:t>!</a:t>
+            </a:r>
+            <a:endParaRPr lang="de-DE" sz="3200" dirty="0"/>
+          </a:p>
+        </p:txBody>
+      </p:sp>
+    </p:spTree>
+    <p:extLst>
+      <p:ext uri="{BB962C8B-B14F-4D97-AF65-F5344CB8AC3E}">
+        <p14:creationId xmlns:p14="http://schemas.microsoft.com/office/powerpoint/2010/main" val="1047112812"/>
+      </p:ext>
+    </p:extLst>
+  </p:cSld>
+  <p:clrMapOvr>
+    <a:masterClrMapping/>
+  </p:clrMapOvr>
+</p:sld>
+</file>
+
 <file path=ppt/slides/slide15.xml><?xml version="1.0" encoding="utf-8"?>
 <p:sld xmlns:a="http://schemas.openxmlformats.org/drawingml/2006/main" xmlns:r="http://schemas.openxmlformats.org/officeDocument/2006/relationships" xmlns:p="http://schemas.openxmlformats.org/presentationml/2006/main">
   <p:cSld>
@@ -5421,32 +5703,12 @@
           <a:lstStyle/>
           <a:p>
             <a:r>
-              <a:rPr lang="de-DE" dirty="0" err="1" smtClean="0"/>
-              <a:t>Conclusion</a:t>
-            </a:r>
-            <a:r>
-              <a:rPr lang="de-DE" dirty="0" smtClean="0"/>
-              <a:t> </a:t>
-            </a:r>
-            <a:r>
-              <a:rPr lang="de-DE" dirty="0" err="1" smtClean="0"/>
-              <a:t>and</a:t>
-            </a:r>
-            <a:r>
-              <a:rPr lang="de-DE" dirty="0" smtClean="0"/>
-              <a:t> </a:t>
-            </a:r>
-            <a:r>
-              <a:rPr lang="de-DE" dirty="0" err="1" smtClean="0"/>
-              <a:t>future</a:t>
-            </a:r>
-            <a:r>
-              <a:rPr lang="de-DE" dirty="0" smtClean="0"/>
-              <a:t> </a:t>
-            </a:r>
-            <a:r>
-              <a:rPr lang="de-DE" dirty="0" err="1" smtClean="0"/>
-              <a:t>work</a:t>
+              <a:rPr lang="de-DE" dirty="0" smtClean="0"/>
+              <a:t>Insider </a:t>
+            </a:r>
+            <a:r>
+              <a:rPr lang="de-DE" dirty="0" err="1" smtClean="0"/>
+              <a:t>attacks</a:t>
             </a:r>
             <a:endParaRPr lang="de-DE" dirty="0"/>
           </a:p>
@@ -5468,320 +5730,175 @@
           <a:lstStyle/>
           <a:p>
             <a:r>
-              <a:rPr lang="de-DE" dirty="0" smtClean="0"/>
-              <a:t>Well-</a:t>
-            </a:r>
-            <a:r>
-              <a:rPr lang="de-DE" dirty="0" err="1" smtClean="0"/>
-              <a:t>suited</a:t>
-            </a:r>
-            <a:r>
-              <a:rPr lang="de-DE" dirty="0" smtClean="0"/>
-              <a:t> </a:t>
-            </a:r>
-            <a:r>
-              <a:rPr lang="de-DE" dirty="0" err="1" smtClean="0"/>
-              <a:t>approach</a:t>
-            </a:r>
-            <a:r>
-              <a:rPr lang="de-DE" dirty="0" smtClean="0"/>
-              <a:t> </a:t>
-            </a:r>
-            <a:r>
-              <a:rPr lang="de-DE" dirty="0" err="1" smtClean="0"/>
-              <a:t>for</a:t>
-            </a:r>
-            <a:r>
-              <a:rPr lang="de-DE" dirty="0" smtClean="0"/>
-              <a:t> </a:t>
-            </a:r>
-            <a:r>
-              <a:rPr lang="de-DE" dirty="0" err="1" smtClean="0"/>
-              <a:t>the</a:t>
-            </a:r>
-            <a:r>
-              <a:rPr lang="de-DE" dirty="0" smtClean="0"/>
-              <a:t> </a:t>
-            </a:r>
-            <a:r>
-              <a:rPr lang="de-DE" dirty="0" err="1" smtClean="0"/>
-              <a:t>stated</a:t>
-            </a:r>
-            <a:r>
-              <a:rPr lang="de-DE" dirty="0" smtClean="0"/>
-              <a:t> </a:t>
-            </a:r>
-            <a:r>
-              <a:rPr lang="de-DE" dirty="0" err="1" smtClean="0"/>
-              <a:t>problem</a:t>
-            </a:r>
-            <a:endParaRPr lang="de-DE" dirty="0" smtClean="0"/>
-          </a:p>
-          <a:p>
-            <a:pPr lvl="1"/>
-            <a:r>
-              <a:rPr lang="de-DE" dirty="0" smtClean="0"/>
-              <a:t>Parameter-</a:t>
-            </a:r>
-            <a:r>
-              <a:rPr lang="de-DE" dirty="0" err="1" smtClean="0"/>
-              <a:t>dependent</a:t>
-            </a:r>
-            <a:r>
-              <a:rPr lang="de-DE" dirty="0" smtClean="0"/>
-              <a:t> </a:t>
-            </a:r>
-            <a:r>
-              <a:rPr lang="de-DE" dirty="0" err="1" smtClean="0"/>
-              <a:t>linkability</a:t>
-            </a:r>
-            <a:r>
-              <a:rPr lang="de-DE" dirty="0" smtClean="0"/>
-              <a:t> </a:t>
-            </a:r>
-            <a:r>
-              <a:rPr lang="de-DE" dirty="0" err="1" smtClean="0"/>
-              <a:t>for</a:t>
-            </a:r>
-            <a:r>
-              <a:rPr lang="de-DE" dirty="0" smtClean="0"/>
-              <a:t> log </a:t>
-            </a:r>
-            <a:r>
-              <a:rPr lang="de-DE" dirty="0" err="1" smtClean="0"/>
-              <a:t>data</a:t>
-            </a:r>
-            <a:r>
-              <a:rPr lang="de-DE" dirty="0" smtClean="0"/>
-              <a:t/>
+              <a:rPr lang="en-US" dirty="0" smtClean="0"/>
+              <a:t>Serious </a:t>
+            </a:r>
+            <a:r>
+              <a:rPr lang="en-US" dirty="0"/>
+              <a:t>threat for </a:t>
+            </a:r>
+            <a:r>
+              <a:rPr lang="en-US" dirty="0" smtClean="0"/>
+              <a:t>companies (examples)</a:t>
+            </a:r>
+            <a:endParaRPr lang="en-US" dirty="0"/>
+          </a:p>
+          <a:p>
+            <a:r>
+              <a:rPr lang="en-US" dirty="0" smtClean="0"/>
+              <a:t>IBM</a:t>
+            </a:r>
+            <a:r>
+              <a:rPr lang="en-US" dirty="0"/>
+              <a:t>, </a:t>
+            </a:r>
+            <a:r>
+              <a:rPr lang="en-US" dirty="0" err="1"/>
+              <a:t>Bitkom</a:t>
+            </a:r>
+            <a:r>
+              <a:rPr lang="en-US" dirty="0"/>
+              <a:t> TODO</a:t>
+            </a:r>
+          </a:p>
+          <a:p>
+            <a:r>
+              <a:rPr lang="en-US" dirty="0" smtClean="0"/>
+              <a:t>regular </a:t>
+            </a:r>
+            <a:r>
+              <a:rPr lang="en-US" dirty="0"/>
+              <a:t>access control, intrusion detection systems, ... not usable, because users are allowed too perform actions</a:t>
+            </a:r>
+          </a:p>
+          <a:p>
+            <a:r>
+              <a:rPr lang="en-US" dirty="0" smtClean="0"/>
+              <a:t>-&gt; </a:t>
+            </a:r>
+            <a:r>
+              <a:rPr lang="en-US" dirty="0"/>
+              <a:t>anomaly-based detection = comparing current user </a:t>
+            </a:r>
+            <a:r>
+              <a:rPr lang="en-US" dirty="0" err="1"/>
+              <a:t>behaviour</a:t>
+            </a:r>
+            <a:r>
+              <a:rPr lang="en-US" dirty="0"/>
+              <a:t> with common user </a:t>
+            </a:r>
+            <a:r>
+              <a:rPr lang="en-US" dirty="0" err="1"/>
+              <a:t>behaviour</a:t>
+            </a:r>
+            <a:r>
+              <a:rPr lang="en-US" dirty="0"/>
+              <a:t> (statistical approach/machine learning)</a:t>
+            </a:r>
+          </a:p>
+          <a:p>
+            <a:r>
+              <a:rPr lang="en-US" dirty="0" smtClean="0"/>
+              <a:t>requires </a:t>
+            </a:r>
+            <a:r>
+              <a:rPr lang="en-US" dirty="0"/>
+              <a:t>a lot of data</a:t>
+            </a:r>
+          </a:p>
+          <a:p>
+            <a:r>
+              <a:rPr lang="en-US" dirty="0" smtClean="0"/>
+              <a:t>But </a:t>
+            </a:r>
+            <a:r>
+              <a:rPr lang="en-US" dirty="0"/>
+              <a:t>storing and processing this data can collide with the privacy of </a:t>
+            </a:r>
+            <a:r>
+              <a:rPr lang="en-US" dirty="0" smtClean="0"/>
+              <a:t>employees</a:t>
+            </a:r>
+          </a:p>
+          <a:p>
+            <a:r>
+              <a:rPr lang="en-US" i="1" dirty="0" smtClean="0"/>
+              <a:t>Bundesdatenschutzgesetz</a:t>
+            </a:r>
+            <a:r>
+              <a:rPr lang="en-US" dirty="0" smtClean="0"/>
+              <a:t>,§32, 1:</a:t>
             </a:r>
             <a:br>
-              <a:rPr lang="de-DE" dirty="0" smtClean="0"/>
+              <a:rPr lang="en-US" dirty="0" smtClean="0"/>
             </a:br>
             <a:r>
-              <a:rPr lang="de-DE" dirty="0" smtClean="0"/>
-              <a:t>=&gt; </a:t>
-            </a:r>
-            <a:r>
-              <a:rPr lang="de-DE" dirty="0" err="1" smtClean="0"/>
-              <a:t>privacy-preserving</a:t>
-            </a:r>
-            <a:r>
-              <a:rPr lang="de-DE" dirty="0" smtClean="0"/>
-              <a:t> </a:t>
-            </a:r>
-            <a:r>
-              <a:rPr lang="de-DE" dirty="0" err="1" smtClean="0"/>
-              <a:t>anomaly</a:t>
-            </a:r>
-            <a:r>
-              <a:rPr lang="de-DE" dirty="0" smtClean="0"/>
-              <a:t> </a:t>
-            </a:r>
-            <a:r>
-              <a:rPr lang="de-DE" dirty="0" err="1" smtClean="0"/>
-              <a:t>detection</a:t>
-            </a:r>
-            <a:endParaRPr lang="de-DE" dirty="0" smtClean="0"/>
-          </a:p>
-          <a:p>
-            <a:pPr lvl="1"/>
-            <a:r>
-              <a:rPr lang="de-DE" dirty="0" err="1" smtClean="0"/>
-              <a:t>Disclosure</a:t>
-            </a:r>
-            <a:r>
-              <a:rPr lang="de-DE" dirty="0" smtClean="0"/>
-              <a:t> </a:t>
-            </a:r>
-            <a:r>
-              <a:rPr lang="de-DE" dirty="0" err="1" smtClean="0"/>
-              <a:t>of</a:t>
-            </a:r>
-            <a:r>
-              <a:rPr lang="de-DE" dirty="0" smtClean="0"/>
-              <a:t> pseudonym </a:t>
-            </a:r>
-            <a:r>
-              <a:rPr lang="de-DE" dirty="0" err="1" smtClean="0"/>
-              <a:t>owner</a:t>
-            </a:r>
-            <a:r>
-              <a:rPr lang="de-DE" dirty="0" smtClean="0"/>
-              <a:t> </a:t>
-            </a:r>
-            <a:r>
-              <a:rPr lang="de-DE" dirty="0" err="1" smtClean="0"/>
-              <a:t>secured</a:t>
-            </a:r>
-            <a:r>
-              <a:rPr lang="de-DE" dirty="0" smtClean="0"/>
-              <a:t> </a:t>
-            </a:r>
-            <a:r>
-              <a:rPr lang="de-DE" dirty="0" err="1" smtClean="0"/>
-              <a:t>by</a:t>
-            </a:r>
-            <a:r>
-              <a:rPr lang="de-DE" dirty="0" smtClean="0"/>
-              <a:t> </a:t>
-            </a:r>
-            <a:r>
-              <a:rPr lang="de-DE" dirty="0" err="1" smtClean="0"/>
-              <a:t>four-eye</a:t>
-            </a:r>
-            <a:r>
-              <a:rPr lang="de-DE" dirty="0" smtClean="0"/>
-              <a:t> </a:t>
-            </a:r>
-            <a:r>
-              <a:rPr lang="de-DE" dirty="0" err="1" smtClean="0"/>
-              <a:t>principle</a:t>
-            </a:r>
-            <a:endParaRPr lang="de-DE" dirty="0" smtClean="0"/>
-          </a:p>
-          <a:p>
-            <a:pPr lvl="1"/>
-            <a:endParaRPr lang="de-DE" dirty="0" smtClean="0"/>
-          </a:p>
-          <a:p>
-            <a:r>
-              <a:rPr lang="de-DE" dirty="0" smtClean="0"/>
-              <a:t>Implementation </a:t>
-            </a:r>
-            <a:r>
-              <a:rPr lang="de-DE" dirty="0" err="1" smtClean="0"/>
-              <a:t>issues</a:t>
-            </a:r>
-            <a:endParaRPr lang="de-DE" dirty="0" smtClean="0"/>
-          </a:p>
-          <a:p>
-            <a:pPr lvl="1"/>
-            <a:r>
-              <a:rPr lang="de-DE" dirty="0" smtClean="0"/>
-              <a:t>Distributed </a:t>
-            </a:r>
-            <a:r>
-              <a:rPr lang="de-DE" dirty="0" err="1" smtClean="0"/>
-              <a:t>key</a:t>
-            </a:r>
-            <a:r>
-              <a:rPr lang="de-DE" dirty="0" smtClean="0"/>
-              <a:t> </a:t>
-            </a:r>
-            <a:r>
-              <a:rPr lang="de-DE" dirty="0" err="1" smtClean="0"/>
-              <a:t>generation</a:t>
-            </a:r>
-            <a:endParaRPr lang="de-DE" dirty="0" smtClean="0"/>
-          </a:p>
-          <a:p>
-            <a:pPr lvl="1"/>
-            <a:r>
-              <a:rPr lang="de-DE" dirty="0" smtClean="0"/>
-              <a:t>Review </a:t>
-            </a:r>
-            <a:r>
-              <a:rPr lang="de-DE" dirty="0" err="1" smtClean="0"/>
-              <a:t>of</a:t>
-            </a:r>
-            <a:r>
-              <a:rPr lang="de-DE" dirty="0" smtClean="0"/>
-              <a:t> </a:t>
-            </a:r>
-            <a:r>
-              <a:rPr lang="de-DE" dirty="0" err="1" smtClean="0"/>
-              <a:t>cryptographic</a:t>
-            </a:r>
-            <a:r>
-              <a:rPr lang="de-DE" dirty="0" smtClean="0"/>
-              <a:t> </a:t>
-            </a:r>
-            <a:r>
-              <a:rPr lang="de-DE" dirty="0" err="1" smtClean="0"/>
-              <a:t>library</a:t>
-            </a:r>
-            <a:endParaRPr lang="de-DE" dirty="0" smtClean="0"/>
-          </a:p>
-          <a:p>
-            <a:pPr lvl="1"/>
-            <a:r>
-              <a:rPr lang="de-DE" dirty="0" smtClean="0"/>
-              <a:t>ECC-</a:t>
-            </a:r>
-            <a:r>
-              <a:rPr lang="de-DE" dirty="0" err="1" smtClean="0"/>
-              <a:t>ElGamal</a:t>
-            </a:r>
-            <a:endParaRPr lang="de-DE" dirty="0" smtClean="0"/>
-          </a:p>
-          <a:p>
-            <a:pPr lvl="1"/>
-            <a:endParaRPr lang="de-DE" dirty="0" smtClean="0"/>
-          </a:p>
-          <a:p>
-            <a:r>
-              <a:rPr lang="de-DE" dirty="0" smtClean="0"/>
-              <a:t>Open </a:t>
-            </a:r>
-            <a:r>
-              <a:rPr lang="de-DE" dirty="0" err="1" smtClean="0"/>
-              <a:t>questions</a:t>
-            </a:r>
-            <a:endParaRPr lang="de-DE" dirty="0" smtClean="0"/>
-          </a:p>
-          <a:p>
-            <a:pPr lvl="1"/>
-            <a:r>
-              <a:rPr lang="de-DE" dirty="0" err="1" smtClean="0"/>
-              <a:t>Effect</a:t>
-            </a:r>
-            <a:r>
-              <a:rPr lang="de-DE" dirty="0" smtClean="0"/>
-              <a:t> </a:t>
-            </a:r>
-            <a:r>
-              <a:rPr lang="de-DE" dirty="0" err="1" smtClean="0"/>
-              <a:t>of</a:t>
-            </a:r>
-            <a:r>
-              <a:rPr lang="de-DE" dirty="0" smtClean="0"/>
-              <a:t> different </a:t>
-            </a:r>
-            <a:r>
-              <a:rPr lang="de-DE" dirty="0" err="1" smtClean="0"/>
-              <a:t>parameter</a:t>
-            </a:r>
-            <a:r>
-              <a:rPr lang="de-DE" dirty="0" smtClean="0"/>
-              <a:t> </a:t>
-            </a:r>
-            <a:r>
-              <a:rPr lang="de-DE" dirty="0" err="1" smtClean="0"/>
-              <a:t>choices</a:t>
-            </a:r>
-            <a:r>
-              <a:rPr lang="de-DE" dirty="0" smtClean="0"/>
-              <a:t> </a:t>
-            </a:r>
-          </a:p>
-          <a:p>
-            <a:pPr lvl="1"/>
-            <a:r>
-              <a:rPr lang="de-DE" dirty="0" smtClean="0"/>
-              <a:t>Further (</a:t>
-            </a:r>
-            <a:r>
-              <a:rPr lang="de-DE" dirty="0" err="1" smtClean="0"/>
-              <a:t>context-dependent</a:t>
-            </a:r>
-            <a:r>
-              <a:rPr lang="de-DE" dirty="0" smtClean="0"/>
-              <a:t>) </a:t>
-            </a:r>
-            <a:r>
-              <a:rPr lang="de-DE" dirty="0" err="1" smtClean="0"/>
-              <a:t>parameters</a:t>
+              <a:rPr lang="en-US" dirty="0" err="1" smtClean="0"/>
+              <a:t>Personenbeziehbare</a:t>
+            </a:r>
+            <a:r>
+              <a:rPr lang="en-US" dirty="0" smtClean="0"/>
+              <a:t> </a:t>
+            </a:r>
+            <a:r>
+              <a:rPr lang="en-US" dirty="0" err="1" smtClean="0"/>
+              <a:t>Daten</a:t>
+            </a:r>
+            <a:r>
+              <a:rPr lang="en-US" dirty="0" smtClean="0"/>
+              <a:t> </a:t>
+            </a:r>
+            <a:r>
+              <a:rPr lang="en-US" dirty="0" err="1" smtClean="0"/>
+              <a:t>für</a:t>
+            </a:r>
+            <a:r>
+              <a:rPr lang="en-US" dirty="0" smtClean="0"/>
+              <a:t> </a:t>
+            </a:r>
+            <a:r>
+              <a:rPr lang="en-US" dirty="0" err="1" smtClean="0"/>
+              <a:t>Straftataufdeckung</a:t>
+            </a:r>
+            <a:r>
+              <a:rPr lang="en-US" dirty="0" smtClean="0"/>
+              <a:t> </a:t>
+            </a:r>
+            <a:r>
+              <a:rPr lang="en-US" dirty="0" err="1" smtClean="0"/>
+              <a:t>nur</a:t>
+            </a:r>
+            <a:r>
+              <a:rPr lang="en-US" dirty="0" smtClean="0"/>
+              <a:t> </a:t>
+            </a:r>
+            <a:r>
+              <a:rPr lang="en-US" dirty="0" err="1" smtClean="0"/>
+              <a:t>mit</a:t>
+            </a:r>
+            <a:r>
+              <a:rPr lang="en-US" dirty="0" smtClean="0"/>
+              <a:t> </a:t>
+            </a:r>
+            <a:r>
+              <a:rPr lang="en-US" dirty="0" err="1" smtClean="0"/>
+              <a:t>konkretem</a:t>
+            </a:r>
+            <a:r>
+              <a:rPr lang="en-US" dirty="0" smtClean="0"/>
+              <a:t> </a:t>
+            </a:r>
+            <a:r>
+              <a:rPr lang="en-US" dirty="0" err="1" smtClean="0"/>
+              <a:t>Anfangsverdacht</a:t>
+            </a:r>
+            <a:endParaRPr lang="en-US" dirty="0" smtClean="0"/>
+          </a:p>
+          <a:p>
+            <a:r>
+              <a:rPr lang="en-US" dirty="0" smtClean="0"/>
+              <a:t>Data related to employees may just be used for detecting crimes when there is concrete evidence </a:t>
             </a:r>
             <a:endParaRPr lang="de-DE" dirty="0"/>
           </a:p>
@@ -5790,7 +5907,7 @@
     </p:spTree>
     <p:extLst>
       <p:ext uri="{BB962C8B-B14F-4D97-AF65-F5344CB8AC3E}">
-        <p14:creationId xmlns:p14="http://schemas.microsoft.com/office/powerpoint/2010/main" val="3656882663"/>
+        <p14:creationId xmlns:p14="http://schemas.microsoft.com/office/powerpoint/2010/main" val="742693914"/>
       </p:ext>
     </p:extLst>
   </p:cSld>
@@ -5819,6 +5936,29 @@
       </p:grpSpPr>
       <p:sp>
         <p:nvSpPr>
+          <p:cNvPr id="2" name="Titel 1"/>
+          <p:cNvSpPr>
+            <a:spLocks noGrp="1"/>
+          </p:cNvSpPr>
+          <p:nvPr>
+            <p:ph type="title"/>
+          </p:nvPr>
+        </p:nvSpPr>
+        <p:spPr/>
+        <p:txBody>
+          <a:bodyPr/>
+          <a:lstStyle/>
+          <a:p>
+            <a:r>
+              <a:rPr lang="de-DE" dirty="0" err="1" smtClean="0"/>
+              <a:t>Pseudonymisation</a:t>
+            </a:r>
+            <a:endParaRPr lang="de-DE" dirty="0"/>
+          </a:p>
+        </p:txBody>
+      </p:sp>
+      <p:sp>
+        <p:nvSpPr>
           <p:cNvPr id="3" name="Inhaltsplatzhalter 2"/>
           <p:cNvSpPr>
             <a:spLocks noGrp="1"/>
@@ -5829,36 +5969,490 @@
         </p:nvSpPr>
         <p:spPr/>
         <p:txBody>
-          <a:bodyPr anchor="ctr"/>
+          <a:bodyPr/>
           <a:lstStyle/>
+          <a:p>
+            <a:r>
+              <a:rPr lang="de-DE" dirty="0" err="1" smtClean="0"/>
+              <a:t>Changing</a:t>
+            </a:r>
+            <a:r>
+              <a:rPr lang="de-DE" dirty="0" smtClean="0"/>
+              <a:t> </a:t>
+            </a:r>
+            <a:r>
+              <a:rPr lang="de-DE" dirty="0" err="1" smtClean="0"/>
+              <a:t>pseudonyms</a:t>
+            </a:r>
+            <a:r>
+              <a:rPr lang="de-DE" dirty="0" smtClean="0"/>
+              <a:t> </a:t>
+            </a:r>
+            <a:r>
+              <a:rPr lang="de-DE" dirty="0" err="1" smtClean="0"/>
+              <a:t>regularly</a:t>
+            </a:r>
+            <a:r>
+              <a:rPr lang="de-DE" dirty="0" smtClean="0"/>
+              <a:t> </a:t>
+            </a:r>
+            <a:r>
+              <a:rPr lang="de-DE" dirty="0" err="1" smtClean="0"/>
+              <a:t>decreases</a:t>
+            </a:r>
+            <a:r>
+              <a:rPr lang="de-DE" dirty="0" smtClean="0"/>
+              <a:t> </a:t>
+            </a:r>
+            <a:r>
+              <a:rPr lang="de-DE" dirty="0" err="1" smtClean="0"/>
+              <a:t>linkability</a:t>
+            </a:r>
+            <a:endParaRPr lang="de-DE" dirty="0" smtClean="0"/>
+          </a:p>
+          <a:p>
+            <a:endParaRPr lang="de-DE" dirty="0" smtClean="0"/>
+          </a:p>
           <a:p>
             <a:pPr marL="0" indent="0" algn="ctr">
               <a:buNone/>
             </a:pPr>
             <a:r>
-              <a:rPr lang="de-DE" sz="3200" dirty="0" err="1" smtClean="0"/>
-              <a:t>Thank</a:t>
-            </a:r>
-            <a:r>
-              <a:rPr lang="de-DE" sz="3200" dirty="0" smtClean="0"/>
-              <a:t> </a:t>
-            </a:r>
-            <a:r>
-              <a:rPr lang="de-DE" sz="3200" dirty="0" err="1" smtClean="0"/>
-              <a:t>you</a:t>
-            </a:r>
-            <a:r>
-              <a:rPr lang="de-DE" sz="3200" dirty="0" smtClean="0"/>
-              <a:t>!</a:t>
-            </a:r>
-            <a:endParaRPr lang="de-DE" sz="3200" dirty="0"/>
+              <a:rPr lang="de-DE" dirty="0" err="1" smtClean="0"/>
+              <a:t>privacy</a:t>
+            </a:r>
+            <a:r>
+              <a:rPr lang="de-DE" dirty="0" smtClean="0"/>
+              <a:t> </a:t>
+            </a:r>
+            <a:r>
+              <a:rPr lang="de-DE" dirty="0" smtClean="0">
+                <a:solidFill>
+                  <a:schemeClr val="tx1"/>
+                </a:solidFill>
+              </a:rPr>
+              <a:t>&lt;=&gt;</a:t>
+            </a:r>
+            <a:r>
+              <a:rPr lang="de-DE" dirty="0" smtClean="0"/>
+              <a:t> </a:t>
+            </a:r>
+            <a:r>
+              <a:rPr lang="de-DE" dirty="0" err="1" smtClean="0"/>
+              <a:t>anomaly</a:t>
+            </a:r>
+            <a:r>
+              <a:rPr lang="de-DE" dirty="0" smtClean="0"/>
+              <a:t> </a:t>
+            </a:r>
+            <a:r>
+              <a:rPr lang="de-DE" dirty="0" err="1" smtClean="0"/>
+              <a:t>detection</a:t>
+            </a:r>
+            <a:r>
+              <a:rPr lang="de-DE" dirty="0" smtClean="0"/>
+              <a:t> </a:t>
+            </a:r>
+            <a:r>
+              <a:rPr lang="de-DE" dirty="0" err="1" smtClean="0"/>
+              <a:t>requirements</a:t>
+            </a:r>
+            <a:endParaRPr lang="de-DE" dirty="0" smtClean="0"/>
+          </a:p>
+          <a:p>
+            <a:pPr marL="0" indent="0" algn="ctr">
+              <a:buNone/>
+            </a:pPr>
+            <a:endParaRPr lang="de-DE" dirty="0" smtClean="0"/>
+          </a:p>
+          <a:p>
+            <a:r>
+              <a:rPr lang="de-DE" dirty="0" smtClean="0"/>
+              <a:t>Parameters: </a:t>
+            </a:r>
+          </a:p>
+          <a:p>
+            <a:pPr lvl="1"/>
+            <a:r>
+              <a:rPr lang="de-DE" dirty="0" smtClean="0"/>
+              <a:t>Time </a:t>
+            </a:r>
+          </a:p>
+          <a:p>
+            <a:pPr lvl="1"/>
+            <a:r>
+              <a:rPr lang="de-DE" dirty="0" smtClean="0"/>
+              <a:t>Maximum </a:t>
+            </a:r>
+            <a:r>
+              <a:rPr lang="de-DE" dirty="0" err="1" smtClean="0"/>
+              <a:t>number</a:t>
+            </a:r>
+            <a:r>
+              <a:rPr lang="de-DE" dirty="0" smtClean="0"/>
+              <a:t> </a:t>
+            </a:r>
+            <a:r>
+              <a:rPr lang="de-DE" dirty="0" err="1" smtClean="0"/>
+              <a:t>of</a:t>
+            </a:r>
+            <a:r>
+              <a:rPr lang="de-DE" dirty="0" smtClean="0"/>
+              <a:t> </a:t>
+            </a:r>
+            <a:r>
+              <a:rPr lang="de-DE" dirty="0" err="1" smtClean="0"/>
+              <a:t>uses</a:t>
+            </a:r>
+            <a:endParaRPr lang="de-DE" dirty="0" smtClean="0"/>
+          </a:p>
+          <a:p>
+            <a:r>
+              <a:rPr lang="de-DE" dirty="0" smtClean="0"/>
+              <a:t>Choice </a:t>
+            </a:r>
+            <a:r>
+              <a:rPr lang="de-DE" dirty="0" err="1" smtClean="0"/>
+              <a:t>depends</a:t>
+            </a:r>
+            <a:r>
+              <a:rPr lang="de-DE" dirty="0" smtClean="0"/>
+              <a:t> </a:t>
+            </a:r>
+            <a:r>
+              <a:rPr lang="de-DE" dirty="0" smtClean="0"/>
+              <a:t>on</a:t>
+            </a:r>
+          </a:p>
+          <a:p>
+            <a:pPr lvl="1"/>
+            <a:r>
+              <a:rPr lang="de-DE" dirty="0" smtClean="0"/>
+              <a:t>Data </a:t>
+            </a:r>
+            <a:r>
+              <a:rPr lang="de-DE" dirty="0" err="1" smtClean="0"/>
+              <a:t>source</a:t>
+            </a:r>
+            <a:r>
+              <a:rPr lang="de-DE" dirty="0" smtClean="0"/>
+              <a:t> </a:t>
+            </a:r>
+            <a:r>
+              <a:rPr lang="de-DE" dirty="0" err="1" smtClean="0"/>
+              <a:t>properties</a:t>
+            </a:r>
+            <a:endParaRPr lang="de-DE" dirty="0" smtClean="0"/>
+          </a:p>
+          <a:p>
+            <a:pPr lvl="1"/>
+            <a:r>
+              <a:rPr lang="de-DE" dirty="0" err="1" smtClean="0"/>
+              <a:t>Anomaly</a:t>
+            </a:r>
+            <a:r>
+              <a:rPr lang="de-DE" dirty="0" smtClean="0"/>
+              <a:t> </a:t>
+            </a:r>
+            <a:r>
+              <a:rPr lang="de-DE" dirty="0" err="1" smtClean="0"/>
+              <a:t>detection</a:t>
+            </a:r>
+            <a:r>
+              <a:rPr lang="de-DE" dirty="0" smtClean="0"/>
+              <a:t> </a:t>
+            </a:r>
+            <a:r>
+              <a:rPr lang="de-DE" dirty="0" err="1" smtClean="0"/>
+              <a:t>requirements</a:t>
+            </a:r>
+            <a:endParaRPr lang="de-DE" dirty="0" smtClean="0"/>
+          </a:p>
+          <a:p>
+            <a:endParaRPr lang="de-DE" dirty="0"/>
+          </a:p>
+          <a:p>
+            <a:r>
+              <a:rPr lang="de-DE" dirty="0" smtClean="0"/>
+              <a:t>Implementation:  </a:t>
+            </a:r>
+            <a:r>
+              <a:rPr lang="de-DE" dirty="0" err="1" smtClean="0"/>
+              <a:t>straightforward</a:t>
+            </a:r>
+            <a:endParaRPr lang="de-DE" dirty="0"/>
           </a:p>
         </p:txBody>
       </p:sp>
     </p:spTree>
     <p:extLst>
       <p:ext uri="{BB962C8B-B14F-4D97-AF65-F5344CB8AC3E}">
-        <p14:creationId xmlns:p14="http://schemas.microsoft.com/office/powerpoint/2010/main" val="1047112812"/>
+        <p14:creationId xmlns:p14="http://schemas.microsoft.com/office/powerpoint/2010/main" val="917131898"/>
+      </p:ext>
+    </p:extLst>
+  </p:cSld>
+  <p:clrMapOvr>
+    <a:masterClrMapping/>
+  </p:clrMapOvr>
+</p:sld>
+</file>
+
+<file path=ppt/slides/slide17.xml><?xml version="1.0" encoding="utf-8"?>
+<p:sld xmlns:a="http://schemas.openxmlformats.org/drawingml/2006/main" xmlns:r="http://schemas.openxmlformats.org/officeDocument/2006/relationships" xmlns:p="http://schemas.openxmlformats.org/presentationml/2006/main">
+  <p:cSld>
+    <p:spTree>
+      <p:nvGrpSpPr>
+        <p:cNvPr id="1" name=""/>
+        <p:cNvGrpSpPr/>
+        <p:nvPr/>
+      </p:nvGrpSpPr>
+      <p:grpSpPr>
+        <a:xfrm>
+          <a:off x="0" y="0"/>
+          <a:ext cx="0" cy="0"/>
+          <a:chOff x="0" y="0"/>
+          <a:chExt cx="0" cy="0"/>
+        </a:xfrm>
+      </p:grpSpPr>
+      <p:sp>
+        <p:nvSpPr>
+          <p:cNvPr id="2" name="Titel 1"/>
+          <p:cNvSpPr>
+            <a:spLocks noGrp="1"/>
+          </p:cNvSpPr>
+          <p:nvPr>
+            <p:ph type="title"/>
+          </p:nvPr>
+        </p:nvSpPr>
+        <p:spPr/>
+        <p:txBody>
+          <a:bodyPr/>
+          <a:lstStyle/>
+          <a:p>
+            <a:r>
+              <a:rPr lang="de-DE" dirty="0" err="1" smtClean="0"/>
+              <a:t>Threshold</a:t>
+            </a:r>
+            <a:r>
+              <a:rPr lang="de-DE" dirty="0" smtClean="0"/>
+              <a:t> </a:t>
+            </a:r>
+            <a:r>
+              <a:rPr lang="de-DE" dirty="0" err="1" smtClean="0"/>
+              <a:t>cryptosystem</a:t>
+            </a:r>
+            <a:endParaRPr lang="de-DE" dirty="0"/>
+          </a:p>
+        </p:txBody>
+      </p:sp>
+      <p:sp>
+        <p:nvSpPr>
+          <p:cNvPr id="3" name="Inhaltsplatzhalter 2"/>
+          <p:cNvSpPr>
+            <a:spLocks noGrp="1"/>
+          </p:cNvSpPr>
+          <p:nvPr>
+            <p:ph idx="1"/>
+          </p:nvPr>
+        </p:nvSpPr>
+        <p:spPr/>
+        <p:txBody>
+          <a:bodyPr/>
+          <a:lstStyle/>
+          <a:p>
+            <a:r>
+              <a:rPr lang="de-DE" dirty="0" err="1" smtClean="0"/>
+              <a:t>Threshold</a:t>
+            </a:r>
+            <a:r>
+              <a:rPr lang="de-DE" dirty="0" smtClean="0"/>
+              <a:t> </a:t>
+            </a:r>
+            <a:r>
+              <a:rPr lang="de-DE" dirty="0" err="1" smtClean="0"/>
+              <a:t>public</a:t>
+            </a:r>
+            <a:r>
+              <a:rPr lang="de-DE" dirty="0" smtClean="0"/>
+              <a:t> </a:t>
+            </a:r>
+            <a:r>
+              <a:rPr lang="de-DE" dirty="0" err="1" smtClean="0"/>
+              <a:t>key</a:t>
+            </a:r>
+            <a:r>
+              <a:rPr lang="de-DE" dirty="0" smtClean="0"/>
+              <a:t> </a:t>
+            </a:r>
+            <a:r>
+              <a:rPr lang="de-DE" dirty="0" err="1" smtClean="0"/>
+              <a:t>decryption</a:t>
+            </a:r>
+            <a:r>
+              <a:rPr lang="de-DE" dirty="0" smtClean="0"/>
+              <a:t> </a:t>
+            </a:r>
+            <a:br>
+              <a:rPr lang="de-DE" dirty="0" smtClean="0"/>
+            </a:br>
+            <a:r>
+              <a:rPr lang="de-DE" dirty="0" err="1" smtClean="0"/>
+              <a:t>combining</a:t>
+            </a:r>
+            <a:r>
+              <a:rPr lang="de-DE" dirty="0" smtClean="0"/>
+              <a:t> </a:t>
+            </a:r>
+            <a:r>
+              <a:rPr lang="de-DE" dirty="0" err="1" smtClean="0"/>
+              <a:t>ElGamal</a:t>
+            </a:r>
+            <a:r>
+              <a:rPr lang="de-DE" dirty="0" smtClean="0"/>
+              <a:t> </a:t>
+            </a:r>
+            <a:r>
+              <a:rPr lang="de-DE" dirty="0" err="1" smtClean="0"/>
+              <a:t>and</a:t>
+            </a:r>
+            <a:r>
+              <a:rPr lang="de-DE" dirty="0" smtClean="0"/>
+              <a:t> </a:t>
+            </a:r>
+            <a:r>
+              <a:rPr lang="de-DE" dirty="0" err="1" smtClean="0"/>
+              <a:t>Shamir‘s</a:t>
+            </a:r>
+            <a:r>
+              <a:rPr lang="de-DE" dirty="0" smtClean="0"/>
+              <a:t> </a:t>
+            </a:r>
+            <a:r>
+              <a:rPr lang="de-DE" dirty="0" err="1" smtClean="0"/>
+              <a:t>secret</a:t>
+            </a:r>
+            <a:r>
+              <a:rPr lang="de-DE" dirty="0" smtClean="0"/>
+              <a:t> </a:t>
+            </a:r>
+            <a:r>
+              <a:rPr lang="de-DE" dirty="0" err="1" smtClean="0"/>
+              <a:t>sharing</a:t>
+            </a:r>
+            <a:endParaRPr lang="de-DE" dirty="0" smtClean="0"/>
+          </a:p>
+          <a:p>
+            <a:r>
+              <a:rPr lang="de-DE" dirty="0" err="1" smtClean="0"/>
+              <a:t>Centralized</a:t>
+            </a:r>
+            <a:r>
+              <a:rPr lang="de-DE" dirty="0" smtClean="0"/>
+              <a:t> </a:t>
+            </a:r>
+            <a:r>
+              <a:rPr lang="de-DE" dirty="0" err="1" smtClean="0"/>
+              <a:t>key</a:t>
+            </a:r>
+            <a:r>
+              <a:rPr lang="de-DE" dirty="0" smtClean="0"/>
+              <a:t> </a:t>
+            </a:r>
+            <a:r>
+              <a:rPr lang="de-DE" dirty="0" err="1" smtClean="0"/>
+              <a:t>generation</a:t>
+            </a:r>
+            <a:endParaRPr lang="de-DE" dirty="0" smtClean="0"/>
+          </a:p>
+          <a:p>
+            <a:endParaRPr lang="de-DE" dirty="0"/>
+          </a:p>
+          <a:p>
+            <a:r>
+              <a:rPr lang="de-DE" dirty="0" smtClean="0"/>
+              <a:t>Implementation:</a:t>
+            </a:r>
+          </a:p>
+          <a:p>
+            <a:pPr lvl="1"/>
+            <a:r>
+              <a:rPr lang="de-DE" dirty="0" err="1" smtClean="0"/>
+              <a:t>No</a:t>
+            </a:r>
+            <a:r>
+              <a:rPr lang="de-DE" dirty="0" smtClean="0"/>
+              <a:t> </a:t>
+            </a:r>
+            <a:r>
+              <a:rPr lang="de-DE" dirty="0" err="1"/>
+              <a:t>usable</a:t>
+            </a:r>
+            <a:r>
+              <a:rPr lang="de-DE" dirty="0"/>
+              <a:t> </a:t>
+            </a:r>
+            <a:r>
+              <a:rPr lang="de-DE" dirty="0" smtClean="0"/>
+              <a:t>open </a:t>
+            </a:r>
+            <a:r>
+              <a:rPr lang="de-DE" dirty="0" err="1" smtClean="0"/>
+              <a:t>source</a:t>
+            </a:r>
+            <a:r>
+              <a:rPr lang="de-DE" dirty="0" smtClean="0"/>
+              <a:t> </a:t>
+            </a:r>
+            <a:r>
+              <a:rPr lang="de-DE" dirty="0" err="1" smtClean="0"/>
+              <a:t>implementation</a:t>
+            </a:r>
+            <a:endParaRPr lang="de-DE" dirty="0" smtClean="0"/>
+          </a:p>
+          <a:p>
+            <a:pPr lvl="1"/>
+            <a:r>
+              <a:rPr lang="de-DE" dirty="0" err="1" smtClean="0"/>
+              <a:t>Own</a:t>
+            </a:r>
+            <a:r>
+              <a:rPr lang="de-DE" dirty="0" smtClean="0"/>
+              <a:t> </a:t>
+            </a:r>
+            <a:r>
+              <a:rPr lang="de-DE" dirty="0" err="1" smtClean="0"/>
+              <a:t>implementation</a:t>
+            </a:r>
+            <a:r>
+              <a:rPr lang="de-DE" dirty="0" smtClean="0"/>
+              <a:t> </a:t>
+            </a:r>
+            <a:r>
+              <a:rPr lang="de-DE" dirty="0" err="1" smtClean="0"/>
+              <a:t>as</a:t>
+            </a:r>
+            <a:r>
+              <a:rPr lang="de-DE" dirty="0" smtClean="0"/>
+              <a:t> hybrid </a:t>
+            </a:r>
+            <a:r>
+              <a:rPr lang="de-DE" dirty="0" err="1" smtClean="0"/>
+              <a:t>scheme</a:t>
+            </a:r>
+            <a:r>
+              <a:rPr lang="de-DE" dirty="0" smtClean="0"/>
+              <a:t> </a:t>
+            </a:r>
+          </a:p>
+          <a:p>
+            <a:endParaRPr lang="de-DE" dirty="0"/>
+          </a:p>
+        </p:txBody>
+      </p:sp>
+    </p:spTree>
+    <p:extLst>
+      <p:ext uri="{BB962C8B-B14F-4D97-AF65-F5344CB8AC3E}">
+        <p14:creationId xmlns:p14="http://schemas.microsoft.com/office/powerpoint/2010/main" val="3386287776"/>
       </p:ext>
     </p:extLst>
   </p:cSld>
@@ -6294,12 +6888,16 @@
           <a:lstStyle/>
           <a:p>
             <a:r>
-              <a:rPr lang="de-DE" dirty="0" smtClean="0"/>
+              <a:rPr lang="de-DE" dirty="0"/>
               <a:t>Insider </a:t>
             </a:r>
             <a:r>
               <a:rPr lang="de-DE" dirty="0" err="1" smtClean="0"/>
               <a:t>attacks</a:t>
+            </a:r>
+            <a:r>
+              <a:rPr lang="de-DE" dirty="0" smtClean="0"/>
+              <a:t> (I)</a:t>
             </a:r>
             <a:endParaRPr lang="de-DE" dirty="0"/>
           </a:p>
@@ -6307,198 +6905,1028 @@
       </p:sp>
       <p:sp>
         <p:nvSpPr>
-          <p:cNvPr id="3" name="Inhaltsplatzhalter 2"/>
-          <p:cNvSpPr>
-            <a:spLocks noGrp="1"/>
+          <p:cNvPr id="4" name="Inhaltsplatzhalter 2"/>
+          <p:cNvSpPr txBox="1">
+            <a:spLocks/>
           </p:cNvSpPr>
-          <p:nvPr>
-            <p:ph idx="1"/>
-          </p:nvPr>
+          <p:nvPr/>
         </p:nvSpPr>
-        <p:spPr/>
+        <p:spPr bwMode="auto">
+          <a:xfrm>
+            <a:off x="457200" y="4509120"/>
+            <a:ext cx="8458200" cy="2160240"/>
+          </a:xfrm>
+          <a:prstGeom prst="rect">
+            <a:avLst/>
+          </a:prstGeom>
+          <a:noFill/>
+          <a:ln>
+            <a:noFill/>
+          </a:ln>
+          <a:extLst>
+            <a:ext uri="{909E8E84-426E-40DD-AFC4-6F175D3DCCD1}">
+              <a14:hiddenFill xmlns:a14="http://schemas.microsoft.com/office/drawing/2010/main">
+                <a:solidFill>
+                  <a:srgbClr val="FFFFFF"/>
+                </a:solidFill>
+              </a14:hiddenFill>
+            </a:ext>
+            <a:ext uri="{91240B29-F687-4F45-9708-019B960494DF}">
+              <a14:hiddenLine xmlns:a14="http://schemas.microsoft.com/office/drawing/2010/main" w="9525">
+                <a:solidFill>
+                  <a:srgbClr val="000000"/>
+                </a:solidFill>
+                <a:miter lim="800000"/>
+                <a:headEnd/>
+                <a:tailEnd/>
+              </a14:hiddenLine>
+            </a:ext>
+            <a:ext uri="{FAA26D3D-D897-4be2-8F04-BA451C77F1D7}">
+              <ma14:placeholderFlag xmlns="" xmlns:ma14="http://schemas.microsoft.com/office/mac/drawingml/2011/main" val="1"/>
+            </a:ext>
+          </a:extLst>
+        </p:spPr>
         <p:txBody>
-          <a:bodyPr/>
+          <a:bodyPr vert="horz" wrap="square" lIns="91440" tIns="45720" rIns="91440" bIns="45720" numCol="1" anchor="t" anchorCtr="0" compatLnSpc="1">
+            <a:prstTxWarp prst="textNoShape">
+              <a:avLst/>
+            </a:prstTxWarp>
+          </a:bodyPr>
+          <a:lstStyle>
+            <a:lvl1pPr marL="342900" indent="-342900" algn="l" rtl="0" eaLnBrk="1" fontAlgn="base" hangingPunct="1">
+              <a:spcBef>
+                <a:spcPct val="20000"/>
+              </a:spcBef>
+              <a:spcAft>
+                <a:spcPct val="0"/>
+              </a:spcAft>
+              <a:buClr>
+                <a:schemeClr val="accent2"/>
+              </a:buClr>
+              <a:buSzPct val="120000"/>
+              <a:buFont typeface="Wingdings" charset="2"/>
+              <a:buChar char="§"/>
+              <a:defRPr sz="2000">
+                <a:solidFill>
+                  <a:schemeClr val="hlink"/>
+                </a:solidFill>
+                <a:latin typeface="+mn-lt"/>
+                <a:ea typeface="ＭＳ Ｐゴシック" charset="0"/>
+                <a:cs typeface="ＭＳ Ｐゴシック" charset="0"/>
+              </a:defRPr>
+            </a:lvl1pPr>
+            <a:lvl2pPr marL="742950" indent="-285750" algn="l" rtl="0" eaLnBrk="1" fontAlgn="base" hangingPunct="1">
+              <a:spcBef>
+                <a:spcPct val="20000"/>
+              </a:spcBef>
+              <a:spcAft>
+                <a:spcPct val="0"/>
+              </a:spcAft>
+              <a:buClr>
+                <a:schemeClr val="tx2"/>
+              </a:buClr>
+              <a:buChar char="–"/>
+              <a:defRPr sz="2000">
+                <a:solidFill>
+                  <a:schemeClr val="tx1"/>
+                </a:solidFill>
+                <a:latin typeface="+mn-lt"/>
+                <a:ea typeface="ＭＳ Ｐゴシック" pitchFamily="-107" charset="-128"/>
+              </a:defRPr>
+            </a:lvl2pPr>
+            <a:lvl3pPr marL="1143000" indent="-228600" algn="l" rtl="0" eaLnBrk="1" fontAlgn="base" hangingPunct="1">
+              <a:spcBef>
+                <a:spcPct val="20000"/>
+              </a:spcBef>
+              <a:spcAft>
+                <a:spcPct val="0"/>
+              </a:spcAft>
+              <a:buClr>
+                <a:schemeClr val="bg2"/>
+              </a:buClr>
+              <a:buSzPct val="90000"/>
+              <a:buChar char="•"/>
+              <a:defRPr sz="2000">
+                <a:solidFill>
+                  <a:schemeClr val="tx1"/>
+                </a:solidFill>
+                <a:latin typeface="+mn-lt"/>
+                <a:ea typeface="ＭＳ Ｐゴシック" pitchFamily="-107" charset="-128"/>
+              </a:defRPr>
+            </a:lvl3pPr>
+            <a:lvl4pPr marL="1600200" indent="-228600" algn="l" rtl="0" eaLnBrk="1" fontAlgn="base" hangingPunct="1">
+              <a:spcBef>
+                <a:spcPct val="20000"/>
+              </a:spcBef>
+              <a:spcAft>
+                <a:spcPct val="0"/>
+              </a:spcAft>
+              <a:buChar char="–"/>
+              <a:defRPr sz="2000">
+                <a:solidFill>
+                  <a:schemeClr val="tx1"/>
+                </a:solidFill>
+                <a:latin typeface="+mn-lt"/>
+                <a:ea typeface="ＭＳ Ｐゴシック" pitchFamily="-107" charset="-128"/>
+              </a:defRPr>
+            </a:lvl4pPr>
+            <a:lvl5pPr marL="2057400" indent="-228600" algn="l" rtl="0" eaLnBrk="1" fontAlgn="base" hangingPunct="1">
+              <a:spcBef>
+                <a:spcPct val="20000"/>
+              </a:spcBef>
+              <a:spcAft>
+                <a:spcPct val="0"/>
+              </a:spcAft>
+              <a:buChar char="»"/>
+              <a:defRPr sz="2000">
+                <a:solidFill>
+                  <a:schemeClr val="tx1"/>
+                </a:solidFill>
+                <a:latin typeface="+mn-lt"/>
+                <a:ea typeface="ＭＳ Ｐゴシック" pitchFamily="-107" charset="-128"/>
+              </a:defRPr>
+            </a:lvl5pPr>
+            <a:lvl6pPr marL="2514600" indent="-228600" algn="l" rtl="0" eaLnBrk="1" fontAlgn="base" hangingPunct="1">
+              <a:spcBef>
+                <a:spcPct val="20000"/>
+              </a:spcBef>
+              <a:spcAft>
+                <a:spcPct val="0"/>
+              </a:spcAft>
+              <a:buChar char="»"/>
+              <a:defRPr>
+                <a:solidFill>
+                  <a:schemeClr val="tx1"/>
+                </a:solidFill>
+                <a:latin typeface="+mn-lt"/>
+                <a:ea typeface="ＭＳ Ｐゴシック" pitchFamily="-107" charset="-128"/>
+              </a:defRPr>
+            </a:lvl6pPr>
+            <a:lvl7pPr marL="2971800" indent="-228600" algn="l" rtl="0" eaLnBrk="1" fontAlgn="base" hangingPunct="1">
+              <a:spcBef>
+                <a:spcPct val="20000"/>
+              </a:spcBef>
+              <a:spcAft>
+                <a:spcPct val="0"/>
+              </a:spcAft>
+              <a:buChar char="»"/>
+              <a:defRPr>
+                <a:solidFill>
+                  <a:schemeClr val="tx1"/>
+                </a:solidFill>
+                <a:latin typeface="+mn-lt"/>
+                <a:ea typeface="ＭＳ Ｐゴシック" pitchFamily="-107" charset="-128"/>
+              </a:defRPr>
+            </a:lvl7pPr>
+            <a:lvl8pPr marL="3429000" indent="-228600" algn="l" rtl="0" eaLnBrk="1" fontAlgn="base" hangingPunct="1">
+              <a:spcBef>
+                <a:spcPct val="20000"/>
+              </a:spcBef>
+              <a:spcAft>
+                <a:spcPct val="0"/>
+              </a:spcAft>
+              <a:buChar char="»"/>
+              <a:defRPr>
+                <a:solidFill>
+                  <a:schemeClr val="tx1"/>
+                </a:solidFill>
+                <a:latin typeface="+mn-lt"/>
+                <a:ea typeface="ＭＳ Ｐゴシック" pitchFamily="-107" charset="-128"/>
+              </a:defRPr>
+            </a:lvl8pPr>
+            <a:lvl9pPr marL="3886200" indent="-228600" algn="l" rtl="0" eaLnBrk="1" fontAlgn="base" hangingPunct="1">
+              <a:spcBef>
+                <a:spcPct val="20000"/>
+              </a:spcBef>
+              <a:spcAft>
+                <a:spcPct val="0"/>
+              </a:spcAft>
+              <a:buChar char="»"/>
+              <a:defRPr>
+                <a:solidFill>
+                  <a:schemeClr val="tx1"/>
+                </a:solidFill>
+                <a:latin typeface="+mn-lt"/>
+                <a:ea typeface="ＭＳ Ｐゴシック" pitchFamily="-107" charset="-128"/>
+              </a:defRPr>
+            </a:lvl9pPr>
+          </a:lstStyle>
+          <a:p>
+            <a:r>
+              <a:rPr lang="de-DE" b="1" kern="0" dirty="0" smtClean="0"/>
+              <a:t>IBM </a:t>
+            </a:r>
+            <a:r>
+              <a:rPr lang="de-DE" b="1" kern="0" dirty="0" err="1" smtClean="0"/>
+              <a:t>Cyber</a:t>
+            </a:r>
+            <a:r>
+              <a:rPr lang="de-DE" b="1" kern="0" dirty="0" smtClean="0"/>
+              <a:t> Security </a:t>
+            </a:r>
+            <a:r>
+              <a:rPr lang="de-DE" b="1" kern="0" dirty="0" err="1" smtClean="0"/>
+              <a:t>Intelligence</a:t>
+            </a:r>
+            <a:r>
+              <a:rPr lang="de-DE" b="1" kern="0" dirty="0" smtClean="0"/>
+              <a:t> Report</a:t>
+            </a:r>
+            <a:r>
+              <a:rPr lang="de-DE" kern="0" dirty="0" smtClean="0"/>
+              <a:t> (2015):</a:t>
+            </a:r>
+            <a:br>
+              <a:rPr lang="de-DE" kern="0" dirty="0" smtClean="0"/>
+            </a:br>
+            <a:r>
+              <a:rPr lang="de-DE" kern="0" dirty="0" smtClean="0"/>
+              <a:t>55% </a:t>
+            </a:r>
+            <a:r>
+              <a:rPr lang="de-DE" kern="0" dirty="0" err="1" smtClean="0"/>
+              <a:t>of</a:t>
+            </a:r>
+            <a:r>
+              <a:rPr lang="de-DE" kern="0" dirty="0" smtClean="0"/>
+              <a:t> </a:t>
+            </a:r>
+            <a:r>
+              <a:rPr lang="de-DE" kern="0" dirty="0" err="1" smtClean="0"/>
+              <a:t>attacks</a:t>
+            </a:r>
+            <a:r>
+              <a:rPr lang="de-DE" kern="0" dirty="0" smtClean="0"/>
+              <a:t> </a:t>
+            </a:r>
+            <a:r>
+              <a:rPr lang="de-DE" kern="0" dirty="0" err="1" smtClean="0"/>
+              <a:t>carried</a:t>
+            </a:r>
+            <a:r>
+              <a:rPr lang="de-DE" kern="0" dirty="0" smtClean="0"/>
+              <a:t> out </a:t>
+            </a:r>
+            <a:r>
+              <a:rPr lang="de-DE" kern="0" dirty="0" err="1" smtClean="0"/>
+              <a:t>by</a:t>
+            </a:r>
+            <a:r>
+              <a:rPr lang="de-DE" kern="0" dirty="0" smtClean="0"/>
+              <a:t> </a:t>
+            </a:r>
+            <a:r>
+              <a:rPr lang="de-DE" kern="0" dirty="0" err="1" smtClean="0"/>
+              <a:t>actors</a:t>
+            </a:r>
+            <a:r>
+              <a:rPr lang="de-DE" kern="0" dirty="0" smtClean="0"/>
+              <a:t> </a:t>
+            </a:r>
+            <a:r>
+              <a:rPr lang="de-DE" kern="0" dirty="0" err="1" smtClean="0"/>
+              <a:t>with</a:t>
+            </a:r>
+            <a:r>
+              <a:rPr lang="de-DE" kern="0" dirty="0" smtClean="0"/>
+              <a:t> </a:t>
+            </a:r>
+            <a:r>
+              <a:rPr lang="de-DE" kern="0" dirty="0" err="1" smtClean="0"/>
+              <a:t>insider</a:t>
+            </a:r>
+            <a:r>
+              <a:rPr lang="de-DE" kern="0" dirty="0" smtClean="0"/>
+              <a:t> </a:t>
+            </a:r>
+            <a:r>
+              <a:rPr lang="de-DE" kern="0" dirty="0" err="1" smtClean="0"/>
+              <a:t>access</a:t>
+            </a:r>
+            <a:r>
+              <a:rPr lang="de-DE" kern="0" dirty="0" smtClean="0"/>
+              <a:t> </a:t>
+            </a:r>
+            <a:r>
+              <a:rPr lang="de-DE" i="1" kern="0" dirty="0" smtClean="0"/>
+              <a:t>(</a:t>
+            </a:r>
+            <a:r>
+              <a:rPr lang="de-DE" i="1" kern="0" dirty="0" err="1" smtClean="0"/>
+              <a:t>including</a:t>
+            </a:r>
+            <a:r>
+              <a:rPr lang="de-DE" i="1" kern="0" dirty="0" smtClean="0"/>
+              <a:t> </a:t>
+            </a:r>
+            <a:r>
+              <a:rPr lang="de-DE" i="1" kern="0" dirty="0" err="1" smtClean="0"/>
+              <a:t>actions</a:t>
+            </a:r>
+            <a:r>
+              <a:rPr lang="de-DE" i="1" kern="0" dirty="0" smtClean="0"/>
+              <a:t> </a:t>
+            </a:r>
+            <a:r>
+              <a:rPr lang="de-DE" i="1" kern="0" dirty="0" err="1" smtClean="0"/>
+              <a:t>caused</a:t>
+            </a:r>
+            <a:r>
+              <a:rPr lang="de-DE" i="1" kern="0" dirty="0" smtClean="0"/>
+              <a:t> </a:t>
+            </a:r>
+            <a:r>
+              <a:rPr lang="de-DE" i="1" kern="0" dirty="0" err="1" smtClean="0"/>
+              <a:t>by</a:t>
+            </a:r>
+            <a:r>
+              <a:rPr lang="de-DE" i="1" kern="0" dirty="0" smtClean="0"/>
+              <a:t> human </a:t>
+            </a:r>
+            <a:r>
+              <a:rPr lang="de-DE" i="1" kern="0" dirty="0" err="1" smtClean="0"/>
+              <a:t>error</a:t>
+            </a:r>
+            <a:r>
+              <a:rPr lang="de-DE" i="1" kern="0" dirty="0" smtClean="0"/>
+              <a:t>)</a:t>
+            </a:r>
+            <a:endParaRPr lang="de-DE" kern="0" dirty="0" smtClean="0"/>
+          </a:p>
+          <a:p>
+            <a:r>
+              <a:rPr lang="de-DE" b="1" kern="0" dirty="0" err="1" smtClean="0"/>
+              <a:t>Bitkom</a:t>
+            </a:r>
+            <a:r>
+              <a:rPr lang="de-DE" b="1" kern="0" dirty="0" smtClean="0"/>
+              <a:t> Spezialstudie Wirtschaftsschutz </a:t>
+            </a:r>
+            <a:r>
+              <a:rPr lang="de-DE" kern="0" dirty="0" smtClean="0"/>
+              <a:t>(2016):</a:t>
+            </a:r>
+            <a:br>
+              <a:rPr lang="de-DE" kern="0" dirty="0" smtClean="0"/>
+            </a:br>
+            <a:r>
+              <a:rPr lang="de-DE" kern="0" dirty="0" err="1" smtClean="0"/>
+              <a:t>about</a:t>
+            </a:r>
+            <a:r>
+              <a:rPr lang="de-DE" kern="0" dirty="0" smtClean="0"/>
+              <a:t> 60% </a:t>
+            </a:r>
+            <a:r>
+              <a:rPr lang="de-DE" kern="0" dirty="0" err="1" smtClean="0"/>
+              <a:t>of</a:t>
+            </a:r>
+            <a:r>
+              <a:rPr lang="de-DE" kern="0" dirty="0" smtClean="0"/>
+              <a:t> </a:t>
+            </a:r>
+            <a:r>
+              <a:rPr lang="de-DE" kern="0" dirty="0" err="1" smtClean="0"/>
+              <a:t>incidents</a:t>
+            </a:r>
+            <a:r>
+              <a:rPr lang="de-DE" kern="0" dirty="0" smtClean="0"/>
+              <a:t> </a:t>
+            </a:r>
+            <a:r>
+              <a:rPr lang="de-DE" i="1" kern="0" dirty="0" smtClean="0"/>
+              <a:t>in </a:t>
+            </a:r>
+            <a:r>
+              <a:rPr lang="de-DE" i="1" kern="0" dirty="0" err="1" smtClean="0"/>
+              <a:t>the</a:t>
+            </a:r>
+            <a:r>
+              <a:rPr lang="de-DE" i="1" kern="0" dirty="0" smtClean="0"/>
+              <a:t> </a:t>
+            </a:r>
+            <a:r>
+              <a:rPr lang="de-DE" i="1" kern="0" dirty="0" err="1" smtClean="0"/>
+              <a:t>area</a:t>
+            </a:r>
+            <a:r>
+              <a:rPr lang="de-DE" i="1" kern="0" dirty="0" smtClean="0"/>
+              <a:t> </a:t>
+            </a:r>
+            <a:r>
+              <a:rPr lang="de-DE" i="1" kern="0" dirty="0" err="1" smtClean="0"/>
+              <a:t>of</a:t>
+            </a:r>
+            <a:r>
+              <a:rPr lang="de-DE" i="1" kern="0" dirty="0" smtClean="0"/>
+              <a:t> </a:t>
+            </a:r>
+            <a:r>
+              <a:rPr lang="de-DE" i="1" kern="0" dirty="0" err="1" smtClean="0"/>
+              <a:t>data</a:t>
+            </a:r>
+            <a:r>
+              <a:rPr lang="de-DE" i="1" kern="0" dirty="0" smtClean="0"/>
+              <a:t> </a:t>
+            </a:r>
+            <a:r>
+              <a:rPr lang="de-DE" i="1" kern="0" dirty="0" err="1" smtClean="0"/>
+              <a:t>theft</a:t>
+            </a:r>
+            <a:r>
+              <a:rPr lang="de-DE" i="1" kern="0" dirty="0" smtClean="0"/>
+              <a:t>, </a:t>
+            </a:r>
+            <a:r>
+              <a:rPr lang="de-DE" i="1" kern="0" dirty="0" err="1" smtClean="0"/>
+              <a:t>industrial</a:t>
+            </a:r>
+            <a:r>
+              <a:rPr lang="de-DE" i="1" kern="0" dirty="0" smtClean="0"/>
+              <a:t> </a:t>
+            </a:r>
+            <a:r>
+              <a:rPr lang="de-DE" i="1" kern="0" dirty="0" err="1" smtClean="0"/>
+              <a:t>spying</a:t>
+            </a:r>
+            <a:r>
+              <a:rPr lang="de-DE" i="1" kern="0" dirty="0" smtClean="0"/>
+              <a:t> </a:t>
+            </a:r>
+            <a:r>
+              <a:rPr lang="de-DE" i="1" kern="0" dirty="0" err="1" smtClean="0"/>
+              <a:t>or</a:t>
+            </a:r>
+            <a:r>
+              <a:rPr lang="de-DE" i="1" kern="0" dirty="0" smtClean="0"/>
+              <a:t> </a:t>
+            </a:r>
+            <a:r>
+              <a:rPr lang="de-DE" i="1" kern="0" dirty="0" err="1" smtClean="0"/>
+              <a:t>sabotage</a:t>
+            </a:r>
+            <a:r>
+              <a:rPr lang="de-DE" kern="0" dirty="0" smtClean="0"/>
+              <a:t> </a:t>
+            </a:r>
+            <a:r>
+              <a:rPr lang="de-DE" kern="0" dirty="0" err="1" smtClean="0"/>
+              <a:t>have</a:t>
+            </a:r>
+            <a:r>
+              <a:rPr lang="de-DE" kern="0" dirty="0" smtClean="0"/>
+              <a:t> a </a:t>
+            </a:r>
+            <a:r>
+              <a:rPr lang="de-DE" kern="0" dirty="0" err="1" smtClean="0"/>
+              <a:t>connection</a:t>
+            </a:r>
+            <a:r>
+              <a:rPr lang="de-DE" kern="0" dirty="0" smtClean="0"/>
+              <a:t> </a:t>
+            </a:r>
+            <a:r>
+              <a:rPr lang="de-DE" kern="0" dirty="0" err="1" smtClean="0"/>
+              <a:t>to</a:t>
+            </a:r>
+            <a:r>
+              <a:rPr lang="de-DE" kern="0" dirty="0" smtClean="0"/>
+              <a:t> </a:t>
+            </a:r>
+            <a:r>
+              <a:rPr lang="de-DE" kern="0" dirty="0" err="1" smtClean="0"/>
+              <a:t>current</a:t>
+            </a:r>
+            <a:r>
+              <a:rPr lang="de-DE" kern="0" dirty="0" smtClean="0"/>
+              <a:t> </a:t>
+            </a:r>
+            <a:r>
+              <a:rPr lang="de-DE" kern="0" dirty="0" err="1" smtClean="0"/>
+              <a:t>or</a:t>
+            </a:r>
+            <a:r>
+              <a:rPr lang="de-DE" kern="0" dirty="0" smtClean="0"/>
+              <a:t> </a:t>
+            </a:r>
+            <a:r>
+              <a:rPr lang="de-DE" kern="0" dirty="0" err="1" smtClean="0"/>
+              <a:t>former</a:t>
+            </a:r>
+            <a:r>
+              <a:rPr lang="de-DE" kern="0" dirty="0" smtClean="0"/>
+              <a:t> </a:t>
+            </a:r>
+            <a:r>
+              <a:rPr lang="de-DE" kern="0" dirty="0" err="1" smtClean="0"/>
+              <a:t>employees</a:t>
+            </a:r>
+            <a:endParaRPr lang="de-DE" kern="0" dirty="0" smtClean="0"/>
+          </a:p>
+        </p:txBody>
+      </p:sp>
+      <p:sp>
+        <p:nvSpPr>
+          <p:cNvPr id="3" name="Rechteck 2"/>
+          <p:cNvSpPr/>
+          <p:nvPr/>
+        </p:nvSpPr>
+        <p:spPr bwMode="auto">
+          <a:xfrm>
+            <a:off x="3208995" y="1760427"/>
+            <a:ext cx="4351337" cy="2244637"/>
+          </a:xfrm>
+          <a:prstGeom prst="rect">
+            <a:avLst/>
+          </a:prstGeom>
+          <a:solidFill>
+            <a:schemeClr val="tx2">
+              <a:lumMod val="20000"/>
+              <a:lumOff val="80000"/>
+            </a:schemeClr>
+          </a:solidFill>
+          <a:ln w="9525" cap="flat" cmpd="sng" algn="ctr">
+            <a:noFill/>
+            <a:prstDash val="solid"/>
+            <a:round/>
+            <a:headEnd type="none" w="med" len="med"/>
+            <a:tailEnd type="none" w="med" len="med"/>
+          </a:ln>
+          <a:effectLst/>
+        </p:spPr>
+        <p:txBody>
+          <a:bodyPr vert="horz" wrap="square" lIns="91440" tIns="45720" rIns="91440" bIns="45720" numCol="1" rtlCol="0" anchor="t" anchorCtr="0" compatLnSpc="1">
+            <a:prstTxWarp prst="textNoShape">
+              <a:avLst/>
+            </a:prstTxWarp>
+          </a:bodyPr>
           <a:lstStyle/>
           <a:p>
-            <a:r>
-              <a:rPr lang="en-US" dirty="0" smtClean="0"/>
-              <a:t>Serious </a:t>
-            </a:r>
-            <a:r>
-              <a:rPr lang="en-US" dirty="0"/>
-              <a:t>threat for </a:t>
-            </a:r>
-            <a:r>
-              <a:rPr lang="en-US" dirty="0" smtClean="0"/>
-              <a:t>companies (examples)</a:t>
-            </a:r>
-            <a:endParaRPr lang="en-US" dirty="0"/>
-          </a:p>
-          <a:p>
-            <a:r>
-              <a:rPr lang="en-US" dirty="0" smtClean="0"/>
-              <a:t>IBM</a:t>
-            </a:r>
-            <a:r>
-              <a:rPr lang="en-US" dirty="0"/>
-              <a:t>, </a:t>
-            </a:r>
-            <a:r>
-              <a:rPr lang="en-US" dirty="0" err="1"/>
-              <a:t>Bitkom</a:t>
-            </a:r>
-            <a:r>
-              <a:rPr lang="en-US" dirty="0"/>
-              <a:t> TODO</a:t>
-            </a:r>
-          </a:p>
-          <a:p>
-            <a:r>
-              <a:rPr lang="en-US" dirty="0" smtClean="0"/>
-              <a:t>regular </a:t>
-            </a:r>
-            <a:r>
-              <a:rPr lang="en-US" dirty="0"/>
-              <a:t>access control, intrusion detection systems, ... not usable, because users are allowed too perform actions</a:t>
-            </a:r>
-          </a:p>
-          <a:p>
-            <a:r>
-              <a:rPr lang="en-US" dirty="0" smtClean="0"/>
-              <a:t>-&gt; </a:t>
-            </a:r>
-            <a:r>
-              <a:rPr lang="en-US" dirty="0"/>
-              <a:t>anomaly-based detection = comparing current user </a:t>
-            </a:r>
-            <a:r>
-              <a:rPr lang="en-US" dirty="0" err="1"/>
-              <a:t>behaviour</a:t>
-            </a:r>
-            <a:r>
-              <a:rPr lang="en-US" dirty="0"/>
-              <a:t> with common user </a:t>
-            </a:r>
-            <a:r>
-              <a:rPr lang="en-US" dirty="0" err="1"/>
-              <a:t>behaviour</a:t>
-            </a:r>
-            <a:r>
-              <a:rPr lang="en-US" dirty="0"/>
-              <a:t> (statistical approach/machine learning)</a:t>
-            </a:r>
-          </a:p>
-          <a:p>
-            <a:r>
-              <a:rPr lang="en-US" dirty="0" smtClean="0"/>
-              <a:t>requires </a:t>
-            </a:r>
-            <a:r>
-              <a:rPr lang="en-US" dirty="0"/>
-              <a:t>a lot of data</a:t>
-            </a:r>
-          </a:p>
-          <a:p>
-            <a:r>
-              <a:rPr lang="en-US" dirty="0" smtClean="0"/>
-              <a:t>But </a:t>
-            </a:r>
-            <a:r>
-              <a:rPr lang="en-US" dirty="0"/>
-              <a:t>storing and processing this data can collide with the privacy of </a:t>
-            </a:r>
-            <a:r>
-              <a:rPr lang="en-US" dirty="0" smtClean="0"/>
-              <a:t>employees</a:t>
-            </a:r>
-          </a:p>
-          <a:p>
-            <a:r>
-              <a:rPr lang="en-US" i="1" dirty="0" smtClean="0"/>
-              <a:t>Bundesdatenschutzgesetz</a:t>
-            </a:r>
-            <a:r>
-              <a:rPr lang="en-US" dirty="0" smtClean="0"/>
-              <a:t>,§32, 1:</a:t>
-            </a:r>
-            <a:br>
-              <a:rPr lang="en-US" dirty="0" smtClean="0"/>
-            </a:br>
-            <a:r>
-              <a:rPr lang="en-US" dirty="0" err="1" smtClean="0"/>
-              <a:t>Personenbeziehbare</a:t>
-            </a:r>
-            <a:r>
-              <a:rPr lang="en-US" dirty="0" smtClean="0"/>
-              <a:t> </a:t>
-            </a:r>
-            <a:r>
-              <a:rPr lang="en-US" dirty="0" err="1" smtClean="0"/>
-              <a:t>Daten</a:t>
-            </a:r>
-            <a:r>
-              <a:rPr lang="en-US" dirty="0" smtClean="0"/>
-              <a:t> </a:t>
-            </a:r>
-            <a:r>
-              <a:rPr lang="en-US" dirty="0" err="1" smtClean="0"/>
-              <a:t>für</a:t>
-            </a:r>
-            <a:r>
-              <a:rPr lang="en-US" dirty="0" smtClean="0"/>
-              <a:t> </a:t>
-            </a:r>
-            <a:r>
-              <a:rPr lang="en-US" dirty="0" err="1" smtClean="0"/>
-              <a:t>Straftataufdeckung</a:t>
-            </a:r>
-            <a:r>
-              <a:rPr lang="en-US" dirty="0" smtClean="0"/>
-              <a:t> </a:t>
-            </a:r>
-            <a:r>
-              <a:rPr lang="en-US" dirty="0" err="1" smtClean="0"/>
-              <a:t>nur</a:t>
-            </a:r>
-            <a:r>
-              <a:rPr lang="en-US" dirty="0" smtClean="0"/>
-              <a:t> </a:t>
-            </a:r>
-            <a:r>
-              <a:rPr lang="en-US" dirty="0" err="1" smtClean="0"/>
-              <a:t>mit</a:t>
-            </a:r>
-            <a:r>
-              <a:rPr lang="en-US" dirty="0" smtClean="0"/>
-              <a:t> </a:t>
-            </a:r>
-            <a:r>
-              <a:rPr lang="en-US" dirty="0" err="1" smtClean="0"/>
-              <a:t>konkretem</a:t>
-            </a:r>
-            <a:r>
-              <a:rPr lang="en-US" dirty="0" smtClean="0"/>
-              <a:t> </a:t>
-            </a:r>
-            <a:r>
-              <a:rPr lang="en-US" dirty="0" err="1" smtClean="0"/>
-              <a:t>Anfangsverdacht</a:t>
-            </a:r>
-            <a:endParaRPr lang="en-US" dirty="0" smtClean="0"/>
-          </a:p>
-          <a:p>
-            <a:r>
-              <a:rPr lang="en-US" dirty="0" smtClean="0"/>
-              <a:t>Data related to employees may just be used for detecting crimes when there is concrete evidence </a:t>
-            </a:r>
-            <a:endParaRPr lang="de-DE" dirty="0"/>
+            <a:pPr marL="0" marR="0" indent="0" algn="l" defTabSz="914400" rtl="0" eaLnBrk="0" fontAlgn="base" latinLnBrk="0" hangingPunct="0">
+              <a:lnSpc>
+                <a:spcPct val="100000"/>
+              </a:lnSpc>
+              <a:spcBef>
+                <a:spcPct val="0"/>
+              </a:spcBef>
+              <a:spcAft>
+                <a:spcPct val="0"/>
+              </a:spcAft>
+              <a:buClrTx/>
+              <a:buSzTx/>
+              <a:buFontTx/>
+              <a:buNone/>
+              <a:tabLst/>
+            </a:pPr>
+            <a:endParaRPr kumimoji="0" lang="de-DE" sz="2400" b="0" i="0" u="none" strike="noStrike" cap="none" normalizeH="0" baseline="0">
+              <a:ln>
+                <a:noFill/>
+              </a:ln>
+              <a:solidFill>
+                <a:schemeClr val="tx1"/>
+              </a:solidFill>
+              <a:effectLst/>
+              <a:latin typeface="Arial" pitchFamily="-107" charset="0"/>
+              <a:ea typeface="ＭＳ Ｐゴシック" pitchFamily="-107" charset="-128"/>
+              <a:cs typeface="ＭＳ Ｐゴシック" pitchFamily="-107" charset="-128"/>
+            </a:endParaRPr>
+          </a:p>
+        </p:txBody>
+      </p:sp>
+      <p:pic>
+        <p:nvPicPr>
+          <p:cNvPr id="1026" name="Picture 2" descr="C:\Users\m3\Entwicklung\git\master-thesis\kolloquium\pic\pc.emf"/>
+          <p:cNvPicPr>
+            <a:picLocks noChangeAspect="1" noChangeArrowheads="1"/>
+          </p:cNvPicPr>
+          <p:nvPr/>
+        </p:nvPicPr>
+        <p:blipFill>
+          <a:blip r:embed="rId2">
+            <a:duotone>
+              <a:schemeClr val="accent5">
+                <a:shade val="45000"/>
+                <a:satMod val="135000"/>
+              </a:schemeClr>
+              <a:prstClr val="white"/>
+            </a:duotone>
+            <a:extLst>
+              <a:ext uri="{28A0092B-C50C-407E-A947-70E740481C1C}">
+                <a14:useLocalDpi xmlns:a14="http://schemas.microsoft.com/office/drawing/2010/main" val="0"/>
+              </a:ext>
+            </a:extLst>
+          </a:blip>
+          <a:srcRect/>
+          <a:stretch>
+            <a:fillRect/>
+          </a:stretch>
+        </p:blipFill>
+        <p:spPr bwMode="auto">
+          <a:xfrm>
+            <a:off x="3958059" y="1980000"/>
+            <a:ext cx="579809" cy="579809"/>
+          </a:xfrm>
+          <a:prstGeom prst="rect">
+            <a:avLst/>
+          </a:prstGeom>
+          <a:noFill/>
+          <a:extLst>
+            <a:ext uri="{909E8E84-426E-40DD-AFC4-6F175D3DCCD1}">
+              <a14:hiddenFill xmlns:a14="http://schemas.microsoft.com/office/drawing/2010/main">
+                <a:solidFill>
+                  <a:srgbClr val="FFFFFF"/>
+                </a:solidFill>
+              </a14:hiddenFill>
+            </a:ext>
+          </a:extLst>
+        </p:spPr>
+      </p:pic>
+      <p:pic>
+        <p:nvPicPr>
+          <p:cNvPr id="7" name="Picture 2" descr="C:\Users\m3\Entwicklung\git\master-thesis\kolloquium\pic\pc.emf"/>
+          <p:cNvPicPr>
+            <a:picLocks noChangeAspect="1" noChangeArrowheads="1"/>
+          </p:cNvPicPr>
+          <p:nvPr/>
+        </p:nvPicPr>
+        <p:blipFill>
+          <a:blip r:embed="rId2">
+            <a:duotone>
+              <a:schemeClr val="accent5">
+                <a:shade val="45000"/>
+                <a:satMod val="135000"/>
+              </a:schemeClr>
+              <a:prstClr val="white"/>
+            </a:duotone>
+            <a:extLst>
+              <a:ext uri="{28A0092B-C50C-407E-A947-70E740481C1C}">
+                <a14:useLocalDpi xmlns:a14="http://schemas.microsoft.com/office/drawing/2010/main" val="0"/>
+              </a:ext>
+            </a:extLst>
+          </a:blip>
+          <a:srcRect/>
+          <a:stretch>
+            <a:fillRect/>
+          </a:stretch>
+        </p:blipFill>
+        <p:spPr bwMode="auto">
+          <a:xfrm>
+            <a:off x="6260443" y="1980000"/>
+            <a:ext cx="579809" cy="579809"/>
+          </a:xfrm>
+          <a:prstGeom prst="rect">
+            <a:avLst/>
+          </a:prstGeom>
+          <a:noFill/>
+          <a:extLst>
+            <a:ext uri="{909E8E84-426E-40DD-AFC4-6F175D3DCCD1}">
+              <a14:hiddenFill xmlns:a14="http://schemas.microsoft.com/office/drawing/2010/main">
+                <a:solidFill>
+                  <a:srgbClr val="FFFFFF"/>
+                </a:solidFill>
+              </a14:hiddenFill>
+            </a:ext>
+          </a:extLst>
+        </p:spPr>
+      </p:pic>
+      <p:pic>
+        <p:nvPicPr>
+          <p:cNvPr id="8" name="Picture 2" descr="C:\Users\m3\Entwicklung\git\master-thesis\kolloquium\pic\pc.emf"/>
+          <p:cNvPicPr>
+            <a:picLocks noChangeAspect="1" noChangeArrowheads="1"/>
+          </p:cNvPicPr>
+          <p:nvPr/>
+        </p:nvPicPr>
+        <p:blipFill>
+          <a:blip r:embed="rId2">
+            <a:duotone>
+              <a:schemeClr val="accent5">
+                <a:shade val="45000"/>
+                <a:satMod val="135000"/>
+              </a:schemeClr>
+              <a:prstClr val="white"/>
+            </a:duotone>
+            <a:extLst>
+              <a:ext uri="{28A0092B-C50C-407E-A947-70E740481C1C}">
+                <a14:useLocalDpi xmlns:a14="http://schemas.microsoft.com/office/drawing/2010/main" val="0"/>
+              </a:ext>
+            </a:extLst>
+          </a:blip>
+          <a:srcRect/>
+          <a:stretch>
+            <a:fillRect/>
+          </a:stretch>
+        </p:blipFill>
+        <p:spPr bwMode="auto">
+          <a:xfrm>
+            <a:off x="5094758" y="3185357"/>
+            <a:ext cx="579809" cy="579809"/>
+          </a:xfrm>
+          <a:prstGeom prst="rect">
+            <a:avLst/>
+          </a:prstGeom>
+          <a:noFill/>
+          <a:extLst>
+            <a:ext uri="{909E8E84-426E-40DD-AFC4-6F175D3DCCD1}">
+              <a14:hiddenFill xmlns:a14="http://schemas.microsoft.com/office/drawing/2010/main">
+                <a:solidFill>
+                  <a:srgbClr val="FFFFFF"/>
+                </a:solidFill>
+              </a14:hiddenFill>
+            </a:ext>
+          </a:extLst>
+        </p:spPr>
+      </p:pic>
+      <p:pic>
+        <p:nvPicPr>
+          <p:cNvPr id="1029" name="Picture 5" descr="C:\Users\m3\Entwicklung\git\master-thesis\kolloquium\pic\attacker.emf"/>
+          <p:cNvPicPr>
+            <a:picLocks noChangeAspect="1" noChangeArrowheads="1"/>
+          </p:cNvPicPr>
+          <p:nvPr/>
+        </p:nvPicPr>
+        <p:blipFill>
+          <a:blip r:embed="rId3">
+            <a:duotone>
+              <a:schemeClr val="accent6">
+                <a:shade val="45000"/>
+                <a:satMod val="135000"/>
+              </a:schemeClr>
+              <a:prstClr val="white"/>
+            </a:duotone>
+            <a:extLst>
+              <a:ext uri="{28A0092B-C50C-407E-A947-70E740481C1C}">
+                <a14:useLocalDpi xmlns:a14="http://schemas.microsoft.com/office/drawing/2010/main" val="0"/>
+              </a:ext>
+            </a:extLst>
+          </a:blip>
+          <a:srcRect/>
+          <a:stretch>
+            <a:fillRect/>
+          </a:stretch>
+        </p:blipFill>
+        <p:spPr bwMode="auto">
+          <a:xfrm>
+            <a:off x="1583668" y="1921779"/>
+            <a:ext cx="576000" cy="688662"/>
+          </a:xfrm>
+          <a:prstGeom prst="rect">
+            <a:avLst/>
+          </a:prstGeom>
+          <a:noFill/>
+          <a:extLst>
+            <a:ext uri="{909E8E84-426E-40DD-AFC4-6F175D3DCCD1}">
+              <a14:hiddenFill xmlns:a14="http://schemas.microsoft.com/office/drawing/2010/main">
+                <a:solidFill>
+                  <a:srgbClr val="FFFFFF"/>
+                </a:solidFill>
+              </a14:hiddenFill>
+            </a:ext>
+          </a:extLst>
+        </p:spPr>
+      </p:pic>
+      <p:cxnSp>
+        <p:nvCxnSpPr>
+          <p:cNvPr id="9" name="Gerade Verbindung 8"/>
+          <p:cNvCxnSpPr>
+            <a:endCxn id="8" idx="0"/>
+          </p:cNvCxnSpPr>
+          <p:nvPr/>
+        </p:nvCxnSpPr>
+        <p:spPr bwMode="auto">
+          <a:xfrm>
+            <a:off x="4537868" y="2278744"/>
+            <a:ext cx="846795" cy="906613"/>
+          </a:xfrm>
+          <a:prstGeom prst="line">
+            <a:avLst/>
+          </a:prstGeom>
+          <a:solidFill>
+            <a:schemeClr val="accent1"/>
+          </a:solidFill>
+          <a:ln w="9525" cap="flat" cmpd="sng" algn="ctr">
+            <a:solidFill>
+              <a:schemeClr val="tx2">
+                <a:lumMod val="40000"/>
+                <a:lumOff val="60000"/>
+              </a:schemeClr>
+            </a:solidFill>
+            <a:prstDash val="solid"/>
+            <a:round/>
+            <a:headEnd type="none" w="med" len="med"/>
+            <a:tailEnd type="none" w="med" len="med"/>
+          </a:ln>
+          <a:effectLst/>
+        </p:spPr>
+      </p:cxnSp>
+      <p:cxnSp>
+        <p:nvCxnSpPr>
+          <p:cNvPr id="13" name="Gerade Verbindung 12"/>
+          <p:cNvCxnSpPr>
+            <a:stCxn id="1026" idx="3"/>
+            <a:endCxn id="7" idx="1"/>
+          </p:cNvCxnSpPr>
+          <p:nvPr/>
+        </p:nvCxnSpPr>
+        <p:spPr bwMode="auto">
+          <a:xfrm>
+            <a:off x="4537868" y="2269905"/>
+            <a:ext cx="1722575" cy="0"/>
+          </a:xfrm>
+          <a:prstGeom prst="line">
+            <a:avLst/>
+          </a:prstGeom>
+          <a:solidFill>
+            <a:schemeClr val="accent1"/>
+          </a:solidFill>
+          <a:ln w="9525" cap="flat" cmpd="sng" algn="ctr">
+            <a:solidFill>
+              <a:schemeClr val="tx2">
+                <a:lumMod val="40000"/>
+                <a:lumOff val="60000"/>
+              </a:schemeClr>
+            </a:solidFill>
+            <a:prstDash val="solid"/>
+            <a:round/>
+            <a:headEnd type="none" w="med" len="med"/>
+            <a:tailEnd type="none" w="med" len="med"/>
+          </a:ln>
+          <a:effectLst/>
+        </p:spPr>
+      </p:cxnSp>
+      <p:cxnSp>
+        <p:nvCxnSpPr>
+          <p:cNvPr id="15" name="Gerade Verbindung 14"/>
+          <p:cNvCxnSpPr>
+            <a:stCxn id="7" idx="1"/>
+            <a:endCxn id="8" idx="0"/>
+          </p:cNvCxnSpPr>
+          <p:nvPr/>
+        </p:nvCxnSpPr>
+        <p:spPr bwMode="auto">
+          <a:xfrm flipH="1">
+            <a:off x="5384663" y="2269905"/>
+            <a:ext cx="875780" cy="915452"/>
+          </a:xfrm>
+          <a:prstGeom prst="line">
+            <a:avLst/>
+          </a:prstGeom>
+          <a:solidFill>
+            <a:schemeClr val="accent1"/>
+          </a:solidFill>
+          <a:ln w="9525" cap="flat" cmpd="sng" algn="ctr">
+            <a:solidFill>
+              <a:schemeClr val="tx2">
+                <a:lumMod val="40000"/>
+                <a:lumOff val="60000"/>
+              </a:schemeClr>
+            </a:solidFill>
+            <a:prstDash val="solid"/>
+            <a:round/>
+            <a:headEnd type="none" w="med" len="med"/>
+            <a:tailEnd type="none" w="med" len="med"/>
+          </a:ln>
+          <a:effectLst/>
+        </p:spPr>
+      </p:cxnSp>
+      <p:cxnSp>
+        <p:nvCxnSpPr>
+          <p:cNvPr id="17" name="Gerade Verbindung 16"/>
+          <p:cNvCxnSpPr>
+            <a:stCxn id="1026" idx="1"/>
+            <a:endCxn id="1029" idx="3"/>
+          </p:cNvCxnSpPr>
+          <p:nvPr/>
+        </p:nvCxnSpPr>
+        <p:spPr bwMode="auto">
+          <a:xfrm flipH="1" flipV="1">
+            <a:off x="2159668" y="2266110"/>
+            <a:ext cx="1798391" cy="3795"/>
+          </a:xfrm>
+          <a:prstGeom prst="line">
+            <a:avLst/>
+          </a:prstGeom>
+          <a:solidFill>
+            <a:schemeClr val="accent1"/>
+          </a:solidFill>
+          <a:ln w="9525" cap="flat" cmpd="sng" algn="ctr">
+            <a:solidFill>
+              <a:schemeClr val="tx2">
+                <a:lumMod val="40000"/>
+                <a:lumOff val="60000"/>
+              </a:schemeClr>
+            </a:solidFill>
+            <a:prstDash val="solid"/>
+            <a:round/>
+            <a:headEnd type="none" w="med" len="med"/>
+            <a:tailEnd type="none" w="med" len="med"/>
+          </a:ln>
+          <a:effectLst/>
+        </p:spPr>
+      </p:cxnSp>
+      <p:pic>
+        <p:nvPicPr>
+          <p:cNvPr id="1030" name="Picture 6" descr="C:\Users\m3\Entwicklung\git\master-thesis\kolloquium\pic\employee.emf"/>
+          <p:cNvPicPr>
+            <a:picLocks noChangeAspect="1" noChangeArrowheads="1"/>
+          </p:cNvPicPr>
+          <p:nvPr/>
+        </p:nvPicPr>
+        <p:blipFill>
+          <a:blip r:embed="rId4">
+            <a:duotone>
+              <a:schemeClr val="accent6">
+                <a:shade val="45000"/>
+                <a:satMod val="135000"/>
+              </a:schemeClr>
+              <a:prstClr val="white"/>
+            </a:duotone>
+            <a:extLst>
+              <a:ext uri="{28A0092B-C50C-407E-A947-70E740481C1C}">
+                <a14:useLocalDpi xmlns:a14="http://schemas.microsoft.com/office/drawing/2010/main" val="0"/>
+              </a:ext>
+            </a:extLst>
+          </a:blip>
+          <a:srcRect/>
+          <a:stretch>
+            <a:fillRect/>
+          </a:stretch>
+        </p:blipFill>
+        <p:spPr bwMode="auto">
+          <a:xfrm>
+            <a:off x="6281123" y="2636976"/>
+            <a:ext cx="538447" cy="576000"/>
+          </a:xfrm>
+          <a:prstGeom prst="rect">
+            <a:avLst/>
+          </a:prstGeom>
+          <a:noFill/>
+          <a:extLst>
+            <a:ext uri="{909E8E84-426E-40DD-AFC4-6F175D3DCCD1}">
+              <a14:hiddenFill xmlns:a14="http://schemas.microsoft.com/office/drawing/2010/main">
+                <a:solidFill>
+                  <a:srgbClr val="FFFFFF"/>
+                </a:solidFill>
+              </a14:hiddenFill>
+            </a:ext>
+          </a:extLst>
+        </p:spPr>
+      </p:pic>
+      <p:sp>
+        <p:nvSpPr>
+          <p:cNvPr id="25" name="Textfeld 24"/>
+          <p:cNvSpPr txBox="1"/>
+          <p:nvPr/>
+        </p:nvSpPr>
+        <p:spPr>
+          <a:xfrm>
+            <a:off x="3208993" y="3296448"/>
+            <a:ext cx="1328873" cy="707886"/>
+          </a:xfrm>
+          <a:prstGeom prst="rect">
+            <a:avLst/>
+          </a:prstGeom>
+          <a:noFill/>
+        </p:spPr>
+        <p:txBody>
+          <a:bodyPr wrap="square" rtlCol="0">
+            <a:spAutoFit/>
+          </a:bodyPr>
+          <a:lstStyle/>
+          <a:p>
+            <a:r>
+              <a:rPr lang="de-DE" sz="2000" dirty="0" smtClean="0">
+                <a:solidFill>
+                  <a:schemeClr val="tx2"/>
+                </a:solidFill>
+                <a:latin typeface="+mn-lt"/>
+              </a:rPr>
+              <a:t>Corporate </a:t>
+            </a:r>
+          </a:p>
+          <a:p>
+            <a:r>
+              <a:rPr lang="de-DE" sz="2000" dirty="0" err="1" smtClean="0">
+                <a:solidFill>
+                  <a:schemeClr val="tx2"/>
+                </a:solidFill>
+                <a:latin typeface="+mn-lt"/>
+              </a:rPr>
+              <a:t>network</a:t>
+            </a:r>
+            <a:endParaRPr lang="de-DE" sz="2000" dirty="0">
+              <a:solidFill>
+                <a:schemeClr val="tx2"/>
+              </a:solidFill>
+              <a:latin typeface="+mn-lt"/>
+            </a:endParaRPr>
           </a:p>
         </p:txBody>
       </p:sp>
     </p:spTree>
     <p:extLst>
       <p:ext uri="{BB962C8B-B14F-4D97-AF65-F5344CB8AC3E}">
-        <p14:creationId xmlns:p14="http://schemas.microsoft.com/office/powerpoint/2010/main" val="742693914"/>
+        <p14:creationId xmlns:p14="http://schemas.microsoft.com/office/powerpoint/2010/main" val="2389557359"/>
       </p:ext>
     </p:extLst>
   </p:cSld>
@@ -6545,604 +7973,12 @@
               <a:t>Insider </a:t>
             </a:r>
             <a:r>
-              <a:rPr lang="de-DE" dirty="0" err="1"/>
+              <a:rPr lang="de-DE" dirty="0" err="1" smtClean="0"/>
               <a:t>attacks</a:t>
             </a:r>
-            <a:endParaRPr lang="de-DE" dirty="0"/>
-          </a:p>
-        </p:txBody>
-      </p:sp>
-      <p:sp>
-        <p:nvSpPr>
-          <p:cNvPr id="4" name="Inhaltsplatzhalter 2"/>
-          <p:cNvSpPr txBox="1">
-            <a:spLocks/>
-          </p:cNvSpPr>
-          <p:nvPr/>
-        </p:nvSpPr>
-        <p:spPr bwMode="auto">
-          <a:xfrm>
-            <a:off x="457200" y="1219200"/>
-            <a:ext cx="8458200" cy="5090120"/>
-          </a:xfrm>
-          <a:prstGeom prst="rect">
-            <a:avLst/>
-          </a:prstGeom>
-          <a:noFill/>
-          <a:ln>
-            <a:noFill/>
-          </a:ln>
-          <a:extLst>
-            <a:ext uri="{909E8E84-426E-40DD-AFC4-6F175D3DCCD1}">
-              <a14:hiddenFill xmlns:a14="http://schemas.microsoft.com/office/drawing/2010/main">
-                <a:solidFill>
-                  <a:srgbClr val="FFFFFF"/>
-                </a:solidFill>
-              </a14:hiddenFill>
-            </a:ext>
-            <a:ext uri="{91240B29-F687-4F45-9708-019B960494DF}">
-              <a14:hiddenLine xmlns:a14="http://schemas.microsoft.com/office/drawing/2010/main" w="9525">
-                <a:solidFill>
-                  <a:srgbClr val="000000"/>
-                </a:solidFill>
-                <a:miter lim="800000"/>
-                <a:headEnd/>
-                <a:tailEnd/>
-              </a14:hiddenLine>
-            </a:ext>
-            <a:ext uri="{FAA26D3D-D897-4be2-8F04-BA451C77F1D7}">
-              <ma14:placeholderFlag xmlns:ma14="http://schemas.microsoft.com/office/mac/drawingml/2011/main" xmlns="" val="1"/>
-            </a:ext>
-          </a:extLst>
-        </p:spPr>
-        <p:txBody>
-          <a:bodyPr vert="horz" wrap="square" lIns="91440" tIns="45720" rIns="91440" bIns="45720" numCol="1" anchor="t" anchorCtr="0" compatLnSpc="1">
-            <a:prstTxWarp prst="textNoShape">
-              <a:avLst/>
-            </a:prstTxWarp>
-          </a:bodyPr>
-          <a:lstStyle>
-            <a:lvl1pPr marL="342900" indent="-342900" algn="l" rtl="0" eaLnBrk="1" fontAlgn="base" hangingPunct="1">
-              <a:spcBef>
-                <a:spcPct val="20000"/>
-              </a:spcBef>
-              <a:spcAft>
-                <a:spcPct val="0"/>
-              </a:spcAft>
-              <a:buClr>
-                <a:schemeClr val="accent2"/>
-              </a:buClr>
-              <a:buSzPct val="120000"/>
-              <a:buFont typeface="Wingdings" charset="2"/>
-              <a:buChar char="§"/>
-              <a:defRPr sz="2000">
-                <a:solidFill>
-                  <a:schemeClr val="hlink"/>
-                </a:solidFill>
-                <a:latin typeface="+mn-lt"/>
-                <a:ea typeface="ＭＳ Ｐゴシック" charset="0"/>
-                <a:cs typeface="ＭＳ Ｐゴシック" charset="0"/>
-              </a:defRPr>
-            </a:lvl1pPr>
-            <a:lvl2pPr marL="742950" indent="-285750" algn="l" rtl="0" eaLnBrk="1" fontAlgn="base" hangingPunct="1">
-              <a:spcBef>
-                <a:spcPct val="20000"/>
-              </a:spcBef>
-              <a:spcAft>
-                <a:spcPct val="0"/>
-              </a:spcAft>
-              <a:buClr>
-                <a:schemeClr val="tx2"/>
-              </a:buClr>
-              <a:buChar char="–"/>
-              <a:defRPr sz="2000">
-                <a:solidFill>
-                  <a:schemeClr val="tx1"/>
-                </a:solidFill>
-                <a:latin typeface="+mn-lt"/>
-                <a:ea typeface="ＭＳ Ｐゴシック" pitchFamily="-107" charset="-128"/>
-              </a:defRPr>
-            </a:lvl2pPr>
-            <a:lvl3pPr marL="1143000" indent="-228600" algn="l" rtl="0" eaLnBrk="1" fontAlgn="base" hangingPunct="1">
-              <a:spcBef>
-                <a:spcPct val="20000"/>
-              </a:spcBef>
-              <a:spcAft>
-                <a:spcPct val="0"/>
-              </a:spcAft>
-              <a:buClr>
-                <a:schemeClr val="bg2"/>
-              </a:buClr>
-              <a:buSzPct val="90000"/>
-              <a:buChar char="•"/>
-              <a:defRPr sz="2000">
-                <a:solidFill>
-                  <a:schemeClr val="tx1"/>
-                </a:solidFill>
-                <a:latin typeface="+mn-lt"/>
-                <a:ea typeface="ＭＳ Ｐゴシック" pitchFamily="-107" charset="-128"/>
-              </a:defRPr>
-            </a:lvl3pPr>
-            <a:lvl4pPr marL="1600200" indent="-228600" algn="l" rtl="0" eaLnBrk="1" fontAlgn="base" hangingPunct="1">
-              <a:spcBef>
-                <a:spcPct val="20000"/>
-              </a:spcBef>
-              <a:spcAft>
-                <a:spcPct val="0"/>
-              </a:spcAft>
-              <a:buChar char="–"/>
-              <a:defRPr sz="2000">
-                <a:solidFill>
-                  <a:schemeClr val="tx1"/>
-                </a:solidFill>
-                <a:latin typeface="+mn-lt"/>
-                <a:ea typeface="ＭＳ Ｐゴシック" pitchFamily="-107" charset="-128"/>
-              </a:defRPr>
-            </a:lvl4pPr>
-            <a:lvl5pPr marL="2057400" indent="-228600" algn="l" rtl="0" eaLnBrk="1" fontAlgn="base" hangingPunct="1">
-              <a:spcBef>
-                <a:spcPct val="20000"/>
-              </a:spcBef>
-              <a:spcAft>
-                <a:spcPct val="0"/>
-              </a:spcAft>
-              <a:buChar char="»"/>
-              <a:defRPr sz="2000">
-                <a:solidFill>
-                  <a:schemeClr val="tx1"/>
-                </a:solidFill>
-                <a:latin typeface="+mn-lt"/>
-                <a:ea typeface="ＭＳ Ｐゴシック" pitchFamily="-107" charset="-128"/>
-              </a:defRPr>
-            </a:lvl5pPr>
-            <a:lvl6pPr marL="2514600" indent="-228600" algn="l" rtl="0" eaLnBrk="1" fontAlgn="base" hangingPunct="1">
-              <a:spcBef>
-                <a:spcPct val="20000"/>
-              </a:spcBef>
-              <a:spcAft>
-                <a:spcPct val="0"/>
-              </a:spcAft>
-              <a:buChar char="»"/>
-              <a:defRPr>
-                <a:solidFill>
-                  <a:schemeClr val="tx1"/>
-                </a:solidFill>
-                <a:latin typeface="+mn-lt"/>
-                <a:ea typeface="ＭＳ Ｐゴシック" pitchFamily="-107" charset="-128"/>
-              </a:defRPr>
-            </a:lvl6pPr>
-            <a:lvl7pPr marL="2971800" indent="-228600" algn="l" rtl="0" eaLnBrk="1" fontAlgn="base" hangingPunct="1">
-              <a:spcBef>
-                <a:spcPct val="20000"/>
-              </a:spcBef>
-              <a:spcAft>
-                <a:spcPct val="0"/>
-              </a:spcAft>
-              <a:buChar char="»"/>
-              <a:defRPr>
-                <a:solidFill>
-                  <a:schemeClr val="tx1"/>
-                </a:solidFill>
-                <a:latin typeface="+mn-lt"/>
-                <a:ea typeface="ＭＳ Ｐゴシック" pitchFamily="-107" charset="-128"/>
-              </a:defRPr>
-            </a:lvl7pPr>
-            <a:lvl8pPr marL="3429000" indent="-228600" algn="l" rtl="0" eaLnBrk="1" fontAlgn="base" hangingPunct="1">
-              <a:spcBef>
-                <a:spcPct val="20000"/>
-              </a:spcBef>
-              <a:spcAft>
-                <a:spcPct val="0"/>
-              </a:spcAft>
-              <a:buChar char="»"/>
-              <a:defRPr>
-                <a:solidFill>
-                  <a:schemeClr val="tx1"/>
-                </a:solidFill>
-                <a:latin typeface="+mn-lt"/>
-                <a:ea typeface="ＭＳ Ｐゴシック" pitchFamily="-107" charset="-128"/>
-              </a:defRPr>
-            </a:lvl8pPr>
-            <a:lvl9pPr marL="3886200" indent="-228600" algn="l" rtl="0" eaLnBrk="1" fontAlgn="base" hangingPunct="1">
-              <a:spcBef>
-                <a:spcPct val="20000"/>
-              </a:spcBef>
-              <a:spcAft>
-                <a:spcPct val="0"/>
-              </a:spcAft>
-              <a:buChar char="»"/>
-              <a:defRPr>
-                <a:solidFill>
-                  <a:schemeClr val="tx1"/>
-                </a:solidFill>
-                <a:latin typeface="+mn-lt"/>
-                <a:ea typeface="ＭＳ Ｐゴシック" pitchFamily="-107" charset="-128"/>
-              </a:defRPr>
-            </a:lvl9pPr>
-          </a:lstStyle>
-          <a:p>
-            <a:r>
-              <a:rPr lang="de-DE" b="1" kern="0" dirty="0" smtClean="0"/>
-              <a:t>Insider </a:t>
-            </a:r>
-            <a:r>
-              <a:rPr lang="de-DE" b="1" kern="0" dirty="0" err="1" smtClean="0"/>
-              <a:t>attack</a:t>
-            </a:r>
-            <a:r>
-              <a:rPr lang="de-DE" b="1" kern="0" dirty="0" smtClean="0"/>
-              <a:t>: </a:t>
-            </a:r>
-          </a:p>
-          <a:p>
-            <a:endParaRPr lang="de-DE" b="1" kern="0" dirty="0"/>
-          </a:p>
-          <a:p>
-            <a:r>
-              <a:rPr lang="de-DE" b="1" kern="0" dirty="0" smtClean="0"/>
-              <a:t>IBM </a:t>
-            </a:r>
-            <a:r>
-              <a:rPr lang="de-DE" b="1" kern="0" dirty="0" err="1" smtClean="0"/>
-              <a:t>Cyber</a:t>
-            </a:r>
-            <a:r>
-              <a:rPr lang="de-DE" b="1" kern="0" dirty="0" smtClean="0"/>
-              <a:t> Security </a:t>
-            </a:r>
-            <a:r>
-              <a:rPr lang="de-DE" b="1" kern="0" dirty="0" err="1" smtClean="0"/>
-              <a:t>Intelligence</a:t>
-            </a:r>
-            <a:r>
-              <a:rPr lang="de-DE" b="1" kern="0" dirty="0" smtClean="0"/>
-              <a:t> Report</a:t>
-            </a:r>
-            <a:r>
-              <a:rPr lang="de-DE" kern="0" dirty="0" smtClean="0"/>
-              <a:t> (2015):</a:t>
-            </a:r>
-            <a:br>
-              <a:rPr lang="de-DE" kern="0" dirty="0" smtClean="0"/>
-            </a:br>
-            <a:r>
-              <a:rPr lang="de-DE" kern="0" dirty="0" smtClean="0"/>
-              <a:t>55% </a:t>
-            </a:r>
-            <a:r>
-              <a:rPr lang="de-DE" kern="0" dirty="0" err="1" smtClean="0"/>
-              <a:t>of</a:t>
-            </a:r>
-            <a:r>
-              <a:rPr lang="de-DE" kern="0" dirty="0" smtClean="0"/>
-              <a:t> </a:t>
-            </a:r>
-            <a:r>
-              <a:rPr lang="de-DE" kern="0" dirty="0" err="1" smtClean="0"/>
-              <a:t>attacks</a:t>
-            </a:r>
-            <a:r>
-              <a:rPr lang="de-DE" kern="0" dirty="0" smtClean="0"/>
-              <a:t> </a:t>
-            </a:r>
-            <a:r>
-              <a:rPr lang="de-DE" kern="0" dirty="0" err="1" smtClean="0"/>
-              <a:t>carried</a:t>
-            </a:r>
-            <a:r>
-              <a:rPr lang="de-DE" kern="0" dirty="0" smtClean="0"/>
-              <a:t> out </a:t>
-            </a:r>
-            <a:r>
-              <a:rPr lang="de-DE" kern="0" dirty="0" err="1" smtClean="0"/>
-              <a:t>by</a:t>
-            </a:r>
-            <a:r>
-              <a:rPr lang="de-DE" kern="0" dirty="0" smtClean="0"/>
-              <a:t> </a:t>
-            </a:r>
-            <a:r>
-              <a:rPr lang="de-DE" kern="0" dirty="0" err="1" smtClean="0"/>
-              <a:t>actors</a:t>
-            </a:r>
-            <a:r>
-              <a:rPr lang="de-DE" kern="0" dirty="0" smtClean="0"/>
-              <a:t> </a:t>
-            </a:r>
-            <a:r>
-              <a:rPr lang="de-DE" kern="0" dirty="0" err="1" smtClean="0"/>
-              <a:t>with</a:t>
-            </a:r>
-            <a:r>
-              <a:rPr lang="de-DE" kern="0" dirty="0" smtClean="0"/>
-              <a:t> </a:t>
-            </a:r>
-            <a:r>
-              <a:rPr lang="de-DE" kern="0" dirty="0" err="1" smtClean="0"/>
-              <a:t>insider</a:t>
-            </a:r>
-            <a:r>
-              <a:rPr lang="de-DE" kern="0" dirty="0" smtClean="0"/>
-              <a:t> </a:t>
-            </a:r>
-            <a:r>
-              <a:rPr lang="de-DE" kern="0" dirty="0" err="1" smtClean="0"/>
-              <a:t>access</a:t>
-            </a:r>
-            <a:r>
-              <a:rPr lang="de-DE" kern="0" dirty="0" smtClean="0"/>
-              <a:t> </a:t>
-            </a:r>
-            <a:r>
-              <a:rPr lang="de-DE" i="1" kern="0" dirty="0" smtClean="0"/>
-              <a:t>(</a:t>
-            </a:r>
-            <a:r>
-              <a:rPr lang="de-DE" i="1" kern="0" dirty="0" err="1" smtClean="0"/>
-              <a:t>including</a:t>
-            </a:r>
-            <a:r>
-              <a:rPr lang="de-DE" i="1" kern="0" dirty="0" smtClean="0"/>
-              <a:t> </a:t>
-            </a:r>
-            <a:r>
-              <a:rPr lang="de-DE" i="1" kern="0" dirty="0" err="1" smtClean="0"/>
-              <a:t>actions</a:t>
-            </a:r>
-            <a:r>
-              <a:rPr lang="de-DE" i="1" kern="0" dirty="0" smtClean="0"/>
-              <a:t> </a:t>
-            </a:r>
-            <a:r>
-              <a:rPr lang="de-DE" i="1" kern="0" dirty="0" err="1" smtClean="0"/>
-              <a:t>caused</a:t>
-            </a:r>
-            <a:r>
-              <a:rPr lang="de-DE" i="1" kern="0" dirty="0" smtClean="0"/>
-              <a:t> </a:t>
-            </a:r>
-            <a:r>
-              <a:rPr lang="de-DE" i="1" kern="0" dirty="0" err="1" smtClean="0"/>
-              <a:t>by</a:t>
-            </a:r>
-            <a:r>
-              <a:rPr lang="de-DE" i="1" kern="0" dirty="0" smtClean="0"/>
-              <a:t> human </a:t>
-            </a:r>
-            <a:r>
-              <a:rPr lang="de-DE" i="1" kern="0" dirty="0" err="1" smtClean="0"/>
-              <a:t>error</a:t>
-            </a:r>
-            <a:r>
-              <a:rPr lang="de-DE" i="1" kern="0" dirty="0" smtClean="0"/>
-              <a:t>)</a:t>
-            </a:r>
-            <a:endParaRPr lang="de-DE" kern="0" dirty="0" smtClean="0"/>
-          </a:p>
-          <a:p>
-            <a:r>
-              <a:rPr lang="de-DE" b="1" kern="0" dirty="0" err="1" smtClean="0"/>
-              <a:t>Bitkom</a:t>
-            </a:r>
-            <a:r>
-              <a:rPr lang="de-DE" b="1" kern="0" dirty="0" smtClean="0"/>
-              <a:t> Spezialstudie Wirtschaftsschutz </a:t>
-            </a:r>
-            <a:r>
-              <a:rPr lang="de-DE" kern="0" dirty="0" smtClean="0"/>
-              <a:t>(2016):</a:t>
-            </a:r>
-            <a:br>
-              <a:rPr lang="de-DE" kern="0" dirty="0" smtClean="0"/>
-            </a:br>
-            <a:r>
-              <a:rPr lang="de-DE" kern="0" dirty="0" err="1" smtClean="0"/>
-              <a:t>about</a:t>
-            </a:r>
-            <a:r>
-              <a:rPr lang="de-DE" kern="0" dirty="0" smtClean="0"/>
-              <a:t> 60% </a:t>
-            </a:r>
-            <a:r>
-              <a:rPr lang="de-DE" kern="0" dirty="0" err="1" smtClean="0"/>
-              <a:t>of</a:t>
-            </a:r>
-            <a:r>
-              <a:rPr lang="de-DE" kern="0" dirty="0" smtClean="0"/>
-              <a:t> </a:t>
-            </a:r>
-            <a:r>
-              <a:rPr lang="de-DE" kern="0" dirty="0" err="1" smtClean="0"/>
-              <a:t>incidents</a:t>
-            </a:r>
-            <a:r>
-              <a:rPr lang="de-DE" kern="0" dirty="0" smtClean="0"/>
-              <a:t> </a:t>
-            </a:r>
-            <a:r>
-              <a:rPr lang="de-DE" i="1" kern="0" dirty="0" smtClean="0"/>
-              <a:t>in </a:t>
-            </a:r>
-            <a:r>
-              <a:rPr lang="de-DE" i="1" kern="0" dirty="0" err="1" smtClean="0"/>
-              <a:t>the</a:t>
-            </a:r>
-            <a:r>
-              <a:rPr lang="de-DE" i="1" kern="0" dirty="0" smtClean="0"/>
-              <a:t> </a:t>
-            </a:r>
-            <a:r>
-              <a:rPr lang="de-DE" i="1" kern="0" dirty="0" err="1" smtClean="0"/>
-              <a:t>area</a:t>
-            </a:r>
-            <a:r>
-              <a:rPr lang="de-DE" i="1" kern="0" dirty="0" smtClean="0"/>
-              <a:t> </a:t>
-            </a:r>
-            <a:r>
-              <a:rPr lang="de-DE" i="1" kern="0" dirty="0" err="1" smtClean="0"/>
-              <a:t>of</a:t>
-            </a:r>
-            <a:r>
-              <a:rPr lang="de-DE" i="1" kern="0" dirty="0" smtClean="0"/>
-              <a:t> </a:t>
-            </a:r>
-            <a:r>
-              <a:rPr lang="de-DE" i="1" kern="0" dirty="0" err="1" smtClean="0"/>
-              <a:t>data</a:t>
-            </a:r>
-            <a:r>
-              <a:rPr lang="de-DE" i="1" kern="0" dirty="0" smtClean="0"/>
-              <a:t> </a:t>
-            </a:r>
-            <a:r>
-              <a:rPr lang="de-DE" i="1" kern="0" dirty="0" err="1" smtClean="0"/>
-              <a:t>theft</a:t>
-            </a:r>
-            <a:r>
-              <a:rPr lang="de-DE" i="1" kern="0" dirty="0" smtClean="0"/>
-              <a:t>, </a:t>
-            </a:r>
-            <a:r>
-              <a:rPr lang="de-DE" i="1" kern="0" dirty="0" err="1" smtClean="0"/>
-              <a:t>industrial</a:t>
-            </a:r>
-            <a:r>
-              <a:rPr lang="de-DE" i="1" kern="0" dirty="0" smtClean="0"/>
-              <a:t> </a:t>
-            </a:r>
-            <a:r>
-              <a:rPr lang="de-DE" i="1" kern="0" dirty="0" err="1" smtClean="0"/>
-              <a:t>spying</a:t>
-            </a:r>
-            <a:r>
-              <a:rPr lang="de-DE" i="1" kern="0" dirty="0" smtClean="0"/>
-              <a:t> </a:t>
-            </a:r>
-            <a:r>
-              <a:rPr lang="de-DE" i="1" kern="0" dirty="0" err="1" smtClean="0"/>
-              <a:t>or</a:t>
-            </a:r>
-            <a:r>
-              <a:rPr lang="de-DE" i="1" kern="0" dirty="0" smtClean="0"/>
-              <a:t> </a:t>
-            </a:r>
-            <a:r>
-              <a:rPr lang="de-DE" i="1" kern="0" dirty="0" err="1" smtClean="0"/>
-              <a:t>sabotage</a:t>
-            </a:r>
-            <a:r>
-              <a:rPr lang="de-DE" kern="0" dirty="0" smtClean="0"/>
-              <a:t> </a:t>
-            </a:r>
-            <a:r>
-              <a:rPr lang="de-DE" kern="0" dirty="0" err="1" smtClean="0"/>
-              <a:t>have</a:t>
-            </a:r>
-            <a:r>
-              <a:rPr lang="de-DE" kern="0" dirty="0" smtClean="0"/>
-              <a:t> a </a:t>
-            </a:r>
-            <a:r>
-              <a:rPr lang="de-DE" kern="0" dirty="0" err="1" smtClean="0"/>
-              <a:t>connection</a:t>
-            </a:r>
-            <a:r>
-              <a:rPr lang="de-DE" kern="0" dirty="0" smtClean="0"/>
-              <a:t> </a:t>
-            </a:r>
-            <a:r>
-              <a:rPr lang="de-DE" kern="0" dirty="0" err="1" smtClean="0"/>
-              <a:t>to</a:t>
-            </a:r>
-            <a:r>
-              <a:rPr lang="de-DE" kern="0" dirty="0" smtClean="0"/>
-              <a:t> </a:t>
-            </a:r>
-            <a:r>
-              <a:rPr lang="de-DE" kern="0" dirty="0" err="1" smtClean="0"/>
-              <a:t>current</a:t>
-            </a:r>
-            <a:r>
-              <a:rPr lang="de-DE" kern="0" dirty="0" smtClean="0"/>
-              <a:t> </a:t>
-            </a:r>
-            <a:r>
-              <a:rPr lang="de-DE" kern="0" dirty="0" err="1" smtClean="0"/>
-              <a:t>or</a:t>
-            </a:r>
-            <a:r>
-              <a:rPr lang="de-DE" kern="0" dirty="0" smtClean="0"/>
-              <a:t> </a:t>
-            </a:r>
-            <a:r>
-              <a:rPr lang="de-DE" kern="0" dirty="0" err="1" smtClean="0"/>
-              <a:t>former</a:t>
-            </a:r>
-            <a:r>
-              <a:rPr lang="de-DE" kern="0" dirty="0" smtClean="0"/>
-              <a:t> </a:t>
-            </a:r>
-            <a:r>
-              <a:rPr lang="de-DE" kern="0" dirty="0" err="1" smtClean="0"/>
-              <a:t>employees</a:t>
-            </a:r>
-            <a:endParaRPr lang="de-DE" kern="0" dirty="0" smtClean="0"/>
-          </a:p>
-        </p:txBody>
-      </p:sp>
-    </p:spTree>
-    <p:extLst>
-      <p:ext uri="{BB962C8B-B14F-4D97-AF65-F5344CB8AC3E}">
-        <p14:creationId xmlns:p14="http://schemas.microsoft.com/office/powerpoint/2010/main" val="2389557359"/>
-      </p:ext>
-    </p:extLst>
-  </p:cSld>
-  <p:clrMapOvr>
-    <a:masterClrMapping/>
-  </p:clrMapOvr>
-</p:sld>
-</file>
-
-<file path=ppt/slides/slide6.xml><?xml version="1.0" encoding="utf-8"?>
-<p:sld xmlns:a="http://schemas.openxmlformats.org/drawingml/2006/main" xmlns:r="http://schemas.openxmlformats.org/officeDocument/2006/relationships" xmlns:p="http://schemas.openxmlformats.org/presentationml/2006/main">
-  <p:cSld>
-    <p:spTree>
-      <p:nvGrpSpPr>
-        <p:cNvPr id="1" name=""/>
-        <p:cNvGrpSpPr/>
-        <p:nvPr/>
-      </p:nvGrpSpPr>
-      <p:grpSpPr>
-        <a:xfrm>
-          <a:off x="0" y="0"/>
-          <a:ext cx="0" cy="0"/>
-          <a:chOff x="0" y="0"/>
-          <a:chExt cx="0" cy="0"/>
-        </a:xfrm>
-      </p:grpSpPr>
-      <p:sp>
-        <p:nvSpPr>
-          <p:cNvPr id="2" name="Titel 1"/>
-          <p:cNvSpPr>
-            <a:spLocks noGrp="1"/>
-          </p:cNvSpPr>
-          <p:nvPr>
-            <p:ph type="title"/>
-          </p:nvPr>
-        </p:nvSpPr>
-        <p:spPr/>
-        <p:txBody>
-          <a:bodyPr/>
-          <a:lstStyle/>
-          <a:p>
-            <a:r>
-              <a:rPr lang="de-DE" dirty="0"/>
-              <a:t>Insider </a:t>
-            </a:r>
-            <a:r>
-              <a:rPr lang="de-DE" dirty="0" err="1"/>
-              <a:t>attacks</a:t>
+            <a:r>
+              <a:rPr lang="de-DE" dirty="0" smtClean="0"/>
+              <a:t> (II)</a:t>
             </a:r>
             <a:endParaRPr lang="de-DE" dirty="0"/>
           </a:p>
@@ -7323,7 +8159,7 @@
           <p:nvPr/>
         </p:nvPicPr>
         <p:blipFill>
-          <a:blip r:embed="rId2">
+          <a:blip r:embed="rId3">
             <a:duotone>
               <a:schemeClr val="accent5">
                 <a:shade val="45000"/>
@@ -7374,7 +8210,7 @@
           <p:nvPr/>
         </p:nvPicPr>
         <p:blipFill>
-          <a:blip r:embed="rId3">
+          <a:blip r:embed="rId4">
             <a:duotone>
               <a:schemeClr val="accent5">
                 <a:shade val="45000"/>
@@ -7467,7 +8303,7 @@
             <p:nvPr/>
           </p:nvPicPr>
           <p:blipFill>
-            <a:blip r:embed="rId4">
+            <a:blip r:embed="rId5">
               <a:duotone>
                 <a:schemeClr val="accent5">
                   <a:shade val="45000"/>
@@ -7515,7 +8351,7 @@
             <p:nvPr/>
           </p:nvPicPr>
           <p:blipFill>
-            <a:blip r:embed="rId5">
+            <a:blip r:embed="rId6">
               <a:duotone>
                 <a:schemeClr val="accent5">
                   <a:shade val="45000"/>
@@ -7593,7 +8429,7 @@
                 </a14:hiddenLine>
               </a:ext>
               <a:ext uri="{FAA26D3D-D897-4be2-8F04-BA451C77F1D7}">
-                <ma14:placeholderFlag xmlns:ma14="http://schemas.microsoft.com/office/mac/drawingml/2011/main" xmlns="" val="1"/>
+                <ma14:placeholderFlag xmlns="" xmlns:ma14="http://schemas.microsoft.com/office/mac/drawingml/2011/main" val="1"/>
               </a:ext>
             </a:extLst>
           </p:spPr>
@@ -7823,7 +8659,7 @@
               </a14:hiddenLine>
             </a:ext>
             <a:ext uri="{FAA26D3D-D897-4be2-8F04-BA451C77F1D7}">
-              <ma14:placeholderFlag xmlns:ma14="http://schemas.microsoft.com/office/mac/drawingml/2011/main" xmlns="" val="1"/>
+              <ma14:placeholderFlag xmlns="" xmlns:ma14="http://schemas.microsoft.com/office/mac/drawingml/2011/main" val="1"/>
             </a:ext>
           </a:extLst>
         </p:spPr>
@@ -7993,13 +8829,27 @@
             </a:lvl9pPr>
           </a:lstStyle>
           <a:p>
-            <a:pPr marL="0" indent="0">
+            <a:pPr marL="0" indent="0" algn="ctr">
               <a:buFont typeface="Wingdings" charset="2"/>
               <a:buNone/>
             </a:pPr>
             <a:r>
               <a:rPr lang="de-DE" kern="0" dirty="0" smtClean="0"/>
-              <a:t>§32 BDSG</a:t>
+              <a:t>§32 </a:t>
+            </a:r>
+            <a:r>
+              <a:rPr lang="de-DE" kern="0" dirty="0" smtClean="0"/>
+              <a:t>BDSG</a:t>
+            </a:r>
+          </a:p>
+          <a:p>
+            <a:pPr marL="0" indent="0" algn="ctr">
+              <a:buFont typeface="Wingdings" charset="2"/>
+              <a:buNone/>
+            </a:pPr>
+            <a:r>
+              <a:rPr lang="de-DE" kern="0" dirty="0" smtClean="0"/>
+              <a:t>BAG Erfurt</a:t>
             </a:r>
             <a:endParaRPr lang="de-DE" kern="0" dirty="0"/>
           </a:p>
@@ -8014,7 +8864,7 @@
           <p:nvPr/>
         </p:nvPicPr>
         <p:blipFill>
-          <a:blip r:embed="rId6">
+          <a:blip r:embed="rId7">
             <a:duotone>
               <a:schemeClr val="accent5">
                 <a:shade val="45000"/>
@@ -8138,7 +8988,7 @@
 </p:sld>
 </file>
 
-<file path=ppt/slides/slide7.xml><?xml version="1.0" encoding="utf-8"?>
+<file path=ppt/slides/slide6.xml><?xml version="1.0" encoding="utf-8"?>
 <p:sld xmlns:a="http://schemas.openxmlformats.org/drawingml/2006/main" xmlns:r="http://schemas.openxmlformats.org/officeDocument/2006/relationships" xmlns:p="http://schemas.openxmlformats.org/presentationml/2006/main">
   <p:cSld>
     <p:spTree>
@@ -8177,7 +9027,7 @@
           </a:ln>
           <a:extLst>
             <a:ext uri="{FAA26D3D-D897-4be2-8F04-BA451C77F1D7}">
-              <ma14:placeholderFlag xmlns:ma14="http://schemas.microsoft.com/office/mac/drawingml/2011/main" xmlns="" val="1"/>
+              <ma14:placeholderFlag xmlns="" xmlns:ma14="http://schemas.microsoft.com/office/mac/drawingml/2011/main" val="1"/>
             </a:ext>
           </a:extLst>
         </p:spPr>
@@ -8593,7 +9443,7 @@
           </a:ln>
           <a:extLst>
             <a:ext uri="{FAA26D3D-D897-4be2-8F04-BA451C77F1D7}">
-              <ma14:placeholderFlag xmlns:ma14="http://schemas.microsoft.com/office/mac/drawingml/2011/main" xmlns="" val="1"/>
+              <ma14:placeholderFlag xmlns="" xmlns:ma14="http://schemas.microsoft.com/office/mac/drawingml/2011/main" val="1"/>
             </a:ext>
           </a:extLst>
         </p:spPr>
@@ -9063,7 +9913,7 @@
 </p:sld>
 </file>
 
-<file path=ppt/slides/slide8.xml><?xml version="1.0" encoding="utf-8"?>
+<file path=ppt/slides/slide7.xml><?xml version="1.0" encoding="utf-8"?>
 <p:sld xmlns:a="http://schemas.openxmlformats.org/drawingml/2006/main" xmlns:r="http://schemas.openxmlformats.org/officeDocument/2006/relationships" xmlns:p="http://schemas.openxmlformats.org/presentationml/2006/main">
   <p:cSld>
     <p:spTree>
@@ -9157,7 +10007,7 @@
 </p:sld>
 </file>
 
-<file path=ppt/slides/slide9.xml><?xml version="1.0" encoding="utf-8"?>
+<file path=ppt/slides/slide8.xml><?xml version="1.0" encoding="utf-8"?>
 <p:sld xmlns:a="http://schemas.openxmlformats.org/drawingml/2006/main" xmlns:r="http://schemas.openxmlformats.org/officeDocument/2006/relationships" xmlns:p="http://schemas.openxmlformats.org/presentationml/2006/main">
   <p:cSld>
     <p:spTree>
@@ -9246,6 +10096,897 @@
     <p:extLst>
       <p:ext uri="{BB962C8B-B14F-4D97-AF65-F5344CB8AC3E}">
         <p14:creationId xmlns:p14="http://schemas.microsoft.com/office/powerpoint/2010/main" val="2471718927"/>
+      </p:ext>
+    </p:extLst>
+  </p:cSld>
+  <p:clrMapOvr>
+    <a:masterClrMapping/>
+  </p:clrMapOvr>
+</p:sld>
+</file>
+
+<file path=ppt/slides/slide9.xml><?xml version="1.0" encoding="utf-8"?>
+<p:sld xmlns:a="http://schemas.openxmlformats.org/drawingml/2006/main" xmlns:r="http://schemas.openxmlformats.org/officeDocument/2006/relationships" xmlns:p="http://schemas.openxmlformats.org/presentationml/2006/main">
+  <p:cSld>
+    <p:spTree>
+      <p:nvGrpSpPr>
+        <p:cNvPr id="1" name=""/>
+        <p:cNvGrpSpPr/>
+        <p:nvPr/>
+      </p:nvGrpSpPr>
+      <p:grpSpPr>
+        <a:xfrm>
+          <a:off x="0" y="0"/>
+          <a:ext cx="0" cy="0"/>
+          <a:chOff x="0" y="0"/>
+          <a:chExt cx="0" cy="0"/>
+        </a:xfrm>
+      </p:grpSpPr>
+      <p:sp>
+        <p:nvSpPr>
+          <p:cNvPr id="6" name="Inhaltsplatzhalter 2"/>
+          <p:cNvSpPr txBox="1">
+            <a:spLocks/>
+          </p:cNvSpPr>
+          <p:nvPr/>
+        </p:nvSpPr>
+        <p:spPr bwMode="auto">
+          <a:xfrm>
+            <a:off x="4139952" y="1484784"/>
+            <a:ext cx="985539" cy="5040560"/>
+          </a:xfrm>
+          <a:prstGeom prst="rect">
+            <a:avLst/>
+          </a:prstGeom>
+          <a:noFill/>
+          <a:ln>
+            <a:noFill/>
+          </a:ln>
+          <a:extLst>
+            <a:ext uri="{FAA26D3D-D897-4be2-8F04-BA451C77F1D7}">
+              <ma14:placeholderFlag xmlns="" xmlns:ma14="http://schemas.microsoft.com/office/mac/drawingml/2011/main" val="1"/>
+            </a:ext>
+          </a:extLst>
+        </p:spPr>
+        <p:txBody>
+          <a:bodyPr vert="horz" wrap="square" lIns="91440" tIns="45720" rIns="91440" bIns="45720" numCol="1" anchor="ctr" anchorCtr="0" compatLnSpc="1">
+            <a:prstTxWarp prst="textNoShape">
+              <a:avLst/>
+            </a:prstTxWarp>
+          </a:bodyPr>
+          <a:lstStyle>
+            <a:lvl1pPr marL="342900" indent="-342900" algn="l" rtl="0" eaLnBrk="1" fontAlgn="base" hangingPunct="1">
+              <a:spcBef>
+                <a:spcPct val="20000"/>
+              </a:spcBef>
+              <a:spcAft>
+                <a:spcPct val="0"/>
+              </a:spcAft>
+              <a:buClr>
+                <a:schemeClr val="accent2"/>
+              </a:buClr>
+              <a:buSzPct val="120000"/>
+              <a:buFont typeface="Wingdings" charset="2"/>
+              <a:buChar char="§"/>
+              <a:defRPr sz="2000">
+                <a:solidFill>
+                  <a:schemeClr val="hlink"/>
+                </a:solidFill>
+                <a:latin typeface="+mn-lt"/>
+                <a:ea typeface="ＭＳ Ｐゴシック" charset="0"/>
+                <a:cs typeface="ＭＳ Ｐゴシック" charset="0"/>
+              </a:defRPr>
+            </a:lvl1pPr>
+            <a:lvl2pPr marL="742950" indent="-285750" algn="l" rtl="0" eaLnBrk="1" fontAlgn="base" hangingPunct="1">
+              <a:spcBef>
+                <a:spcPct val="20000"/>
+              </a:spcBef>
+              <a:spcAft>
+                <a:spcPct val="0"/>
+              </a:spcAft>
+              <a:buClr>
+                <a:schemeClr val="tx2"/>
+              </a:buClr>
+              <a:buChar char="–"/>
+              <a:defRPr sz="2000">
+                <a:solidFill>
+                  <a:schemeClr val="tx1"/>
+                </a:solidFill>
+                <a:latin typeface="+mn-lt"/>
+                <a:ea typeface="ＭＳ Ｐゴシック" pitchFamily="-107" charset="-128"/>
+              </a:defRPr>
+            </a:lvl2pPr>
+            <a:lvl3pPr marL="1143000" indent="-228600" algn="l" rtl="0" eaLnBrk="1" fontAlgn="base" hangingPunct="1">
+              <a:spcBef>
+                <a:spcPct val="20000"/>
+              </a:spcBef>
+              <a:spcAft>
+                <a:spcPct val="0"/>
+              </a:spcAft>
+              <a:buClr>
+                <a:schemeClr val="bg2"/>
+              </a:buClr>
+              <a:buSzPct val="90000"/>
+              <a:buChar char="•"/>
+              <a:defRPr sz="2000">
+                <a:solidFill>
+                  <a:schemeClr val="tx1"/>
+                </a:solidFill>
+                <a:latin typeface="+mn-lt"/>
+                <a:ea typeface="ＭＳ Ｐゴシック" pitchFamily="-107" charset="-128"/>
+              </a:defRPr>
+            </a:lvl3pPr>
+            <a:lvl4pPr marL="1600200" indent="-228600" algn="l" rtl="0" eaLnBrk="1" fontAlgn="base" hangingPunct="1">
+              <a:spcBef>
+                <a:spcPct val="20000"/>
+              </a:spcBef>
+              <a:spcAft>
+                <a:spcPct val="0"/>
+              </a:spcAft>
+              <a:buChar char="–"/>
+              <a:defRPr sz="2000">
+                <a:solidFill>
+                  <a:schemeClr val="tx1"/>
+                </a:solidFill>
+                <a:latin typeface="+mn-lt"/>
+                <a:ea typeface="ＭＳ Ｐゴシック" pitchFamily="-107" charset="-128"/>
+              </a:defRPr>
+            </a:lvl4pPr>
+            <a:lvl5pPr marL="2057400" indent="-228600" algn="l" rtl="0" eaLnBrk="1" fontAlgn="base" hangingPunct="1">
+              <a:spcBef>
+                <a:spcPct val="20000"/>
+              </a:spcBef>
+              <a:spcAft>
+                <a:spcPct val="0"/>
+              </a:spcAft>
+              <a:buChar char="»"/>
+              <a:defRPr sz="2000">
+                <a:solidFill>
+                  <a:schemeClr val="tx1"/>
+                </a:solidFill>
+                <a:latin typeface="+mn-lt"/>
+                <a:ea typeface="ＭＳ Ｐゴシック" pitchFamily="-107" charset="-128"/>
+              </a:defRPr>
+            </a:lvl5pPr>
+            <a:lvl6pPr marL="2514600" indent="-228600" algn="l" rtl="0" eaLnBrk="1" fontAlgn="base" hangingPunct="1">
+              <a:spcBef>
+                <a:spcPct val="20000"/>
+              </a:spcBef>
+              <a:spcAft>
+                <a:spcPct val="0"/>
+              </a:spcAft>
+              <a:buChar char="»"/>
+              <a:defRPr>
+                <a:solidFill>
+                  <a:schemeClr val="tx1"/>
+                </a:solidFill>
+                <a:latin typeface="+mn-lt"/>
+                <a:ea typeface="ＭＳ Ｐゴシック" pitchFamily="-107" charset="-128"/>
+              </a:defRPr>
+            </a:lvl6pPr>
+            <a:lvl7pPr marL="2971800" indent="-228600" algn="l" rtl="0" eaLnBrk="1" fontAlgn="base" hangingPunct="1">
+              <a:spcBef>
+                <a:spcPct val="20000"/>
+              </a:spcBef>
+              <a:spcAft>
+                <a:spcPct val="0"/>
+              </a:spcAft>
+              <a:buChar char="»"/>
+              <a:defRPr>
+                <a:solidFill>
+                  <a:schemeClr val="tx1"/>
+                </a:solidFill>
+                <a:latin typeface="+mn-lt"/>
+                <a:ea typeface="ＭＳ Ｐゴシック" pitchFamily="-107" charset="-128"/>
+              </a:defRPr>
+            </a:lvl7pPr>
+            <a:lvl8pPr marL="3429000" indent="-228600" algn="l" rtl="0" eaLnBrk="1" fontAlgn="base" hangingPunct="1">
+              <a:spcBef>
+                <a:spcPct val="20000"/>
+              </a:spcBef>
+              <a:spcAft>
+                <a:spcPct val="0"/>
+              </a:spcAft>
+              <a:buChar char="»"/>
+              <a:defRPr>
+                <a:solidFill>
+                  <a:schemeClr val="tx1"/>
+                </a:solidFill>
+                <a:latin typeface="+mn-lt"/>
+                <a:ea typeface="ＭＳ Ｐゴシック" pitchFamily="-107" charset="-128"/>
+              </a:defRPr>
+            </a:lvl8pPr>
+            <a:lvl9pPr marL="3886200" indent="-228600" algn="l" rtl="0" eaLnBrk="1" fontAlgn="base" hangingPunct="1">
+              <a:spcBef>
+                <a:spcPct val="20000"/>
+              </a:spcBef>
+              <a:spcAft>
+                <a:spcPct val="0"/>
+              </a:spcAft>
+              <a:buChar char="»"/>
+              <a:defRPr>
+                <a:solidFill>
+                  <a:schemeClr val="tx1"/>
+                </a:solidFill>
+                <a:latin typeface="+mn-lt"/>
+                <a:ea typeface="ＭＳ Ｐゴシック" pitchFamily="-107" charset="-128"/>
+              </a:defRPr>
+            </a:lvl9pPr>
+          </a:lstStyle>
+          <a:p>
+            <a:pPr marL="0" indent="0" algn="ctr">
+              <a:spcAft>
+                <a:spcPts val="1200"/>
+              </a:spcAft>
+              <a:buFont typeface="Wingdings" charset="2"/>
+              <a:buNone/>
+            </a:pPr>
+            <a:endParaRPr lang="de-DE" sz="4800" kern="0" dirty="0"/>
+          </a:p>
+        </p:txBody>
+      </p:sp>
+      <p:sp>
+        <p:nvSpPr>
+          <p:cNvPr id="2" name="Titel 1"/>
+          <p:cNvSpPr>
+            <a:spLocks noGrp="1"/>
+          </p:cNvSpPr>
+          <p:nvPr>
+            <p:ph type="title"/>
+          </p:nvPr>
+        </p:nvSpPr>
+        <p:spPr/>
+        <p:txBody>
+          <a:bodyPr/>
+          <a:lstStyle/>
+          <a:p>
+            <a:r>
+              <a:rPr lang="de-DE" dirty="0" smtClean="0"/>
+              <a:t>This </a:t>
+            </a:r>
+            <a:r>
+              <a:rPr lang="de-DE" dirty="0" err="1" smtClean="0"/>
+              <a:t>way</a:t>
+            </a:r>
+            <a:r>
+              <a:rPr lang="de-DE" dirty="0" smtClean="0"/>
+              <a:t>?</a:t>
+            </a:r>
+            <a:endParaRPr lang="de-DE" dirty="0"/>
+          </a:p>
+        </p:txBody>
+      </p:sp>
+      <p:sp>
+        <p:nvSpPr>
+          <p:cNvPr id="3" name="Inhaltsplatzhalter 2"/>
+          <p:cNvSpPr>
+            <a:spLocks noGrp="1"/>
+          </p:cNvSpPr>
+          <p:nvPr>
+            <p:ph idx="1"/>
+          </p:nvPr>
+        </p:nvSpPr>
+        <p:spPr>
+          <a:xfrm>
+            <a:off x="457200" y="1484784"/>
+            <a:ext cx="3682752" cy="5040560"/>
+          </a:xfrm>
+          <a:solidFill>
+            <a:schemeClr val="accent5"/>
+          </a:solidFill>
+        </p:spPr>
+        <p:txBody>
+          <a:bodyPr/>
+          <a:lstStyle/>
+          <a:p>
+            <a:pPr marL="0" indent="0" algn="ctr">
+              <a:buNone/>
+            </a:pPr>
+            <a:r>
+              <a:rPr lang="de-DE" b="1" dirty="0" err="1" smtClean="0"/>
+              <a:t>Pseudonymisation</a:t>
+            </a:r>
+            <a:endParaRPr lang="de-DE" b="1" dirty="0"/>
+          </a:p>
+          <a:p>
+            <a:r>
+              <a:rPr lang="de-DE" dirty="0" err="1"/>
+              <a:t>Changing</a:t>
+            </a:r>
+            <a:r>
+              <a:rPr lang="de-DE" dirty="0"/>
+              <a:t> </a:t>
+            </a:r>
+            <a:r>
+              <a:rPr lang="de-DE" dirty="0" err="1"/>
+              <a:t>pseudonyms</a:t>
+            </a:r>
+            <a:r>
+              <a:rPr lang="de-DE" dirty="0"/>
+              <a:t> </a:t>
+            </a:r>
+            <a:r>
+              <a:rPr lang="de-DE" dirty="0" err="1"/>
+              <a:t>regularly</a:t>
+            </a:r>
+            <a:endParaRPr lang="de-DE" dirty="0"/>
+          </a:p>
+          <a:p>
+            <a:r>
+              <a:rPr lang="de-DE" dirty="0" err="1"/>
+              <a:t>Linkability</a:t>
+            </a:r>
+            <a:r>
+              <a:rPr lang="de-DE" dirty="0"/>
+              <a:t>: </a:t>
+            </a:r>
+            <a:r>
+              <a:rPr lang="de-DE" dirty="0" err="1"/>
+              <a:t>balancing</a:t>
+            </a:r>
+            <a:r>
+              <a:rPr lang="de-DE" dirty="0"/>
+              <a:t> </a:t>
+            </a:r>
+            <a:r>
+              <a:rPr lang="de-DE" dirty="0" err="1"/>
+              <a:t>privacy</a:t>
+            </a:r>
+            <a:r>
+              <a:rPr lang="de-DE" dirty="0"/>
+              <a:t> </a:t>
+            </a:r>
+            <a:r>
+              <a:rPr lang="de-DE" dirty="0" err="1"/>
+              <a:t>and</a:t>
+            </a:r>
+            <a:r>
+              <a:rPr lang="de-DE" dirty="0"/>
+              <a:t> </a:t>
+            </a:r>
+            <a:r>
+              <a:rPr lang="de-DE" dirty="0" err="1"/>
+              <a:t>anomaly</a:t>
+            </a:r>
+            <a:r>
+              <a:rPr lang="de-DE" dirty="0"/>
+              <a:t> </a:t>
+            </a:r>
+            <a:r>
+              <a:rPr lang="de-DE" dirty="0" err="1"/>
+              <a:t>detection</a:t>
+            </a:r>
+            <a:r>
+              <a:rPr lang="de-DE" dirty="0"/>
+              <a:t> </a:t>
+            </a:r>
+            <a:r>
+              <a:rPr lang="de-DE" dirty="0" err="1"/>
+              <a:t>requirements</a:t>
+            </a:r>
+            <a:endParaRPr lang="de-DE" dirty="0"/>
+          </a:p>
+          <a:p>
+            <a:r>
+              <a:rPr lang="de-DE" dirty="0"/>
+              <a:t>Time </a:t>
+            </a:r>
+            <a:r>
+              <a:rPr lang="de-DE" dirty="0" err="1"/>
+              <a:t>and</a:t>
+            </a:r>
+            <a:r>
+              <a:rPr lang="de-DE" dirty="0"/>
+              <a:t> </a:t>
+            </a:r>
+            <a:r>
+              <a:rPr lang="de-DE" dirty="0" err="1"/>
+              <a:t>usage</a:t>
+            </a:r>
+            <a:r>
+              <a:rPr lang="de-DE" dirty="0"/>
+              <a:t> </a:t>
+            </a:r>
+            <a:r>
+              <a:rPr lang="de-DE" dirty="0" err="1"/>
+              <a:t>dependent</a:t>
+            </a:r>
+            <a:endParaRPr lang="de-DE" dirty="0"/>
+          </a:p>
+          <a:p>
+            <a:r>
+              <a:rPr lang="de-DE" dirty="0"/>
+              <a:t>Parameter </a:t>
+            </a:r>
+            <a:r>
+              <a:rPr lang="de-DE" dirty="0" err="1"/>
+              <a:t>choice</a:t>
+            </a:r>
+            <a:r>
+              <a:rPr lang="de-DE" dirty="0"/>
+              <a:t> </a:t>
+            </a:r>
+            <a:r>
+              <a:rPr lang="de-DE" dirty="0" err="1"/>
+              <a:t>depends</a:t>
+            </a:r>
+            <a:r>
+              <a:rPr lang="de-DE" dirty="0"/>
+              <a:t> on</a:t>
+            </a:r>
+          </a:p>
+          <a:p>
+            <a:pPr lvl="1"/>
+            <a:r>
+              <a:rPr lang="de-DE" dirty="0"/>
+              <a:t>Data </a:t>
+            </a:r>
+            <a:r>
+              <a:rPr lang="de-DE" dirty="0" err="1"/>
+              <a:t>source</a:t>
+            </a:r>
+            <a:r>
+              <a:rPr lang="de-DE" dirty="0"/>
+              <a:t> </a:t>
+            </a:r>
+            <a:r>
+              <a:rPr lang="de-DE" dirty="0" err="1"/>
+              <a:t>properties</a:t>
+            </a:r>
+            <a:endParaRPr lang="de-DE" dirty="0"/>
+          </a:p>
+          <a:p>
+            <a:pPr lvl="1"/>
+            <a:r>
+              <a:rPr lang="de-DE" dirty="0" err="1"/>
+              <a:t>Anomaly</a:t>
+            </a:r>
+            <a:r>
+              <a:rPr lang="de-DE" dirty="0"/>
+              <a:t> </a:t>
+            </a:r>
+            <a:r>
+              <a:rPr lang="de-DE" dirty="0" err="1"/>
+              <a:t>detection</a:t>
+            </a:r>
+            <a:r>
+              <a:rPr lang="de-DE" dirty="0"/>
+              <a:t> </a:t>
+            </a:r>
+            <a:r>
+              <a:rPr lang="de-DE" dirty="0" err="1"/>
+              <a:t>requirements</a:t>
+            </a:r>
+            <a:endParaRPr lang="de-DE" dirty="0"/>
+          </a:p>
+          <a:p>
+            <a:endParaRPr lang="de-DE" dirty="0"/>
+          </a:p>
+          <a:p>
+            <a:r>
+              <a:rPr lang="de-DE" dirty="0"/>
+              <a:t>Implementation:  </a:t>
+            </a:r>
+            <a:r>
+              <a:rPr lang="de-DE" dirty="0" err="1"/>
+              <a:t>straightforward</a:t>
+            </a:r>
+            <a:endParaRPr lang="de-DE" dirty="0"/>
+          </a:p>
+        </p:txBody>
+      </p:sp>
+      <p:sp>
+        <p:nvSpPr>
+          <p:cNvPr id="4" name="Inhaltsplatzhalter 2"/>
+          <p:cNvSpPr txBox="1">
+            <a:spLocks/>
+          </p:cNvSpPr>
+          <p:nvPr/>
+        </p:nvSpPr>
+        <p:spPr bwMode="auto">
+          <a:xfrm>
+            <a:off x="5125491" y="1484784"/>
+            <a:ext cx="3682752" cy="5040560"/>
+          </a:xfrm>
+          <a:prstGeom prst="rect">
+            <a:avLst/>
+          </a:prstGeom>
+          <a:solidFill>
+            <a:schemeClr val="accent5"/>
+          </a:solidFill>
+          <a:ln>
+            <a:noFill/>
+          </a:ln>
+          <a:extLst>
+            <a:ext uri="{FAA26D3D-D897-4be2-8F04-BA451C77F1D7}">
+              <ma14:placeholderFlag xmlns="" xmlns:ma14="http://schemas.microsoft.com/office/mac/drawingml/2011/main" val="1"/>
+            </a:ext>
+          </a:extLst>
+        </p:spPr>
+        <p:txBody>
+          <a:bodyPr vert="horz" wrap="square" lIns="91440" tIns="45720" rIns="91440" bIns="45720" numCol="1" anchor="t" anchorCtr="0" compatLnSpc="1">
+            <a:prstTxWarp prst="textNoShape">
+              <a:avLst/>
+            </a:prstTxWarp>
+          </a:bodyPr>
+          <a:lstStyle>
+            <a:lvl1pPr marL="342900" indent="-342900" algn="l" rtl="0" eaLnBrk="1" fontAlgn="base" hangingPunct="1">
+              <a:spcBef>
+                <a:spcPct val="20000"/>
+              </a:spcBef>
+              <a:spcAft>
+                <a:spcPct val="0"/>
+              </a:spcAft>
+              <a:buClr>
+                <a:schemeClr val="accent2"/>
+              </a:buClr>
+              <a:buSzPct val="120000"/>
+              <a:buFont typeface="Wingdings" charset="2"/>
+              <a:buChar char="§"/>
+              <a:defRPr sz="2000">
+                <a:solidFill>
+                  <a:schemeClr val="hlink"/>
+                </a:solidFill>
+                <a:latin typeface="+mn-lt"/>
+                <a:ea typeface="ＭＳ Ｐゴシック" charset="0"/>
+                <a:cs typeface="ＭＳ Ｐゴシック" charset="0"/>
+              </a:defRPr>
+            </a:lvl1pPr>
+            <a:lvl2pPr marL="742950" indent="-285750" algn="l" rtl="0" eaLnBrk="1" fontAlgn="base" hangingPunct="1">
+              <a:spcBef>
+                <a:spcPct val="20000"/>
+              </a:spcBef>
+              <a:spcAft>
+                <a:spcPct val="0"/>
+              </a:spcAft>
+              <a:buClr>
+                <a:schemeClr val="tx2"/>
+              </a:buClr>
+              <a:buChar char="–"/>
+              <a:defRPr sz="2000">
+                <a:solidFill>
+                  <a:schemeClr val="tx1"/>
+                </a:solidFill>
+                <a:latin typeface="+mn-lt"/>
+                <a:ea typeface="ＭＳ Ｐゴシック" pitchFamily="-107" charset="-128"/>
+              </a:defRPr>
+            </a:lvl2pPr>
+            <a:lvl3pPr marL="1143000" indent="-228600" algn="l" rtl="0" eaLnBrk="1" fontAlgn="base" hangingPunct="1">
+              <a:spcBef>
+                <a:spcPct val="20000"/>
+              </a:spcBef>
+              <a:spcAft>
+                <a:spcPct val="0"/>
+              </a:spcAft>
+              <a:buClr>
+                <a:schemeClr val="bg2"/>
+              </a:buClr>
+              <a:buSzPct val="90000"/>
+              <a:buChar char="•"/>
+              <a:defRPr sz="2000">
+                <a:solidFill>
+                  <a:schemeClr val="tx1"/>
+                </a:solidFill>
+                <a:latin typeface="+mn-lt"/>
+                <a:ea typeface="ＭＳ Ｐゴシック" pitchFamily="-107" charset="-128"/>
+              </a:defRPr>
+            </a:lvl3pPr>
+            <a:lvl4pPr marL="1600200" indent="-228600" algn="l" rtl="0" eaLnBrk="1" fontAlgn="base" hangingPunct="1">
+              <a:spcBef>
+                <a:spcPct val="20000"/>
+              </a:spcBef>
+              <a:spcAft>
+                <a:spcPct val="0"/>
+              </a:spcAft>
+              <a:buChar char="–"/>
+              <a:defRPr sz="2000">
+                <a:solidFill>
+                  <a:schemeClr val="tx1"/>
+                </a:solidFill>
+                <a:latin typeface="+mn-lt"/>
+                <a:ea typeface="ＭＳ Ｐゴシック" pitchFamily="-107" charset="-128"/>
+              </a:defRPr>
+            </a:lvl4pPr>
+            <a:lvl5pPr marL="2057400" indent="-228600" algn="l" rtl="0" eaLnBrk="1" fontAlgn="base" hangingPunct="1">
+              <a:spcBef>
+                <a:spcPct val="20000"/>
+              </a:spcBef>
+              <a:spcAft>
+                <a:spcPct val="0"/>
+              </a:spcAft>
+              <a:buChar char="»"/>
+              <a:defRPr sz="2000">
+                <a:solidFill>
+                  <a:schemeClr val="tx1"/>
+                </a:solidFill>
+                <a:latin typeface="+mn-lt"/>
+                <a:ea typeface="ＭＳ Ｐゴシック" pitchFamily="-107" charset="-128"/>
+              </a:defRPr>
+            </a:lvl5pPr>
+            <a:lvl6pPr marL="2514600" indent="-228600" algn="l" rtl="0" eaLnBrk="1" fontAlgn="base" hangingPunct="1">
+              <a:spcBef>
+                <a:spcPct val="20000"/>
+              </a:spcBef>
+              <a:spcAft>
+                <a:spcPct val="0"/>
+              </a:spcAft>
+              <a:buChar char="»"/>
+              <a:defRPr>
+                <a:solidFill>
+                  <a:schemeClr val="tx1"/>
+                </a:solidFill>
+                <a:latin typeface="+mn-lt"/>
+                <a:ea typeface="ＭＳ Ｐゴシック" pitchFamily="-107" charset="-128"/>
+              </a:defRPr>
+            </a:lvl6pPr>
+            <a:lvl7pPr marL="2971800" indent="-228600" algn="l" rtl="0" eaLnBrk="1" fontAlgn="base" hangingPunct="1">
+              <a:spcBef>
+                <a:spcPct val="20000"/>
+              </a:spcBef>
+              <a:spcAft>
+                <a:spcPct val="0"/>
+              </a:spcAft>
+              <a:buChar char="»"/>
+              <a:defRPr>
+                <a:solidFill>
+                  <a:schemeClr val="tx1"/>
+                </a:solidFill>
+                <a:latin typeface="+mn-lt"/>
+                <a:ea typeface="ＭＳ Ｐゴシック" pitchFamily="-107" charset="-128"/>
+              </a:defRPr>
+            </a:lvl7pPr>
+            <a:lvl8pPr marL="3429000" indent="-228600" algn="l" rtl="0" eaLnBrk="1" fontAlgn="base" hangingPunct="1">
+              <a:spcBef>
+                <a:spcPct val="20000"/>
+              </a:spcBef>
+              <a:spcAft>
+                <a:spcPct val="0"/>
+              </a:spcAft>
+              <a:buChar char="»"/>
+              <a:defRPr>
+                <a:solidFill>
+                  <a:schemeClr val="tx1"/>
+                </a:solidFill>
+                <a:latin typeface="+mn-lt"/>
+                <a:ea typeface="ＭＳ Ｐゴシック" pitchFamily="-107" charset="-128"/>
+              </a:defRPr>
+            </a:lvl8pPr>
+            <a:lvl9pPr marL="3886200" indent="-228600" algn="l" rtl="0" eaLnBrk="1" fontAlgn="base" hangingPunct="1">
+              <a:spcBef>
+                <a:spcPct val="20000"/>
+              </a:spcBef>
+              <a:spcAft>
+                <a:spcPct val="0"/>
+              </a:spcAft>
+              <a:buChar char="»"/>
+              <a:defRPr>
+                <a:solidFill>
+                  <a:schemeClr val="tx1"/>
+                </a:solidFill>
+                <a:latin typeface="+mn-lt"/>
+                <a:ea typeface="ＭＳ Ｐゴシック" pitchFamily="-107" charset="-128"/>
+              </a:defRPr>
+            </a:lvl9pPr>
+          </a:lstStyle>
+          <a:p>
+            <a:pPr marL="0" indent="0" algn="ctr">
+              <a:buFont typeface="Wingdings" charset="2"/>
+              <a:buNone/>
+            </a:pPr>
+            <a:r>
+              <a:rPr lang="de-DE" b="1" kern="0" dirty="0" err="1" smtClean="0"/>
+              <a:t>Threshold</a:t>
+            </a:r>
+            <a:r>
+              <a:rPr lang="de-DE" b="1" kern="0" dirty="0" smtClean="0"/>
+              <a:t> </a:t>
+            </a:r>
+            <a:r>
+              <a:rPr lang="de-DE" b="1" kern="0" dirty="0" err="1" smtClean="0"/>
+              <a:t>cryptosystems</a:t>
+            </a:r>
+            <a:endParaRPr lang="de-DE" b="1" kern="0" dirty="0" smtClean="0"/>
+          </a:p>
+          <a:p>
+            <a:pPr marL="0" indent="0" algn="ctr">
+              <a:buFont typeface="Wingdings" charset="2"/>
+              <a:buNone/>
+            </a:pPr>
+            <a:endParaRPr lang="de-DE" kern="0" dirty="0"/>
+          </a:p>
+          <a:p>
+            <a:r>
+              <a:rPr lang="de-DE" dirty="0" err="1"/>
+              <a:t>Threshold</a:t>
+            </a:r>
+            <a:r>
+              <a:rPr lang="de-DE" dirty="0"/>
+              <a:t> </a:t>
+            </a:r>
+            <a:r>
+              <a:rPr lang="de-DE" dirty="0" err="1"/>
+              <a:t>public</a:t>
+            </a:r>
+            <a:r>
+              <a:rPr lang="de-DE" dirty="0"/>
+              <a:t> </a:t>
+            </a:r>
+            <a:r>
+              <a:rPr lang="de-DE" dirty="0" err="1"/>
+              <a:t>key</a:t>
+            </a:r>
+            <a:r>
+              <a:rPr lang="de-DE" dirty="0"/>
+              <a:t> </a:t>
+            </a:r>
+            <a:r>
+              <a:rPr lang="de-DE" dirty="0" err="1"/>
+              <a:t>decryption</a:t>
+            </a:r>
+            <a:r>
+              <a:rPr lang="de-DE" dirty="0"/>
+              <a:t> </a:t>
+            </a:r>
+            <a:br>
+              <a:rPr lang="de-DE" dirty="0"/>
+            </a:br>
+            <a:r>
+              <a:rPr lang="de-DE" dirty="0" err="1"/>
+              <a:t>combining</a:t>
+            </a:r>
+            <a:r>
+              <a:rPr lang="de-DE" dirty="0"/>
+              <a:t> </a:t>
+            </a:r>
+            <a:r>
+              <a:rPr lang="de-DE" dirty="0" err="1"/>
+              <a:t>ElGamal</a:t>
+            </a:r>
+            <a:r>
+              <a:rPr lang="de-DE" dirty="0"/>
+              <a:t> </a:t>
+            </a:r>
+            <a:r>
+              <a:rPr lang="de-DE" dirty="0" err="1"/>
+              <a:t>and</a:t>
+            </a:r>
+            <a:r>
+              <a:rPr lang="de-DE" dirty="0"/>
+              <a:t> </a:t>
+            </a:r>
+            <a:r>
+              <a:rPr lang="de-DE" dirty="0" err="1"/>
+              <a:t>Shamir‘s</a:t>
+            </a:r>
+            <a:r>
+              <a:rPr lang="de-DE" dirty="0"/>
+              <a:t> </a:t>
+            </a:r>
+            <a:r>
+              <a:rPr lang="de-DE" dirty="0" err="1"/>
+              <a:t>secret</a:t>
+            </a:r>
+            <a:r>
+              <a:rPr lang="de-DE" dirty="0"/>
+              <a:t> </a:t>
+            </a:r>
+            <a:r>
+              <a:rPr lang="de-DE" dirty="0" err="1"/>
+              <a:t>sharing</a:t>
+            </a:r>
+            <a:endParaRPr lang="de-DE" dirty="0"/>
+          </a:p>
+          <a:p>
+            <a:r>
+              <a:rPr lang="de-DE" dirty="0" err="1"/>
+              <a:t>Centralized</a:t>
+            </a:r>
+            <a:r>
+              <a:rPr lang="de-DE" dirty="0"/>
+              <a:t> </a:t>
+            </a:r>
+            <a:r>
+              <a:rPr lang="de-DE" dirty="0" err="1"/>
+              <a:t>key</a:t>
+            </a:r>
+            <a:r>
+              <a:rPr lang="de-DE" dirty="0"/>
+              <a:t> </a:t>
+            </a:r>
+            <a:r>
+              <a:rPr lang="de-DE" dirty="0" err="1"/>
+              <a:t>generation</a:t>
+            </a:r>
+            <a:endParaRPr lang="de-DE" dirty="0"/>
+          </a:p>
+          <a:p>
+            <a:endParaRPr lang="de-DE" dirty="0"/>
+          </a:p>
+          <a:p>
+            <a:r>
+              <a:rPr lang="de-DE" dirty="0"/>
+              <a:t>Implementation:</a:t>
+            </a:r>
+          </a:p>
+          <a:p>
+            <a:pPr lvl="1"/>
+            <a:r>
+              <a:rPr lang="de-DE" dirty="0" err="1"/>
+              <a:t>No</a:t>
+            </a:r>
+            <a:r>
+              <a:rPr lang="de-DE" dirty="0"/>
+              <a:t> </a:t>
+            </a:r>
+            <a:r>
+              <a:rPr lang="de-DE" dirty="0" err="1"/>
+              <a:t>usable</a:t>
+            </a:r>
+            <a:r>
+              <a:rPr lang="de-DE" dirty="0"/>
+              <a:t> open </a:t>
+            </a:r>
+            <a:r>
+              <a:rPr lang="de-DE" dirty="0" err="1"/>
+              <a:t>source</a:t>
+            </a:r>
+            <a:r>
+              <a:rPr lang="de-DE" dirty="0"/>
+              <a:t> </a:t>
+            </a:r>
+            <a:r>
+              <a:rPr lang="de-DE" dirty="0" err="1"/>
+              <a:t>implementation</a:t>
+            </a:r>
+            <a:endParaRPr lang="de-DE" dirty="0"/>
+          </a:p>
+          <a:p>
+            <a:pPr lvl="1"/>
+            <a:r>
+              <a:rPr lang="de-DE" dirty="0" err="1"/>
+              <a:t>Own</a:t>
+            </a:r>
+            <a:r>
+              <a:rPr lang="de-DE" dirty="0"/>
+              <a:t> </a:t>
+            </a:r>
+            <a:r>
+              <a:rPr lang="de-DE" dirty="0" err="1"/>
+              <a:t>implementation</a:t>
+            </a:r>
+            <a:r>
+              <a:rPr lang="de-DE" dirty="0"/>
+              <a:t> </a:t>
+            </a:r>
+            <a:r>
+              <a:rPr lang="de-DE" dirty="0" err="1"/>
+              <a:t>as</a:t>
+            </a:r>
+            <a:r>
+              <a:rPr lang="de-DE" dirty="0"/>
+              <a:t> hybrid </a:t>
+            </a:r>
+            <a:r>
+              <a:rPr lang="de-DE" dirty="0" err="1"/>
+              <a:t>scheme</a:t>
+            </a:r>
+            <a:r>
+              <a:rPr lang="de-DE" dirty="0"/>
+              <a:t> </a:t>
+            </a:r>
+          </a:p>
+          <a:p>
+            <a:endParaRPr lang="de-DE" kern="0" dirty="0" smtClean="0"/>
+          </a:p>
+          <a:p>
+            <a:endParaRPr lang="de-DE" kern="0" dirty="0"/>
+          </a:p>
+        </p:txBody>
+      </p:sp>
+    </p:spTree>
+    <p:extLst>
+      <p:ext uri="{BB962C8B-B14F-4D97-AF65-F5344CB8AC3E}">
+        <p14:creationId xmlns:p14="http://schemas.microsoft.com/office/powerpoint/2010/main" val="865240146"/>
       </p:ext>
     </p:extLst>
   </p:cSld>

--- a/kolloquium/TemplateSlides2016.pptx
+++ b/kolloquium/TemplateSlides2016.pptx
@@ -11,20 +11,20 @@
     <p:handoutMasterId r:id="rId20"/>
   </p:handoutMasterIdLst>
   <p:sldIdLst>
-    <p:sldId id="479" r:id="rId2"/>
-    <p:sldId id="682" r:id="rId3"/>
-    <p:sldId id="669" r:id="rId4"/>
-    <p:sldId id="684" r:id="rId5"/>
-    <p:sldId id="683" r:id="rId6"/>
-    <p:sldId id="672" r:id="rId7"/>
-    <p:sldId id="673" r:id="rId8"/>
-    <p:sldId id="674" r:id="rId9"/>
-    <p:sldId id="685" r:id="rId10"/>
-    <p:sldId id="677" r:id="rId11"/>
-    <p:sldId id="681" r:id="rId12"/>
-    <p:sldId id="678" r:id="rId13"/>
-    <p:sldId id="679" r:id="rId14"/>
-    <p:sldId id="680" r:id="rId15"/>
+    <p:sldId id="682" r:id="rId2"/>
+    <p:sldId id="669" r:id="rId3"/>
+    <p:sldId id="684" r:id="rId4"/>
+    <p:sldId id="683" r:id="rId5"/>
+    <p:sldId id="672" r:id="rId6"/>
+    <p:sldId id="673" r:id="rId7"/>
+    <p:sldId id="674" r:id="rId8"/>
+    <p:sldId id="685" r:id="rId9"/>
+    <p:sldId id="677" r:id="rId10"/>
+    <p:sldId id="681" r:id="rId11"/>
+    <p:sldId id="678" r:id="rId12"/>
+    <p:sldId id="679" r:id="rId13"/>
+    <p:sldId id="680" r:id="rId14"/>
+    <p:sldId id="479" r:id="rId15"/>
     <p:sldId id="671" r:id="rId16"/>
     <p:sldId id="675" r:id="rId17"/>
     <p:sldId id="676" r:id="rId18"/>
@@ -246,11 +246,11 @@
           <c:showBubbleSize val="0"/>
         </c:dLbls>
         <c:gapWidth val="75"/>
-        <c:axId val="43240448"/>
-        <c:axId val="43242240"/>
+        <c:axId val="34816768"/>
+        <c:axId val="34818304"/>
       </c:barChart>
       <c:catAx>
-        <c:axId val="43240448"/>
+        <c:axId val="34816768"/>
         <c:scaling>
           <c:orientation val="minMax"/>
         </c:scaling>
@@ -269,7 +269,7 @@
             <a:endParaRPr lang="de-DE"/>
           </a:p>
         </c:txPr>
-        <c:crossAx val="43242240"/>
+        <c:crossAx val="34818304"/>
         <c:crosses val="autoZero"/>
         <c:auto val="1"/>
         <c:lblAlgn val="ctr"/>
@@ -277,7 +277,7 @@
         <c:noMultiLvlLbl val="0"/>
       </c:catAx>
       <c:valAx>
-        <c:axId val="43242240"/>
+        <c:axId val="34818304"/>
         <c:scaling>
           <c:orientation val="minMax"/>
         </c:scaling>
@@ -314,7 +314,7 @@
         <c:majorTickMark val="none"/>
         <c:minorTickMark val="none"/>
         <c:tickLblPos val="nextTo"/>
-        <c:crossAx val="43240448"/>
+        <c:crossAx val="34816768"/>
         <c:crosses val="autoZero"/>
         <c:crossBetween val="between"/>
       </c:valAx>
@@ -1010,7 +1010,7 @@
               <a:rPr lang="de-DE" smtClean="0">
                 <a:latin typeface="Calibri"/>
               </a:rPr>
-              <a:t>18.03.2018</a:t>
+              <a:t>19.03.2018</a:t>
             </a:fld>
             <a:endParaRPr lang="de-DE" dirty="0">
               <a:latin typeface="Calibri"/>
@@ -1274,7 +1274,7 @@
               </a14:hiddenFill>
             </a:ext>
             <a:ext uri="{FAA26D3D-D897-4be2-8F04-BA451C77F1D7}">
-              <ma14:placeholderFlag xmlns="" xmlns:ma14="http://schemas.microsoft.com/office/mac/drawingml/2011/main" val="1"/>
+              <ma14:placeholderFlag xmlns:ma14="http://schemas.microsoft.com/office/mac/drawingml/2011/main" xmlns="" val="1"/>
             </a:ext>
           </a:extLst>
         </p:spPr>
@@ -1875,246 +1875,211 @@
       </p:grpSpPr>
       <p:sp>
         <p:nvSpPr>
-          <p:cNvPr id="6145" name="Rectangle 7"/>
+          <p:cNvPr id="2" name="Folienbildplatzhalter 1"/>
           <p:cNvSpPr>
-            <a:spLocks noGrp="1" noChangeArrowheads="1"/>
-          </p:cNvSpPr>
-          <p:nvPr>
-            <p:ph type="sldNum" sz="quarter" idx="5"/>
-          </p:nvPr>
-        </p:nvSpPr>
-        <p:spPr>
-          <a:noFill/>
-          <a:ln/>
-          <a:extLst>
-            <a:ext uri="{909E8E84-426E-40DD-AFC4-6F175D3DCCD1}">
-              <a14:hiddenFill xmlns:a14="http://schemas.microsoft.com/office/drawing/2010/main">
-                <a:solidFill>
-                  <a:srgbClr val="FFFFFF"/>
-                </a:solidFill>
-              </a14:hiddenFill>
-            </a:ext>
-            <a:ext uri="{91240B29-F687-4F45-9708-019B960494DF}">
-              <a14:hiddenLine xmlns:a14="http://schemas.microsoft.com/office/drawing/2010/main" w="9525">
-                <a:solidFill>
-                  <a:srgbClr val="000000"/>
-                </a:solidFill>
-                <a:miter lim="800000"/>
-                <a:headEnd/>
-                <a:tailEnd/>
-              </a14:hiddenLine>
-            </a:ext>
-          </a:extLst>
-        </p:spPr>
-        <p:txBody>
-          <a:bodyPr/>
-          <a:lstStyle>
-            <a:lvl1pPr eaLnBrk="0" hangingPunct="0">
-              <a:defRPr sz="2400">
-                <a:solidFill>
-                  <a:schemeClr val="tx1"/>
-                </a:solidFill>
-                <a:latin typeface="Verdana" charset="0"/>
-                <a:ea typeface="ＭＳ Ｐゴシック" charset="0"/>
-                <a:cs typeface="ＭＳ Ｐゴシック" charset="0"/>
-              </a:defRPr>
-            </a:lvl1pPr>
-            <a:lvl2pPr marL="742950" indent="-285750" eaLnBrk="0" hangingPunct="0">
-              <a:defRPr sz="2400">
-                <a:solidFill>
-                  <a:schemeClr val="tx1"/>
-                </a:solidFill>
-                <a:latin typeface="Verdana" charset="0"/>
-                <a:ea typeface="ＭＳ Ｐゴシック" charset="0"/>
-              </a:defRPr>
-            </a:lvl2pPr>
-            <a:lvl3pPr marL="1143000" indent="-228600" eaLnBrk="0" hangingPunct="0">
-              <a:defRPr sz="2400">
-                <a:solidFill>
-                  <a:schemeClr val="tx1"/>
-                </a:solidFill>
-                <a:latin typeface="Verdana" charset="0"/>
-                <a:ea typeface="ＭＳ Ｐゴシック" charset="0"/>
-              </a:defRPr>
-            </a:lvl3pPr>
-            <a:lvl4pPr marL="1600200" indent="-228600" eaLnBrk="0" hangingPunct="0">
-              <a:defRPr sz="2400">
-                <a:solidFill>
-                  <a:schemeClr val="tx1"/>
-                </a:solidFill>
-                <a:latin typeface="Verdana" charset="0"/>
-                <a:ea typeface="ＭＳ Ｐゴシック" charset="0"/>
-              </a:defRPr>
-            </a:lvl4pPr>
-            <a:lvl5pPr marL="2057400" indent="-228600" eaLnBrk="0" hangingPunct="0">
-              <a:defRPr sz="2400">
-                <a:solidFill>
-                  <a:schemeClr val="tx1"/>
-                </a:solidFill>
-                <a:latin typeface="Verdana" charset="0"/>
-                <a:ea typeface="ＭＳ Ｐゴシック" charset="0"/>
-              </a:defRPr>
-            </a:lvl5pPr>
-            <a:lvl6pPr marL="2514600" indent="-228600" eaLnBrk="0" fontAlgn="base" hangingPunct="0">
-              <a:spcBef>
-                <a:spcPct val="0"/>
-              </a:spcBef>
-              <a:spcAft>
-                <a:spcPct val="0"/>
-              </a:spcAft>
-              <a:defRPr sz="2400">
-                <a:solidFill>
-                  <a:schemeClr val="tx1"/>
-                </a:solidFill>
-                <a:latin typeface="Verdana" charset="0"/>
-                <a:ea typeface="ＭＳ Ｐゴシック" charset="0"/>
-              </a:defRPr>
-            </a:lvl6pPr>
-            <a:lvl7pPr marL="2971800" indent="-228600" eaLnBrk="0" fontAlgn="base" hangingPunct="0">
-              <a:spcBef>
-                <a:spcPct val="0"/>
-              </a:spcBef>
-              <a:spcAft>
-                <a:spcPct val="0"/>
-              </a:spcAft>
-              <a:defRPr sz="2400">
-                <a:solidFill>
-                  <a:schemeClr val="tx1"/>
-                </a:solidFill>
-                <a:latin typeface="Verdana" charset="0"/>
-                <a:ea typeface="ＭＳ Ｐゴシック" charset="0"/>
-              </a:defRPr>
-            </a:lvl7pPr>
-            <a:lvl8pPr marL="3429000" indent="-228600" eaLnBrk="0" fontAlgn="base" hangingPunct="0">
-              <a:spcBef>
-                <a:spcPct val="0"/>
-              </a:spcBef>
-              <a:spcAft>
-                <a:spcPct val="0"/>
-              </a:spcAft>
-              <a:defRPr sz="2400">
-                <a:solidFill>
-                  <a:schemeClr val="tx1"/>
-                </a:solidFill>
-                <a:latin typeface="Verdana" charset="0"/>
-                <a:ea typeface="ＭＳ Ｐゴシック" charset="0"/>
-              </a:defRPr>
-            </a:lvl8pPr>
-            <a:lvl9pPr marL="3886200" indent="-228600" eaLnBrk="0" fontAlgn="base" hangingPunct="0">
-              <a:spcBef>
-                <a:spcPct val="0"/>
-              </a:spcBef>
-              <a:spcAft>
-                <a:spcPct val="0"/>
-              </a:spcAft>
-              <a:defRPr sz="2400">
-                <a:solidFill>
-                  <a:schemeClr val="tx1"/>
-                </a:solidFill>
-                <a:latin typeface="Verdana" charset="0"/>
-                <a:ea typeface="ＭＳ Ｐゴシック" charset="0"/>
-              </a:defRPr>
-            </a:lvl9pPr>
-          </a:lstStyle>
-          <a:p>
-            <a:fld id="{2F106329-1E2C-124D-9538-AF52D439D180}" type="slidenum">
-              <a:rPr lang="de-DE" sz="1200">
-                <a:latin typeface="Andale Mono" charset="0"/>
-              </a:rPr>
-              <a:pPr/>
-              <a:t>2</a:t>
-            </a:fld>
-            <a:endParaRPr lang="de-DE" sz="1200">
-              <a:latin typeface="Andale Mono" charset="0"/>
-            </a:endParaRPr>
-          </a:p>
-        </p:txBody>
-      </p:sp>
-      <p:sp>
-        <p:nvSpPr>
-          <p:cNvPr id="6146" name="Rectangle 2"/>
-          <p:cNvSpPr>
-            <a:spLocks noGrp="1" noRot="1" noChangeAspect="1" noChangeArrowheads="1" noTextEdit="1"/>
+            <a:spLocks noGrp="1" noRot="1" noChangeAspect="1"/>
           </p:cNvSpPr>
           <p:nvPr>
             <p:ph type="sldImg"/>
           </p:nvPr>
         </p:nvSpPr>
-        <p:spPr>
-          <a:ln/>
-        </p:spPr>
+        <p:spPr/>
       </p:sp>
       <p:sp>
         <p:nvSpPr>
-          <p:cNvPr id="6147" name="Rectangle 3"/>
+          <p:cNvPr id="3" name="Notizenplatzhalter 2"/>
           <p:cNvSpPr>
-            <a:spLocks noGrp="1" noChangeArrowheads="1"/>
+            <a:spLocks noGrp="1"/>
           </p:cNvSpPr>
           <p:nvPr>
             <p:ph type="body" idx="1"/>
           </p:nvPr>
         </p:nvSpPr>
-        <p:spPr>
-          <a:noFill/>
-          <a:ln/>
-          <a:extLst>
-            <a:ext uri="{909E8E84-426E-40DD-AFC4-6F175D3DCCD1}">
-              <a14:hiddenFill xmlns:a14="http://schemas.microsoft.com/office/drawing/2010/main">
-                <a:solidFill>
-                  <a:srgbClr val="FFFFFF"/>
-                </a:solidFill>
-              </a14:hiddenFill>
-            </a:ext>
-            <a:ext uri="{91240B29-F687-4F45-9708-019B960494DF}">
-              <a14:hiddenLine xmlns:a14="http://schemas.microsoft.com/office/drawing/2010/main" w="9525">
-                <a:solidFill>
-                  <a:srgbClr val="000000"/>
-                </a:solidFill>
-                <a:miter lim="800000"/>
-                <a:headEnd/>
-                <a:tailEnd/>
-              </a14:hiddenLine>
-            </a:ext>
-          </a:extLst>
-        </p:spPr>
+        <p:spPr/>
         <p:txBody>
           <a:bodyPr/>
           <a:lstStyle/>
           <a:p>
-            <a:pPr eaLnBrk="1" hangingPunct="1"/>
-            <a:r>
-              <a:rPr lang="de-DE" dirty="0"/>
-              <a:t>Langsam sprechen</a:t>
-            </a:r>
-          </a:p>
-          <a:p>
-            <a:pPr eaLnBrk="1" hangingPunct="1"/>
-            <a:r>
-              <a:rPr lang="de-DE" dirty="0"/>
-              <a:t>Einen Schluck Wasser nehmen, wenn nötig </a:t>
-            </a:r>
-          </a:p>
-          <a:p>
-            <a:pPr eaLnBrk="1" hangingPunct="1"/>
-            <a:r>
-              <a:rPr lang="de-DE" dirty="0"/>
-              <a:t>Körperhaltung: aufrecht</a:t>
-            </a:r>
-          </a:p>
-          <a:p>
-            <a:pPr eaLnBrk="1" hangingPunct="1"/>
-            <a:r>
-              <a:rPr lang="de-DE" dirty="0"/>
-              <a:t>Zu Vortragsbeginn: Schultern gerade, entspannen</a:t>
-            </a:r>
-          </a:p>
-          <a:p>
-            <a:pPr eaLnBrk="1" hangingPunct="1"/>
+            <a:pPr marL="171450" indent="-171450">
+              <a:buFont typeface="Arial" panose="020B0604020202020204" pitchFamily="34" charset="0"/>
+              <a:buChar char="•"/>
+            </a:pPr>
+            <a:r>
+              <a:rPr lang="en-US" dirty="0" smtClean="0"/>
+              <a:t>regular access control, intrusion detection systems, ... not usable, because users are allowed too perform actions</a:t>
+            </a:r>
+          </a:p>
+          <a:p>
+            <a:pPr marL="171450" indent="-171450">
+              <a:buFont typeface="Arial" panose="020B0604020202020204" pitchFamily="34" charset="0"/>
+              <a:buChar char="•"/>
+            </a:pPr>
+            <a:r>
+              <a:rPr lang="en-US" dirty="0" smtClean="0"/>
+              <a:t/>
+            </a:r>
+            <a:br>
+              <a:rPr lang="en-US" dirty="0" smtClean="0"/>
+            </a:br>
+            <a:r>
+              <a:rPr lang="en-US" dirty="0" smtClean="0"/>
+              <a:t>-&gt; </a:t>
+            </a:r>
+            <a:r>
+              <a:rPr lang="en-US" b="1" dirty="0" smtClean="0"/>
+              <a:t>anomaly-based detection </a:t>
+            </a:r>
+            <a:r>
+              <a:rPr lang="en-US" dirty="0" smtClean="0"/>
+              <a:t>= comparing current user </a:t>
+            </a:r>
+            <a:r>
+              <a:rPr lang="en-US" dirty="0" err="1" smtClean="0"/>
+              <a:t>behaviour</a:t>
+            </a:r>
+            <a:r>
+              <a:rPr lang="en-US" dirty="0" smtClean="0"/>
+              <a:t> with common user </a:t>
+            </a:r>
+            <a:r>
+              <a:rPr lang="en-US" dirty="0" err="1" smtClean="0"/>
+              <a:t>behaviour</a:t>
+            </a:r>
+            <a:r>
+              <a:rPr lang="en-US" dirty="0" smtClean="0"/>
+              <a:t> (statistical approach/machine learning)</a:t>
+            </a:r>
+          </a:p>
+          <a:p>
+            <a:pPr marL="171450" indent="-171450">
+              <a:buFont typeface="Arial" panose="020B0604020202020204" pitchFamily="34" charset="0"/>
+              <a:buChar char="•"/>
+            </a:pPr>
+            <a:r>
+              <a:rPr lang="en-US" dirty="0" smtClean="0"/>
+              <a:t>requires a lot of data</a:t>
+            </a:r>
+          </a:p>
+          <a:p>
+            <a:pPr marL="171450" indent="-171450">
+              <a:buFont typeface="Arial" panose="020B0604020202020204" pitchFamily="34" charset="0"/>
+              <a:buChar char="•"/>
+            </a:pPr>
+            <a:endParaRPr lang="en-US" dirty="0" smtClean="0"/>
+          </a:p>
+          <a:p>
+            <a:pPr marL="171450" indent="-171450">
+              <a:buFont typeface="Arial" panose="020B0604020202020204" pitchFamily="34" charset="0"/>
+              <a:buChar char="•"/>
+            </a:pPr>
+            <a:r>
+              <a:rPr lang="en-US" dirty="0" smtClean="0"/>
+              <a:t>But storing and processing this data can collide with the privacy of employees</a:t>
+            </a:r>
+          </a:p>
+          <a:p>
+            <a:pPr marL="171450" indent="-171450">
+              <a:buFont typeface="Arial" panose="020B0604020202020204" pitchFamily="34" charset="0"/>
+              <a:buChar char="•"/>
+            </a:pPr>
+            <a:r>
+              <a:rPr lang="en-US" i="1" dirty="0" smtClean="0"/>
+              <a:t>Bundesdatenschutzgesetz</a:t>
+            </a:r>
+            <a:r>
+              <a:rPr lang="en-US" dirty="0" smtClean="0"/>
+              <a:t>,§32, 1:</a:t>
+            </a:r>
+            <a:br>
+              <a:rPr lang="en-US" dirty="0" smtClean="0"/>
+            </a:br>
+            <a:r>
+              <a:rPr lang="en-US" dirty="0" smtClean="0"/>
+              <a:t>Data related to employees may just be used for detecting crimes when there is concrete evidence </a:t>
+            </a:r>
+          </a:p>
+          <a:p>
+            <a:pPr marL="171450" indent="-171450">
+              <a:buFont typeface="Arial" panose="020B0604020202020204" pitchFamily="34" charset="0"/>
+              <a:buChar char="•"/>
+            </a:pPr>
+            <a:r>
+              <a:rPr lang="en-US" dirty="0" smtClean="0"/>
+              <a:t>BAG Erfurt:</a:t>
+            </a:r>
+            <a:br>
+              <a:rPr lang="en-US" dirty="0" smtClean="0"/>
+            </a:br>
+            <a:r>
+              <a:rPr lang="en-US" dirty="0" smtClean="0"/>
+              <a:t>Using</a:t>
+            </a:r>
+            <a:r>
+              <a:rPr lang="en-US" baseline="0" dirty="0" smtClean="0"/>
+              <a:t> </a:t>
+            </a:r>
+            <a:r>
+              <a:rPr lang="en-US" baseline="0" dirty="0" err="1" smtClean="0"/>
+              <a:t>keyloggers</a:t>
+            </a:r>
+            <a:r>
+              <a:rPr lang="en-US" baseline="0" dirty="0" smtClean="0"/>
+              <a:t> to test user </a:t>
+            </a:r>
+            <a:r>
+              <a:rPr lang="en-US" baseline="0" dirty="0" err="1" smtClean="0"/>
+              <a:t>behaviour</a:t>
+            </a:r>
+            <a:r>
+              <a:rPr lang="en-US" baseline="0" dirty="0" smtClean="0"/>
+              <a:t> is not allowed</a:t>
+            </a:r>
+            <a:endParaRPr lang="de-DE" dirty="0" smtClean="0"/>
+          </a:p>
+          <a:p>
+            <a:pPr marL="171450" indent="-171450">
+              <a:buFont typeface="Arial" panose="020B0604020202020204" pitchFamily="34" charset="0"/>
+              <a:buChar char="•"/>
+            </a:pPr>
             <a:endParaRPr lang="de-DE" dirty="0"/>
+          </a:p>
+        </p:txBody>
+      </p:sp>
+      <p:sp>
+        <p:nvSpPr>
+          <p:cNvPr id="4" name="Foliennummernplatzhalter 3"/>
+          <p:cNvSpPr>
+            <a:spLocks noGrp="1"/>
+          </p:cNvSpPr>
+          <p:nvPr>
+            <p:ph type="sldNum" sz="quarter" idx="10"/>
+          </p:nvPr>
+        </p:nvSpPr>
+        <p:spPr/>
+        <p:txBody>
+          <a:bodyPr/>
+          <a:lstStyle/>
+          <a:p>
+            <a:pPr>
+              <a:defRPr/>
+            </a:pPr>
+            <a:fld id="{9DDC5E44-63C0-EF42-9B94-8202B4B6C3D9}" type="slidenum">
+              <a:rPr lang="de-DE" smtClean="0"/>
+              <a:pPr>
+                <a:defRPr/>
+              </a:pPr>
+              <a:t>4</a:t>
+            </a:fld>
+            <a:endParaRPr lang="de-DE"/>
           </a:p>
         </p:txBody>
       </p:sp>
     </p:spTree>
+    <p:extLst>
+      <p:ext uri="{BB962C8B-B14F-4D97-AF65-F5344CB8AC3E}">
+        <p14:creationId xmlns:p14="http://schemas.microsoft.com/office/powerpoint/2010/main" val="2430395130"/>
+      </p:ext>
+    </p:extLst>
   </p:cSld>
   <p:clrMapOvr>
     <a:masterClrMapping/>
@@ -2166,147 +2131,302 @@
           <a:bodyPr/>
           <a:lstStyle/>
           <a:p>
-            <a:pPr marL="171450" indent="-171450">
-              <a:buFont typeface="Arial" panose="020B0604020202020204" pitchFamily="34" charset="0"/>
-              <a:buChar char="•"/>
-            </a:pPr>
-            <a:r>
-              <a:rPr lang="en-US" dirty="0" smtClean="0"/>
-              <a:t>regular access control, intrusion detection systems, ... not usable, because users are allowed too perform actions</a:t>
-            </a:r>
-          </a:p>
-          <a:p>
-            <a:pPr marL="171450" indent="-171450">
-              <a:buFont typeface="Arial" panose="020B0604020202020204" pitchFamily="34" charset="0"/>
-              <a:buChar char="•"/>
-            </a:pPr>
-            <a:r>
-              <a:rPr lang="en-US" dirty="0" smtClean="0"/>
-              <a:t/>
-            </a:r>
-            <a:br>
-              <a:rPr lang="en-US" dirty="0" smtClean="0"/>
-            </a:br>
-            <a:r>
-              <a:rPr lang="en-US" dirty="0" smtClean="0"/>
-              <a:t>-&gt; </a:t>
-            </a:r>
-            <a:r>
-              <a:rPr lang="en-US" b="1" dirty="0" smtClean="0"/>
-              <a:t>anomaly-based detection </a:t>
-            </a:r>
-            <a:r>
-              <a:rPr lang="en-US" dirty="0" smtClean="0"/>
-              <a:t>= comparing current user </a:t>
-            </a:r>
-            <a:r>
-              <a:rPr lang="en-US" dirty="0" err="1" smtClean="0"/>
-              <a:t>behaviour</a:t>
-            </a:r>
-            <a:r>
-              <a:rPr lang="en-US" dirty="0" smtClean="0"/>
-              <a:t> with common user </a:t>
-            </a:r>
-            <a:r>
-              <a:rPr lang="en-US" dirty="0" err="1" smtClean="0"/>
-              <a:t>behaviour</a:t>
-            </a:r>
-            <a:r>
-              <a:rPr lang="en-US" dirty="0" smtClean="0"/>
-              <a:t> (statistical approach/machine learning)</a:t>
-            </a:r>
-          </a:p>
-          <a:p>
-            <a:pPr marL="171450" indent="-171450">
-              <a:buFont typeface="Arial" panose="020B0604020202020204" pitchFamily="34" charset="0"/>
-              <a:buChar char="•"/>
-            </a:pPr>
-            <a:r>
-              <a:rPr lang="en-US" dirty="0" smtClean="0"/>
-              <a:t>requires a lot of data</a:t>
-            </a:r>
-          </a:p>
-          <a:p>
-            <a:pPr marL="171450" indent="-171450">
-              <a:buFont typeface="Arial" panose="020B0604020202020204" pitchFamily="34" charset="0"/>
-              <a:buChar char="•"/>
-            </a:pPr>
-            <a:endParaRPr lang="en-US" dirty="0" smtClean="0"/>
-          </a:p>
-          <a:p>
-            <a:pPr marL="171450" indent="-171450">
-              <a:buFont typeface="Arial" panose="020B0604020202020204" pitchFamily="34" charset="0"/>
-              <a:buChar char="•"/>
-            </a:pPr>
-            <a:r>
-              <a:rPr lang="en-US" dirty="0" smtClean="0"/>
-              <a:t>But storing and processing this data can collide with the privacy of employees</a:t>
-            </a:r>
-          </a:p>
-          <a:p>
-            <a:pPr marL="171450" indent="-171450">
-              <a:buFont typeface="Arial" panose="020B0604020202020204" pitchFamily="34" charset="0"/>
-              <a:buChar char="•"/>
-            </a:pPr>
-            <a:r>
-              <a:rPr lang="en-US" i="1" dirty="0" smtClean="0"/>
-              <a:t>Bundesdatenschutzgesetz</a:t>
-            </a:r>
-            <a:r>
-              <a:rPr lang="en-US" dirty="0" smtClean="0"/>
-              <a:t>,§32, 1:</a:t>
-            </a:r>
-            <a:br>
-              <a:rPr lang="en-US" dirty="0" smtClean="0"/>
-            </a:br>
-            <a:r>
-              <a:rPr lang="en-US" dirty="0" smtClean="0"/>
-              <a:t>Data related to employees may just be used for detecting crimes when there is concrete evidence </a:t>
-            </a:r>
-          </a:p>
-          <a:p>
-            <a:pPr marL="171450" indent="-171450">
-              <a:buFont typeface="Arial" panose="020B0604020202020204" pitchFamily="34" charset="0"/>
-              <a:buChar char="•"/>
-            </a:pPr>
-            <a:r>
-              <a:rPr lang="en-US" dirty="0" smtClean="0"/>
-              <a:t>BAG Erfurt:</a:t>
-            </a:r>
-            <a:br>
-              <a:rPr lang="en-US" dirty="0" smtClean="0"/>
-            </a:br>
-            <a:r>
-              <a:rPr lang="en-US" dirty="0" smtClean="0"/>
-              <a:t>Using</a:t>
-            </a:r>
-            <a:r>
-              <a:rPr lang="en-US" baseline="0" dirty="0" smtClean="0"/>
-              <a:t> </a:t>
-            </a:r>
-            <a:r>
-              <a:rPr lang="en-US" baseline="0" dirty="0" err="1" smtClean="0"/>
-              <a:t>keyloggers</a:t>
-            </a:r>
-            <a:r>
-              <a:rPr lang="en-US" baseline="0" dirty="0" smtClean="0"/>
-              <a:t> to test user </a:t>
-            </a:r>
-            <a:r>
-              <a:rPr lang="en-US" baseline="0" dirty="0" err="1" smtClean="0"/>
-              <a:t>behaviour</a:t>
-            </a:r>
-            <a:r>
-              <a:rPr lang="en-US" baseline="0" dirty="0" smtClean="0"/>
-              <a:t> is not allowed</a:t>
-            </a:r>
-            <a:endParaRPr lang="de-DE" dirty="0" smtClean="0"/>
-          </a:p>
-          <a:p>
-            <a:pPr marL="171450" indent="-171450">
-              <a:buFont typeface="Arial" panose="020B0604020202020204" pitchFamily="34" charset="0"/>
-              <a:buChar char="•"/>
-            </a:pPr>
+            <a:pPr algn="r"/>
+            <a:r>
+              <a:rPr lang="de-DE" kern="0" dirty="0" smtClean="0"/>
+              <a:t>(</a:t>
+            </a:r>
+            <a:r>
+              <a:rPr lang="de-DE" kern="0" dirty="0" err="1" smtClean="0"/>
+              <a:t>t,n</a:t>
+            </a:r>
+            <a:r>
+              <a:rPr lang="de-DE" kern="0" dirty="0" smtClean="0"/>
+              <a:t>) </a:t>
+            </a:r>
+            <a:r>
+              <a:rPr lang="de-DE" kern="0" dirty="0" err="1" smtClean="0"/>
+              <a:t>secret</a:t>
+            </a:r>
+            <a:r>
+              <a:rPr lang="de-DE" kern="0" dirty="0" smtClean="0"/>
+              <a:t> </a:t>
+            </a:r>
+            <a:r>
+              <a:rPr lang="de-DE" kern="0" dirty="0" err="1" smtClean="0"/>
+              <a:t>sharing</a:t>
+            </a:r>
+            <a:r>
+              <a:rPr lang="de-DE" kern="0" dirty="0" smtClean="0"/>
+              <a:t> </a:t>
+            </a:r>
+            <a:r>
+              <a:rPr lang="de-DE" kern="0" dirty="0" err="1" smtClean="0"/>
+              <a:t>scheme</a:t>
+            </a:r>
+            <a:endParaRPr lang="de-DE" kern="0" dirty="0" smtClean="0"/>
+          </a:p>
+          <a:p>
+            <a:pPr algn="r"/>
+            <a:r>
+              <a:rPr lang="de-DE" kern="0" dirty="0" smtClean="0"/>
+              <a:t>- n: # </a:t>
+            </a:r>
+            <a:r>
+              <a:rPr lang="de-DE" kern="0" dirty="0" err="1" smtClean="0"/>
+              <a:t>parts</a:t>
+            </a:r>
+            <a:r>
+              <a:rPr lang="de-DE" kern="0" dirty="0" smtClean="0"/>
+              <a:t> (</a:t>
+            </a:r>
+            <a:r>
+              <a:rPr lang="de-DE" kern="0" dirty="0" err="1" smtClean="0"/>
+              <a:t>shares</a:t>
+            </a:r>
+            <a:r>
+              <a:rPr lang="de-DE" kern="0" dirty="0" smtClean="0"/>
+              <a:t>) </a:t>
+            </a:r>
+          </a:p>
+          <a:p>
+            <a:pPr algn="r"/>
+            <a:r>
+              <a:rPr lang="de-DE" kern="0" dirty="0" smtClean="0"/>
+              <a:t>- t: </a:t>
+            </a:r>
+            <a:r>
+              <a:rPr lang="de-DE" kern="0" dirty="0" err="1" smtClean="0"/>
+              <a:t>shares</a:t>
+            </a:r>
+            <a:r>
+              <a:rPr lang="de-DE" kern="0" dirty="0" smtClean="0"/>
+              <a:t> </a:t>
+            </a:r>
+            <a:r>
+              <a:rPr lang="de-DE" kern="0" dirty="0" err="1" smtClean="0"/>
+              <a:t>required</a:t>
+            </a:r>
+            <a:r>
+              <a:rPr lang="de-DE" kern="0" dirty="0" smtClean="0"/>
+              <a:t> </a:t>
+            </a:r>
+            <a:r>
+              <a:rPr lang="de-DE" kern="0" dirty="0" err="1" smtClean="0"/>
+              <a:t>for</a:t>
+            </a:r>
+            <a:r>
+              <a:rPr lang="de-DE" kern="0" dirty="0" smtClean="0"/>
+              <a:t> </a:t>
+            </a:r>
+            <a:r>
+              <a:rPr lang="de-DE" kern="0" dirty="0" err="1" smtClean="0"/>
+              <a:t>restoring</a:t>
+            </a:r>
+            <a:r>
+              <a:rPr lang="de-DE" kern="0" dirty="0" smtClean="0"/>
+              <a:t> </a:t>
+            </a:r>
+            <a:r>
+              <a:rPr lang="de-DE" kern="0" dirty="0" err="1" smtClean="0"/>
+              <a:t>the</a:t>
+            </a:r>
+            <a:r>
+              <a:rPr lang="de-DE" kern="0" dirty="0" smtClean="0"/>
+              <a:t> </a:t>
+            </a:r>
+            <a:r>
+              <a:rPr lang="de-DE" kern="0" dirty="0" err="1" smtClean="0"/>
+              <a:t>secret</a:t>
+            </a:r>
+            <a:endParaRPr lang="de-DE" kern="0" dirty="0" smtClean="0"/>
+          </a:p>
+          <a:p>
+            <a:pPr algn="r"/>
+            <a:endParaRPr lang="de-DE" b="1" kern="0" dirty="0" smtClean="0"/>
+          </a:p>
+          <a:p>
+            <a:pPr algn="r"/>
+            <a:r>
+              <a:rPr lang="de-DE" b="1" kern="0" dirty="0" err="1" smtClean="0"/>
+              <a:t>Threshold</a:t>
+            </a:r>
+            <a:r>
+              <a:rPr lang="de-DE" b="1" kern="0" dirty="0" smtClean="0"/>
+              <a:t> </a:t>
+            </a:r>
+            <a:r>
+              <a:rPr lang="de-DE" b="1" kern="0" dirty="0" err="1" smtClean="0"/>
+              <a:t>decryption</a:t>
+            </a:r>
+            <a:endParaRPr lang="de-DE" b="1" kern="0" dirty="0" smtClean="0"/>
+          </a:p>
+          <a:p>
+            <a:pPr algn="r"/>
+            <a:r>
+              <a:rPr lang="de-DE" kern="0" dirty="0" smtClean="0"/>
+              <a:t>Public </a:t>
+            </a:r>
+            <a:r>
+              <a:rPr lang="de-DE" kern="0" dirty="0" err="1" smtClean="0"/>
+              <a:t>key</a:t>
+            </a:r>
+            <a:r>
+              <a:rPr lang="de-DE" kern="0" dirty="0" smtClean="0"/>
+              <a:t> </a:t>
+            </a:r>
+            <a:r>
+              <a:rPr lang="de-DE" kern="0" dirty="0" err="1" smtClean="0"/>
+              <a:t>scheme</a:t>
+            </a:r>
+            <a:endParaRPr lang="de-DE" kern="0" dirty="0" smtClean="0"/>
+          </a:p>
+          <a:p>
+            <a:pPr algn="r"/>
+            <a:r>
+              <a:rPr lang="de-DE" kern="0" dirty="0" err="1" smtClean="0"/>
+              <a:t>Decryption</a:t>
+            </a:r>
+            <a:r>
+              <a:rPr lang="de-DE" kern="0" dirty="0" smtClean="0"/>
+              <a:t> </a:t>
+            </a:r>
+            <a:r>
+              <a:rPr lang="de-DE" kern="0" dirty="0" err="1" smtClean="0"/>
+              <a:t>requires</a:t>
+            </a:r>
+            <a:r>
+              <a:rPr lang="de-DE" kern="0" dirty="0" smtClean="0"/>
+              <a:t> at least t </a:t>
+            </a:r>
+            <a:r>
+              <a:rPr lang="de-DE" kern="0" dirty="0" err="1" smtClean="0"/>
+              <a:t>participants</a:t>
+            </a:r>
+            <a:r>
+              <a:rPr lang="de-DE" kern="0" dirty="0" smtClean="0"/>
+              <a:t> (</a:t>
+            </a:r>
+            <a:r>
+              <a:rPr lang="de-DE" kern="0" dirty="0" err="1" smtClean="0"/>
+              <a:t>share</a:t>
+            </a:r>
+            <a:r>
+              <a:rPr lang="de-DE" kern="0" dirty="0" smtClean="0"/>
+              <a:t> </a:t>
+            </a:r>
+            <a:r>
+              <a:rPr lang="de-DE" kern="0" dirty="0" err="1" smtClean="0"/>
+              <a:t>owners</a:t>
+            </a:r>
+            <a:r>
+              <a:rPr lang="de-DE" kern="0" dirty="0" smtClean="0"/>
+              <a:t>)</a:t>
+            </a:r>
+          </a:p>
+          <a:p>
+            <a:pPr algn="r"/>
+            <a:r>
+              <a:rPr lang="de-DE" kern="0" dirty="0" smtClean="0"/>
+              <a:t>Message </a:t>
+            </a:r>
+            <a:r>
+              <a:rPr lang="de-DE" kern="0" dirty="0" err="1" smtClean="0"/>
+              <a:t>is</a:t>
+            </a:r>
+            <a:r>
+              <a:rPr lang="de-DE" kern="0" dirty="0" smtClean="0"/>
+              <a:t> </a:t>
+            </a:r>
+            <a:r>
+              <a:rPr lang="de-DE" kern="0" dirty="0" err="1" smtClean="0"/>
+              <a:t>decrypted</a:t>
+            </a:r>
+            <a:r>
+              <a:rPr lang="de-DE" kern="0" dirty="0" smtClean="0"/>
+              <a:t> but </a:t>
+            </a:r>
+            <a:r>
+              <a:rPr lang="de-DE" kern="0" dirty="0" err="1" smtClean="0"/>
+              <a:t>secret</a:t>
+            </a:r>
+            <a:r>
+              <a:rPr lang="de-DE" kern="0" dirty="0" smtClean="0"/>
+              <a:t> </a:t>
+            </a:r>
+            <a:r>
+              <a:rPr lang="de-DE" kern="0" dirty="0" err="1" smtClean="0"/>
+              <a:t>key</a:t>
+            </a:r>
+            <a:r>
+              <a:rPr lang="de-DE" kern="0" dirty="0" smtClean="0"/>
+              <a:t> </a:t>
+            </a:r>
+            <a:r>
+              <a:rPr lang="de-DE" kern="0" dirty="0" err="1" smtClean="0"/>
+              <a:t>is</a:t>
+            </a:r>
+            <a:r>
+              <a:rPr lang="de-DE" kern="0" dirty="0" smtClean="0"/>
+              <a:t> NOT </a:t>
+            </a:r>
+            <a:r>
+              <a:rPr lang="de-DE" kern="0" dirty="0" err="1" smtClean="0"/>
+              <a:t>restored</a:t>
+            </a:r>
+            <a:endParaRPr lang="de-DE" kern="0" dirty="0" smtClean="0"/>
+          </a:p>
+          <a:p>
+            <a:pPr algn="r"/>
+            <a:r>
+              <a:rPr lang="de-DE" kern="0" dirty="0" smtClean="0"/>
+              <a:t>Advantages: </a:t>
+            </a:r>
+            <a:r>
+              <a:rPr lang="de-DE" kern="0" dirty="0" err="1" smtClean="0"/>
+              <a:t>distributed</a:t>
+            </a:r>
+            <a:r>
+              <a:rPr lang="de-DE" kern="0" dirty="0" smtClean="0"/>
+              <a:t> </a:t>
+            </a:r>
+            <a:r>
+              <a:rPr lang="de-DE" kern="0" dirty="0" err="1" smtClean="0"/>
+              <a:t>trust</a:t>
+            </a:r>
+            <a:r>
+              <a:rPr lang="de-DE" kern="0" dirty="0" smtClean="0"/>
+              <a:t>, </a:t>
+            </a:r>
+            <a:r>
+              <a:rPr lang="de-DE" kern="0" dirty="0" err="1" smtClean="0"/>
+              <a:t>prevents</a:t>
+            </a:r>
+            <a:r>
+              <a:rPr lang="de-DE" kern="0" dirty="0" smtClean="0"/>
+              <a:t> „</a:t>
+            </a:r>
+            <a:r>
+              <a:rPr lang="de-DE" kern="0" dirty="0" err="1" smtClean="0"/>
+              <a:t>blocking</a:t>
+            </a:r>
+            <a:r>
+              <a:rPr lang="de-DE" kern="0" dirty="0" smtClean="0"/>
+              <a:t>“ </a:t>
+            </a:r>
+            <a:r>
+              <a:rPr lang="de-DE" kern="0" dirty="0" err="1" smtClean="0"/>
+              <a:t>participants</a:t>
+            </a:r>
+            <a:r>
+              <a:rPr lang="de-DE" kern="0" dirty="0" smtClean="0"/>
+              <a:t> </a:t>
+            </a:r>
+          </a:p>
+          <a:p>
+            <a:endParaRPr lang="de-DE" kern="0" dirty="0" smtClean="0"/>
+          </a:p>
+          <a:p>
             <a:endParaRPr lang="de-DE" dirty="0"/>
           </a:p>
         </p:txBody>
@@ -2343,7 +2463,7 @@
     </p:spTree>
     <p:extLst>
       <p:ext uri="{BB962C8B-B14F-4D97-AF65-F5344CB8AC3E}">
-        <p14:creationId xmlns:p14="http://schemas.microsoft.com/office/powerpoint/2010/main" val="2430395130"/>
+        <p14:creationId xmlns:p14="http://schemas.microsoft.com/office/powerpoint/2010/main" val="2854611297"/>
       </p:ext>
     </p:extLst>
   </p:cSld>
@@ -2397,302 +2517,6 @@
           <a:bodyPr/>
           <a:lstStyle/>
           <a:p>
-            <a:pPr algn="r"/>
-            <a:r>
-              <a:rPr lang="de-DE" kern="0" dirty="0" smtClean="0"/>
-              <a:t>(</a:t>
-            </a:r>
-            <a:r>
-              <a:rPr lang="de-DE" kern="0" dirty="0" err="1" smtClean="0"/>
-              <a:t>t,n</a:t>
-            </a:r>
-            <a:r>
-              <a:rPr lang="de-DE" kern="0" dirty="0" smtClean="0"/>
-              <a:t>) </a:t>
-            </a:r>
-            <a:r>
-              <a:rPr lang="de-DE" kern="0" dirty="0" err="1" smtClean="0"/>
-              <a:t>secret</a:t>
-            </a:r>
-            <a:r>
-              <a:rPr lang="de-DE" kern="0" dirty="0" smtClean="0"/>
-              <a:t> </a:t>
-            </a:r>
-            <a:r>
-              <a:rPr lang="de-DE" kern="0" dirty="0" err="1" smtClean="0"/>
-              <a:t>sharing</a:t>
-            </a:r>
-            <a:r>
-              <a:rPr lang="de-DE" kern="0" dirty="0" smtClean="0"/>
-              <a:t> </a:t>
-            </a:r>
-            <a:r>
-              <a:rPr lang="de-DE" kern="0" dirty="0" err="1" smtClean="0"/>
-              <a:t>scheme</a:t>
-            </a:r>
-            <a:endParaRPr lang="de-DE" kern="0" dirty="0" smtClean="0"/>
-          </a:p>
-          <a:p>
-            <a:pPr algn="r"/>
-            <a:r>
-              <a:rPr lang="de-DE" kern="0" dirty="0" smtClean="0"/>
-              <a:t>- n: # </a:t>
-            </a:r>
-            <a:r>
-              <a:rPr lang="de-DE" kern="0" dirty="0" err="1" smtClean="0"/>
-              <a:t>parts</a:t>
-            </a:r>
-            <a:r>
-              <a:rPr lang="de-DE" kern="0" dirty="0" smtClean="0"/>
-              <a:t> (</a:t>
-            </a:r>
-            <a:r>
-              <a:rPr lang="de-DE" kern="0" dirty="0" err="1" smtClean="0"/>
-              <a:t>shares</a:t>
-            </a:r>
-            <a:r>
-              <a:rPr lang="de-DE" kern="0" dirty="0" smtClean="0"/>
-              <a:t>) </a:t>
-            </a:r>
-          </a:p>
-          <a:p>
-            <a:pPr algn="r"/>
-            <a:r>
-              <a:rPr lang="de-DE" kern="0" dirty="0" smtClean="0"/>
-              <a:t>- t: </a:t>
-            </a:r>
-            <a:r>
-              <a:rPr lang="de-DE" kern="0" dirty="0" err="1" smtClean="0"/>
-              <a:t>shares</a:t>
-            </a:r>
-            <a:r>
-              <a:rPr lang="de-DE" kern="0" dirty="0" smtClean="0"/>
-              <a:t> </a:t>
-            </a:r>
-            <a:r>
-              <a:rPr lang="de-DE" kern="0" dirty="0" err="1" smtClean="0"/>
-              <a:t>required</a:t>
-            </a:r>
-            <a:r>
-              <a:rPr lang="de-DE" kern="0" dirty="0" smtClean="0"/>
-              <a:t> </a:t>
-            </a:r>
-            <a:r>
-              <a:rPr lang="de-DE" kern="0" dirty="0" err="1" smtClean="0"/>
-              <a:t>for</a:t>
-            </a:r>
-            <a:r>
-              <a:rPr lang="de-DE" kern="0" dirty="0" smtClean="0"/>
-              <a:t> </a:t>
-            </a:r>
-            <a:r>
-              <a:rPr lang="de-DE" kern="0" dirty="0" err="1" smtClean="0"/>
-              <a:t>restoring</a:t>
-            </a:r>
-            <a:r>
-              <a:rPr lang="de-DE" kern="0" dirty="0" smtClean="0"/>
-              <a:t> </a:t>
-            </a:r>
-            <a:r>
-              <a:rPr lang="de-DE" kern="0" dirty="0" err="1" smtClean="0"/>
-              <a:t>the</a:t>
-            </a:r>
-            <a:r>
-              <a:rPr lang="de-DE" kern="0" dirty="0" smtClean="0"/>
-              <a:t> </a:t>
-            </a:r>
-            <a:r>
-              <a:rPr lang="de-DE" kern="0" dirty="0" err="1" smtClean="0"/>
-              <a:t>secret</a:t>
-            </a:r>
-            <a:endParaRPr lang="de-DE" kern="0" dirty="0" smtClean="0"/>
-          </a:p>
-          <a:p>
-            <a:pPr algn="r"/>
-            <a:endParaRPr lang="de-DE" b="1" kern="0" dirty="0" smtClean="0"/>
-          </a:p>
-          <a:p>
-            <a:pPr algn="r"/>
-            <a:r>
-              <a:rPr lang="de-DE" b="1" kern="0" dirty="0" err="1" smtClean="0"/>
-              <a:t>Threshold</a:t>
-            </a:r>
-            <a:r>
-              <a:rPr lang="de-DE" b="1" kern="0" dirty="0" smtClean="0"/>
-              <a:t> </a:t>
-            </a:r>
-            <a:r>
-              <a:rPr lang="de-DE" b="1" kern="0" dirty="0" err="1" smtClean="0"/>
-              <a:t>decryption</a:t>
-            </a:r>
-            <a:endParaRPr lang="de-DE" b="1" kern="0" dirty="0" smtClean="0"/>
-          </a:p>
-          <a:p>
-            <a:pPr algn="r"/>
-            <a:r>
-              <a:rPr lang="de-DE" kern="0" dirty="0" smtClean="0"/>
-              <a:t>Public </a:t>
-            </a:r>
-            <a:r>
-              <a:rPr lang="de-DE" kern="0" dirty="0" err="1" smtClean="0"/>
-              <a:t>key</a:t>
-            </a:r>
-            <a:r>
-              <a:rPr lang="de-DE" kern="0" dirty="0" smtClean="0"/>
-              <a:t> </a:t>
-            </a:r>
-            <a:r>
-              <a:rPr lang="de-DE" kern="0" dirty="0" err="1" smtClean="0"/>
-              <a:t>scheme</a:t>
-            </a:r>
-            <a:endParaRPr lang="de-DE" kern="0" dirty="0" smtClean="0"/>
-          </a:p>
-          <a:p>
-            <a:pPr algn="r"/>
-            <a:r>
-              <a:rPr lang="de-DE" kern="0" dirty="0" err="1" smtClean="0"/>
-              <a:t>Decryption</a:t>
-            </a:r>
-            <a:r>
-              <a:rPr lang="de-DE" kern="0" dirty="0" smtClean="0"/>
-              <a:t> </a:t>
-            </a:r>
-            <a:r>
-              <a:rPr lang="de-DE" kern="0" dirty="0" err="1" smtClean="0"/>
-              <a:t>requires</a:t>
-            </a:r>
-            <a:r>
-              <a:rPr lang="de-DE" kern="0" dirty="0" smtClean="0"/>
-              <a:t> at least t </a:t>
-            </a:r>
-            <a:r>
-              <a:rPr lang="de-DE" kern="0" dirty="0" err="1" smtClean="0"/>
-              <a:t>participants</a:t>
-            </a:r>
-            <a:r>
-              <a:rPr lang="de-DE" kern="0" dirty="0" smtClean="0"/>
-              <a:t> (</a:t>
-            </a:r>
-            <a:r>
-              <a:rPr lang="de-DE" kern="0" dirty="0" err="1" smtClean="0"/>
-              <a:t>share</a:t>
-            </a:r>
-            <a:r>
-              <a:rPr lang="de-DE" kern="0" dirty="0" smtClean="0"/>
-              <a:t> </a:t>
-            </a:r>
-            <a:r>
-              <a:rPr lang="de-DE" kern="0" dirty="0" err="1" smtClean="0"/>
-              <a:t>owners</a:t>
-            </a:r>
-            <a:r>
-              <a:rPr lang="de-DE" kern="0" dirty="0" smtClean="0"/>
-              <a:t>)</a:t>
-            </a:r>
-          </a:p>
-          <a:p>
-            <a:pPr algn="r"/>
-            <a:r>
-              <a:rPr lang="de-DE" kern="0" dirty="0" smtClean="0"/>
-              <a:t>Message </a:t>
-            </a:r>
-            <a:r>
-              <a:rPr lang="de-DE" kern="0" dirty="0" err="1" smtClean="0"/>
-              <a:t>is</a:t>
-            </a:r>
-            <a:r>
-              <a:rPr lang="de-DE" kern="0" dirty="0" smtClean="0"/>
-              <a:t> </a:t>
-            </a:r>
-            <a:r>
-              <a:rPr lang="de-DE" kern="0" dirty="0" err="1" smtClean="0"/>
-              <a:t>decrypted</a:t>
-            </a:r>
-            <a:r>
-              <a:rPr lang="de-DE" kern="0" dirty="0" smtClean="0"/>
-              <a:t> but </a:t>
-            </a:r>
-            <a:r>
-              <a:rPr lang="de-DE" kern="0" dirty="0" err="1" smtClean="0"/>
-              <a:t>secret</a:t>
-            </a:r>
-            <a:r>
-              <a:rPr lang="de-DE" kern="0" dirty="0" smtClean="0"/>
-              <a:t> </a:t>
-            </a:r>
-            <a:r>
-              <a:rPr lang="de-DE" kern="0" dirty="0" err="1" smtClean="0"/>
-              <a:t>key</a:t>
-            </a:r>
-            <a:r>
-              <a:rPr lang="de-DE" kern="0" dirty="0" smtClean="0"/>
-              <a:t> </a:t>
-            </a:r>
-            <a:r>
-              <a:rPr lang="de-DE" kern="0" dirty="0" err="1" smtClean="0"/>
-              <a:t>is</a:t>
-            </a:r>
-            <a:r>
-              <a:rPr lang="de-DE" kern="0" dirty="0" smtClean="0"/>
-              <a:t> NOT </a:t>
-            </a:r>
-            <a:r>
-              <a:rPr lang="de-DE" kern="0" dirty="0" err="1" smtClean="0"/>
-              <a:t>restored</a:t>
-            </a:r>
-            <a:endParaRPr lang="de-DE" kern="0" dirty="0" smtClean="0"/>
-          </a:p>
-          <a:p>
-            <a:pPr algn="r"/>
-            <a:r>
-              <a:rPr lang="de-DE" kern="0" dirty="0" smtClean="0"/>
-              <a:t>Advantages: </a:t>
-            </a:r>
-            <a:r>
-              <a:rPr lang="de-DE" kern="0" dirty="0" err="1" smtClean="0"/>
-              <a:t>distributed</a:t>
-            </a:r>
-            <a:r>
-              <a:rPr lang="de-DE" kern="0" dirty="0" smtClean="0"/>
-              <a:t> </a:t>
-            </a:r>
-            <a:r>
-              <a:rPr lang="de-DE" kern="0" dirty="0" err="1" smtClean="0"/>
-              <a:t>trust</a:t>
-            </a:r>
-            <a:r>
-              <a:rPr lang="de-DE" kern="0" dirty="0" smtClean="0"/>
-              <a:t>, </a:t>
-            </a:r>
-            <a:r>
-              <a:rPr lang="de-DE" kern="0" dirty="0" err="1" smtClean="0"/>
-              <a:t>prevents</a:t>
-            </a:r>
-            <a:r>
-              <a:rPr lang="de-DE" kern="0" dirty="0" smtClean="0"/>
-              <a:t> „</a:t>
-            </a:r>
-            <a:r>
-              <a:rPr lang="de-DE" kern="0" dirty="0" err="1" smtClean="0"/>
-              <a:t>blocking</a:t>
-            </a:r>
-            <a:r>
-              <a:rPr lang="de-DE" kern="0" dirty="0" smtClean="0"/>
-              <a:t>“ </a:t>
-            </a:r>
-            <a:r>
-              <a:rPr lang="de-DE" kern="0" dirty="0" err="1" smtClean="0"/>
-              <a:t>participants</a:t>
-            </a:r>
-            <a:r>
-              <a:rPr lang="de-DE" kern="0" dirty="0" smtClean="0"/>
-              <a:t> </a:t>
-            </a:r>
-          </a:p>
-          <a:p>
-            <a:endParaRPr lang="de-DE" kern="0" dirty="0" smtClean="0"/>
-          </a:p>
-          <a:p>
             <a:endParaRPr lang="de-DE" dirty="0"/>
           </a:p>
         </p:txBody>
@@ -2720,7 +2544,7 @@
               <a:pPr>
                 <a:defRPr/>
               </a:pPr>
-              <a:t>6</a:t>
+              <a:t>8</a:t>
             </a:fld>
             <a:endParaRPr lang="de-DE"/>
           </a:p>
@@ -2758,70 +2582,246 @@
       </p:grpSpPr>
       <p:sp>
         <p:nvSpPr>
-          <p:cNvPr id="2" name="Folienbildplatzhalter 1"/>
+          <p:cNvPr id="6145" name="Rectangle 7"/>
           <p:cNvSpPr>
-            <a:spLocks noGrp="1" noRot="1" noChangeAspect="1"/>
+            <a:spLocks noGrp="1" noChangeArrowheads="1"/>
+          </p:cNvSpPr>
+          <p:nvPr>
+            <p:ph type="sldNum" sz="quarter" idx="5"/>
+          </p:nvPr>
+        </p:nvSpPr>
+        <p:spPr>
+          <a:noFill/>
+          <a:ln/>
+          <a:extLst>
+            <a:ext uri="{909E8E84-426E-40DD-AFC4-6F175D3DCCD1}">
+              <a14:hiddenFill xmlns:a14="http://schemas.microsoft.com/office/drawing/2010/main">
+                <a:solidFill>
+                  <a:srgbClr val="FFFFFF"/>
+                </a:solidFill>
+              </a14:hiddenFill>
+            </a:ext>
+            <a:ext uri="{91240B29-F687-4F45-9708-019B960494DF}">
+              <a14:hiddenLine xmlns:a14="http://schemas.microsoft.com/office/drawing/2010/main" w="9525">
+                <a:solidFill>
+                  <a:srgbClr val="000000"/>
+                </a:solidFill>
+                <a:miter lim="800000"/>
+                <a:headEnd/>
+                <a:tailEnd/>
+              </a14:hiddenLine>
+            </a:ext>
+          </a:extLst>
+        </p:spPr>
+        <p:txBody>
+          <a:bodyPr/>
+          <a:lstStyle>
+            <a:lvl1pPr eaLnBrk="0" hangingPunct="0">
+              <a:defRPr sz="2400">
+                <a:solidFill>
+                  <a:schemeClr val="tx1"/>
+                </a:solidFill>
+                <a:latin typeface="Verdana" charset="0"/>
+                <a:ea typeface="ＭＳ Ｐゴシック" charset="0"/>
+                <a:cs typeface="ＭＳ Ｐゴシック" charset="0"/>
+              </a:defRPr>
+            </a:lvl1pPr>
+            <a:lvl2pPr marL="742950" indent="-285750" eaLnBrk="0" hangingPunct="0">
+              <a:defRPr sz="2400">
+                <a:solidFill>
+                  <a:schemeClr val="tx1"/>
+                </a:solidFill>
+                <a:latin typeface="Verdana" charset="0"/>
+                <a:ea typeface="ＭＳ Ｐゴシック" charset="0"/>
+              </a:defRPr>
+            </a:lvl2pPr>
+            <a:lvl3pPr marL="1143000" indent="-228600" eaLnBrk="0" hangingPunct="0">
+              <a:defRPr sz="2400">
+                <a:solidFill>
+                  <a:schemeClr val="tx1"/>
+                </a:solidFill>
+                <a:latin typeface="Verdana" charset="0"/>
+                <a:ea typeface="ＭＳ Ｐゴシック" charset="0"/>
+              </a:defRPr>
+            </a:lvl3pPr>
+            <a:lvl4pPr marL="1600200" indent="-228600" eaLnBrk="0" hangingPunct="0">
+              <a:defRPr sz="2400">
+                <a:solidFill>
+                  <a:schemeClr val="tx1"/>
+                </a:solidFill>
+                <a:latin typeface="Verdana" charset="0"/>
+                <a:ea typeface="ＭＳ Ｐゴシック" charset="0"/>
+              </a:defRPr>
+            </a:lvl4pPr>
+            <a:lvl5pPr marL="2057400" indent="-228600" eaLnBrk="0" hangingPunct="0">
+              <a:defRPr sz="2400">
+                <a:solidFill>
+                  <a:schemeClr val="tx1"/>
+                </a:solidFill>
+                <a:latin typeface="Verdana" charset="0"/>
+                <a:ea typeface="ＭＳ Ｐゴシック" charset="0"/>
+              </a:defRPr>
+            </a:lvl5pPr>
+            <a:lvl6pPr marL="2514600" indent="-228600" eaLnBrk="0" fontAlgn="base" hangingPunct="0">
+              <a:spcBef>
+                <a:spcPct val="0"/>
+              </a:spcBef>
+              <a:spcAft>
+                <a:spcPct val="0"/>
+              </a:spcAft>
+              <a:defRPr sz="2400">
+                <a:solidFill>
+                  <a:schemeClr val="tx1"/>
+                </a:solidFill>
+                <a:latin typeface="Verdana" charset="0"/>
+                <a:ea typeface="ＭＳ Ｐゴシック" charset="0"/>
+              </a:defRPr>
+            </a:lvl6pPr>
+            <a:lvl7pPr marL="2971800" indent="-228600" eaLnBrk="0" fontAlgn="base" hangingPunct="0">
+              <a:spcBef>
+                <a:spcPct val="0"/>
+              </a:spcBef>
+              <a:spcAft>
+                <a:spcPct val="0"/>
+              </a:spcAft>
+              <a:defRPr sz="2400">
+                <a:solidFill>
+                  <a:schemeClr val="tx1"/>
+                </a:solidFill>
+                <a:latin typeface="Verdana" charset="0"/>
+                <a:ea typeface="ＭＳ Ｐゴシック" charset="0"/>
+              </a:defRPr>
+            </a:lvl7pPr>
+            <a:lvl8pPr marL="3429000" indent="-228600" eaLnBrk="0" fontAlgn="base" hangingPunct="0">
+              <a:spcBef>
+                <a:spcPct val="0"/>
+              </a:spcBef>
+              <a:spcAft>
+                <a:spcPct val="0"/>
+              </a:spcAft>
+              <a:defRPr sz="2400">
+                <a:solidFill>
+                  <a:schemeClr val="tx1"/>
+                </a:solidFill>
+                <a:latin typeface="Verdana" charset="0"/>
+                <a:ea typeface="ＭＳ Ｐゴシック" charset="0"/>
+              </a:defRPr>
+            </a:lvl8pPr>
+            <a:lvl9pPr marL="3886200" indent="-228600" eaLnBrk="0" fontAlgn="base" hangingPunct="0">
+              <a:spcBef>
+                <a:spcPct val="0"/>
+              </a:spcBef>
+              <a:spcAft>
+                <a:spcPct val="0"/>
+              </a:spcAft>
+              <a:defRPr sz="2400">
+                <a:solidFill>
+                  <a:schemeClr val="tx1"/>
+                </a:solidFill>
+                <a:latin typeface="Verdana" charset="0"/>
+                <a:ea typeface="ＭＳ Ｐゴシック" charset="0"/>
+              </a:defRPr>
+            </a:lvl9pPr>
+          </a:lstStyle>
+          <a:p>
+            <a:fld id="{2F106329-1E2C-124D-9538-AF52D439D180}" type="slidenum">
+              <a:rPr lang="de-DE" sz="1200">
+                <a:latin typeface="Andale Mono" charset="0"/>
+              </a:rPr>
+              <a:pPr/>
+              <a:t>14</a:t>
+            </a:fld>
+            <a:endParaRPr lang="de-DE" sz="1200">
+              <a:latin typeface="Andale Mono" charset="0"/>
+            </a:endParaRPr>
+          </a:p>
+        </p:txBody>
+      </p:sp>
+      <p:sp>
+        <p:nvSpPr>
+          <p:cNvPr id="6146" name="Rectangle 2"/>
+          <p:cNvSpPr>
+            <a:spLocks noGrp="1" noRot="1" noChangeAspect="1" noChangeArrowheads="1" noTextEdit="1"/>
           </p:cNvSpPr>
           <p:nvPr>
             <p:ph type="sldImg"/>
           </p:nvPr>
         </p:nvSpPr>
-        <p:spPr/>
+        <p:spPr>
+          <a:ln/>
+        </p:spPr>
       </p:sp>
       <p:sp>
         <p:nvSpPr>
-          <p:cNvPr id="3" name="Notizenplatzhalter 2"/>
+          <p:cNvPr id="6147" name="Rectangle 3"/>
           <p:cNvSpPr>
-            <a:spLocks noGrp="1"/>
+            <a:spLocks noGrp="1" noChangeArrowheads="1"/>
           </p:cNvSpPr>
           <p:nvPr>
             <p:ph type="body" idx="1"/>
           </p:nvPr>
         </p:nvSpPr>
-        <p:spPr/>
+        <p:spPr>
+          <a:noFill/>
+          <a:ln/>
+          <a:extLst>
+            <a:ext uri="{909E8E84-426E-40DD-AFC4-6F175D3DCCD1}">
+              <a14:hiddenFill xmlns:a14="http://schemas.microsoft.com/office/drawing/2010/main">
+                <a:solidFill>
+                  <a:srgbClr val="FFFFFF"/>
+                </a:solidFill>
+              </a14:hiddenFill>
+            </a:ext>
+            <a:ext uri="{91240B29-F687-4F45-9708-019B960494DF}">
+              <a14:hiddenLine xmlns:a14="http://schemas.microsoft.com/office/drawing/2010/main" w="9525">
+                <a:solidFill>
+                  <a:srgbClr val="000000"/>
+                </a:solidFill>
+                <a:miter lim="800000"/>
+                <a:headEnd/>
+                <a:tailEnd/>
+              </a14:hiddenLine>
+            </a:ext>
+          </a:extLst>
+        </p:spPr>
         <p:txBody>
           <a:bodyPr/>
           <a:lstStyle/>
           <a:p>
+            <a:pPr eaLnBrk="1" hangingPunct="1"/>
+            <a:r>
+              <a:rPr lang="de-DE" dirty="0"/>
+              <a:t>Langsam sprechen</a:t>
+            </a:r>
+          </a:p>
+          <a:p>
+            <a:pPr eaLnBrk="1" hangingPunct="1"/>
+            <a:r>
+              <a:rPr lang="de-DE" dirty="0"/>
+              <a:t>Einen Schluck Wasser nehmen, wenn nötig </a:t>
+            </a:r>
+          </a:p>
+          <a:p>
+            <a:pPr eaLnBrk="1" hangingPunct="1"/>
+            <a:r>
+              <a:rPr lang="de-DE" dirty="0"/>
+              <a:t>Körperhaltung: aufrecht</a:t>
+            </a:r>
+          </a:p>
+          <a:p>
+            <a:pPr eaLnBrk="1" hangingPunct="1"/>
+            <a:r>
+              <a:rPr lang="de-DE" dirty="0"/>
+              <a:t>Zu Vortragsbeginn: Schultern gerade, entspannen</a:t>
+            </a:r>
+          </a:p>
+          <a:p>
+            <a:pPr eaLnBrk="1" hangingPunct="1"/>
             <a:endParaRPr lang="de-DE" dirty="0"/>
-          </a:p>
-        </p:txBody>
-      </p:sp>
-      <p:sp>
-        <p:nvSpPr>
-          <p:cNvPr id="4" name="Foliennummernplatzhalter 3"/>
-          <p:cNvSpPr>
-            <a:spLocks noGrp="1"/>
-          </p:cNvSpPr>
-          <p:nvPr>
-            <p:ph type="sldNum" sz="quarter" idx="10"/>
-          </p:nvPr>
-        </p:nvSpPr>
-        <p:spPr/>
-        <p:txBody>
-          <a:bodyPr/>
-          <a:lstStyle/>
-          <a:p>
-            <a:pPr>
-              <a:defRPr/>
-            </a:pPr>
-            <a:fld id="{9DDC5E44-63C0-EF42-9B94-8202B4B6C3D9}" type="slidenum">
-              <a:rPr lang="de-DE" smtClean="0"/>
-              <a:pPr>
-                <a:defRPr/>
-              </a:pPr>
-              <a:t>9</a:t>
-            </a:fld>
-            <a:endParaRPr lang="de-DE"/>
           </a:p>
         </p:txBody>
       </p:sp>
     </p:spTree>
-    <p:extLst>
-      <p:ext uri="{BB962C8B-B14F-4D97-AF65-F5344CB8AC3E}">
-        <p14:creationId xmlns:p14="http://schemas.microsoft.com/office/powerpoint/2010/main" val="2854611297"/>
-      </p:ext>
-    </p:extLst>
   </p:cSld>
   <p:clrMapOvr>
     <a:masterClrMapping/>
@@ -3649,7 +3649,7 @@
               </a14:hiddenLine>
             </a:ext>
             <a:ext uri="{FAA26D3D-D897-4be2-8F04-BA451C77F1D7}">
-              <ma14:placeholderFlag xmlns="" xmlns:ma14="http://schemas.microsoft.com/office/mac/drawingml/2011/main" val="1"/>
+              <ma14:placeholderFlag xmlns:ma14="http://schemas.microsoft.com/office/mac/drawingml/2011/main" xmlns="" val="1"/>
             </a:ext>
           </a:extLst>
         </p:spPr>
@@ -3710,7 +3710,7 @@
               </a14:hiddenLine>
             </a:ext>
             <a:ext uri="{FAA26D3D-D897-4be2-8F04-BA451C77F1D7}">
-              <ma14:placeholderFlag xmlns="" xmlns:ma14="http://schemas.microsoft.com/office/mac/drawingml/2011/main" val="1"/>
+              <ma14:placeholderFlag xmlns:ma14="http://schemas.microsoft.com/office/mac/drawingml/2011/main" xmlns="" val="1"/>
             </a:ext>
           </a:extLst>
         </p:spPr>
@@ -4554,17 +4554,89 @@
           <a:lstStyle/>
           <a:p>
             <a:r>
-              <a:rPr lang="de-DE" dirty="0"/>
-              <a:t>Datenschutzfreundliche Speicherung unternehmensinterner Überwachungsdaten mittels </a:t>
-            </a:r>
-            <a:r>
-              <a:rPr lang="de-DE" dirty="0" err="1"/>
-              <a:t>Pseudonymisierung</a:t>
-            </a:r>
-            <a:r>
-              <a:rPr lang="de-DE" dirty="0"/>
-              <a:t> und kryptographischer Schwellwertschemata</a:t>
-            </a:r>
+              <a:rPr lang="de-DE" dirty="0" smtClean="0"/>
+              <a:t>Privacy-</a:t>
+            </a:r>
+            <a:r>
+              <a:rPr lang="de-DE" dirty="0" err="1" smtClean="0"/>
+              <a:t>preserving</a:t>
+            </a:r>
+            <a:r>
+              <a:rPr lang="de-DE" dirty="0" smtClean="0"/>
+              <a:t> </a:t>
+            </a:r>
+            <a:r>
+              <a:rPr lang="de-DE" dirty="0" err="1" smtClean="0"/>
+              <a:t>storage</a:t>
+            </a:r>
+            <a:r>
+              <a:rPr lang="de-DE" dirty="0" smtClean="0"/>
+              <a:t> </a:t>
+            </a:r>
+            <a:r>
+              <a:rPr lang="de-DE" dirty="0" err="1" smtClean="0"/>
+              <a:t>of</a:t>
+            </a:r>
+            <a:r>
+              <a:rPr lang="de-DE" dirty="0" smtClean="0"/>
+              <a:t> </a:t>
+            </a:r>
+            <a:r>
+              <a:rPr lang="de-DE" dirty="0" err="1" smtClean="0"/>
+              <a:t>enterprise</a:t>
+            </a:r>
+            <a:r>
+              <a:rPr lang="de-DE" dirty="0" smtClean="0"/>
+              <a:t> </a:t>
+            </a:r>
+            <a:r>
+              <a:rPr lang="de-DE" dirty="0" err="1" smtClean="0"/>
+              <a:t>logdata</a:t>
+            </a:r>
+            <a:r>
+              <a:rPr lang="de-DE" dirty="0" smtClean="0"/>
+              <a:t> </a:t>
+            </a:r>
+            <a:r>
+              <a:rPr lang="de-DE" dirty="0" err="1" smtClean="0"/>
+              <a:t>using</a:t>
+            </a:r>
+            <a:r>
+              <a:rPr lang="de-DE" dirty="0" smtClean="0"/>
+              <a:t> </a:t>
+            </a:r>
+            <a:r>
+              <a:rPr lang="de-DE" dirty="0" err="1" smtClean="0"/>
+              <a:t>pseudonymisation</a:t>
+            </a:r>
+            <a:r>
+              <a:rPr lang="de-DE" dirty="0" smtClean="0"/>
+              <a:t> </a:t>
+            </a:r>
+            <a:r>
+              <a:rPr lang="de-DE" dirty="0" err="1" smtClean="0"/>
+              <a:t>and</a:t>
+            </a:r>
+            <a:r>
+              <a:rPr lang="de-DE" dirty="0" smtClean="0"/>
+              <a:t> </a:t>
+            </a:r>
+            <a:br>
+              <a:rPr lang="de-DE" dirty="0" smtClean="0"/>
+            </a:br>
+            <a:r>
+              <a:rPr lang="de-DE" dirty="0" err="1" smtClean="0"/>
+              <a:t>threshold</a:t>
+            </a:r>
+            <a:r>
+              <a:rPr lang="de-DE" dirty="0" smtClean="0"/>
+              <a:t> </a:t>
+            </a:r>
+            <a:r>
+              <a:rPr lang="de-DE" dirty="0" err="1" smtClean="0"/>
+              <a:t>cryptosystems</a:t>
+            </a:r>
+            <a:endParaRPr lang="de-DE" dirty="0"/>
           </a:p>
         </p:txBody>
       </p:sp>
@@ -4635,6 +4707,11 @@
         </p:txBody>
       </p:sp>
     </p:spTree>
+    <p:extLst>
+      <p:ext uri="{BB962C8B-B14F-4D97-AF65-F5344CB8AC3E}">
+        <p14:creationId xmlns:p14="http://schemas.microsoft.com/office/powerpoint/2010/main" val="3282376691"/>
+      </p:ext>
+    </p:extLst>
   </p:cSld>
   <p:clrMapOvr>
     <a:masterClrMapping/>
@@ -4682,205 +4759,6 @@
           <a:lstStyle/>
           <a:p>
             <a:r>
-              <a:rPr lang="de-DE" dirty="0" err="1" smtClean="0"/>
-              <a:t>Identifying</a:t>
-            </a:r>
-            <a:r>
-              <a:rPr lang="de-DE" dirty="0" smtClean="0"/>
-              <a:t> </a:t>
-            </a:r>
-            <a:r>
-              <a:rPr lang="de-DE" dirty="0" err="1" smtClean="0"/>
-              <a:t>created</a:t>
-            </a:r>
-            <a:r>
-              <a:rPr lang="de-DE" dirty="0" smtClean="0"/>
-              <a:t> </a:t>
-            </a:r>
-            <a:r>
-              <a:rPr lang="de-DE" dirty="0" err="1" smtClean="0"/>
-              <a:t>pseudonyms</a:t>
-            </a:r>
-            <a:endParaRPr lang="de-DE" dirty="0"/>
-          </a:p>
-        </p:txBody>
-      </p:sp>
-      <p:sp>
-        <p:nvSpPr>
-          <p:cNvPr id="3" name="Inhaltsplatzhalter 2"/>
-          <p:cNvSpPr>
-            <a:spLocks noGrp="1"/>
-          </p:cNvSpPr>
-          <p:nvPr>
-            <p:ph idx="1"/>
-          </p:nvPr>
-        </p:nvSpPr>
-        <p:spPr>
-          <a:xfrm>
-            <a:off x="3023828" y="4040832"/>
-            <a:ext cx="3096344" cy="2484512"/>
-          </a:xfrm>
-        </p:spPr>
-        <p:txBody>
-          <a:bodyPr/>
-          <a:lstStyle/>
-          <a:p>
-            <a:r>
-              <a:rPr lang="de-DE" dirty="0" err="1"/>
-              <a:t>Local</a:t>
-            </a:r>
-            <a:r>
-              <a:rPr lang="de-DE" dirty="0"/>
-              <a:t> </a:t>
-            </a:r>
-            <a:r>
-              <a:rPr lang="de-DE" dirty="0" err="1" smtClean="0"/>
-              <a:t>storage</a:t>
-            </a:r>
-            <a:endParaRPr lang="de-DE" strike="sngStrike" dirty="0" smtClean="0"/>
-          </a:p>
-          <a:p>
-            <a:r>
-              <a:rPr lang="de-DE" strike="sngStrike" dirty="0" err="1" smtClean="0"/>
-              <a:t>Decryption</a:t>
-            </a:r>
-            <a:endParaRPr lang="de-DE" strike="sngStrike" dirty="0" smtClean="0"/>
-          </a:p>
-          <a:p>
-            <a:r>
-              <a:rPr lang="de-DE" strike="sngStrike" dirty="0" err="1" smtClean="0"/>
-              <a:t>Deterministic</a:t>
-            </a:r>
-            <a:r>
-              <a:rPr lang="de-DE" strike="sngStrike" dirty="0" smtClean="0"/>
-              <a:t> </a:t>
-            </a:r>
-            <a:r>
-              <a:rPr lang="de-DE" strike="sngStrike" dirty="0" err="1" smtClean="0"/>
-              <a:t>encryption</a:t>
-            </a:r>
-            <a:endParaRPr lang="de-DE" strike="sngStrike" dirty="0"/>
-          </a:p>
-          <a:p>
-            <a:r>
-              <a:rPr lang="de-DE" strike="sngStrike" dirty="0" err="1" smtClean="0"/>
-              <a:t>Hashing</a:t>
-            </a:r>
-            <a:endParaRPr lang="de-DE" strike="sngStrike" dirty="0" smtClean="0"/>
-          </a:p>
-          <a:p>
-            <a:r>
-              <a:rPr lang="de-DE" b="1" dirty="0" smtClean="0"/>
-              <a:t>MACs</a:t>
-            </a:r>
-          </a:p>
-          <a:p>
-            <a:r>
-              <a:rPr lang="de-DE" dirty="0" err="1" smtClean="0"/>
-              <a:t>Searchable</a:t>
-            </a:r>
-            <a:r>
-              <a:rPr lang="de-DE" dirty="0" smtClean="0"/>
-              <a:t> </a:t>
-            </a:r>
-            <a:r>
-              <a:rPr lang="de-DE" dirty="0" err="1" smtClean="0"/>
-              <a:t>encryption</a:t>
-            </a:r>
-            <a:endParaRPr lang="de-DE" dirty="0" smtClean="0"/>
-          </a:p>
-          <a:p>
-            <a:endParaRPr lang="de-DE" dirty="0"/>
-          </a:p>
-        </p:txBody>
-      </p:sp>
-      <p:pic>
-        <p:nvPicPr>
-          <p:cNvPr id="17410" name="Picture 2" descr="C:\Users\m3\Entwicklung\git\master-thesis\thesis\dia\se_overview.png"/>
-          <p:cNvPicPr>
-            <a:picLocks noChangeAspect="1" noChangeArrowheads="1"/>
-          </p:cNvPicPr>
-          <p:nvPr/>
-        </p:nvPicPr>
-        <p:blipFill>
-          <a:blip r:embed="rId2">
-            <a:extLst>
-              <a:ext uri="{28A0092B-C50C-407E-A947-70E740481C1C}">
-                <a14:useLocalDpi xmlns:a14="http://schemas.microsoft.com/office/drawing/2010/main" val="0"/>
-              </a:ext>
-            </a:extLst>
-          </a:blip>
-          <a:srcRect/>
-          <a:stretch>
-            <a:fillRect/>
-          </a:stretch>
-        </p:blipFill>
-        <p:spPr bwMode="auto">
-          <a:xfrm>
-            <a:off x="1554522" y="1628800"/>
-            <a:ext cx="6034956" cy="2266799"/>
-          </a:xfrm>
-          <a:prstGeom prst="rect">
-            <a:avLst/>
-          </a:prstGeom>
-          <a:noFill/>
-          <a:extLst>
-            <a:ext uri="{909E8E84-426E-40DD-AFC4-6F175D3DCCD1}">
-              <a14:hiddenFill xmlns:a14="http://schemas.microsoft.com/office/drawing/2010/main">
-                <a:solidFill>
-                  <a:srgbClr val="FFFFFF"/>
-                </a:solidFill>
-              </a14:hiddenFill>
-            </a:ext>
-          </a:extLst>
-        </p:spPr>
-      </p:pic>
-    </p:spTree>
-    <p:extLst>
-      <p:ext uri="{BB962C8B-B14F-4D97-AF65-F5344CB8AC3E}">
-        <p14:creationId xmlns:p14="http://schemas.microsoft.com/office/powerpoint/2010/main" val="3862439232"/>
-      </p:ext>
-    </p:extLst>
-  </p:cSld>
-  <p:clrMapOvr>
-    <a:masterClrMapping/>
-  </p:clrMapOvr>
-</p:sld>
-</file>
-
-<file path=ppt/slides/slide11.xml><?xml version="1.0" encoding="utf-8"?>
-<p:sld xmlns:a="http://schemas.openxmlformats.org/drawingml/2006/main" xmlns:r="http://schemas.openxmlformats.org/officeDocument/2006/relationships" xmlns:p="http://schemas.openxmlformats.org/presentationml/2006/main">
-  <p:cSld>
-    <p:spTree>
-      <p:nvGrpSpPr>
-        <p:cNvPr id="1" name=""/>
-        <p:cNvGrpSpPr/>
-        <p:nvPr/>
-      </p:nvGrpSpPr>
-      <p:grpSpPr>
-        <a:xfrm>
-          <a:off x="0" y="0"/>
-          <a:ext cx="0" cy="0"/>
-          <a:chOff x="0" y="0"/>
-          <a:chExt cx="0" cy="0"/>
-        </a:xfrm>
-      </p:grpSpPr>
-      <p:sp>
-        <p:nvSpPr>
-          <p:cNvPr id="2" name="Titel 1"/>
-          <p:cNvSpPr>
-            <a:spLocks noGrp="1"/>
-          </p:cNvSpPr>
-          <p:nvPr>
-            <p:ph type="title"/>
-          </p:nvPr>
-        </p:nvSpPr>
-        <p:spPr/>
-        <p:txBody>
-          <a:bodyPr/>
-          <a:lstStyle/>
-          <a:p>
-            <a:r>
               <a:rPr lang="de-DE" dirty="0" smtClean="0"/>
               <a:t>Evaluation (I) - </a:t>
             </a:r>
@@ -5042,7 +4920,7 @@
 </p:sld>
 </file>
 
-<file path=ppt/slides/slide12.xml><?xml version="1.0" encoding="utf-8"?>
+<file path=ppt/slides/slide11.xml><?xml version="1.0" encoding="utf-8"?>
 <p:sld xmlns:a="http://schemas.openxmlformats.org/drawingml/2006/main" xmlns:r="http://schemas.openxmlformats.org/officeDocument/2006/relationships" xmlns:p="http://schemas.openxmlformats.org/presentationml/2006/main">
   <p:cSld>
     <p:spTree>
@@ -5190,7 +5068,7 @@
 </p:sld>
 </file>
 
-<file path=ppt/slides/slide13.xml><?xml version="1.0" encoding="utf-8"?>
+<file path=ppt/slides/slide12.xml><?xml version="1.0" encoding="utf-8"?>
 <p:sld xmlns:a="http://schemas.openxmlformats.org/drawingml/2006/main" xmlns:r="http://schemas.openxmlformats.org/officeDocument/2006/relationships" xmlns:p="http://schemas.openxmlformats.org/presentationml/2006/main">
   <p:cSld>
     <p:spTree>
@@ -5602,7 +5480,7 @@
 </p:sld>
 </file>
 
-<file path=ppt/slides/slide14.xml><?xml version="1.0" encoding="utf-8"?>
+<file path=ppt/slides/slide13.xml><?xml version="1.0" encoding="utf-8"?>
 <p:sld xmlns:a="http://schemas.openxmlformats.org/drawingml/2006/main" xmlns:r="http://schemas.openxmlformats.org/officeDocument/2006/relationships" xmlns:p="http://schemas.openxmlformats.org/presentationml/2006/main">
   <p:cSld>
     <p:spTree>
@@ -5667,6 +5545,134 @@
   <p:clrMapOvr>
     <a:masterClrMapping/>
   </p:clrMapOvr>
+</p:sld>
+</file>
+
+<file path=ppt/slides/slide14.xml><?xml version="1.0" encoding="utf-8"?>
+<p:sld xmlns:a="http://schemas.openxmlformats.org/drawingml/2006/main" xmlns:r="http://schemas.openxmlformats.org/officeDocument/2006/relationships" xmlns:p="http://schemas.openxmlformats.org/presentationml/2006/main">
+  <p:cSld>
+    <p:spTree>
+      <p:nvGrpSpPr>
+        <p:cNvPr id="1" name=""/>
+        <p:cNvGrpSpPr/>
+        <p:nvPr/>
+      </p:nvGrpSpPr>
+      <p:grpSpPr>
+        <a:xfrm>
+          <a:off x="0" y="0"/>
+          <a:ext cx="0" cy="0"/>
+          <a:chOff x="0" y="0"/>
+          <a:chExt cx="0" cy="0"/>
+        </a:xfrm>
+      </p:grpSpPr>
+      <p:sp>
+        <p:nvSpPr>
+          <p:cNvPr id="5121" name="Rectangle 7"/>
+          <p:cNvSpPr>
+            <a:spLocks noGrp="1" noChangeArrowheads="1"/>
+          </p:cNvSpPr>
+          <p:nvPr>
+            <p:ph type="ctrTitle"/>
+          </p:nvPr>
+        </p:nvSpPr>
+        <p:spPr/>
+        <p:txBody>
+          <a:bodyPr/>
+          <a:lstStyle/>
+          <a:p>
+            <a:r>
+              <a:rPr lang="de-DE" dirty="0"/>
+              <a:t>Datenschutzfreundliche Speicherung unternehmensinterner Überwachungsdaten mittels </a:t>
+            </a:r>
+            <a:r>
+              <a:rPr lang="de-DE" dirty="0" err="1"/>
+              <a:t>Pseudonymisierung</a:t>
+            </a:r>
+            <a:r>
+              <a:rPr lang="de-DE" dirty="0"/>
+              <a:t> und kryptographischer Schwellwertschemata</a:t>
+            </a:r>
+          </a:p>
+        </p:txBody>
+      </p:sp>
+      <p:sp>
+        <p:nvSpPr>
+          <p:cNvPr id="5122" name="Rectangle 8"/>
+          <p:cNvSpPr>
+            <a:spLocks noGrp="1" noChangeArrowheads="1"/>
+          </p:cNvSpPr>
+          <p:nvPr>
+            <p:ph type="subTitle" idx="1"/>
+          </p:nvPr>
+        </p:nvSpPr>
+        <p:spPr/>
+        <p:txBody>
+          <a:bodyPr/>
+          <a:lstStyle/>
+          <a:p>
+            <a:pPr>
+              <a:spcAft>
+                <a:spcPts val="1800"/>
+              </a:spcAft>
+            </a:pPr>
+            <a:r>
+              <a:rPr lang="de-DE" dirty="0" smtClean="0"/>
+              <a:t>Tom Petersen</a:t>
+            </a:r>
+            <a:endParaRPr lang="de-DE" dirty="0"/>
+          </a:p>
+          <a:p>
+            <a:r>
+              <a:rPr lang="de-DE" dirty="0" smtClean="0"/>
+              <a:t>Universität Hamburg</a:t>
+            </a:r>
+          </a:p>
+          <a:p>
+            <a:r>
+              <a:rPr lang="de-DE" dirty="0" smtClean="0"/>
+              <a:t>Fachbereich Informatik</a:t>
+            </a:r>
+          </a:p>
+          <a:p>
+            <a:endParaRPr lang="de-DE" dirty="0" smtClean="0"/>
+          </a:p>
+        </p:txBody>
+      </p:sp>
+      <p:sp>
+        <p:nvSpPr>
+          <p:cNvPr id="5123" name="Textplatzhalter 11"/>
+          <p:cNvSpPr>
+            <a:spLocks noGrp="1"/>
+          </p:cNvSpPr>
+          <p:nvPr>
+            <p:ph type="body" sz="quarter" idx="13"/>
+          </p:nvPr>
+        </p:nvSpPr>
+        <p:spPr/>
+        <p:txBody>
+          <a:bodyPr/>
+          <a:lstStyle/>
+          <a:p>
+            <a:r>
+              <a:rPr lang="de-DE" dirty="0" smtClean="0"/>
+              <a:t>20. März 2018</a:t>
+            </a:r>
+            <a:endParaRPr lang="de-DE" dirty="0"/>
+          </a:p>
+        </p:txBody>
+      </p:sp>
+    </p:spTree>
+  </p:cSld>
+  <p:clrMapOvr>
+    <a:masterClrMapping/>
+  </p:clrMapOvr>
+  <p:timing>
+    <p:tnLst>
+      <p:par>
+        <p:cTn id="1" dur="indefinite" restart="never" nodeType="tmRoot"/>
+      </p:par>
+    </p:tnLst>
+  </p:timing>
 </p:sld>
 </file>
 
@@ -6117,11 +6123,7 @@
             </a:r>
             <a:r>
               <a:rPr lang="de-DE" dirty="0" smtClean="0"/>
-              <a:t> </a:t>
-            </a:r>
-            <a:r>
-              <a:rPr lang="de-DE" dirty="0" smtClean="0"/>
-              <a:t>on</a:t>
+              <a:t> on</a:t>
             </a:r>
           </a:p>
           <a:p>
@@ -6481,12 +6483,12 @@
       </p:grpSpPr>
       <p:sp>
         <p:nvSpPr>
-          <p:cNvPr id="5121" name="Rectangle 7"/>
+          <p:cNvPr id="2" name="Titel 1"/>
           <p:cNvSpPr>
-            <a:spLocks noGrp="1" noChangeArrowheads="1"/>
+            <a:spLocks noGrp="1"/>
           </p:cNvSpPr>
           <p:nvPr>
-            <p:ph type="ctrTitle"/>
+            <p:ph type="title"/>
           </p:nvPr>
         </p:nvSpPr>
         <p:spPr/>
@@ -6496,86 +6498,7 @@
           <a:p>
             <a:r>
               <a:rPr lang="de-DE" dirty="0" smtClean="0"/>
-              <a:t>Privacy-</a:t>
-            </a:r>
-            <a:r>
-              <a:rPr lang="de-DE" dirty="0" err="1" smtClean="0"/>
-              <a:t>preserving</a:t>
-            </a:r>
-            <a:r>
-              <a:rPr lang="de-DE" dirty="0" smtClean="0"/>
-              <a:t> </a:t>
-            </a:r>
-            <a:r>
-              <a:rPr lang="de-DE" dirty="0" err="1" smtClean="0"/>
-              <a:t>storage</a:t>
-            </a:r>
-            <a:r>
-              <a:rPr lang="de-DE" dirty="0" smtClean="0"/>
-              <a:t> </a:t>
-            </a:r>
-            <a:r>
-              <a:rPr lang="de-DE" dirty="0" err="1" smtClean="0"/>
-              <a:t>of</a:t>
-            </a:r>
-            <a:r>
-              <a:rPr lang="de-DE" dirty="0" smtClean="0"/>
-              <a:t> </a:t>
-            </a:r>
-            <a:r>
-              <a:rPr lang="de-DE" dirty="0" err="1" smtClean="0"/>
-              <a:t>enterprise</a:t>
-            </a:r>
-            <a:r>
-              <a:rPr lang="de-DE" dirty="0" smtClean="0"/>
-              <a:t> </a:t>
-            </a:r>
-            <a:r>
-              <a:rPr lang="de-DE" dirty="0" err="1" smtClean="0"/>
-              <a:t>logdata</a:t>
-            </a:r>
-            <a:r>
-              <a:rPr lang="de-DE" dirty="0" smtClean="0"/>
-              <a:t> </a:t>
-            </a:r>
-            <a:r>
-              <a:rPr lang="de-DE" dirty="0" err="1" smtClean="0"/>
-              <a:t>using</a:t>
-            </a:r>
-            <a:r>
-              <a:rPr lang="de-DE" dirty="0" smtClean="0"/>
-              <a:t> </a:t>
-            </a:r>
-            <a:r>
-              <a:rPr lang="de-DE" dirty="0" err="1" smtClean="0"/>
-              <a:t>pseudonymisation</a:t>
-            </a:r>
-            <a:r>
-              <a:rPr lang="de-DE" dirty="0" smtClean="0"/>
-              <a:t> </a:t>
-            </a:r>
-            <a:r>
-              <a:rPr lang="de-DE" dirty="0" err="1" smtClean="0"/>
-              <a:t>and</a:t>
-            </a:r>
-            <a:r>
-              <a:rPr lang="de-DE" dirty="0" smtClean="0"/>
-              <a:t> </a:t>
-            </a:r>
-            <a:br>
-              <a:rPr lang="de-DE" dirty="0" smtClean="0"/>
-            </a:br>
-            <a:r>
-              <a:rPr lang="de-DE" dirty="0" err="1" smtClean="0"/>
-              <a:t>threshold</a:t>
-            </a:r>
-            <a:r>
-              <a:rPr lang="de-DE" dirty="0" smtClean="0"/>
-              <a:t> </a:t>
-            </a:r>
-            <a:r>
-              <a:rPr lang="de-DE" dirty="0" err="1" smtClean="0"/>
-              <a:t>cryptosystems</a:t>
+              <a:t>Agenda</a:t>
             </a:r>
             <a:endParaRPr lang="de-DE" dirty="0"/>
           </a:p>
@@ -6583,12 +6506,12 @@
       </p:sp>
       <p:sp>
         <p:nvSpPr>
-          <p:cNvPr id="5122" name="Rectangle 8"/>
+          <p:cNvPr id="3" name="Inhaltsplatzhalter 2"/>
           <p:cNvSpPr>
-            <a:spLocks noGrp="1" noChangeArrowheads="1"/>
+            <a:spLocks noGrp="1"/>
           </p:cNvSpPr>
           <p:nvPr>
-            <p:ph type="subTitle" idx="1"/>
+            <p:ph idx="1"/>
           </p:nvPr>
         </p:nvSpPr>
         <p:spPr/>
@@ -6596,53 +6519,122 @@
           <a:bodyPr/>
           <a:lstStyle/>
           <a:p>
-            <a:pPr>
-              <a:spcAft>
-                <a:spcPts val="1800"/>
-              </a:spcAft>
+            <a:pPr marL="457200" indent="-457200">
+              <a:buFont typeface="+mj-lt"/>
+              <a:buAutoNum type="arabicPeriod"/>
             </a:pPr>
             <a:r>
               <a:rPr lang="de-DE" dirty="0" smtClean="0"/>
-              <a:t>Tom Petersen</a:t>
-            </a:r>
-            <a:endParaRPr lang="de-DE" dirty="0"/>
-          </a:p>
-          <a:p>
-            <a:r>
-              <a:rPr lang="de-DE" dirty="0" smtClean="0"/>
-              <a:t>Universität Hamburg</a:t>
-            </a:r>
-          </a:p>
-          <a:p>
-            <a:r>
-              <a:rPr lang="de-DE" dirty="0" smtClean="0"/>
-              <a:t>Fachbereich Informatik</a:t>
-            </a:r>
-          </a:p>
-          <a:p>
+              <a:t>Motivation</a:t>
+            </a:r>
+          </a:p>
+          <a:p>
+            <a:pPr marL="457200" indent="-457200">
+              <a:buFont typeface="+mj-lt"/>
+              <a:buAutoNum type="arabicPeriod"/>
+            </a:pPr>
+            <a:r>
+              <a:rPr lang="de-DE" dirty="0" smtClean="0"/>
+              <a:t>Approach</a:t>
+            </a:r>
+          </a:p>
+          <a:p>
+            <a:pPr marL="457200" indent="-457200">
+              <a:buFont typeface="+mj-lt"/>
+              <a:buAutoNum type="arabicPeriod"/>
+            </a:pPr>
+            <a:r>
+              <a:rPr lang="de-DE" dirty="0" err="1" smtClean="0"/>
+              <a:t>Conceptual</a:t>
+            </a:r>
+            <a:r>
+              <a:rPr lang="de-DE" dirty="0" smtClean="0"/>
+              <a:t> design</a:t>
+            </a:r>
+          </a:p>
+          <a:p>
+            <a:pPr marL="857250" lvl="1" indent="-457200">
+              <a:buFont typeface="+mj-lt"/>
+              <a:buAutoNum type="arabicPeriod"/>
+            </a:pPr>
+            <a:r>
+              <a:rPr lang="de-DE" dirty="0" err="1" smtClean="0"/>
+              <a:t>Pseudonymisation</a:t>
+            </a:r>
             <a:endParaRPr lang="de-DE" dirty="0" smtClean="0"/>
           </a:p>
-        </p:txBody>
-      </p:sp>
-      <p:sp>
-        <p:nvSpPr>
-          <p:cNvPr id="5123" name="Textplatzhalter 11"/>
-          <p:cNvSpPr>
-            <a:spLocks noGrp="1"/>
-          </p:cNvSpPr>
-          <p:nvPr>
-            <p:ph type="body" sz="quarter" idx="13"/>
-          </p:nvPr>
-        </p:nvSpPr>
-        <p:spPr/>
-        <p:txBody>
-          <a:bodyPr/>
-          <a:lstStyle/>
-          <a:p>
-            <a:r>
-              <a:rPr lang="de-DE" dirty="0" smtClean="0"/>
-              <a:t>20. März 2018</a:t>
-            </a:r>
+          <a:p>
+            <a:pPr marL="857250" lvl="1" indent="-457200">
+              <a:buFont typeface="+mj-lt"/>
+              <a:buAutoNum type="arabicPeriod"/>
+            </a:pPr>
+            <a:r>
+              <a:rPr lang="de-DE" dirty="0" err="1" smtClean="0"/>
+              <a:t>Threshold</a:t>
+            </a:r>
+            <a:r>
+              <a:rPr lang="de-DE" dirty="0" smtClean="0"/>
+              <a:t> </a:t>
+            </a:r>
+            <a:r>
+              <a:rPr lang="de-DE" dirty="0" err="1" smtClean="0"/>
+              <a:t>cryptosystem</a:t>
+            </a:r>
+            <a:endParaRPr lang="de-DE" dirty="0" smtClean="0"/>
+          </a:p>
+          <a:p>
+            <a:pPr marL="857250" lvl="1" indent="-457200">
+              <a:buFont typeface="+mj-lt"/>
+              <a:buAutoNum type="arabicPeriod"/>
+            </a:pPr>
+            <a:r>
+              <a:rPr lang="de-DE" dirty="0" err="1"/>
+              <a:t>Identifying</a:t>
+            </a:r>
+            <a:r>
+              <a:rPr lang="de-DE" dirty="0"/>
+              <a:t> </a:t>
+            </a:r>
+            <a:r>
+              <a:rPr lang="de-DE" dirty="0" err="1"/>
+              <a:t>created</a:t>
+            </a:r>
+            <a:r>
+              <a:rPr lang="de-DE" dirty="0"/>
+              <a:t> </a:t>
+            </a:r>
+            <a:r>
+              <a:rPr lang="de-DE" dirty="0" err="1" smtClean="0"/>
+              <a:t>pseudonyms</a:t>
+            </a:r>
+            <a:endParaRPr lang="de-DE" dirty="0" smtClean="0"/>
+          </a:p>
+          <a:p>
+            <a:pPr marL="457200" indent="-457200">
+              <a:buFont typeface="+mj-lt"/>
+              <a:buAutoNum type="arabicPeriod"/>
+            </a:pPr>
+            <a:r>
+              <a:rPr lang="de-DE" dirty="0" smtClean="0"/>
+              <a:t>Evaluation</a:t>
+            </a:r>
+          </a:p>
+          <a:p>
+            <a:pPr marL="457200" indent="-457200">
+              <a:buFont typeface="+mj-lt"/>
+              <a:buAutoNum type="arabicPeriod"/>
+            </a:pPr>
+            <a:r>
+              <a:rPr lang="de-DE" dirty="0" err="1" smtClean="0"/>
+              <a:t>Conclusion</a:t>
+            </a:r>
+            <a:endParaRPr lang="de-DE" dirty="0" smtClean="0"/>
+          </a:p>
+          <a:p>
+            <a:pPr marL="457200" indent="-457200">
+              <a:buFont typeface="+mj-lt"/>
+              <a:buAutoNum type="arabicPeriod"/>
+            </a:pPr>
             <a:endParaRPr lang="de-DE" dirty="0"/>
           </a:p>
         </p:txBody>
@@ -6650,20 +6642,13 @@
     </p:spTree>
     <p:extLst>
       <p:ext uri="{BB962C8B-B14F-4D97-AF65-F5344CB8AC3E}">
-        <p14:creationId xmlns:p14="http://schemas.microsoft.com/office/powerpoint/2010/main" val="3282376691"/>
+        <p14:creationId xmlns:p14="http://schemas.microsoft.com/office/powerpoint/2010/main" val="3481102364"/>
       </p:ext>
     </p:extLst>
   </p:cSld>
   <p:clrMapOvr>
     <a:masterClrMapping/>
   </p:clrMapOvr>
-  <p:timing>
-    <p:tnLst>
-      <p:par>
-        <p:cTn id="1" dur="indefinite" restart="never" nodeType="tmRoot"/>
-      </p:par>
-    </p:tnLst>
-  </p:timing>
 </p:sld>
 </file>
 
@@ -6700,194 +6685,6 @@
           <a:lstStyle/>
           <a:p>
             <a:r>
-              <a:rPr lang="de-DE" dirty="0" smtClean="0"/>
-              <a:t>Agenda</a:t>
-            </a:r>
-            <a:endParaRPr lang="de-DE" dirty="0"/>
-          </a:p>
-        </p:txBody>
-      </p:sp>
-      <p:sp>
-        <p:nvSpPr>
-          <p:cNvPr id="3" name="Inhaltsplatzhalter 2"/>
-          <p:cNvSpPr>
-            <a:spLocks noGrp="1"/>
-          </p:cNvSpPr>
-          <p:nvPr>
-            <p:ph idx="1"/>
-          </p:nvPr>
-        </p:nvSpPr>
-        <p:spPr/>
-        <p:txBody>
-          <a:bodyPr/>
-          <a:lstStyle/>
-          <a:p>
-            <a:pPr marL="457200" indent="-457200">
-              <a:buFont typeface="+mj-lt"/>
-              <a:buAutoNum type="arabicPeriod"/>
-            </a:pPr>
-            <a:r>
-              <a:rPr lang="de-DE" dirty="0" smtClean="0"/>
-              <a:t>Motivation</a:t>
-            </a:r>
-          </a:p>
-          <a:p>
-            <a:pPr marL="457200" indent="-457200">
-              <a:buFont typeface="+mj-lt"/>
-              <a:buAutoNum type="arabicPeriod"/>
-            </a:pPr>
-            <a:r>
-              <a:rPr lang="de-DE" dirty="0" smtClean="0"/>
-              <a:t>Approach</a:t>
-            </a:r>
-          </a:p>
-          <a:p>
-            <a:pPr marL="457200" indent="-457200">
-              <a:buFont typeface="+mj-lt"/>
-              <a:buAutoNum type="arabicPeriod"/>
-            </a:pPr>
-            <a:r>
-              <a:rPr lang="de-DE" dirty="0" err="1" smtClean="0"/>
-              <a:t>Conceptual</a:t>
-            </a:r>
-            <a:r>
-              <a:rPr lang="de-DE" dirty="0" smtClean="0"/>
-              <a:t> design</a:t>
-            </a:r>
-          </a:p>
-          <a:p>
-            <a:pPr marL="857250" lvl="1" indent="-457200">
-              <a:buFont typeface="+mj-lt"/>
-              <a:buAutoNum type="arabicPeriod"/>
-            </a:pPr>
-            <a:r>
-              <a:rPr lang="de-DE" dirty="0" err="1" smtClean="0"/>
-              <a:t>Pseudonymisation</a:t>
-            </a:r>
-            <a:endParaRPr lang="de-DE" dirty="0" smtClean="0"/>
-          </a:p>
-          <a:p>
-            <a:pPr marL="857250" lvl="1" indent="-457200">
-              <a:buFont typeface="+mj-lt"/>
-              <a:buAutoNum type="arabicPeriod"/>
-            </a:pPr>
-            <a:r>
-              <a:rPr lang="de-DE" dirty="0" err="1" smtClean="0"/>
-              <a:t>Threshold</a:t>
-            </a:r>
-            <a:r>
-              <a:rPr lang="de-DE" dirty="0" smtClean="0"/>
-              <a:t> </a:t>
-            </a:r>
-            <a:r>
-              <a:rPr lang="de-DE" dirty="0" err="1" smtClean="0"/>
-              <a:t>cryptosystem</a:t>
-            </a:r>
-            <a:endParaRPr lang="de-DE" dirty="0" smtClean="0"/>
-          </a:p>
-          <a:p>
-            <a:pPr marL="857250" lvl="1" indent="-457200">
-              <a:buFont typeface="+mj-lt"/>
-              <a:buAutoNum type="arabicPeriod"/>
-            </a:pPr>
-            <a:r>
-              <a:rPr lang="de-DE" dirty="0" err="1"/>
-              <a:t>Identifying</a:t>
-            </a:r>
-            <a:r>
-              <a:rPr lang="de-DE" dirty="0"/>
-              <a:t> </a:t>
-            </a:r>
-            <a:r>
-              <a:rPr lang="de-DE" dirty="0" err="1"/>
-              <a:t>created</a:t>
-            </a:r>
-            <a:r>
-              <a:rPr lang="de-DE" dirty="0"/>
-              <a:t> </a:t>
-            </a:r>
-            <a:r>
-              <a:rPr lang="de-DE" dirty="0" err="1" smtClean="0"/>
-              <a:t>pseudonyms</a:t>
-            </a:r>
-            <a:endParaRPr lang="de-DE" dirty="0" smtClean="0"/>
-          </a:p>
-          <a:p>
-            <a:pPr marL="457200" indent="-457200">
-              <a:buFont typeface="+mj-lt"/>
-              <a:buAutoNum type="arabicPeriod"/>
-            </a:pPr>
-            <a:r>
-              <a:rPr lang="de-DE" dirty="0" smtClean="0"/>
-              <a:t>Evaluation</a:t>
-            </a:r>
-          </a:p>
-          <a:p>
-            <a:pPr marL="457200" indent="-457200">
-              <a:buFont typeface="+mj-lt"/>
-              <a:buAutoNum type="arabicPeriod"/>
-            </a:pPr>
-            <a:r>
-              <a:rPr lang="de-DE" dirty="0" err="1" smtClean="0"/>
-              <a:t>Conclusion</a:t>
-            </a:r>
-            <a:endParaRPr lang="de-DE" dirty="0" smtClean="0"/>
-          </a:p>
-          <a:p>
-            <a:pPr marL="457200" indent="-457200">
-              <a:buFont typeface="+mj-lt"/>
-              <a:buAutoNum type="arabicPeriod"/>
-            </a:pPr>
-            <a:endParaRPr lang="de-DE" dirty="0"/>
-          </a:p>
-        </p:txBody>
-      </p:sp>
-    </p:spTree>
-    <p:extLst>
-      <p:ext uri="{BB962C8B-B14F-4D97-AF65-F5344CB8AC3E}">
-        <p14:creationId xmlns:p14="http://schemas.microsoft.com/office/powerpoint/2010/main" val="3481102364"/>
-      </p:ext>
-    </p:extLst>
-  </p:cSld>
-  <p:clrMapOvr>
-    <a:masterClrMapping/>
-  </p:clrMapOvr>
-</p:sld>
-</file>
-
-<file path=ppt/slides/slide4.xml><?xml version="1.0" encoding="utf-8"?>
-<p:sld xmlns:a="http://schemas.openxmlformats.org/drawingml/2006/main" xmlns:r="http://schemas.openxmlformats.org/officeDocument/2006/relationships" xmlns:p="http://schemas.openxmlformats.org/presentationml/2006/main">
-  <p:cSld>
-    <p:spTree>
-      <p:nvGrpSpPr>
-        <p:cNvPr id="1" name=""/>
-        <p:cNvGrpSpPr/>
-        <p:nvPr/>
-      </p:nvGrpSpPr>
-      <p:grpSpPr>
-        <a:xfrm>
-          <a:off x="0" y="0"/>
-          <a:ext cx="0" cy="0"/>
-          <a:chOff x="0" y="0"/>
-          <a:chExt cx="0" cy="0"/>
-        </a:xfrm>
-      </p:grpSpPr>
-      <p:sp>
-        <p:nvSpPr>
-          <p:cNvPr id="2" name="Titel 1"/>
-          <p:cNvSpPr>
-            <a:spLocks noGrp="1"/>
-          </p:cNvSpPr>
-          <p:nvPr>
-            <p:ph type="title"/>
-          </p:nvPr>
-        </p:nvSpPr>
-        <p:spPr/>
-        <p:txBody>
-          <a:bodyPr/>
-          <a:lstStyle/>
-          <a:p>
-            <a:r>
               <a:rPr lang="de-DE" dirty="0"/>
               <a:t>Insider </a:t>
             </a:r>
@@ -6942,7 +6739,7 @@
               </a14:hiddenLine>
             </a:ext>
             <a:ext uri="{FAA26D3D-D897-4be2-8F04-BA451C77F1D7}">
-              <ma14:placeholderFlag xmlns="" xmlns:ma14="http://schemas.microsoft.com/office/mac/drawingml/2011/main" val="1"/>
+              <ma14:placeholderFlag xmlns:ma14="http://schemas.microsoft.com/office/mac/drawingml/2011/main" xmlns="" val="1"/>
             </a:ext>
           </a:extLst>
         </p:spPr>
@@ -7936,7 +7733,7 @@
 </p:sld>
 </file>
 
-<file path=ppt/slides/slide5.xml><?xml version="1.0" encoding="utf-8"?>
+<file path=ppt/slides/slide4.xml><?xml version="1.0" encoding="utf-8"?>
 <p:sld xmlns:a="http://schemas.openxmlformats.org/drawingml/2006/main" xmlns:r="http://schemas.openxmlformats.org/officeDocument/2006/relationships" xmlns:p="http://schemas.openxmlformats.org/presentationml/2006/main">
   <p:cSld>
     <p:spTree>
@@ -8429,7 +8226,7 @@
                 </a14:hiddenLine>
               </a:ext>
               <a:ext uri="{FAA26D3D-D897-4be2-8F04-BA451C77F1D7}">
-                <ma14:placeholderFlag xmlns="" xmlns:ma14="http://schemas.microsoft.com/office/mac/drawingml/2011/main" val="1"/>
+                <ma14:placeholderFlag xmlns:ma14="http://schemas.microsoft.com/office/mac/drawingml/2011/main" xmlns="" val="1"/>
               </a:ext>
             </a:extLst>
           </p:spPr>
@@ -8659,7 +8456,7 @@
               </a14:hiddenLine>
             </a:ext>
             <a:ext uri="{FAA26D3D-D897-4be2-8F04-BA451C77F1D7}">
-              <ma14:placeholderFlag xmlns="" xmlns:ma14="http://schemas.microsoft.com/office/mac/drawingml/2011/main" val="1"/>
+              <ma14:placeholderFlag xmlns:ma14="http://schemas.microsoft.com/office/mac/drawingml/2011/main" xmlns="" val="1"/>
             </a:ext>
           </a:extLst>
         </p:spPr>
@@ -8835,11 +8632,7 @@
             </a:pPr>
             <a:r>
               <a:rPr lang="de-DE" kern="0" dirty="0" smtClean="0"/>
-              <a:t>§32 </a:t>
-            </a:r>
-            <a:r>
-              <a:rPr lang="de-DE" kern="0" dirty="0" smtClean="0"/>
-              <a:t>BDSG</a:t>
+              <a:t>§32 BDSG</a:t>
             </a:r>
           </a:p>
           <a:p>
@@ -8988,7 +8781,7 @@
 </p:sld>
 </file>
 
-<file path=ppt/slides/slide6.xml><?xml version="1.0" encoding="utf-8"?>
+<file path=ppt/slides/slide5.xml><?xml version="1.0" encoding="utf-8"?>
 <p:sld xmlns:a="http://schemas.openxmlformats.org/drawingml/2006/main" xmlns:r="http://schemas.openxmlformats.org/officeDocument/2006/relationships" xmlns:p="http://schemas.openxmlformats.org/presentationml/2006/main">
   <p:cSld>
     <p:spTree>
@@ -9027,7 +8820,7 @@
           </a:ln>
           <a:extLst>
             <a:ext uri="{FAA26D3D-D897-4be2-8F04-BA451C77F1D7}">
-              <ma14:placeholderFlag xmlns="" xmlns:ma14="http://schemas.microsoft.com/office/mac/drawingml/2011/main" val="1"/>
+              <ma14:placeholderFlag xmlns:ma14="http://schemas.microsoft.com/office/mac/drawingml/2011/main" xmlns="" val="1"/>
             </a:ext>
           </a:extLst>
         </p:spPr>
@@ -9443,7 +9236,7 @@
           </a:ln>
           <a:extLst>
             <a:ext uri="{FAA26D3D-D897-4be2-8F04-BA451C77F1D7}">
-              <ma14:placeholderFlag xmlns="" xmlns:ma14="http://schemas.microsoft.com/office/mac/drawingml/2011/main" val="1"/>
+              <ma14:placeholderFlag xmlns:ma14="http://schemas.microsoft.com/office/mac/drawingml/2011/main" xmlns="" val="1"/>
             </a:ext>
           </a:extLst>
         </p:spPr>
@@ -9913,6 +9706,99 @@
 </p:sld>
 </file>
 
+<file path=ppt/slides/slide6.xml><?xml version="1.0" encoding="utf-8"?>
+<p:sld xmlns:a="http://schemas.openxmlformats.org/drawingml/2006/main" xmlns:r="http://schemas.openxmlformats.org/officeDocument/2006/relationships" xmlns:p="http://schemas.openxmlformats.org/presentationml/2006/main">
+  <p:cSld>
+    <p:spTree>
+      <p:nvGrpSpPr>
+        <p:cNvPr id="1" name=""/>
+        <p:cNvGrpSpPr/>
+        <p:nvPr/>
+      </p:nvGrpSpPr>
+      <p:grpSpPr>
+        <a:xfrm>
+          <a:off x="0" y="0"/>
+          <a:ext cx="0" cy="0"/>
+          <a:chOff x="0" y="0"/>
+          <a:chExt cx="0" cy="0"/>
+        </a:xfrm>
+      </p:grpSpPr>
+      <p:sp>
+        <p:nvSpPr>
+          <p:cNvPr id="2" name="Titel 1"/>
+          <p:cNvSpPr>
+            <a:spLocks noGrp="1"/>
+          </p:cNvSpPr>
+          <p:nvPr>
+            <p:ph type="title"/>
+          </p:nvPr>
+        </p:nvSpPr>
+        <p:spPr/>
+        <p:txBody>
+          <a:bodyPr/>
+          <a:lstStyle/>
+          <a:p>
+            <a:r>
+              <a:rPr lang="de-DE" dirty="0" smtClean="0"/>
+              <a:t>Approach (II)</a:t>
+            </a:r>
+            <a:endParaRPr lang="de-DE" dirty="0"/>
+          </a:p>
+        </p:txBody>
+      </p:sp>
+      <p:pic>
+        <p:nvPicPr>
+          <p:cNvPr id="15363" name="Picture 3"/>
+          <p:cNvPicPr>
+            <a:picLocks noChangeAspect="1" noChangeArrowheads="1"/>
+          </p:cNvPicPr>
+          <p:nvPr/>
+        </p:nvPicPr>
+        <p:blipFill>
+          <a:blip r:embed="rId2">
+            <a:extLst>
+              <a:ext uri="{28A0092B-C50C-407E-A947-70E740481C1C}">
+                <a14:useLocalDpi xmlns:a14="http://schemas.microsoft.com/office/drawing/2010/main" val="0"/>
+              </a:ext>
+            </a:extLst>
+          </a:blip>
+          <a:stretch>
+            <a:fillRect/>
+          </a:stretch>
+        </p:blipFill>
+        <p:spPr bwMode="auto">
+          <a:xfrm>
+            <a:off x="755576" y="1414091"/>
+            <a:ext cx="7962652" cy="5113027"/>
+          </a:xfrm>
+          <a:prstGeom prst="rect">
+            <a:avLst/>
+          </a:prstGeom>
+          <a:noFill/>
+          <a:extLst>
+            <a:ext uri="{909E8E84-426E-40DD-AFC4-6F175D3DCCD1}">
+              <a14:hiddenFill xmlns:a14="http://schemas.microsoft.com/office/drawing/2010/main">
+                <a:solidFill>
+                  <a:srgbClr val="FFFFFF"/>
+                </a:solidFill>
+              </a14:hiddenFill>
+            </a:ext>
+          </a:extLst>
+        </p:spPr>
+      </p:pic>
+    </p:spTree>
+    <p:extLst>
+      <p:ext uri="{BB962C8B-B14F-4D97-AF65-F5344CB8AC3E}">
+        <p14:creationId xmlns:p14="http://schemas.microsoft.com/office/powerpoint/2010/main" val="1268790526"/>
+      </p:ext>
+    </p:extLst>
+  </p:cSld>
+  <p:clrMapOvr>
+    <a:masterClrMapping/>
+  </p:clrMapOvr>
+</p:sld>
+</file>
+
 <file path=ppt/slides/slide7.xml><?xml version="1.0" encoding="utf-8"?>
 <p:sld xmlns:a="http://schemas.openxmlformats.org/drawingml/2006/main" xmlns:r="http://schemas.openxmlformats.org/officeDocument/2006/relationships" xmlns:p="http://schemas.openxmlformats.org/presentationml/2006/main">
   <p:cSld>
@@ -9946,8 +9832,12 @@
           <a:lstStyle/>
           <a:p>
             <a:r>
-              <a:rPr lang="de-DE" dirty="0" smtClean="0"/>
-              <a:t>Approach (II)</a:t>
+              <a:rPr lang="de-DE" dirty="0" err="1" smtClean="0"/>
+              <a:t>Conceptual</a:t>
+            </a:r>
+            <a:r>
+              <a:rPr lang="de-DE" dirty="0" smtClean="0"/>
+              <a:t> design</a:t>
             </a:r>
             <a:endParaRPr lang="de-DE" dirty="0"/>
           </a:p>
@@ -9955,7 +9845,7 @@
       </p:sp>
       <p:pic>
         <p:nvPicPr>
-          <p:cNvPr id="15363" name="Picture 3" descr="C:\Users\m3\Entwicklung\git\master-thesis\thesis\dia\overview.png"/>
+          <p:cNvPr id="16386" name="Picture 2"/>
           <p:cNvPicPr>
             <a:picLocks noChangeAspect="1" noChangeArrowheads="1"/>
           </p:cNvPicPr>
@@ -9969,113 +9859,14 @@
               </a:ext>
             </a:extLst>
           </a:blip>
-          <a:srcRect/>
           <a:stretch>
             <a:fillRect/>
           </a:stretch>
         </p:blipFill>
         <p:spPr bwMode="auto">
           <a:xfrm>
-            <a:off x="755576" y="1412776"/>
-            <a:ext cx="7962652" cy="5115657"/>
-          </a:xfrm>
-          <a:prstGeom prst="rect">
-            <a:avLst/>
-          </a:prstGeom>
-          <a:noFill/>
-          <a:extLst>
-            <a:ext uri="{909E8E84-426E-40DD-AFC4-6F175D3DCCD1}">
-              <a14:hiddenFill xmlns:a14="http://schemas.microsoft.com/office/drawing/2010/main">
-                <a:solidFill>
-                  <a:srgbClr val="FFFFFF"/>
-                </a:solidFill>
-              </a14:hiddenFill>
-            </a:ext>
-          </a:extLst>
-        </p:spPr>
-      </p:pic>
-    </p:spTree>
-    <p:extLst>
-      <p:ext uri="{BB962C8B-B14F-4D97-AF65-F5344CB8AC3E}">
-        <p14:creationId xmlns:p14="http://schemas.microsoft.com/office/powerpoint/2010/main" val="1268790526"/>
-      </p:ext>
-    </p:extLst>
-  </p:cSld>
-  <p:clrMapOvr>
-    <a:masterClrMapping/>
-  </p:clrMapOvr>
-</p:sld>
-</file>
-
-<file path=ppt/slides/slide8.xml><?xml version="1.0" encoding="utf-8"?>
-<p:sld xmlns:a="http://schemas.openxmlformats.org/drawingml/2006/main" xmlns:r="http://schemas.openxmlformats.org/officeDocument/2006/relationships" xmlns:p="http://schemas.openxmlformats.org/presentationml/2006/main">
-  <p:cSld>
-    <p:spTree>
-      <p:nvGrpSpPr>
-        <p:cNvPr id="1" name=""/>
-        <p:cNvGrpSpPr/>
-        <p:nvPr/>
-      </p:nvGrpSpPr>
-      <p:grpSpPr>
-        <a:xfrm>
-          <a:off x="0" y="0"/>
-          <a:ext cx="0" cy="0"/>
-          <a:chOff x="0" y="0"/>
-          <a:chExt cx="0" cy="0"/>
-        </a:xfrm>
-      </p:grpSpPr>
-      <p:sp>
-        <p:nvSpPr>
-          <p:cNvPr id="2" name="Titel 1"/>
-          <p:cNvSpPr>
-            <a:spLocks noGrp="1"/>
-          </p:cNvSpPr>
-          <p:nvPr>
-            <p:ph type="title"/>
-          </p:nvPr>
-        </p:nvSpPr>
-        <p:spPr/>
-        <p:txBody>
-          <a:bodyPr/>
-          <a:lstStyle/>
-          <a:p>
-            <a:r>
-              <a:rPr lang="de-DE" dirty="0" err="1" smtClean="0"/>
-              <a:t>Conceptual</a:t>
-            </a:r>
-            <a:r>
-              <a:rPr lang="de-DE" dirty="0" smtClean="0"/>
-              <a:t> design</a:t>
-            </a:r>
-            <a:endParaRPr lang="de-DE" dirty="0"/>
-          </a:p>
-        </p:txBody>
-      </p:sp>
-      <p:pic>
-        <p:nvPicPr>
-          <p:cNvPr id="16386" name="Picture 2" descr="C:\Users\m3\Entwicklung\git\master-thesis\thesis\dia\high_level_architecture.png"/>
-          <p:cNvPicPr>
-            <a:picLocks noChangeAspect="1" noChangeArrowheads="1"/>
-          </p:cNvPicPr>
-          <p:nvPr/>
-        </p:nvPicPr>
-        <p:blipFill>
-          <a:blip r:embed="rId2">
-            <a:extLst>
-              <a:ext uri="{28A0092B-C50C-407E-A947-70E740481C1C}">
-                <a14:useLocalDpi xmlns:a14="http://schemas.microsoft.com/office/drawing/2010/main" val="0"/>
-              </a:ext>
-            </a:extLst>
-          </a:blip>
-          <a:srcRect/>
-          <a:stretch>
-            <a:fillRect/>
-          </a:stretch>
-        </p:blipFill>
-        <p:spPr bwMode="auto">
-          <a:xfrm>
-            <a:off x="395536" y="1628800"/>
-            <a:ext cx="8397216" cy="4032448"/>
+            <a:off x="413522" y="1628800"/>
+            <a:ext cx="8361243" cy="4032448"/>
           </a:xfrm>
           <a:prstGeom prst="rect">
             <a:avLst/>
@@ -10105,7 +9896,7 @@
 </p:sld>
 </file>
 
-<file path=ppt/slides/slide9.xml><?xml version="1.0" encoding="utf-8"?>
+<file path=ppt/slides/slide8.xml><?xml version="1.0" encoding="utf-8"?>
 <p:sld xmlns:a="http://schemas.openxmlformats.org/drawingml/2006/main" xmlns:r="http://schemas.openxmlformats.org/officeDocument/2006/relationships" xmlns:p="http://schemas.openxmlformats.org/presentationml/2006/main">
   <p:cSld>
     <p:spTree>
@@ -10144,7 +9935,7 @@
           </a:ln>
           <a:extLst>
             <a:ext uri="{FAA26D3D-D897-4be2-8F04-BA451C77F1D7}">
-              <ma14:placeholderFlag xmlns="" xmlns:ma14="http://schemas.microsoft.com/office/mac/drawingml/2011/main" val="1"/>
+              <ma14:placeholderFlag xmlns:ma14="http://schemas.microsoft.com/office/mac/drawingml/2011/main" xmlns="" val="1"/>
             </a:ext>
           </a:extLst>
         </p:spPr>
@@ -10599,7 +10390,7 @@
           </a:ln>
           <a:extLst>
             <a:ext uri="{FAA26D3D-D897-4be2-8F04-BA451C77F1D7}">
-              <ma14:placeholderFlag xmlns="" xmlns:ma14="http://schemas.microsoft.com/office/mac/drawingml/2011/main" val="1"/>
+              <ma14:placeholderFlag xmlns:ma14="http://schemas.microsoft.com/office/mac/drawingml/2011/main" xmlns="" val="1"/>
             </a:ext>
           </a:extLst>
         </p:spPr>
@@ -10987,6 +10778,204 @@
     <p:extLst>
       <p:ext uri="{BB962C8B-B14F-4D97-AF65-F5344CB8AC3E}">
         <p14:creationId xmlns:p14="http://schemas.microsoft.com/office/powerpoint/2010/main" val="865240146"/>
+      </p:ext>
+    </p:extLst>
+  </p:cSld>
+  <p:clrMapOvr>
+    <a:masterClrMapping/>
+  </p:clrMapOvr>
+</p:sld>
+</file>
+
+<file path=ppt/slides/slide9.xml><?xml version="1.0" encoding="utf-8"?>
+<p:sld xmlns:a="http://schemas.openxmlformats.org/drawingml/2006/main" xmlns:r="http://schemas.openxmlformats.org/officeDocument/2006/relationships" xmlns:p="http://schemas.openxmlformats.org/presentationml/2006/main">
+  <p:cSld>
+    <p:spTree>
+      <p:nvGrpSpPr>
+        <p:cNvPr id="1" name=""/>
+        <p:cNvGrpSpPr/>
+        <p:nvPr/>
+      </p:nvGrpSpPr>
+      <p:grpSpPr>
+        <a:xfrm>
+          <a:off x="0" y="0"/>
+          <a:ext cx="0" cy="0"/>
+          <a:chOff x="0" y="0"/>
+          <a:chExt cx="0" cy="0"/>
+        </a:xfrm>
+      </p:grpSpPr>
+      <p:sp>
+        <p:nvSpPr>
+          <p:cNvPr id="2" name="Titel 1"/>
+          <p:cNvSpPr>
+            <a:spLocks noGrp="1"/>
+          </p:cNvSpPr>
+          <p:nvPr>
+            <p:ph type="title"/>
+          </p:nvPr>
+        </p:nvSpPr>
+        <p:spPr/>
+        <p:txBody>
+          <a:bodyPr/>
+          <a:lstStyle/>
+          <a:p>
+            <a:r>
+              <a:rPr lang="de-DE" dirty="0" err="1" smtClean="0"/>
+              <a:t>Identifying</a:t>
+            </a:r>
+            <a:r>
+              <a:rPr lang="de-DE" dirty="0" smtClean="0"/>
+              <a:t> </a:t>
+            </a:r>
+            <a:r>
+              <a:rPr lang="de-DE" dirty="0" err="1" smtClean="0"/>
+              <a:t>created</a:t>
+            </a:r>
+            <a:r>
+              <a:rPr lang="de-DE" dirty="0" smtClean="0"/>
+              <a:t> </a:t>
+            </a:r>
+            <a:r>
+              <a:rPr lang="de-DE" dirty="0" err="1" smtClean="0"/>
+              <a:t>pseudonyms</a:t>
+            </a:r>
+            <a:endParaRPr lang="de-DE" dirty="0"/>
+          </a:p>
+        </p:txBody>
+      </p:sp>
+      <p:sp>
+        <p:nvSpPr>
+          <p:cNvPr id="3" name="Inhaltsplatzhalter 2"/>
+          <p:cNvSpPr>
+            <a:spLocks noGrp="1"/>
+          </p:cNvSpPr>
+          <p:nvPr>
+            <p:ph idx="1"/>
+          </p:nvPr>
+        </p:nvSpPr>
+        <p:spPr>
+          <a:xfrm>
+            <a:off x="3023828" y="4040832"/>
+            <a:ext cx="3096344" cy="2484512"/>
+          </a:xfrm>
+        </p:spPr>
+        <p:txBody>
+          <a:bodyPr/>
+          <a:lstStyle/>
+          <a:p>
+            <a:r>
+              <a:rPr lang="de-DE" dirty="0" err="1"/>
+              <a:t>Local</a:t>
+            </a:r>
+            <a:r>
+              <a:rPr lang="de-DE" dirty="0"/>
+              <a:t> </a:t>
+            </a:r>
+            <a:r>
+              <a:rPr lang="de-DE" dirty="0" err="1" smtClean="0"/>
+              <a:t>storage</a:t>
+            </a:r>
+            <a:endParaRPr lang="de-DE" strike="sngStrike" dirty="0" smtClean="0"/>
+          </a:p>
+          <a:p>
+            <a:r>
+              <a:rPr lang="de-DE" strike="sngStrike" dirty="0" err="1" smtClean="0"/>
+              <a:t>Decryption</a:t>
+            </a:r>
+            <a:endParaRPr lang="de-DE" strike="sngStrike" dirty="0" smtClean="0"/>
+          </a:p>
+          <a:p>
+            <a:r>
+              <a:rPr lang="de-DE" strike="sngStrike" dirty="0" err="1" smtClean="0"/>
+              <a:t>Deterministic</a:t>
+            </a:r>
+            <a:r>
+              <a:rPr lang="de-DE" strike="sngStrike" dirty="0" smtClean="0"/>
+              <a:t> </a:t>
+            </a:r>
+            <a:r>
+              <a:rPr lang="de-DE" strike="sngStrike" dirty="0" err="1" smtClean="0"/>
+              <a:t>encryption</a:t>
+            </a:r>
+            <a:endParaRPr lang="de-DE" strike="sngStrike" dirty="0"/>
+          </a:p>
+          <a:p>
+            <a:r>
+              <a:rPr lang="de-DE" strike="sngStrike" dirty="0" err="1" smtClean="0"/>
+              <a:t>Hashing</a:t>
+            </a:r>
+            <a:endParaRPr lang="de-DE" strike="sngStrike" dirty="0" smtClean="0"/>
+          </a:p>
+          <a:p>
+            <a:r>
+              <a:rPr lang="de-DE" b="1" dirty="0" smtClean="0"/>
+              <a:t>MACs</a:t>
+            </a:r>
+          </a:p>
+          <a:p>
+            <a:r>
+              <a:rPr lang="de-DE" dirty="0" err="1" smtClean="0"/>
+              <a:t>Searchable</a:t>
+            </a:r>
+            <a:r>
+              <a:rPr lang="de-DE" dirty="0" smtClean="0"/>
+              <a:t> </a:t>
+            </a:r>
+            <a:r>
+              <a:rPr lang="de-DE" dirty="0" err="1" smtClean="0"/>
+              <a:t>encryption</a:t>
+            </a:r>
+            <a:endParaRPr lang="de-DE" dirty="0" smtClean="0"/>
+          </a:p>
+          <a:p>
+            <a:endParaRPr lang="de-DE" dirty="0"/>
+          </a:p>
+        </p:txBody>
+      </p:sp>
+      <p:pic>
+        <p:nvPicPr>
+          <p:cNvPr id="17410" name="Picture 2"/>
+          <p:cNvPicPr>
+            <a:picLocks noChangeAspect="1" noChangeArrowheads="1"/>
+          </p:cNvPicPr>
+          <p:nvPr/>
+        </p:nvPicPr>
+        <p:blipFill>
+          <a:blip r:embed="rId2">
+            <a:extLst>
+              <a:ext uri="{28A0092B-C50C-407E-A947-70E740481C1C}">
+                <a14:useLocalDpi xmlns:a14="http://schemas.microsoft.com/office/drawing/2010/main" val="0"/>
+              </a:ext>
+            </a:extLst>
+          </a:blip>
+          <a:stretch>
+            <a:fillRect/>
+          </a:stretch>
+        </p:blipFill>
+        <p:spPr bwMode="auto">
+          <a:xfrm>
+            <a:off x="1554522" y="1632135"/>
+            <a:ext cx="6034956" cy="2260129"/>
+          </a:xfrm>
+          <a:prstGeom prst="rect">
+            <a:avLst/>
+          </a:prstGeom>
+          <a:noFill/>
+          <a:extLst>
+            <a:ext uri="{909E8E84-426E-40DD-AFC4-6F175D3DCCD1}">
+              <a14:hiddenFill xmlns:a14="http://schemas.microsoft.com/office/drawing/2010/main">
+                <a:solidFill>
+                  <a:srgbClr val="FFFFFF"/>
+                </a:solidFill>
+              </a14:hiddenFill>
+            </a:ext>
+          </a:extLst>
+        </p:spPr>
+      </p:pic>
+    </p:spTree>
+    <p:extLst>
+      <p:ext uri="{BB962C8B-B14F-4D97-AF65-F5344CB8AC3E}">
+        <p14:creationId xmlns:p14="http://schemas.microsoft.com/office/powerpoint/2010/main" val="3862439232"/>
       </p:ext>
     </p:extLst>
   </p:cSld>

--- a/kolloquium/TemplateSlides2016.pptx
+++ b/kolloquium/TemplateSlides2016.pptx
@@ -11,7 +11,7 @@
     <p:handoutMasterId r:id="rId20"/>
   </p:handoutMasterIdLst>
   <p:sldIdLst>
-    <p:sldId id="682" r:id="rId2"/>
+    <p:sldId id="479" r:id="rId2"/>
     <p:sldId id="669" r:id="rId3"/>
     <p:sldId id="684" r:id="rId4"/>
     <p:sldId id="683" r:id="rId5"/>
@@ -21,10 +21,10 @@
     <p:sldId id="685" r:id="rId9"/>
     <p:sldId id="677" r:id="rId10"/>
     <p:sldId id="681" r:id="rId11"/>
-    <p:sldId id="678" r:id="rId12"/>
-    <p:sldId id="679" r:id="rId13"/>
-    <p:sldId id="680" r:id="rId14"/>
-    <p:sldId id="479" r:id="rId15"/>
+    <p:sldId id="679" r:id="rId12"/>
+    <p:sldId id="680" r:id="rId13"/>
+    <p:sldId id="682" r:id="rId14"/>
+    <p:sldId id="678" r:id="rId15"/>
     <p:sldId id="671" r:id="rId16"/>
     <p:sldId id="675" r:id="rId17"/>
     <p:sldId id="676" r:id="rId18"/>
@@ -246,11 +246,11 @@
           <c:showBubbleSize val="0"/>
         </c:dLbls>
         <c:gapWidth val="75"/>
-        <c:axId val="34816768"/>
-        <c:axId val="34818304"/>
+        <c:axId val="66796928"/>
+        <c:axId val="106107264"/>
       </c:barChart>
       <c:catAx>
-        <c:axId val="34816768"/>
+        <c:axId val="66796928"/>
         <c:scaling>
           <c:orientation val="minMax"/>
         </c:scaling>
@@ -269,7 +269,7 @@
             <a:endParaRPr lang="de-DE"/>
           </a:p>
         </c:txPr>
-        <c:crossAx val="34818304"/>
+        <c:crossAx val="106107264"/>
         <c:crosses val="autoZero"/>
         <c:auto val="1"/>
         <c:lblAlgn val="ctr"/>
@@ -277,7 +277,7 @@
         <c:noMultiLvlLbl val="0"/>
       </c:catAx>
       <c:valAx>
-        <c:axId val="34818304"/>
+        <c:axId val="106107264"/>
         <c:scaling>
           <c:orientation val="minMax"/>
         </c:scaling>
@@ -314,7 +314,7 @@
         <c:majorTickMark val="none"/>
         <c:minorTickMark val="none"/>
         <c:tickLblPos val="nextTo"/>
-        <c:crossAx val="34816768"/>
+        <c:crossAx val="66796928"/>
         <c:crosses val="autoZero"/>
         <c:crossBetween val="between"/>
       </c:valAx>
@@ -345,6 +345,191 @@
 </file>
 
 <file path=ppt/charts/chart2.xml><?xml version="1.0" encoding="utf-8"?>
+<c:chartSpace xmlns:c="http://schemas.openxmlformats.org/drawingml/2006/chart" xmlns:a="http://schemas.openxmlformats.org/drawingml/2006/main" xmlns:r="http://schemas.openxmlformats.org/officeDocument/2006/relationships">
+  <c:date1904 val="0"/>
+  <c:lang val="de-DE"/>
+  <c:roundedCorners val="0"/>
+  <mc:AlternateContent xmlns:mc="http://schemas.openxmlformats.org/markup-compatibility/2006">
+    <mc:Choice xmlns:c14="http://schemas.microsoft.com/office/drawing/2007/8/2/chart" Requires="c14">
+      <c14:style val="102"/>
+    </mc:Choice>
+    <mc:Fallback>
+      <c:style val="2"/>
+    </mc:Fallback>
+  </mc:AlternateContent>
+  <c:chart>
+    <c:autoTitleDeleted val="1"/>
+    <c:plotArea>
+      <c:layout/>
+      <c:barChart>
+        <c:barDir val="col"/>
+        <c:grouping val="clustered"/>
+        <c:varyColors val="0"/>
+        <c:ser>
+          <c:idx val="0"/>
+          <c:order val="0"/>
+          <c:tx>
+            <c:strRef>
+              <c:f>Tabelle1!$B$1</c:f>
+              <c:strCache>
+                <c:ptCount val="1"/>
+                <c:pt idx="0">
+                  <c:v>Datenreihe 1</c:v>
+                </c:pt>
+              </c:strCache>
+            </c:strRef>
+          </c:tx>
+          <c:invertIfNegative val="0"/>
+          <c:cat>
+            <c:strRef>
+              <c:f>Tabelle1!$A$2:$A$5</c:f>
+              <c:strCache>
+                <c:ptCount val="4"/>
+                <c:pt idx="0">
+                  <c:v>No enc.</c:v>
+                </c:pt>
+                <c:pt idx="1">
+                  <c:v>512bit</c:v>
+                </c:pt>
+                <c:pt idx="2">
+                  <c:v>1024bit</c:v>
+                </c:pt>
+                <c:pt idx="3">
+                  <c:v>2048bit</c:v>
+                </c:pt>
+              </c:strCache>
+            </c:strRef>
+          </c:cat>
+          <c:val>
+            <c:numRef>
+              <c:f>Tabelle1!$B$2:$B$5</c:f>
+              <c:numCache>
+                <c:formatCode>General</c:formatCode>
+                <c:ptCount val="4"/>
+                <c:pt idx="0">
+                  <c:v>1.5</c:v>
+                </c:pt>
+                <c:pt idx="1">
+                  <c:v>4.5999999999999996</c:v>
+                </c:pt>
+                <c:pt idx="2">
+                  <c:v>6.5</c:v>
+                </c:pt>
+                <c:pt idx="3">
+                  <c:v>21.2</c:v>
+                </c:pt>
+              </c:numCache>
+            </c:numRef>
+          </c:val>
+        </c:ser>
+        <c:dLbls>
+          <c:showLegendKey val="0"/>
+          <c:showVal val="1"/>
+          <c:showCatName val="0"/>
+          <c:showSerName val="0"/>
+          <c:showPercent val="0"/>
+          <c:showBubbleSize val="0"/>
+        </c:dLbls>
+        <c:gapWidth val="75"/>
+        <c:axId val="46897024"/>
+        <c:axId val="46898560"/>
+      </c:barChart>
+      <c:catAx>
+        <c:axId val="46897024"/>
+        <c:scaling>
+          <c:orientation val="minMax"/>
+        </c:scaling>
+        <c:delete val="0"/>
+        <c:axPos val="b"/>
+        <c:majorTickMark val="none"/>
+        <c:minorTickMark val="none"/>
+        <c:tickLblPos val="nextTo"/>
+        <c:txPr>
+          <a:bodyPr rot="-5400000" vert="horz"/>
+          <a:lstStyle/>
+          <a:p>
+            <a:pPr>
+              <a:defRPr/>
+            </a:pPr>
+            <a:endParaRPr lang="de-DE"/>
+          </a:p>
+        </c:txPr>
+        <c:crossAx val="46898560"/>
+        <c:crosses val="autoZero"/>
+        <c:auto val="1"/>
+        <c:lblAlgn val="ctr"/>
+        <c:lblOffset val="100"/>
+        <c:noMultiLvlLbl val="0"/>
+      </c:catAx>
+      <c:valAx>
+        <c:axId val="46898560"/>
+        <c:scaling>
+          <c:orientation val="minMax"/>
+        </c:scaling>
+        <c:delete val="0"/>
+        <c:axPos val="l"/>
+        <c:title>
+          <c:tx>
+            <c:rich>
+              <a:bodyPr rot="-5400000" vert="horz"/>
+              <a:lstStyle/>
+              <a:p>
+                <a:pPr>
+                  <a:defRPr b="0"/>
+                </a:pPr>
+                <a:r>
+                  <a:rPr lang="de-DE" b="0" dirty="0" smtClean="0"/>
+                  <a:t>Time in s</a:t>
+                </a:r>
+                <a:endParaRPr lang="de-DE" b="0" dirty="0"/>
+              </a:p>
+            </c:rich>
+          </c:tx>
+          <c:layout>
+            <c:manualLayout>
+              <c:xMode val="edge"/>
+              <c:yMode val="edge"/>
+              <c:x val="0"/>
+              <c:y val="0.20366718512757842"/>
+            </c:manualLayout>
+          </c:layout>
+          <c:overlay val="0"/>
+        </c:title>
+        <c:numFmt formatCode="General" sourceLinked="1"/>
+        <c:majorTickMark val="none"/>
+        <c:minorTickMark val="none"/>
+        <c:tickLblPos val="nextTo"/>
+        <c:crossAx val="46897024"/>
+        <c:crosses val="autoZero"/>
+        <c:crossBetween val="between"/>
+      </c:valAx>
+      <c:spPr>
+        <a:ln w="9525" cmpd="sng">
+          <a:prstDash val="solid"/>
+        </a:ln>
+      </c:spPr>
+    </c:plotArea>
+    <c:plotVisOnly val="1"/>
+    <c:dispBlanksAs val="gap"/>
+    <c:showDLblsOverMax val="0"/>
+  </c:chart>
+  <c:txPr>
+    <a:bodyPr/>
+    <a:lstStyle/>
+    <a:p>
+      <a:pPr>
+        <a:defRPr sz="1800"/>
+      </a:pPr>
+      <a:endParaRPr lang="de-DE"/>
+    </a:p>
+  </c:txPr>
+  <c:externalData r:id="rId1">
+    <c:autoUpdate val="0"/>
+  </c:externalData>
+</c:chartSpace>
+</file>
+
+<file path=ppt/charts/chart3.xml><?xml version="1.0" encoding="utf-8"?>
 <c:chartSpace xmlns:c="http://schemas.openxmlformats.org/drawingml/2006/chart" xmlns:a="http://schemas.openxmlformats.org/drawingml/2006/main" xmlns:r="http://schemas.openxmlformats.org/officeDocument/2006/relationships">
   <c:date1904 val="0"/>
   <c:lang val="de-DE"/>
@@ -545,7 +730,7 @@
 </c:chartSpace>
 </file>
 
-<file path=ppt/charts/chart3.xml><?xml version="1.0" encoding="utf-8"?>
+<file path=ppt/charts/chart4.xml><?xml version="1.0" encoding="utf-8"?>
 <c:chartSpace xmlns:c="http://schemas.openxmlformats.org/drawingml/2006/chart" xmlns:a="http://schemas.openxmlformats.org/drawingml/2006/main" xmlns:r="http://schemas.openxmlformats.org/officeDocument/2006/relationships">
   <c:date1904 val="0"/>
   <c:lang val="de-DE"/>
@@ -744,7 +929,7 @@
 </c:chartSpace>
 </file>
 
-<file path=ppt/charts/chart4.xml><?xml version="1.0" encoding="utf-8"?>
+<file path=ppt/charts/chart5.xml><?xml version="1.0" encoding="utf-8"?>
 <c:chartSpace xmlns:c="http://schemas.openxmlformats.org/drawingml/2006/chart" xmlns:a="http://schemas.openxmlformats.org/drawingml/2006/main" xmlns:r="http://schemas.openxmlformats.org/officeDocument/2006/relationships">
   <c:date1904 val="0"/>
   <c:lang val="de-DE"/>
@@ -1274,7 +1459,7 @@
               </a14:hiddenFill>
             </a:ext>
             <a:ext uri="{FAA26D3D-D897-4be2-8F04-BA451C77F1D7}">
-              <ma14:placeholderFlag xmlns:ma14="http://schemas.microsoft.com/office/mac/drawingml/2011/main" xmlns="" val="1"/>
+              <ma14:placeholderFlag xmlns="" xmlns:ma14="http://schemas.microsoft.com/office/mac/drawingml/2011/main" val="1"/>
             </a:ext>
           </a:extLst>
         </p:spPr>
@@ -1775,6 +1960,10 @@
           </p:nvPr>
         </p:nvSpPr>
         <p:spPr>
+          <a:xfrm>
+            <a:off x="1143000" y="685800"/>
+            <a:ext cx="4572000" cy="3429000"/>
+          </a:xfrm>
           <a:ln/>
         </p:spPr>
       </p:sp>
@@ -1883,7 +2072,12 @@
             <p:ph type="sldImg"/>
           </p:nvPr>
         </p:nvSpPr>
-        <p:spPr/>
+        <p:spPr>
+          <a:xfrm>
+            <a:off x="1143000" y="685800"/>
+            <a:ext cx="4572000" cy="3429000"/>
+          </a:xfrm>
+        </p:spPr>
       </p:sp>
       <p:sp>
         <p:nvSpPr>
@@ -2114,7 +2308,12 @@
             <p:ph type="sldImg"/>
           </p:nvPr>
         </p:nvSpPr>
-        <p:spPr/>
+        <p:spPr>
+          <a:xfrm>
+            <a:off x="1143000" y="685800"/>
+            <a:ext cx="4572000" cy="3429000"/>
+          </a:xfrm>
+        </p:spPr>
       </p:sp>
       <p:sp>
         <p:nvSpPr>
@@ -2517,6 +2716,10 @@
           <a:bodyPr/>
           <a:lstStyle/>
           <a:p>
+            <a:r>
+              <a:rPr lang="de-DE" dirty="0" err="1" smtClean="0"/>
+              <a:t>Disclose</a:t>
+            </a:r>
             <a:endParaRPr lang="de-DE" dirty="0"/>
           </a:p>
         </p:txBody>
@@ -2544,6 +2747,350 @@
               <a:pPr>
                 <a:defRPr/>
               </a:pPr>
+              <a:t>6</a:t>
+            </a:fld>
+            <a:endParaRPr lang="de-DE"/>
+          </a:p>
+        </p:txBody>
+      </p:sp>
+    </p:spTree>
+    <p:extLst>
+      <p:ext uri="{BB962C8B-B14F-4D97-AF65-F5344CB8AC3E}">
+        <p14:creationId xmlns:p14="http://schemas.microsoft.com/office/powerpoint/2010/main" val="839073819"/>
+      </p:ext>
+    </p:extLst>
+  </p:cSld>
+  <p:clrMapOvr>
+    <a:masterClrMapping/>
+  </p:clrMapOvr>
+</p:notes>
+</file>
+
+<file path=ppt/notesSlides/notesSlide5.xml><?xml version="1.0" encoding="utf-8"?>
+<p:notes xmlns:a="http://schemas.openxmlformats.org/drawingml/2006/main" xmlns:r="http://schemas.openxmlformats.org/officeDocument/2006/relationships" xmlns:p="http://schemas.openxmlformats.org/presentationml/2006/main">
+  <p:cSld>
+    <p:spTree>
+      <p:nvGrpSpPr>
+        <p:cNvPr id="1" name=""/>
+        <p:cNvGrpSpPr/>
+        <p:nvPr/>
+      </p:nvGrpSpPr>
+      <p:grpSpPr>
+        <a:xfrm>
+          <a:off x="0" y="0"/>
+          <a:ext cx="0" cy="0"/>
+          <a:chOff x="0" y="0"/>
+          <a:chExt cx="0" cy="0"/>
+        </a:xfrm>
+      </p:grpSpPr>
+      <p:sp>
+        <p:nvSpPr>
+          <p:cNvPr id="2" name="Folienbildplatzhalter 1"/>
+          <p:cNvSpPr>
+            <a:spLocks noGrp="1" noRot="1" noChangeAspect="1"/>
+          </p:cNvSpPr>
+          <p:nvPr>
+            <p:ph type="sldImg"/>
+          </p:nvPr>
+        </p:nvSpPr>
+        <p:spPr>
+          <a:xfrm>
+            <a:off x="1143000" y="685800"/>
+            <a:ext cx="4572000" cy="3429000"/>
+          </a:xfrm>
+        </p:spPr>
+      </p:sp>
+      <p:sp>
+        <p:nvSpPr>
+          <p:cNvPr id="3" name="Notizenplatzhalter 2"/>
+          <p:cNvSpPr>
+            <a:spLocks noGrp="1"/>
+          </p:cNvSpPr>
+          <p:nvPr>
+            <p:ph type="body" idx="1"/>
+          </p:nvPr>
+        </p:nvSpPr>
+        <p:spPr/>
+        <p:txBody>
+          <a:bodyPr/>
+          <a:lstStyle/>
+          <a:p>
+            <a:pPr marL="171450" indent="-171450">
+              <a:buFont typeface="Arial" panose="020B0604020202020204" pitchFamily="34" charset="0"/>
+              <a:buChar char="•"/>
+            </a:pPr>
+            <a:r>
+              <a:rPr lang="de-DE" dirty="0" smtClean="0"/>
+              <a:t>Proxy </a:t>
+            </a:r>
+            <a:r>
+              <a:rPr lang="de-DE" dirty="0" err="1" smtClean="0"/>
+              <a:t>based</a:t>
+            </a:r>
+            <a:r>
+              <a:rPr lang="de-DE" dirty="0" smtClean="0"/>
+              <a:t>: </a:t>
+            </a:r>
+            <a:r>
+              <a:rPr lang="de-DE" dirty="0" err="1" smtClean="0"/>
+              <a:t>No</a:t>
+            </a:r>
+            <a:r>
+              <a:rPr lang="de-DE" dirty="0" smtClean="0"/>
+              <a:t> </a:t>
+            </a:r>
+            <a:r>
+              <a:rPr lang="de-DE" dirty="0" err="1" smtClean="0"/>
+              <a:t>changes</a:t>
+            </a:r>
+            <a:r>
+              <a:rPr lang="de-DE" dirty="0" smtClean="0"/>
+              <a:t> </a:t>
+            </a:r>
+            <a:r>
+              <a:rPr lang="de-DE" dirty="0" err="1" smtClean="0"/>
+              <a:t>to</a:t>
+            </a:r>
+            <a:r>
+              <a:rPr lang="de-DE" dirty="0" smtClean="0"/>
+              <a:t> </a:t>
+            </a:r>
+            <a:r>
+              <a:rPr lang="de-DE" dirty="0" err="1" smtClean="0"/>
+              <a:t>data</a:t>
+            </a:r>
+            <a:r>
+              <a:rPr lang="de-DE" dirty="0" smtClean="0"/>
+              <a:t> </a:t>
+            </a:r>
+            <a:r>
+              <a:rPr lang="de-DE" dirty="0" err="1" smtClean="0"/>
+              <a:t>sources</a:t>
+            </a:r>
+            <a:r>
+              <a:rPr lang="de-DE" dirty="0" smtClean="0"/>
+              <a:t> </a:t>
+            </a:r>
+            <a:r>
+              <a:rPr lang="de-DE" dirty="0" err="1" smtClean="0"/>
+              <a:t>and</a:t>
+            </a:r>
+            <a:r>
+              <a:rPr lang="de-DE" dirty="0" smtClean="0"/>
+              <a:t> </a:t>
+            </a:r>
+            <a:r>
+              <a:rPr lang="de-DE" dirty="0" err="1" smtClean="0"/>
+              <a:t>siem</a:t>
+            </a:r>
+            <a:r>
+              <a:rPr lang="de-DE" dirty="0" smtClean="0"/>
+              <a:t> </a:t>
+            </a:r>
+            <a:r>
+              <a:rPr lang="de-DE" dirty="0" err="1" smtClean="0"/>
+              <a:t>system</a:t>
+            </a:r>
+            <a:endParaRPr lang="de-DE" dirty="0" smtClean="0"/>
+          </a:p>
+          <a:p>
+            <a:pPr marL="171450" indent="-171450">
+              <a:buFont typeface="Arial" panose="020B0604020202020204" pitchFamily="34" charset="0"/>
+              <a:buChar char="•"/>
+            </a:pPr>
+            <a:endParaRPr lang="de-DE" dirty="0" smtClean="0"/>
+          </a:p>
+          <a:p>
+            <a:pPr marL="171450" indent="-171450">
+              <a:buFont typeface="Arial" panose="020B0604020202020204" pitchFamily="34" charset="0"/>
+              <a:buChar char="•"/>
+            </a:pPr>
+            <a:r>
+              <a:rPr lang="de-DE" dirty="0" smtClean="0"/>
+              <a:t>Distributed</a:t>
+            </a:r>
+            <a:r>
+              <a:rPr lang="de-DE" baseline="0" dirty="0" smtClean="0"/>
+              <a:t> </a:t>
+            </a:r>
+            <a:r>
+              <a:rPr lang="de-DE" baseline="0" dirty="0" err="1" smtClean="0"/>
+              <a:t>because</a:t>
+            </a:r>
+            <a:r>
+              <a:rPr lang="de-DE" baseline="0" dirty="0" smtClean="0"/>
+              <a:t>: </a:t>
+            </a:r>
+            <a:r>
+              <a:rPr lang="de-DE" baseline="0" dirty="0" err="1" smtClean="0"/>
+              <a:t>distributed</a:t>
+            </a:r>
+            <a:r>
+              <a:rPr lang="de-DE" baseline="0" dirty="0" smtClean="0"/>
+              <a:t> </a:t>
+            </a:r>
+            <a:r>
+              <a:rPr lang="de-DE" baseline="0" dirty="0" err="1" smtClean="0"/>
+              <a:t>storage</a:t>
+            </a:r>
+            <a:r>
+              <a:rPr lang="de-DE" baseline="0" dirty="0" smtClean="0"/>
+              <a:t> </a:t>
+            </a:r>
+            <a:r>
+              <a:rPr lang="de-DE" baseline="0" dirty="0" err="1" smtClean="0"/>
+              <a:t>and</a:t>
+            </a:r>
+            <a:r>
+              <a:rPr lang="de-DE" baseline="0" dirty="0" smtClean="0"/>
+              <a:t> </a:t>
+            </a:r>
+            <a:r>
+              <a:rPr lang="de-DE" baseline="0" dirty="0" err="1" smtClean="0"/>
+              <a:t>processing</a:t>
+            </a:r>
+            <a:r>
+              <a:rPr lang="de-DE" baseline="0" dirty="0" smtClean="0"/>
+              <a:t> </a:t>
+            </a:r>
+            <a:r>
+              <a:rPr lang="de-DE" baseline="0" dirty="0" err="1" smtClean="0"/>
+              <a:t>of</a:t>
+            </a:r>
+            <a:r>
+              <a:rPr lang="de-DE" baseline="0" dirty="0" smtClean="0"/>
+              <a:t> log </a:t>
+            </a:r>
+            <a:r>
+              <a:rPr lang="de-DE" baseline="0" dirty="0" err="1" smtClean="0"/>
+              <a:t>data</a:t>
+            </a:r>
+            <a:r>
+              <a:rPr lang="de-DE" baseline="0" dirty="0" smtClean="0"/>
+              <a:t> </a:t>
+            </a:r>
+            <a:endParaRPr lang="de-DE" dirty="0"/>
+          </a:p>
+        </p:txBody>
+      </p:sp>
+      <p:sp>
+        <p:nvSpPr>
+          <p:cNvPr id="4" name="Foliennummernplatzhalter 3"/>
+          <p:cNvSpPr>
+            <a:spLocks noGrp="1"/>
+          </p:cNvSpPr>
+          <p:nvPr>
+            <p:ph type="sldNum" sz="quarter" idx="10"/>
+          </p:nvPr>
+        </p:nvSpPr>
+        <p:spPr/>
+        <p:txBody>
+          <a:bodyPr/>
+          <a:lstStyle/>
+          <a:p>
+            <a:pPr>
+              <a:defRPr/>
+            </a:pPr>
+            <a:fld id="{9DDC5E44-63C0-EF42-9B94-8202B4B6C3D9}" type="slidenum">
+              <a:rPr lang="de-DE" smtClean="0"/>
+              <a:pPr>
+                <a:defRPr/>
+              </a:pPr>
+              <a:t>7</a:t>
+            </a:fld>
+            <a:endParaRPr lang="de-DE"/>
+          </a:p>
+        </p:txBody>
+      </p:sp>
+    </p:spTree>
+    <p:extLst>
+      <p:ext uri="{BB962C8B-B14F-4D97-AF65-F5344CB8AC3E}">
+        <p14:creationId xmlns:p14="http://schemas.microsoft.com/office/powerpoint/2010/main" val="3905226780"/>
+      </p:ext>
+    </p:extLst>
+  </p:cSld>
+  <p:clrMapOvr>
+    <a:masterClrMapping/>
+  </p:clrMapOvr>
+</p:notes>
+</file>
+
+<file path=ppt/notesSlides/notesSlide6.xml><?xml version="1.0" encoding="utf-8"?>
+<p:notes xmlns:a="http://schemas.openxmlformats.org/drawingml/2006/main" xmlns:r="http://schemas.openxmlformats.org/officeDocument/2006/relationships" xmlns:p="http://schemas.openxmlformats.org/presentationml/2006/main">
+  <p:cSld>
+    <p:spTree>
+      <p:nvGrpSpPr>
+        <p:cNvPr id="1" name=""/>
+        <p:cNvGrpSpPr/>
+        <p:nvPr/>
+      </p:nvGrpSpPr>
+      <p:grpSpPr>
+        <a:xfrm>
+          <a:off x="0" y="0"/>
+          <a:ext cx="0" cy="0"/>
+          <a:chOff x="0" y="0"/>
+          <a:chExt cx="0" cy="0"/>
+        </a:xfrm>
+      </p:grpSpPr>
+      <p:sp>
+        <p:nvSpPr>
+          <p:cNvPr id="2" name="Folienbildplatzhalter 1"/>
+          <p:cNvSpPr>
+            <a:spLocks noGrp="1" noRot="1" noChangeAspect="1"/>
+          </p:cNvSpPr>
+          <p:nvPr>
+            <p:ph type="sldImg"/>
+          </p:nvPr>
+        </p:nvSpPr>
+        <p:spPr>
+          <a:xfrm>
+            <a:off x="1143000" y="685800"/>
+            <a:ext cx="4572000" cy="3429000"/>
+          </a:xfrm>
+        </p:spPr>
+      </p:sp>
+      <p:sp>
+        <p:nvSpPr>
+          <p:cNvPr id="3" name="Notizenplatzhalter 2"/>
+          <p:cNvSpPr>
+            <a:spLocks noGrp="1"/>
+          </p:cNvSpPr>
+          <p:nvPr>
+            <p:ph type="body" idx="1"/>
+          </p:nvPr>
+        </p:nvSpPr>
+        <p:spPr/>
+        <p:txBody>
+          <a:bodyPr/>
+          <a:lstStyle/>
+          <a:p>
+            <a:endParaRPr lang="de-DE" dirty="0"/>
+          </a:p>
+        </p:txBody>
+      </p:sp>
+      <p:sp>
+        <p:nvSpPr>
+          <p:cNvPr id="4" name="Foliennummernplatzhalter 3"/>
+          <p:cNvSpPr>
+            <a:spLocks noGrp="1"/>
+          </p:cNvSpPr>
+          <p:nvPr>
+            <p:ph type="sldNum" sz="quarter" idx="10"/>
+          </p:nvPr>
+        </p:nvSpPr>
+        <p:spPr/>
+        <p:txBody>
+          <a:bodyPr/>
+          <a:lstStyle/>
+          <a:p>
+            <a:pPr>
+              <a:defRPr/>
+            </a:pPr>
+            <a:fld id="{9DDC5E44-63C0-EF42-9B94-8202B4B6C3D9}" type="slidenum">
+              <a:rPr lang="de-DE" smtClean="0"/>
+              <a:pPr>
+                <a:defRPr/>
+              </a:pPr>
               <a:t>8</a:t>
             </a:fld>
             <a:endParaRPr lang="de-DE"/>
@@ -2563,7 +3110,7 @@
 </p:notes>
 </file>
 
-<file path=ppt/notesSlides/notesSlide5.xml><?xml version="1.0" encoding="utf-8"?>
+<file path=ppt/notesSlides/notesSlide7.xml><?xml version="1.0" encoding="utf-8"?>
 <p:notes xmlns:a="http://schemas.openxmlformats.org/drawingml/2006/main" xmlns:r="http://schemas.openxmlformats.org/officeDocument/2006/relationships" xmlns:p="http://schemas.openxmlformats.org/presentationml/2006/main">
   <p:cSld>
     <p:spTree>
@@ -2729,7 +3276,7 @@
                 <a:latin typeface="Andale Mono" charset="0"/>
               </a:rPr>
               <a:pPr/>
-              <a:t>14</a:t>
+              <a:t>13</a:t>
             </a:fld>
             <a:endParaRPr lang="de-DE" sz="1200">
               <a:latin typeface="Andale Mono" charset="0"/>
@@ -2748,6 +3295,10 @@
           </p:nvPr>
         </p:nvSpPr>
         <p:spPr>
+          <a:xfrm>
+            <a:off x="1143000" y="685800"/>
+            <a:ext cx="4572000" cy="3429000"/>
+          </a:xfrm>
           <a:ln/>
         </p:spPr>
       </p:sp>
@@ -2829,7 +3380,7 @@
 </p:notes>
 </file>
 
-<file path=ppt/notesSlides/notesSlide6.xml><?xml version="1.0" encoding="utf-8"?>
+<file path=ppt/notesSlides/notesSlide8.xml><?xml version="1.0" encoding="utf-8"?>
 <p:notes xmlns:a="http://schemas.openxmlformats.org/drawingml/2006/main" xmlns:r="http://schemas.openxmlformats.org/officeDocument/2006/relationships" xmlns:p="http://schemas.openxmlformats.org/presentationml/2006/main">
   <p:cSld>
     <p:spTree>
@@ -2856,7 +3407,150 @@
             <p:ph type="sldImg"/>
           </p:nvPr>
         </p:nvSpPr>
+        <p:spPr>
+          <a:xfrm>
+            <a:off x="1143000" y="685800"/>
+            <a:ext cx="4572000" cy="3429000"/>
+          </a:xfrm>
+        </p:spPr>
+      </p:sp>
+      <p:sp>
+        <p:nvSpPr>
+          <p:cNvPr id="3" name="Notizenplatzhalter 2"/>
+          <p:cNvSpPr>
+            <a:spLocks noGrp="1"/>
+          </p:cNvSpPr>
+          <p:nvPr>
+            <p:ph type="body" idx="1"/>
+          </p:nvPr>
+        </p:nvSpPr>
         <p:spPr/>
+        <p:txBody>
+          <a:bodyPr/>
+          <a:lstStyle/>
+          <a:p>
+            <a:pPr marL="171450" indent="-171450">
+              <a:buFont typeface="Arial" panose="020B0604020202020204" pitchFamily="34" charset="0"/>
+              <a:buChar char="•"/>
+            </a:pPr>
+            <a:r>
+              <a:rPr lang="de-DE" dirty="0" smtClean="0"/>
+              <a:t>Not </a:t>
+            </a:r>
+            <a:r>
+              <a:rPr lang="de-DE" dirty="0" err="1" smtClean="0"/>
+              <a:t>distributed</a:t>
+            </a:r>
+            <a:endParaRPr lang="de-DE" dirty="0" smtClean="0"/>
+          </a:p>
+          <a:p>
+            <a:pPr marL="171450" indent="-171450">
+              <a:buFont typeface="Arial" panose="020B0604020202020204" pitchFamily="34" charset="0"/>
+              <a:buChar char="•"/>
+            </a:pPr>
+            <a:r>
+              <a:rPr lang="de-DE" dirty="0" err="1" smtClean="0"/>
+              <a:t>Faster</a:t>
+            </a:r>
+            <a:r>
+              <a:rPr lang="de-DE" baseline="0" dirty="0" smtClean="0"/>
+              <a:t> </a:t>
+            </a:r>
+            <a:r>
+              <a:rPr lang="de-DE" baseline="0" dirty="0" err="1" smtClean="0"/>
+              <a:t>crypto</a:t>
+            </a:r>
+            <a:r>
+              <a:rPr lang="de-DE" baseline="0" dirty="0" smtClean="0"/>
+              <a:t>: ECC, </a:t>
+            </a:r>
+            <a:r>
+              <a:rPr lang="de-DE" baseline="0" dirty="0" err="1" smtClean="0"/>
+              <a:t>implementation</a:t>
+            </a:r>
+            <a:r>
+              <a:rPr lang="de-DE" baseline="0" dirty="0" smtClean="0"/>
+              <a:t> in C/…</a:t>
+            </a:r>
+            <a:endParaRPr lang="de-DE" dirty="0"/>
+          </a:p>
+        </p:txBody>
+      </p:sp>
+      <p:sp>
+        <p:nvSpPr>
+          <p:cNvPr id="4" name="Foliennummernplatzhalter 3"/>
+          <p:cNvSpPr>
+            <a:spLocks noGrp="1"/>
+          </p:cNvSpPr>
+          <p:nvPr>
+            <p:ph type="sldNum" sz="quarter" idx="10"/>
+          </p:nvPr>
+        </p:nvSpPr>
+        <p:spPr/>
+        <p:txBody>
+          <a:bodyPr/>
+          <a:lstStyle/>
+          <a:p>
+            <a:pPr>
+              <a:defRPr/>
+            </a:pPr>
+            <a:fld id="{9DDC5E44-63C0-EF42-9B94-8202B4B6C3D9}" type="slidenum">
+              <a:rPr lang="de-DE" smtClean="0"/>
+              <a:pPr>
+                <a:defRPr/>
+              </a:pPr>
+              <a:t>14</a:t>
+            </a:fld>
+            <a:endParaRPr lang="de-DE"/>
+          </a:p>
+        </p:txBody>
+      </p:sp>
+    </p:spTree>
+    <p:extLst>
+      <p:ext uri="{BB962C8B-B14F-4D97-AF65-F5344CB8AC3E}">
+        <p14:creationId xmlns:p14="http://schemas.microsoft.com/office/powerpoint/2010/main" val="3075402256"/>
+      </p:ext>
+    </p:extLst>
+  </p:cSld>
+  <p:clrMapOvr>
+    <a:masterClrMapping/>
+  </p:clrMapOvr>
+</p:notes>
+</file>
+
+<file path=ppt/notesSlides/notesSlide9.xml><?xml version="1.0" encoding="utf-8"?>
+<p:notes xmlns:a="http://schemas.openxmlformats.org/drawingml/2006/main" xmlns:r="http://schemas.openxmlformats.org/officeDocument/2006/relationships" xmlns:p="http://schemas.openxmlformats.org/presentationml/2006/main">
+  <p:cSld>
+    <p:spTree>
+      <p:nvGrpSpPr>
+        <p:cNvPr id="1" name=""/>
+        <p:cNvGrpSpPr/>
+        <p:nvPr/>
+      </p:nvGrpSpPr>
+      <p:grpSpPr>
+        <a:xfrm>
+          <a:off x="0" y="0"/>
+          <a:ext cx="0" cy="0"/>
+          <a:chOff x="0" y="0"/>
+          <a:chExt cx="0" cy="0"/>
+        </a:xfrm>
+      </p:grpSpPr>
+      <p:sp>
+        <p:nvSpPr>
+          <p:cNvPr id="2" name="Folienbildplatzhalter 1"/>
+          <p:cNvSpPr>
+            <a:spLocks noGrp="1" noRot="1" noChangeAspect="1"/>
+          </p:cNvSpPr>
+          <p:nvPr>
+            <p:ph type="sldImg"/>
+          </p:nvPr>
+        </p:nvSpPr>
+        <p:spPr>
+          <a:xfrm>
+            <a:off x="1143000" y="685800"/>
+            <a:ext cx="4572000" cy="3429000"/>
+          </a:xfrm>
+        </p:spPr>
       </p:sp>
       <p:sp>
         <p:nvSpPr>
@@ -3102,7 +3796,7 @@
         </p:nvSpPr>
         <p:spPr bwMode="auto">
           <a:xfrm>
-            <a:off x="457200" y="6611779"/>
+            <a:off x="457200" y="6611781"/>
             <a:ext cx="1066800" cy="246221"/>
           </a:xfrm>
           <a:prstGeom prst="rect">
@@ -3401,7 +4095,7 @@
         </p:blipFill>
         <p:spPr>
           <a:xfrm>
-            <a:off x="1" y="1"/>
+            <a:off x="1" y="2"/>
             <a:ext cx="2733648" cy="1479940"/>
           </a:xfrm>
           <a:prstGeom prst="rect">
@@ -3649,7 +4343,7 @@
               </a14:hiddenLine>
             </a:ext>
             <a:ext uri="{FAA26D3D-D897-4be2-8F04-BA451C77F1D7}">
-              <ma14:placeholderFlag xmlns:ma14="http://schemas.microsoft.com/office/mac/drawingml/2011/main" xmlns="" val="1"/>
+              <ma14:placeholderFlag xmlns="" xmlns:ma14="http://schemas.microsoft.com/office/mac/drawingml/2011/main" val="1"/>
             </a:ext>
           </a:extLst>
         </p:spPr>
@@ -3710,7 +4404,7 @@
               </a14:hiddenLine>
             </a:ext>
             <a:ext uri="{FAA26D3D-D897-4be2-8F04-BA451C77F1D7}">
-              <ma14:placeholderFlag xmlns:ma14="http://schemas.microsoft.com/office/mac/drawingml/2011/main" xmlns="" val="1"/>
+              <ma14:placeholderFlag xmlns="" xmlns:ma14="http://schemas.microsoft.com/office/mac/drawingml/2011/main" val="1"/>
             </a:ext>
           </a:extLst>
         </p:spPr>
@@ -3770,7 +4464,7 @@
         </p:nvSpPr>
         <p:spPr bwMode="auto">
           <a:xfrm>
-            <a:off x="7010400" y="6642100"/>
+            <a:off x="7010400" y="6642101"/>
             <a:ext cx="1714500" cy="215900"/>
           </a:xfrm>
           <a:prstGeom prst="rect">
@@ -3820,7 +4514,7 @@
         </p:nvSpPr>
         <p:spPr bwMode="auto">
           <a:xfrm>
-            <a:off x="3124200" y="6642100"/>
+            <a:off x="3124200" y="6642101"/>
             <a:ext cx="2895600" cy="215900"/>
           </a:xfrm>
           <a:prstGeom prst="rect">
@@ -3912,7 +4606,7 @@
         </p:nvSpPr>
         <p:spPr bwMode="auto">
           <a:xfrm>
-            <a:off x="457200" y="6611779"/>
+            <a:off x="457200" y="6611781"/>
             <a:ext cx="1066800" cy="246221"/>
           </a:xfrm>
           <a:prstGeom prst="rect">
@@ -4089,7 +4783,7 @@
         </p:nvCxnSpPr>
         <p:spPr>
           <a:xfrm>
-            <a:off x="0" y="1143000"/>
+            <a:off x="0" y="1143002"/>
             <a:ext cx="9144000" cy="2791"/>
           </a:xfrm>
           <a:prstGeom prst="line">
@@ -4554,89 +5248,17 @@
           <a:lstStyle/>
           <a:p>
             <a:r>
-              <a:rPr lang="de-DE" dirty="0" smtClean="0"/>
-              <a:t>Privacy-</a:t>
-            </a:r>
-            <a:r>
-              <a:rPr lang="de-DE" dirty="0" err="1" smtClean="0"/>
-              <a:t>preserving</a:t>
-            </a:r>
-            <a:r>
-              <a:rPr lang="de-DE" dirty="0" smtClean="0"/>
-              <a:t> </a:t>
-            </a:r>
-            <a:r>
-              <a:rPr lang="de-DE" dirty="0" err="1" smtClean="0"/>
-              <a:t>storage</a:t>
-            </a:r>
-            <a:r>
-              <a:rPr lang="de-DE" dirty="0" smtClean="0"/>
-              <a:t> </a:t>
-            </a:r>
-            <a:r>
-              <a:rPr lang="de-DE" dirty="0" err="1" smtClean="0"/>
-              <a:t>of</a:t>
-            </a:r>
-            <a:r>
-              <a:rPr lang="de-DE" dirty="0" smtClean="0"/>
-              <a:t> </a:t>
-            </a:r>
-            <a:r>
-              <a:rPr lang="de-DE" dirty="0" err="1" smtClean="0"/>
-              <a:t>enterprise</a:t>
-            </a:r>
-            <a:r>
-              <a:rPr lang="de-DE" dirty="0" smtClean="0"/>
-              <a:t> </a:t>
-            </a:r>
-            <a:r>
-              <a:rPr lang="de-DE" dirty="0" err="1" smtClean="0"/>
-              <a:t>logdata</a:t>
-            </a:r>
-            <a:r>
-              <a:rPr lang="de-DE" dirty="0" smtClean="0"/>
-              <a:t> </a:t>
-            </a:r>
-            <a:r>
-              <a:rPr lang="de-DE" dirty="0" err="1" smtClean="0"/>
-              <a:t>using</a:t>
-            </a:r>
-            <a:r>
-              <a:rPr lang="de-DE" dirty="0" smtClean="0"/>
-              <a:t> </a:t>
-            </a:r>
-            <a:r>
-              <a:rPr lang="de-DE" dirty="0" err="1" smtClean="0"/>
-              <a:t>pseudonymisation</a:t>
-            </a:r>
-            <a:r>
-              <a:rPr lang="de-DE" dirty="0" smtClean="0"/>
-              <a:t> </a:t>
-            </a:r>
-            <a:r>
-              <a:rPr lang="de-DE" dirty="0" err="1" smtClean="0"/>
-              <a:t>and</a:t>
-            </a:r>
-            <a:r>
-              <a:rPr lang="de-DE" dirty="0" smtClean="0"/>
-              <a:t> </a:t>
-            </a:r>
-            <a:br>
-              <a:rPr lang="de-DE" dirty="0" smtClean="0"/>
-            </a:br>
-            <a:r>
-              <a:rPr lang="de-DE" dirty="0" err="1" smtClean="0"/>
-              <a:t>threshold</a:t>
-            </a:r>
-            <a:r>
-              <a:rPr lang="de-DE" dirty="0" smtClean="0"/>
-              <a:t> </a:t>
-            </a:r>
-            <a:r>
-              <a:rPr lang="de-DE" dirty="0" err="1" smtClean="0"/>
-              <a:t>cryptosystems</a:t>
-            </a:r>
-            <a:endParaRPr lang="de-DE" dirty="0"/>
+              <a:rPr lang="de-DE" dirty="0"/>
+              <a:t>Datenschutzfreundliche Speicherung unternehmensinterner Überwachungsdaten mittels </a:t>
+            </a:r>
+            <a:r>
+              <a:rPr lang="de-DE" dirty="0" err="1"/>
+              <a:t>Pseudonymisierung</a:t>
+            </a:r>
+            <a:r>
+              <a:rPr lang="de-DE" dirty="0"/>
+              <a:t> und kryptographischer Schwellwertschemata</a:t>
+            </a:r>
           </a:p>
         </p:txBody>
       </p:sp>
@@ -4707,11 +5329,6 @@
         </p:txBody>
       </p:sp>
     </p:spTree>
-    <p:extLst>
-      <p:ext uri="{BB962C8B-B14F-4D97-AF65-F5344CB8AC3E}">
-        <p14:creationId xmlns:p14="http://schemas.microsoft.com/office/powerpoint/2010/main" val="3282376691"/>
-      </p:ext>
-    </p:extLst>
   </p:cSld>
   <p:clrMapOvr>
     <a:masterClrMapping/>
@@ -4760,23 +5377,7 @@
           <a:p>
             <a:r>
               <a:rPr lang="de-DE" dirty="0" smtClean="0"/>
-              <a:t>Evaluation (I) - </a:t>
-            </a:r>
-            <a:r>
-              <a:rPr lang="de-DE" dirty="0" err="1" smtClean="0"/>
-              <a:t>possible</a:t>
-            </a:r>
-            <a:r>
-              <a:rPr lang="de-DE" dirty="0" smtClean="0"/>
-              <a:t> </a:t>
-            </a:r>
-            <a:r>
-              <a:rPr lang="de-DE" dirty="0" err="1" smtClean="0"/>
-              <a:t>attacks</a:t>
-            </a:r>
-            <a:r>
-              <a:rPr lang="de-DE" dirty="0" smtClean="0"/>
-              <a:t> </a:t>
+              <a:t>Evaluation</a:t>
             </a:r>
             <a:endParaRPr lang="de-DE" dirty="0"/>
           </a:p>
@@ -4798,6 +5399,22 @@
           <a:lstStyle/>
           <a:p>
             <a:r>
+              <a:rPr lang="de-DE" dirty="0" err="1" smtClean="0"/>
+              <a:t>Possible</a:t>
+            </a:r>
+            <a:r>
+              <a:rPr lang="de-DE" dirty="0" smtClean="0"/>
+              <a:t> </a:t>
+            </a:r>
+            <a:r>
+              <a:rPr lang="de-DE" dirty="0" err="1" smtClean="0"/>
+              <a:t>attacks</a:t>
+            </a:r>
+            <a:endParaRPr lang="de-DE" dirty="0" smtClean="0"/>
+          </a:p>
+          <a:p>
+            <a:pPr lvl="1"/>
+            <a:r>
               <a:rPr lang="de-DE" dirty="0" smtClean="0"/>
               <a:t>Background </a:t>
             </a:r>
@@ -4808,6 +5425,7 @@
             <a:endParaRPr lang="de-DE" dirty="0" smtClean="0"/>
           </a:p>
           <a:p>
+            <a:pPr lvl="1"/>
             <a:r>
               <a:rPr lang="de-DE" dirty="0" err="1" smtClean="0"/>
               <a:t>Centralized</a:t>
@@ -4831,68 +5449,37 @@
             <a:endParaRPr lang="de-DE" dirty="0" smtClean="0"/>
           </a:p>
           <a:p>
-            <a:r>
-              <a:rPr lang="de-DE" dirty="0" err="1" smtClean="0"/>
-              <a:t>Ciphertexts</a:t>
-            </a:r>
-            <a:r>
-              <a:rPr lang="de-DE" dirty="0" smtClean="0"/>
-              <a:t> </a:t>
-            </a:r>
-            <a:r>
-              <a:rPr lang="de-DE" dirty="0" err="1" smtClean="0"/>
-              <a:t>leak</a:t>
-            </a:r>
-            <a:r>
-              <a:rPr lang="de-DE" dirty="0" smtClean="0"/>
-              <a:t> </a:t>
-            </a:r>
-            <a:r>
-              <a:rPr lang="de-DE" dirty="0" err="1" smtClean="0"/>
-              <a:t>message</a:t>
-            </a:r>
-            <a:r>
-              <a:rPr lang="de-DE" dirty="0" smtClean="0"/>
-              <a:t> </a:t>
-            </a:r>
-            <a:r>
-              <a:rPr lang="de-DE" dirty="0" err="1" smtClean="0"/>
-              <a:t>length</a:t>
+            <a:pPr lvl="1"/>
+            <a:r>
+              <a:rPr lang="de-DE" dirty="0" err="1" smtClean="0"/>
+              <a:t>Self-implemented</a:t>
+            </a:r>
+            <a:r>
+              <a:rPr lang="de-DE" dirty="0" smtClean="0"/>
+              <a:t> </a:t>
+            </a:r>
+            <a:r>
+              <a:rPr lang="de-DE" dirty="0" err="1" smtClean="0"/>
+              <a:t>cryptographic</a:t>
+            </a:r>
+            <a:r>
+              <a:rPr lang="de-DE" dirty="0" smtClean="0"/>
+              <a:t> </a:t>
+            </a:r>
+            <a:r>
+              <a:rPr lang="de-DE" dirty="0" err="1" smtClean="0"/>
+              <a:t>functions</a:t>
             </a:r>
             <a:endParaRPr lang="de-DE" dirty="0" smtClean="0"/>
           </a:p>
           <a:p>
-            <a:r>
-              <a:rPr lang="de-DE" dirty="0" smtClean="0"/>
-              <a:t>Review </a:t>
-            </a:r>
-            <a:r>
-              <a:rPr lang="de-DE" dirty="0" err="1" smtClean="0"/>
-              <a:t>of</a:t>
-            </a:r>
-            <a:r>
-              <a:rPr lang="de-DE" dirty="0" smtClean="0"/>
-              <a:t> </a:t>
-            </a:r>
-            <a:r>
-              <a:rPr lang="de-DE" dirty="0" err="1" smtClean="0"/>
-              <a:t>cryptographic</a:t>
-            </a:r>
-            <a:r>
-              <a:rPr lang="de-DE" dirty="0" smtClean="0"/>
-              <a:t> </a:t>
-            </a:r>
-            <a:r>
-              <a:rPr lang="de-DE" dirty="0" err="1" smtClean="0"/>
-              <a:t>functions</a:t>
-            </a:r>
-            <a:r>
-              <a:rPr lang="de-DE" dirty="0" smtClean="0"/>
-              <a:t> </a:t>
-            </a:r>
-            <a:r>
-              <a:rPr lang="de-DE" dirty="0" err="1" smtClean="0"/>
-              <a:t>required</a:t>
+            <a:pPr lvl="1"/>
+            <a:endParaRPr lang="de-DE" dirty="0" smtClean="0"/>
+          </a:p>
+          <a:p>
+            <a:r>
+              <a:rPr lang="de-DE" dirty="0" smtClean="0"/>
+              <a:t>Performance</a:t>
             </a:r>
             <a:endParaRPr lang="de-DE" dirty="0" smtClean="0"/>
           </a:p>
@@ -4907,6 +5494,30 @@
           </a:p>
         </p:txBody>
       </p:sp>
+      <p:graphicFrame>
+        <p:nvGraphicFramePr>
+          <p:cNvPr id="5" name="Inhaltsplatzhalter 3"/>
+          <p:cNvGraphicFramePr>
+            <a:graphicFrameLocks/>
+          </p:cNvGraphicFramePr>
+          <p:nvPr>
+            <p:extLst>
+              <p:ext uri="{D42A27DB-BD31-4B8C-83A1-F6EECF244321}">
+                <p14:modId xmlns:p14="http://schemas.microsoft.com/office/powerpoint/2010/main" val="3386602270"/>
+              </p:ext>
+            </p:extLst>
+          </p:nvPr>
+        </p:nvGraphicFramePr>
+        <p:xfrm>
+          <a:off x="971600" y="3645024"/>
+          <a:ext cx="3816424" cy="2808312"/>
+        </p:xfrm>
+        <a:graphic>
+          <a:graphicData uri="http://schemas.openxmlformats.org/drawingml/2006/chart">
+            <c:chart xmlns:c="http://schemas.openxmlformats.org/drawingml/2006/chart" xmlns:r="http://schemas.openxmlformats.org/officeDocument/2006/relationships" r:id="rId2"/>
+          </a:graphicData>
+        </a:graphic>
+      </p:graphicFrame>
     </p:spTree>
     <p:extLst>
       <p:ext uri="{BB962C8B-B14F-4D97-AF65-F5344CB8AC3E}">
@@ -4917,6 +5528,117 @@
   <p:clrMapOvr>
     <a:masterClrMapping/>
   </p:clrMapOvr>
+  <p:timing>
+    <p:tnLst>
+      <p:par>
+        <p:cTn id="1" dur="indefinite" restart="never" nodeType="tmRoot">
+          <p:childTnLst>
+            <p:seq concurrent="1" nextAc="seek">
+              <p:cTn id="2" dur="indefinite" nodeType="mainSeq">
+                <p:childTnLst>
+                  <p:par>
+                    <p:cTn id="3" fill="hold">
+                      <p:stCondLst>
+                        <p:cond delay="indefinite"/>
+                      </p:stCondLst>
+                      <p:childTnLst>
+                        <p:par>
+                          <p:cTn id="4" fill="hold">
+                            <p:stCondLst>
+                              <p:cond delay="0"/>
+                            </p:stCondLst>
+                            <p:childTnLst>
+                              <p:par>
+                                <p:cTn id="5" presetID="1" presetClass="entr" presetSubtype="0" fill="hold" nodeType="clickEffect">
+                                  <p:stCondLst>
+                                    <p:cond delay="0"/>
+                                  </p:stCondLst>
+                                  <p:childTnLst>
+                                    <p:set>
+                                      <p:cBhvr>
+                                        <p:cTn id="6" dur="1" fill="hold">
+                                          <p:stCondLst>
+                                            <p:cond delay="0"/>
+                                          </p:stCondLst>
+                                        </p:cTn>
+                                        <p:tgtEl>
+                                          <p:spTgt spid="3">
+                                            <p:txEl>
+                                              <p:pRg st="5" end="5"/>
+                                            </p:txEl>
+                                          </p:spTgt>
+                                        </p:tgtEl>
+                                        <p:attrNameLst>
+                                          <p:attrName>style.visibility</p:attrName>
+                                        </p:attrNameLst>
+                                      </p:cBhvr>
+                                      <p:to>
+                                        <p:strVal val="visible"/>
+                                      </p:to>
+                                    </p:set>
+                                  </p:childTnLst>
+                                </p:cTn>
+                              </p:par>
+                              <p:par>
+                                <p:cTn id="7" presetID="1" presetClass="entr" presetSubtype="0" fill="hold" grpId="0" nodeType="withEffect">
+                                  <p:stCondLst>
+                                    <p:cond delay="0"/>
+                                  </p:stCondLst>
+                                  <p:childTnLst>
+                                    <p:set>
+                                      <p:cBhvr>
+                                        <p:cTn id="8" dur="1" fill="hold">
+                                          <p:stCondLst>
+                                            <p:cond delay="0"/>
+                                          </p:stCondLst>
+                                        </p:cTn>
+                                        <p:tgtEl>
+                                          <p:spTgt spid="5"/>
+                                        </p:tgtEl>
+                                        <p:attrNameLst>
+                                          <p:attrName>style.visibility</p:attrName>
+                                        </p:attrNameLst>
+                                      </p:cBhvr>
+                                      <p:to>
+                                        <p:strVal val="visible"/>
+                                      </p:to>
+                                    </p:set>
+                                  </p:childTnLst>
+                                </p:cTn>
+                              </p:par>
+                            </p:childTnLst>
+                          </p:cTn>
+                        </p:par>
+                      </p:childTnLst>
+                    </p:cTn>
+                  </p:par>
+                </p:childTnLst>
+              </p:cTn>
+              <p:prevCondLst>
+                <p:cond evt="onPrev" delay="0">
+                  <p:tgtEl>
+                    <p:sldTgt/>
+                  </p:tgtEl>
+                </p:cond>
+              </p:prevCondLst>
+              <p:nextCondLst>
+                <p:cond evt="onNext" delay="0">
+                  <p:tgtEl>
+                    <p:sldTgt/>
+                  </p:tgtEl>
+                </p:cond>
+              </p:nextCondLst>
+            </p:seq>
+          </p:childTnLst>
+        </p:cTn>
+      </p:par>
+    </p:tnLst>
+    <p:bldLst>
+      <p:bldGraphic spid="5" grpId="0">
+        <p:bldAsOne/>
+      </p:bldGraphic>
+    </p:bldLst>
+  </p:timing>
 </p:sld>
 </file>
 
@@ -4953,122 +5675,949 @@
           <a:lstStyle/>
           <a:p>
             <a:r>
-              <a:rPr lang="de-DE" dirty="0" smtClean="0"/>
-              <a:t>Evaluation (II) - </a:t>
-            </a:r>
-            <a:r>
-              <a:rPr lang="de-DE" dirty="0" err="1" smtClean="0"/>
-              <a:t>performance</a:t>
+              <a:rPr lang="de-DE" dirty="0" err="1" smtClean="0"/>
+              <a:t>Conclusion</a:t>
+            </a:r>
+            <a:r>
+              <a:rPr lang="de-DE" dirty="0" smtClean="0"/>
+              <a:t> </a:t>
+            </a:r>
+            <a:r>
+              <a:rPr lang="de-DE" dirty="0" err="1" smtClean="0"/>
+              <a:t>and</a:t>
+            </a:r>
+            <a:r>
+              <a:rPr lang="de-DE" dirty="0" smtClean="0"/>
+              <a:t> </a:t>
+            </a:r>
+            <a:r>
+              <a:rPr lang="de-DE" dirty="0" err="1" smtClean="0"/>
+              <a:t>future</a:t>
+            </a:r>
+            <a:r>
+              <a:rPr lang="de-DE" dirty="0" smtClean="0"/>
+              <a:t> </a:t>
+            </a:r>
+            <a:r>
+              <a:rPr lang="de-DE" dirty="0" err="1" smtClean="0"/>
+              <a:t>work</a:t>
             </a:r>
             <a:endParaRPr lang="de-DE" dirty="0"/>
           </a:p>
         </p:txBody>
       </p:sp>
-      <p:graphicFrame>
-        <p:nvGraphicFramePr>
-          <p:cNvPr id="4" name="Inhaltsplatzhalter 3"/>
-          <p:cNvGraphicFramePr>
-            <a:graphicFrameLocks noGrp="1"/>
-          </p:cNvGraphicFramePr>
+      <p:sp>
+        <p:nvSpPr>
+          <p:cNvPr id="3" name="Inhaltsplatzhalter 2"/>
+          <p:cNvSpPr>
+            <a:spLocks noGrp="1"/>
+          </p:cNvSpPr>
           <p:nvPr>
             <p:ph idx="1"/>
-            <p:extLst>
-              <p:ext uri="{D42A27DB-BD31-4B8C-83A1-F6EECF244321}">
-                <p14:modId xmlns:p14="http://schemas.microsoft.com/office/powerpoint/2010/main" val="650566730"/>
-              </p:ext>
-            </p:extLst>
           </p:nvPr>
-        </p:nvGraphicFramePr>
-        <p:xfrm>
-          <a:off x="2663788" y="1196752"/>
-          <a:ext cx="3816424" cy="2808312"/>
-        </p:xfrm>
-        <a:graphic>
-          <a:graphicData uri="http://schemas.openxmlformats.org/drawingml/2006/chart">
-            <c:chart xmlns:c="http://schemas.openxmlformats.org/drawingml/2006/chart" xmlns:r="http://schemas.openxmlformats.org/officeDocument/2006/relationships" r:id="rId2"/>
-          </a:graphicData>
-        </a:graphic>
-      </p:graphicFrame>
-      <p:graphicFrame>
-        <p:nvGraphicFramePr>
-          <p:cNvPr id="5" name="Diagramm 4"/>
-          <p:cNvGraphicFramePr/>
-          <p:nvPr>
-            <p:extLst>
-              <p:ext uri="{D42A27DB-BD31-4B8C-83A1-F6EECF244321}">
-                <p14:modId xmlns:p14="http://schemas.microsoft.com/office/powerpoint/2010/main" val="1854958807"/>
-              </p:ext>
-            </p:extLst>
-          </p:nvPr>
-        </p:nvGraphicFramePr>
-        <p:xfrm>
-          <a:off x="323528" y="4293096"/>
-          <a:ext cx="2664296" cy="2160240"/>
-        </p:xfrm>
-        <a:graphic>
-          <a:graphicData uri="http://schemas.openxmlformats.org/drawingml/2006/chart">
-            <c:chart xmlns:c="http://schemas.openxmlformats.org/drawingml/2006/chart" xmlns:r="http://schemas.openxmlformats.org/officeDocument/2006/relationships" r:id="rId3"/>
-          </a:graphicData>
-        </a:graphic>
-      </p:graphicFrame>
-      <p:graphicFrame>
-        <p:nvGraphicFramePr>
-          <p:cNvPr id="6" name="Diagramm 5"/>
-          <p:cNvGraphicFramePr/>
-          <p:nvPr>
-            <p:extLst>
-              <p:ext uri="{D42A27DB-BD31-4B8C-83A1-F6EECF244321}">
-                <p14:modId xmlns:p14="http://schemas.microsoft.com/office/powerpoint/2010/main" val="2198479930"/>
-              </p:ext>
-            </p:extLst>
-          </p:nvPr>
-        </p:nvGraphicFramePr>
-        <p:xfrm>
-          <a:off x="2699792" y="4293096"/>
-          <a:ext cx="2520280" cy="2160240"/>
-        </p:xfrm>
-        <a:graphic>
-          <a:graphicData uri="http://schemas.openxmlformats.org/drawingml/2006/chart">
-            <c:chart xmlns:c="http://schemas.openxmlformats.org/drawingml/2006/chart" xmlns:r="http://schemas.openxmlformats.org/officeDocument/2006/relationships" r:id="rId4"/>
-          </a:graphicData>
-        </a:graphic>
-      </p:graphicFrame>
-      <p:graphicFrame>
-        <p:nvGraphicFramePr>
-          <p:cNvPr id="7" name="Diagramm 6"/>
-          <p:cNvGraphicFramePr/>
-          <p:nvPr>
-            <p:extLst>
-              <p:ext uri="{D42A27DB-BD31-4B8C-83A1-F6EECF244321}">
-                <p14:modId xmlns:p14="http://schemas.microsoft.com/office/powerpoint/2010/main" val="1785836546"/>
-              </p:ext>
-            </p:extLst>
-          </p:nvPr>
-        </p:nvGraphicFramePr>
-        <p:xfrm>
-          <a:off x="5076056" y="4293096"/>
-          <a:ext cx="3744416" cy="2160240"/>
-        </p:xfrm>
-        <a:graphic>
-          <a:graphicData uri="http://schemas.openxmlformats.org/drawingml/2006/chart">
-            <c:chart xmlns:c="http://schemas.openxmlformats.org/drawingml/2006/chart" xmlns:r="http://schemas.openxmlformats.org/officeDocument/2006/relationships" r:id="rId5"/>
-          </a:graphicData>
-        </a:graphic>
-      </p:graphicFrame>
+        </p:nvSpPr>
+        <p:spPr/>
+        <p:txBody>
+          <a:bodyPr/>
+          <a:lstStyle/>
+          <a:p>
+            <a:r>
+              <a:rPr lang="de-DE" dirty="0" smtClean="0"/>
+              <a:t>Well-</a:t>
+            </a:r>
+            <a:r>
+              <a:rPr lang="de-DE" dirty="0" err="1" smtClean="0"/>
+              <a:t>suited</a:t>
+            </a:r>
+            <a:r>
+              <a:rPr lang="de-DE" dirty="0" smtClean="0"/>
+              <a:t> </a:t>
+            </a:r>
+            <a:r>
+              <a:rPr lang="de-DE" dirty="0" err="1" smtClean="0"/>
+              <a:t>approach</a:t>
+            </a:r>
+            <a:r>
+              <a:rPr lang="de-DE" dirty="0" smtClean="0"/>
+              <a:t> </a:t>
+            </a:r>
+            <a:r>
+              <a:rPr lang="de-DE" dirty="0" err="1" smtClean="0"/>
+              <a:t>for</a:t>
+            </a:r>
+            <a:r>
+              <a:rPr lang="de-DE" dirty="0" smtClean="0"/>
+              <a:t> </a:t>
+            </a:r>
+            <a:r>
+              <a:rPr lang="de-DE" dirty="0" err="1" smtClean="0"/>
+              <a:t>the</a:t>
+            </a:r>
+            <a:r>
+              <a:rPr lang="de-DE" dirty="0" smtClean="0"/>
+              <a:t> </a:t>
+            </a:r>
+            <a:r>
+              <a:rPr lang="de-DE" dirty="0" err="1" smtClean="0"/>
+              <a:t>stated</a:t>
+            </a:r>
+            <a:r>
+              <a:rPr lang="de-DE" dirty="0" smtClean="0"/>
+              <a:t> </a:t>
+            </a:r>
+            <a:r>
+              <a:rPr lang="de-DE" dirty="0" err="1" smtClean="0"/>
+              <a:t>problem</a:t>
+            </a:r>
+            <a:endParaRPr lang="de-DE" dirty="0" smtClean="0"/>
+          </a:p>
+          <a:p>
+            <a:pPr lvl="1"/>
+            <a:r>
+              <a:rPr lang="de-DE" dirty="0" smtClean="0"/>
+              <a:t>Parameter-</a:t>
+            </a:r>
+            <a:r>
+              <a:rPr lang="de-DE" dirty="0" err="1" smtClean="0"/>
+              <a:t>dependent</a:t>
+            </a:r>
+            <a:r>
+              <a:rPr lang="de-DE" dirty="0" smtClean="0"/>
+              <a:t> </a:t>
+            </a:r>
+            <a:r>
+              <a:rPr lang="de-DE" dirty="0" err="1" smtClean="0"/>
+              <a:t>linkability</a:t>
+            </a:r>
+            <a:r>
+              <a:rPr lang="de-DE" dirty="0" smtClean="0"/>
+              <a:t> </a:t>
+            </a:r>
+            <a:r>
+              <a:rPr lang="de-DE" dirty="0" err="1" smtClean="0"/>
+              <a:t>for</a:t>
+            </a:r>
+            <a:r>
+              <a:rPr lang="de-DE" dirty="0" smtClean="0"/>
+              <a:t> log </a:t>
+            </a:r>
+            <a:r>
+              <a:rPr lang="de-DE" dirty="0" err="1" smtClean="0"/>
+              <a:t>data</a:t>
+            </a:r>
+            <a:r>
+              <a:rPr lang="de-DE" dirty="0" smtClean="0"/>
+              <a:t/>
+            </a:r>
+            <a:br>
+              <a:rPr lang="de-DE" dirty="0" smtClean="0"/>
+            </a:br>
+            <a:r>
+              <a:rPr lang="de-DE" dirty="0" smtClean="0"/>
+              <a:t>=&gt; </a:t>
+            </a:r>
+            <a:r>
+              <a:rPr lang="de-DE" dirty="0" err="1" smtClean="0"/>
+              <a:t>privacy-preserving</a:t>
+            </a:r>
+            <a:r>
+              <a:rPr lang="de-DE" dirty="0" smtClean="0"/>
+              <a:t> </a:t>
+            </a:r>
+            <a:r>
+              <a:rPr lang="de-DE" dirty="0" err="1" smtClean="0"/>
+              <a:t>anomaly</a:t>
+            </a:r>
+            <a:r>
+              <a:rPr lang="de-DE" dirty="0" smtClean="0"/>
+              <a:t> </a:t>
+            </a:r>
+            <a:r>
+              <a:rPr lang="de-DE" dirty="0" err="1" smtClean="0"/>
+              <a:t>detection</a:t>
+            </a:r>
+            <a:endParaRPr lang="de-DE" dirty="0" smtClean="0"/>
+          </a:p>
+          <a:p>
+            <a:pPr lvl="1"/>
+            <a:r>
+              <a:rPr lang="de-DE" dirty="0" err="1" smtClean="0"/>
+              <a:t>Disclosure</a:t>
+            </a:r>
+            <a:r>
+              <a:rPr lang="de-DE" dirty="0" smtClean="0"/>
+              <a:t> </a:t>
+            </a:r>
+            <a:r>
+              <a:rPr lang="de-DE" dirty="0" err="1" smtClean="0"/>
+              <a:t>of</a:t>
+            </a:r>
+            <a:r>
+              <a:rPr lang="de-DE" dirty="0" smtClean="0"/>
+              <a:t> pseudonym </a:t>
+            </a:r>
+            <a:r>
+              <a:rPr lang="de-DE" dirty="0" err="1" smtClean="0"/>
+              <a:t>owner</a:t>
+            </a:r>
+            <a:r>
+              <a:rPr lang="de-DE" dirty="0" smtClean="0"/>
+              <a:t> </a:t>
+            </a:r>
+            <a:r>
+              <a:rPr lang="de-DE" dirty="0" err="1" smtClean="0"/>
+              <a:t>secured</a:t>
+            </a:r>
+            <a:r>
+              <a:rPr lang="de-DE" dirty="0" smtClean="0"/>
+              <a:t> </a:t>
+            </a:r>
+            <a:r>
+              <a:rPr lang="de-DE" dirty="0" err="1" smtClean="0"/>
+              <a:t>by</a:t>
+            </a:r>
+            <a:r>
+              <a:rPr lang="de-DE" dirty="0" smtClean="0"/>
+              <a:t> </a:t>
+            </a:r>
+            <a:r>
+              <a:rPr lang="de-DE" dirty="0" err="1" smtClean="0"/>
+              <a:t>four-eye</a:t>
+            </a:r>
+            <a:r>
+              <a:rPr lang="de-DE" dirty="0" smtClean="0"/>
+              <a:t> </a:t>
+            </a:r>
+            <a:r>
+              <a:rPr lang="de-DE" dirty="0" err="1" smtClean="0"/>
+              <a:t>principle</a:t>
+            </a:r>
+            <a:endParaRPr lang="de-DE" dirty="0" smtClean="0"/>
+          </a:p>
+          <a:p>
+            <a:pPr lvl="1"/>
+            <a:endParaRPr lang="de-DE" dirty="0" smtClean="0"/>
+          </a:p>
+          <a:p>
+            <a:r>
+              <a:rPr lang="de-DE" dirty="0" smtClean="0"/>
+              <a:t>Implementation </a:t>
+            </a:r>
+            <a:r>
+              <a:rPr lang="de-DE" dirty="0" err="1" smtClean="0"/>
+              <a:t>issues</a:t>
+            </a:r>
+            <a:endParaRPr lang="de-DE" dirty="0" smtClean="0"/>
+          </a:p>
+          <a:p>
+            <a:pPr lvl="1"/>
+            <a:r>
+              <a:rPr lang="de-DE" dirty="0" smtClean="0"/>
+              <a:t>Distributed </a:t>
+            </a:r>
+            <a:r>
+              <a:rPr lang="de-DE" dirty="0" err="1" smtClean="0"/>
+              <a:t>key</a:t>
+            </a:r>
+            <a:r>
+              <a:rPr lang="de-DE" dirty="0" smtClean="0"/>
+              <a:t> </a:t>
+            </a:r>
+            <a:r>
+              <a:rPr lang="de-DE" dirty="0" err="1" smtClean="0"/>
+              <a:t>generation</a:t>
+            </a:r>
+            <a:endParaRPr lang="de-DE" dirty="0" smtClean="0"/>
+          </a:p>
+          <a:p>
+            <a:pPr lvl="1"/>
+            <a:r>
+              <a:rPr lang="de-DE" dirty="0" smtClean="0"/>
+              <a:t>Review </a:t>
+            </a:r>
+            <a:r>
+              <a:rPr lang="de-DE" dirty="0" err="1" smtClean="0"/>
+              <a:t>of</a:t>
+            </a:r>
+            <a:r>
+              <a:rPr lang="de-DE" dirty="0" smtClean="0"/>
+              <a:t> </a:t>
+            </a:r>
+            <a:r>
+              <a:rPr lang="de-DE" dirty="0" err="1" smtClean="0"/>
+              <a:t>cryptographic</a:t>
+            </a:r>
+            <a:r>
+              <a:rPr lang="de-DE" dirty="0" smtClean="0"/>
+              <a:t> </a:t>
+            </a:r>
+            <a:r>
+              <a:rPr lang="de-DE" dirty="0" err="1" smtClean="0"/>
+              <a:t>library</a:t>
+            </a:r>
+            <a:endParaRPr lang="de-DE" dirty="0" smtClean="0"/>
+          </a:p>
+          <a:p>
+            <a:pPr lvl="1"/>
+            <a:r>
+              <a:rPr lang="de-DE" dirty="0" smtClean="0"/>
+              <a:t>ECC-</a:t>
+            </a:r>
+            <a:r>
+              <a:rPr lang="de-DE" dirty="0" err="1" smtClean="0"/>
+              <a:t>ElGamal</a:t>
+            </a:r>
+            <a:endParaRPr lang="de-DE" dirty="0" smtClean="0"/>
+          </a:p>
+          <a:p>
+            <a:pPr lvl="1"/>
+            <a:endParaRPr lang="de-DE" dirty="0" smtClean="0"/>
+          </a:p>
+          <a:p>
+            <a:r>
+              <a:rPr lang="de-DE" dirty="0" smtClean="0"/>
+              <a:t>Open </a:t>
+            </a:r>
+            <a:r>
+              <a:rPr lang="de-DE" dirty="0" err="1" smtClean="0"/>
+              <a:t>questions</a:t>
+            </a:r>
+            <a:endParaRPr lang="de-DE" dirty="0" smtClean="0"/>
+          </a:p>
+          <a:p>
+            <a:pPr lvl="1"/>
+            <a:r>
+              <a:rPr lang="de-DE" dirty="0" err="1" smtClean="0"/>
+              <a:t>Effect</a:t>
+            </a:r>
+            <a:r>
+              <a:rPr lang="de-DE" dirty="0" smtClean="0"/>
+              <a:t> </a:t>
+            </a:r>
+            <a:r>
+              <a:rPr lang="de-DE" dirty="0" err="1" smtClean="0"/>
+              <a:t>of</a:t>
+            </a:r>
+            <a:r>
+              <a:rPr lang="de-DE" dirty="0" smtClean="0"/>
+              <a:t> different </a:t>
+            </a:r>
+            <a:r>
+              <a:rPr lang="de-DE" dirty="0" err="1" smtClean="0"/>
+              <a:t>parameter</a:t>
+            </a:r>
+            <a:r>
+              <a:rPr lang="de-DE" dirty="0" smtClean="0"/>
+              <a:t> </a:t>
+            </a:r>
+            <a:r>
+              <a:rPr lang="de-DE" dirty="0" err="1" smtClean="0"/>
+              <a:t>choices</a:t>
+            </a:r>
+            <a:r>
+              <a:rPr lang="de-DE" dirty="0" smtClean="0"/>
+              <a:t> </a:t>
+            </a:r>
+          </a:p>
+          <a:p>
+            <a:pPr lvl="1"/>
+            <a:r>
+              <a:rPr lang="de-DE" dirty="0" smtClean="0"/>
+              <a:t>Further (</a:t>
+            </a:r>
+            <a:r>
+              <a:rPr lang="de-DE" dirty="0" err="1" smtClean="0"/>
+              <a:t>context-dependent</a:t>
+            </a:r>
+            <a:r>
+              <a:rPr lang="de-DE" dirty="0" smtClean="0"/>
+              <a:t>) </a:t>
+            </a:r>
+            <a:r>
+              <a:rPr lang="de-DE" dirty="0" err="1" smtClean="0"/>
+              <a:t>parameters</a:t>
+            </a:r>
+            <a:endParaRPr lang="de-DE" dirty="0"/>
+          </a:p>
+        </p:txBody>
+      </p:sp>
     </p:spTree>
     <p:extLst>
       <p:ext uri="{BB962C8B-B14F-4D97-AF65-F5344CB8AC3E}">
-        <p14:creationId xmlns:p14="http://schemas.microsoft.com/office/powerpoint/2010/main" val="1588701146"/>
+        <p14:creationId xmlns:p14="http://schemas.microsoft.com/office/powerpoint/2010/main" val="3656882663"/>
       </p:ext>
     </p:extLst>
   </p:cSld>
   <p:clrMapOvr>
     <a:masterClrMapping/>
   </p:clrMapOvr>
+  <p:timing>
+    <p:tnLst>
+      <p:par>
+        <p:cTn id="1" dur="indefinite" restart="never" nodeType="tmRoot">
+          <p:childTnLst>
+            <p:seq concurrent="1" nextAc="seek">
+              <p:cTn id="2" dur="indefinite" nodeType="mainSeq">
+                <p:childTnLst>
+                  <p:par>
+                    <p:cTn id="3" fill="hold">
+                      <p:stCondLst>
+                        <p:cond delay="indefinite"/>
+                      </p:stCondLst>
+                      <p:childTnLst>
+                        <p:par>
+                          <p:cTn id="4" fill="hold">
+                            <p:stCondLst>
+                              <p:cond delay="0"/>
+                            </p:stCondLst>
+                            <p:childTnLst>
+                              <p:par>
+                                <p:cTn id="5" presetID="1" presetClass="entr" presetSubtype="0" fill="hold" nodeType="clickEffect">
+                                  <p:stCondLst>
+                                    <p:cond delay="0"/>
+                                  </p:stCondLst>
+                                  <p:childTnLst>
+                                    <p:set>
+                                      <p:cBhvr>
+                                        <p:cTn id="6" dur="1" fill="hold">
+                                          <p:stCondLst>
+                                            <p:cond delay="0"/>
+                                          </p:stCondLst>
+                                        </p:cTn>
+                                        <p:tgtEl>
+                                          <p:spTgt spid="3">
+                                            <p:txEl>
+                                              <p:pRg st="4" end="4"/>
+                                            </p:txEl>
+                                          </p:spTgt>
+                                        </p:tgtEl>
+                                        <p:attrNameLst>
+                                          <p:attrName>style.visibility</p:attrName>
+                                        </p:attrNameLst>
+                                      </p:cBhvr>
+                                      <p:to>
+                                        <p:strVal val="visible"/>
+                                      </p:to>
+                                    </p:set>
+                                  </p:childTnLst>
+                                </p:cTn>
+                              </p:par>
+                              <p:par>
+                                <p:cTn id="7" presetID="1" presetClass="entr" presetSubtype="0" fill="hold" nodeType="withEffect">
+                                  <p:stCondLst>
+                                    <p:cond delay="0"/>
+                                  </p:stCondLst>
+                                  <p:childTnLst>
+                                    <p:set>
+                                      <p:cBhvr>
+                                        <p:cTn id="8" dur="1" fill="hold">
+                                          <p:stCondLst>
+                                            <p:cond delay="0"/>
+                                          </p:stCondLst>
+                                        </p:cTn>
+                                        <p:tgtEl>
+                                          <p:spTgt spid="3">
+                                            <p:txEl>
+                                              <p:pRg st="5" end="5"/>
+                                            </p:txEl>
+                                          </p:spTgt>
+                                        </p:tgtEl>
+                                        <p:attrNameLst>
+                                          <p:attrName>style.visibility</p:attrName>
+                                        </p:attrNameLst>
+                                      </p:cBhvr>
+                                      <p:to>
+                                        <p:strVal val="visible"/>
+                                      </p:to>
+                                    </p:set>
+                                  </p:childTnLst>
+                                </p:cTn>
+                              </p:par>
+                              <p:par>
+                                <p:cTn id="9" presetID="1" presetClass="entr" presetSubtype="0" fill="hold" nodeType="withEffect">
+                                  <p:stCondLst>
+                                    <p:cond delay="0"/>
+                                  </p:stCondLst>
+                                  <p:childTnLst>
+                                    <p:set>
+                                      <p:cBhvr>
+                                        <p:cTn id="10" dur="1" fill="hold">
+                                          <p:stCondLst>
+                                            <p:cond delay="0"/>
+                                          </p:stCondLst>
+                                        </p:cTn>
+                                        <p:tgtEl>
+                                          <p:spTgt spid="3">
+                                            <p:txEl>
+                                              <p:pRg st="6" end="6"/>
+                                            </p:txEl>
+                                          </p:spTgt>
+                                        </p:tgtEl>
+                                        <p:attrNameLst>
+                                          <p:attrName>style.visibility</p:attrName>
+                                        </p:attrNameLst>
+                                      </p:cBhvr>
+                                      <p:to>
+                                        <p:strVal val="visible"/>
+                                      </p:to>
+                                    </p:set>
+                                  </p:childTnLst>
+                                </p:cTn>
+                              </p:par>
+                              <p:par>
+                                <p:cTn id="11" presetID="1" presetClass="entr" presetSubtype="0" fill="hold" nodeType="withEffect">
+                                  <p:stCondLst>
+                                    <p:cond delay="0"/>
+                                  </p:stCondLst>
+                                  <p:childTnLst>
+                                    <p:set>
+                                      <p:cBhvr>
+                                        <p:cTn id="12" dur="1" fill="hold">
+                                          <p:stCondLst>
+                                            <p:cond delay="0"/>
+                                          </p:stCondLst>
+                                        </p:cTn>
+                                        <p:tgtEl>
+                                          <p:spTgt spid="3">
+                                            <p:txEl>
+                                              <p:pRg st="7" end="7"/>
+                                            </p:txEl>
+                                          </p:spTgt>
+                                        </p:tgtEl>
+                                        <p:attrNameLst>
+                                          <p:attrName>style.visibility</p:attrName>
+                                        </p:attrNameLst>
+                                      </p:cBhvr>
+                                      <p:to>
+                                        <p:strVal val="visible"/>
+                                      </p:to>
+                                    </p:set>
+                                  </p:childTnLst>
+                                </p:cTn>
+                              </p:par>
+                            </p:childTnLst>
+                          </p:cTn>
+                        </p:par>
+                      </p:childTnLst>
+                    </p:cTn>
+                  </p:par>
+                  <p:par>
+                    <p:cTn id="13" fill="hold">
+                      <p:stCondLst>
+                        <p:cond delay="indefinite"/>
+                      </p:stCondLst>
+                      <p:childTnLst>
+                        <p:par>
+                          <p:cTn id="14" fill="hold">
+                            <p:stCondLst>
+                              <p:cond delay="0"/>
+                            </p:stCondLst>
+                            <p:childTnLst>
+                              <p:par>
+                                <p:cTn id="15" presetID="1" presetClass="entr" presetSubtype="0" fill="hold" nodeType="clickEffect">
+                                  <p:stCondLst>
+                                    <p:cond delay="0"/>
+                                  </p:stCondLst>
+                                  <p:childTnLst>
+                                    <p:set>
+                                      <p:cBhvr>
+                                        <p:cTn id="16" dur="1" fill="hold">
+                                          <p:stCondLst>
+                                            <p:cond delay="0"/>
+                                          </p:stCondLst>
+                                        </p:cTn>
+                                        <p:tgtEl>
+                                          <p:spTgt spid="3">
+                                            <p:txEl>
+                                              <p:pRg st="9" end="9"/>
+                                            </p:txEl>
+                                          </p:spTgt>
+                                        </p:tgtEl>
+                                        <p:attrNameLst>
+                                          <p:attrName>style.visibility</p:attrName>
+                                        </p:attrNameLst>
+                                      </p:cBhvr>
+                                      <p:to>
+                                        <p:strVal val="visible"/>
+                                      </p:to>
+                                    </p:set>
+                                  </p:childTnLst>
+                                </p:cTn>
+                              </p:par>
+                              <p:par>
+                                <p:cTn id="17" presetID="1" presetClass="entr" presetSubtype="0" fill="hold" nodeType="withEffect">
+                                  <p:stCondLst>
+                                    <p:cond delay="0"/>
+                                  </p:stCondLst>
+                                  <p:childTnLst>
+                                    <p:set>
+                                      <p:cBhvr>
+                                        <p:cTn id="18" dur="1" fill="hold">
+                                          <p:stCondLst>
+                                            <p:cond delay="0"/>
+                                          </p:stCondLst>
+                                        </p:cTn>
+                                        <p:tgtEl>
+                                          <p:spTgt spid="3">
+                                            <p:txEl>
+                                              <p:pRg st="10" end="10"/>
+                                            </p:txEl>
+                                          </p:spTgt>
+                                        </p:tgtEl>
+                                        <p:attrNameLst>
+                                          <p:attrName>style.visibility</p:attrName>
+                                        </p:attrNameLst>
+                                      </p:cBhvr>
+                                      <p:to>
+                                        <p:strVal val="visible"/>
+                                      </p:to>
+                                    </p:set>
+                                  </p:childTnLst>
+                                </p:cTn>
+                              </p:par>
+                              <p:par>
+                                <p:cTn id="19" presetID="1" presetClass="entr" presetSubtype="0" fill="hold" nodeType="withEffect">
+                                  <p:stCondLst>
+                                    <p:cond delay="0"/>
+                                  </p:stCondLst>
+                                  <p:childTnLst>
+                                    <p:set>
+                                      <p:cBhvr>
+                                        <p:cTn id="20" dur="1" fill="hold">
+                                          <p:stCondLst>
+                                            <p:cond delay="0"/>
+                                          </p:stCondLst>
+                                        </p:cTn>
+                                        <p:tgtEl>
+                                          <p:spTgt spid="3">
+                                            <p:txEl>
+                                              <p:pRg st="11" end="11"/>
+                                            </p:txEl>
+                                          </p:spTgt>
+                                        </p:tgtEl>
+                                        <p:attrNameLst>
+                                          <p:attrName>style.visibility</p:attrName>
+                                        </p:attrNameLst>
+                                      </p:cBhvr>
+                                      <p:to>
+                                        <p:strVal val="visible"/>
+                                      </p:to>
+                                    </p:set>
+                                  </p:childTnLst>
+                                </p:cTn>
+                              </p:par>
+                            </p:childTnLst>
+                          </p:cTn>
+                        </p:par>
+                      </p:childTnLst>
+                    </p:cTn>
+                  </p:par>
+                </p:childTnLst>
+              </p:cTn>
+              <p:prevCondLst>
+                <p:cond evt="onPrev" delay="0">
+                  <p:tgtEl>
+                    <p:sldTgt/>
+                  </p:tgtEl>
+                </p:cond>
+              </p:prevCondLst>
+              <p:nextCondLst>
+                <p:cond evt="onNext" delay="0">
+                  <p:tgtEl>
+                    <p:sldTgt/>
+                  </p:tgtEl>
+                </p:cond>
+              </p:nextCondLst>
+            </p:seq>
+          </p:childTnLst>
+        </p:cTn>
+      </p:par>
+    </p:tnLst>
+  </p:timing>
 </p:sld>
 </file>
 
 <file path=ppt/slides/slide12.xml><?xml version="1.0" encoding="utf-8"?>
+<p:sld xmlns:a="http://schemas.openxmlformats.org/drawingml/2006/main" xmlns:r="http://schemas.openxmlformats.org/officeDocument/2006/relationships" xmlns:p="http://schemas.openxmlformats.org/presentationml/2006/main">
+  <p:cSld>
+    <p:spTree>
+      <p:nvGrpSpPr>
+        <p:cNvPr id="1" name=""/>
+        <p:cNvGrpSpPr/>
+        <p:nvPr/>
+      </p:nvGrpSpPr>
+      <p:grpSpPr>
+        <a:xfrm>
+          <a:off x="0" y="0"/>
+          <a:ext cx="0" cy="0"/>
+          <a:chOff x="0" y="0"/>
+          <a:chExt cx="0" cy="0"/>
+        </a:xfrm>
+      </p:grpSpPr>
+      <p:sp>
+        <p:nvSpPr>
+          <p:cNvPr id="3" name="Inhaltsplatzhalter 2"/>
+          <p:cNvSpPr>
+            <a:spLocks noGrp="1"/>
+          </p:cNvSpPr>
+          <p:nvPr>
+            <p:ph idx="1"/>
+          </p:nvPr>
+        </p:nvSpPr>
+        <p:spPr/>
+        <p:txBody>
+          <a:bodyPr anchor="ctr"/>
+          <a:lstStyle/>
+          <a:p>
+            <a:pPr marL="0" indent="0" algn="ctr">
+              <a:buNone/>
+            </a:pPr>
+            <a:r>
+              <a:rPr lang="de-DE" sz="3200" dirty="0" err="1" smtClean="0"/>
+              <a:t>Thank</a:t>
+            </a:r>
+            <a:r>
+              <a:rPr lang="de-DE" sz="3200" dirty="0" smtClean="0"/>
+              <a:t> </a:t>
+            </a:r>
+            <a:r>
+              <a:rPr lang="de-DE" sz="3200" dirty="0" err="1" smtClean="0"/>
+              <a:t>you</a:t>
+            </a:r>
+            <a:r>
+              <a:rPr lang="de-DE" sz="3200" dirty="0" smtClean="0"/>
+              <a:t>!</a:t>
+            </a:r>
+            <a:endParaRPr lang="de-DE" sz="3200" dirty="0"/>
+          </a:p>
+        </p:txBody>
+      </p:sp>
+    </p:spTree>
+    <p:extLst>
+      <p:ext uri="{BB962C8B-B14F-4D97-AF65-F5344CB8AC3E}">
+        <p14:creationId xmlns:p14="http://schemas.microsoft.com/office/powerpoint/2010/main" val="1047112812"/>
+      </p:ext>
+    </p:extLst>
+  </p:cSld>
+  <p:clrMapOvr>
+    <a:masterClrMapping/>
+  </p:clrMapOvr>
+  <p:timing>
+    <p:tnLst>
+      <p:par>
+        <p:cTn id="1" dur="indefinite" restart="never" nodeType="tmRoot"/>
+      </p:par>
+    </p:tnLst>
+  </p:timing>
+</p:sld>
+</file>
+
+<file path=ppt/slides/slide13.xml><?xml version="1.0" encoding="utf-8"?>
+<p:sld xmlns:a="http://schemas.openxmlformats.org/drawingml/2006/main" xmlns:r="http://schemas.openxmlformats.org/officeDocument/2006/relationships" xmlns:p="http://schemas.openxmlformats.org/presentationml/2006/main">
+  <p:cSld>
+    <p:spTree>
+      <p:nvGrpSpPr>
+        <p:cNvPr id="1" name=""/>
+        <p:cNvGrpSpPr/>
+        <p:nvPr/>
+      </p:nvGrpSpPr>
+      <p:grpSpPr>
+        <a:xfrm>
+          <a:off x="0" y="0"/>
+          <a:ext cx="0" cy="0"/>
+          <a:chOff x="0" y="0"/>
+          <a:chExt cx="0" cy="0"/>
+        </a:xfrm>
+      </p:grpSpPr>
+      <p:sp>
+        <p:nvSpPr>
+          <p:cNvPr id="5121" name="Rectangle 7"/>
+          <p:cNvSpPr>
+            <a:spLocks noGrp="1" noChangeArrowheads="1"/>
+          </p:cNvSpPr>
+          <p:nvPr>
+            <p:ph type="ctrTitle"/>
+          </p:nvPr>
+        </p:nvSpPr>
+        <p:spPr/>
+        <p:txBody>
+          <a:bodyPr/>
+          <a:lstStyle/>
+          <a:p>
+            <a:r>
+              <a:rPr lang="de-DE" dirty="0" smtClean="0"/>
+              <a:t>Privacy-</a:t>
+            </a:r>
+            <a:r>
+              <a:rPr lang="de-DE" dirty="0" err="1" smtClean="0"/>
+              <a:t>preserving</a:t>
+            </a:r>
+            <a:r>
+              <a:rPr lang="de-DE" dirty="0" smtClean="0"/>
+              <a:t> </a:t>
+            </a:r>
+            <a:r>
+              <a:rPr lang="de-DE" dirty="0" err="1" smtClean="0"/>
+              <a:t>storage</a:t>
+            </a:r>
+            <a:r>
+              <a:rPr lang="de-DE" dirty="0" smtClean="0"/>
+              <a:t> </a:t>
+            </a:r>
+            <a:r>
+              <a:rPr lang="de-DE" dirty="0" err="1" smtClean="0"/>
+              <a:t>of</a:t>
+            </a:r>
+            <a:r>
+              <a:rPr lang="de-DE" dirty="0" smtClean="0"/>
+              <a:t> </a:t>
+            </a:r>
+            <a:r>
+              <a:rPr lang="de-DE" dirty="0" err="1" smtClean="0"/>
+              <a:t>enterprise</a:t>
+            </a:r>
+            <a:r>
+              <a:rPr lang="de-DE" dirty="0" smtClean="0"/>
+              <a:t> </a:t>
+            </a:r>
+            <a:r>
+              <a:rPr lang="de-DE" dirty="0" err="1" smtClean="0"/>
+              <a:t>logdata</a:t>
+            </a:r>
+            <a:r>
+              <a:rPr lang="de-DE" dirty="0" smtClean="0"/>
+              <a:t> </a:t>
+            </a:r>
+            <a:r>
+              <a:rPr lang="de-DE" dirty="0" err="1" smtClean="0"/>
+              <a:t>using</a:t>
+            </a:r>
+            <a:r>
+              <a:rPr lang="de-DE" dirty="0" smtClean="0"/>
+              <a:t> </a:t>
+            </a:r>
+            <a:r>
+              <a:rPr lang="de-DE" dirty="0" err="1" smtClean="0"/>
+              <a:t>pseudonymisation</a:t>
+            </a:r>
+            <a:r>
+              <a:rPr lang="de-DE" dirty="0" smtClean="0"/>
+              <a:t> </a:t>
+            </a:r>
+            <a:r>
+              <a:rPr lang="de-DE" dirty="0" err="1" smtClean="0"/>
+              <a:t>and</a:t>
+            </a:r>
+            <a:r>
+              <a:rPr lang="de-DE" dirty="0" smtClean="0"/>
+              <a:t> </a:t>
+            </a:r>
+            <a:br>
+              <a:rPr lang="de-DE" dirty="0" smtClean="0"/>
+            </a:br>
+            <a:r>
+              <a:rPr lang="de-DE" dirty="0" err="1" smtClean="0"/>
+              <a:t>threshold</a:t>
+            </a:r>
+            <a:r>
+              <a:rPr lang="de-DE" dirty="0" smtClean="0"/>
+              <a:t> </a:t>
+            </a:r>
+            <a:r>
+              <a:rPr lang="de-DE" dirty="0" err="1" smtClean="0"/>
+              <a:t>cryptosystems</a:t>
+            </a:r>
+            <a:endParaRPr lang="de-DE" dirty="0"/>
+          </a:p>
+        </p:txBody>
+      </p:sp>
+      <p:sp>
+        <p:nvSpPr>
+          <p:cNvPr id="5122" name="Rectangle 8"/>
+          <p:cNvSpPr>
+            <a:spLocks noGrp="1" noChangeArrowheads="1"/>
+          </p:cNvSpPr>
+          <p:nvPr>
+            <p:ph type="subTitle" idx="1"/>
+          </p:nvPr>
+        </p:nvSpPr>
+        <p:spPr/>
+        <p:txBody>
+          <a:bodyPr/>
+          <a:lstStyle/>
+          <a:p>
+            <a:pPr>
+              <a:spcAft>
+                <a:spcPts val="1800"/>
+              </a:spcAft>
+            </a:pPr>
+            <a:r>
+              <a:rPr lang="de-DE" dirty="0" smtClean="0"/>
+              <a:t>Tom Petersen</a:t>
+            </a:r>
+            <a:endParaRPr lang="de-DE" dirty="0"/>
+          </a:p>
+          <a:p>
+            <a:r>
+              <a:rPr lang="de-DE" dirty="0" smtClean="0"/>
+              <a:t>Universität Hamburg</a:t>
+            </a:r>
+          </a:p>
+          <a:p>
+            <a:r>
+              <a:rPr lang="de-DE" dirty="0" smtClean="0"/>
+              <a:t>Fachbereich Informatik</a:t>
+            </a:r>
+          </a:p>
+          <a:p>
+            <a:endParaRPr lang="de-DE" dirty="0" smtClean="0"/>
+          </a:p>
+        </p:txBody>
+      </p:sp>
+      <p:sp>
+        <p:nvSpPr>
+          <p:cNvPr id="5123" name="Textplatzhalter 11"/>
+          <p:cNvSpPr>
+            <a:spLocks noGrp="1"/>
+          </p:cNvSpPr>
+          <p:nvPr>
+            <p:ph type="body" sz="quarter" idx="13"/>
+          </p:nvPr>
+        </p:nvSpPr>
+        <p:spPr/>
+        <p:txBody>
+          <a:bodyPr/>
+          <a:lstStyle/>
+          <a:p>
+            <a:r>
+              <a:rPr lang="de-DE" dirty="0" smtClean="0"/>
+              <a:t>20. März 2018</a:t>
+            </a:r>
+            <a:endParaRPr lang="de-DE" dirty="0"/>
+          </a:p>
+        </p:txBody>
+      </p:sp>
+    </p:spTree>
+    <p:extLst>
+      <p:ext uri="{BB962C8B-B14F-4D97-AF65-F5344CB8AC3E}">
+        <p14:creationId xmlns:p14="http://schemas.microsoft.com/office/powerpoint/2010/main" val="3282376691"/>
+      </p:ext>
+    </p:extLst>
+  </p:cSld>
+  <p:clrMapOvr>
+    <a:masterClrMapping/>
+  </p:clrMapOvr>
+  <p:timing>
+    <p:tnLst>
+      <p:par>
+        <p:cTn id="1" dur="indefinite" restart="never" nodeType="tmRoot"/>
+      </p:par>
+    </p:tnLst>
+  </p:timing>
+</p:sld>
+</file>
+
+<file path=ppt/slides/slide14.xml><?xml version="1.0" encoding="utf-8"?>
 <p:sld xmlns:a="http://schemas.openxmlformats.org/drawingml/2006/main" xmlns:r="http://schemas.openxmlformats.org/officeDocument/2006/relationships" xmlns:p="http://schemas.openxmlformats.org/presentationml/2006/main">
   <p:cSld>
     <p:spTree>
@@ -5101,567 +6650,114 @@
           <a:lstStyle/>
           <a:p>
             <a:r>
-              <a:rPr lang="de-DE" dirty="0" err="1" smtClean="0"/>
-              <a:t>Conclusion</a:t>
-            </a:r>
-            <a:r>
-              <a:rPr lang="de-DE" dirty="0" smtClean="0"/>
-              <a:t> </a:t>
-            </a:r>
-            <a:r>
-              <a:rPr lang="de-DE" dirty="0" err="1" smtClean="0"/>
-              <a:t>and</a:t>
-            </a:r>
-            <a:r>
-              <a:rPr lang="de-DE" dirty="0" smtClean="0"/>
-              <a:t> </a:t>
-            </a:r>
-            <a:r>
-              <a:rPr lang="de-DE" dirty="0" err="1" smtClean="0"/>
-              <a:t>future</a:t>
-            </a:r>
-            <a:r>
-              <a:rPr lang="de-DE" dirty="0" smtClean="0"/>
-              <a:t> </a:t>
-            </a:r>
-            <a:r>
-              <a:rPr lang="de-DE" dirty="0" err="1" smtClean="0"/>
-              <a:t>work</a:t>
+              <a:rPr lang="de-DE" dirty="0" smtClean="0"/>
+              <a:t>Evaluation (II) - </a:t>
+            </a:r>
+            <a:r>
+              <a:rPr lang="de-DE" dirty="0" err="1" smtClean="0"/>
+              <a:t>performance</a:t>
             </a:r>
             <a:endParaRPr lang="de-DE" dirty="0"/>
           </a:p>
         </p:txBody>
       </p:sp>
-      <p:sp>
-        <p:nvSpPr>
-          <p:cNvPr id="3" name="Inhaltsplatzhalter 2"/>
-          <p:cNvSpPr>
-            <a:spLocks noGrp="1"/>
-          </p:cNvSpPr>
+      <p:graphicFrame>
+        <p:nvGraphicFramePr>
+          <p:cNvPr id="4" name="Inhaltsplatzhalter 3"/>
+          <p:cNvGraphicFramePr>
+            <a:graphicFrameLocks noGrp="1"/>
+          </p:cNvGraphicFramePr>
           <p:nvPr>
             <p:ph idx="1"/>
+            <p:extLst>
+              <p:ext uri="{D42A27DB-BD31-4B8C-83A1-F6EECF244321}">
+                <p14:modId xmlns:p14="http://schemas.microsoft.com/office/powerpoint/2010/main" val="650566730"/>
+              </p:ext>
+            </p:extLst>
           </p:nvPr>
-        </p:nvSpPr>
-        <p:spPr/>
-        <p:txBody>
-          <a:bodyPr/>
-          <a:lstStyle/>
-          <a:p>
-            <a:r>
-              <a:rPr lang="de-DE" dirty="0" smtClean="0"/>
-              <a:t>Well-</a:t>
-            </a:r>
-            <a:r>
-              <a:rPr lang="de-DE" dirty="0" err="1" smtClean="0"/>
-              <a:t>suited</a:t>
-            </a:r>
-            <a:r>
-              <a:rPr lang="de-DE" dirty="0" smtClean="0"/>
-              <a:t> </a:t>
-            </a:r>
-            <a:r>
-              <a:rPr lang="de-DE" dirty="0" err="1" smtClean="0"/>
-              <a:t>approach</a:t>
-            </a:r>
-            <a:r>
-              <a:rPr lang="de-DE" dirty="0" smtClean="0"/>
-              <a:t> </a:t>
-            </a:r>
-            <a:r>
-              <a:rPr lang="de-DE" dirty="0" err="1" smtClean="0"/>
-              <a:t>for</a:t>
-            </a:r>
-            <a:r>
-              <a:rPr lang="de-DE" dirty="0" smtClean="0"/>
-              <a:t> </a:t>
-            </a:r>
-            <a:r>
-              <a:rPr lang="de-DE" dirty="0" err="1" smtClean="0"/>
-              <a:t>the</a:t>
-            </a:r>
-            <a:r>
-              <a:rPr lang="de-DE" dirty="0" smtClean="0"/>
-              <a:t> </a:t>
-            </a:r>
-            <a:r>
-              <a:rPr lang="de-DE" dirty="0" err="1" smtClean="0"/>
-              <a:t>stated</a:t>
-            </a:r>
-            <a:r>
-              <a:rPr lang="de-DE" dirty="0" smtClean="0"/>
-              <a:t> </a:t>
-            </a:r>
-            <a:r>
-              <a:rPr lang="de-DE" dirty="0" err="1" smtClean="0"/>
-              <a:t>problem</a:t>
-            </a:r>
-            <a:endParaRPr lang="de-DE" dirty="0" smtClean="0"/>
-          </a:p>
-          <a:p>
-            <a:pPr lvl="1"/>
-            <a:r>
-              <a:rPr lang="de-DE" dirty="0" smtClean="0"/>
-              <a:t>Parameter-</a:t>
-            </a:r>
-            <a:r>
-              <a:rPr lang="de-DE" dirty="0" err="1" smtClean="0"/>
-              <a:t>dependent</a:t>
-            </a:r>
-            <a:r>
-              <a:rPr lang="de-DE" dirty="0" smtClean="0"/>
-              <a:t> </a:t>
-            </a:r>
-            <a:r>
-              <a:rPr lang="de-DE" dirty="0" err="1" smtClean="0"/>
-              <a:t>linkability</a:t>
-            </a:r>
-            <a:r>
-              <a:rPr lang="de-DE" dirty="0" smtClean="0"/>
-              <a:t> </a:t>
-            </a:r>
-            <a:r>
-              <a:rPr lang="de-DE" dirty="0" err="1" smtClean="0"/>
-              <a:t>for</a:t>
-            </a:r>
-            <a:r>
-              <a:rPr lang="de-DE" dirty="0" smtClean="0"/>
-              <a:t> log </a:t>
-            </a:r>
-            <a:r>
-              <a:rPr lang="de-DE" dirty="0" err="1" smtClean="0"/>
-              <a:t>data</a:t>
-            </a:r>
-            <a:r>
-              <a:rPr lang="de-DE" dirty="0" smtClean="0"/>
-              <a:t/>
-            </a:r>
-            <a:br>
-              <a:rPr lang="de-DE" dirty="0" smtClean="0"/>
-            </a:br>
-            <a:r>
-              <a:rPr lang="de-DE" dirty="0" smtClean="0"/>
-              <a:t>=&gt; </a:t>
-            </a:r>
-            <a:r>
-              <a:rPr lang="de-DE" dirty="0" err="1" smtClean="0"/>
-              <a:t>privacy-preserving</a:t>
-            </a:r>
-            <a:r>
-              <a:rPr lang="de-DE" dirty="0" smtClean="0"/>
-              <a:t> </a:t>
-            </a:r>
-            <a:r>
-              <a:rPr lang="de-DE" dirty="0" err="1" smtClean="0"/>
-              <a:t>anomaly</a:t>
-            </a:r>
-            <a:r>
-              <a:rPr lang="de-DE" dirty="0" smtClean="0"/>
-              <a:t> </a:t>
-            </a:r>
-            <a:r>
-              <a:rPr lang="de-DE" dirty="0" err="1" smtClean="0"/>
-              <a:t>detection</a:t>
-            </a:r>
-            <a:endParaRPr lang="de-DE" dirty="0" smtClean="0"/>
-          </a:p>
-          <a:p>
-            <a:pPr lvl="1"/>
-            <a:r>
-              <a:rPr lang="de-DE" dirty="0" err="1" smtClean="0"/>
-              <a:t>Disclosure</a:t>
-            </a:r>
-            <a:r>
-              <a:rPr lang="de-DE" dirty="0" smtClean="0"/>
-              <a:t> </a:t>
-            </a:r>
-            <a:r>
-              <a:rPr lang="de-DE" dirty="0" err="1" smtClean="0"/>
-              <a:t>of</a:t>
-            </a:r>
-            <a:r>
-              <a:rPr lang="de-DE" dirty="0" smtClean="0"/>
-              <a:t> pseudonym </a:t>
-            </a:r>
-            <a:r>
-              <a:rPr lang="de-DE" dirty="0" err="1" smtClean="0"/>
-              <a:t>owner</a:t>
-            </a:r>
-            <a:r>
-              <a:rPr lang="de-DE" dirty="0" smtClean="0"/>
-              <a:t> </a:t>
-            </a:r>
-            <a:r>
-              <a:rPr lang="de-DE" dirty="0" err="1" smtClean="0"/>
-              <a:t>secured</a:t>
-            </a:r>
-            <a:r>
-              <a:rPr lang="de-DE" dirty="0" smtClean="0"/>
-              <a:t> </a:t>
-            </a:r>
-            <a:r>
-              <a:rPr lang="de-DE" dirty="0" err="1" smtClean="0"/>
-              <a:t>by</a:t>
-            </a:r>
-            <a:r>
-              <a:rPr lang="de-DE" dirty="0" smtClean="0"/>
-              <a:t> </a:t>
-            </a:r>
-            <a:r>
-              <a:rPr lang="de-DE" dirty="0" err="1" smtClean="0"/>
-              <a:t>four-eye</a:t>
-            </a:r>
-            <a:r>
-              <a:rPr lang="de-DE" dirty="0" smtClean="0"/>
-              <a:t> </a:t>
-            </a:r>
-            <a:r>
-              <a:rPr lang="de-DE" dirty="0" err="1" smtClean="0"/>
-              <a:t>principle</a:t>
-            </a:r>
-            <a:endParaRPr lang="de-DE" dirty="0" smtClean="0"/>
-          </a:p>
-          <a:p>
-            <a:pPr lvl="1"/>
-            <a:endParaRPr lang="de-DE" dirty="0" smtClean="0"/>
-          </a:p>
-          <a:p>
-            <a:r>
-              <a:rPr lang="de-DE" dirty="0" smtClean="0"/>
-              <a:t>Implementation </a:t>
-            </a:r>
-            <a:r>
-              <a:rPr lang="de-DE" dirty="0" err="1" smtClean="0"/>
-              <a:t>issues</a:t>
-            </a:r>
-            <a:endParaRPr lang="de-DE" dirty="0" smtClean="0"/>
-          </a:p>
-          <a:p>
-            <a:pPr lvl="1"/>
-            <a:r>
-              <a:rPr lang="de-DE" dirty="0" smtClean="0"/>
-              <a:t>Distributed </a:t>
-            </a:r>
-            <a:r>
-              <a:rPr lang="de-DE" dirty="0" err="1" smtClean="0"/>
-              <a:t>key</a:t>
-            </a:r>
-            <a:r>
-              <a:rPr lang="de-DE" dirty="0" smtClean="0"/>
-              <a:t> </a:t>
-            </a:r>
-            <a:r>
-              <a:rPr lang="de-DE" dirty="0" err="1" smtClean="0"/>
-              <a:t>generation</a:t>
-            </a:r>
-            <a:endParaRPr lang="de-DE" dirty="0" smtClean="0"/>
-          </a:p>
-          <a:p>
-            <a:pPr lvl="1"/>
-            <a:r>
-              <a:rPr lang="de-DE" dirty="0" smtClean="0"/>
-              <a:t>Review </a:t>
-            </a:r>
-            <a:r>
-              <a:rPr lang="de-DE" dirty="0" err="1" smtClean="0"/>
-              <a:t>of</a:t>
-            </a:r>
-            <a:r>
-              <a:rPr lang="de-DE" dirty="0" smtClean="0"/>
-              <a:t> </a:t>
-            </a:r>
-            <a:r>
-              <a:rPr lang="de-DE" dirty="0" err="1" smtClean="0"/>
-              <a:t>cryptographic</a:t>
-            </a:r>
-            <a:r>
-              <a:rPr lang="de-DE" dirty="0" smtClean="0"/>
-              <a:t> </a:t>
-            </a:r>
-            <a:r>
-              <a:rPr lang="de-DE" dirty="0" err="1" smtClean="0"/>
-              <a:t>library</a:t>
-            </a:r>
-            <a:endParaRPr lang="de-DE" dirty="0" smtClean="0"/>
-          </a:p>
-          <a:p>
-            <a:pPr lvl="1"/>
-            <a:r>
-              <a:rPr lang="de-DE" dirty="0" smtClean="0"/>
-              <a:t>ECC-</a:t>
-            </a:r>
-            <a:r>
-              <a:rPr lang="de-DE" dirty="0" err="1" smtClean="0"/>
-              <a:t>ElGamal</a:t>
-            </a:r>
-            <a:endParaRPr lang="de-DE" dirty="0" smtClean="0"/>
-          </a:p>
-          <a:p>
-            <a:pPr lvl="1"/>
-            <a:endParaRPr lang="de-DE" dirty="0" smtClean="0"/>
-          </a:p>
-          <a:p>
-            <a:r>
-              <a:rPr lang="de-DE" dirty="0" smtClean="0"/>
-              <a:t>Open </a:t>
-            </a:r>
-            <a:r>
-              <a:rPr lang="de-DE" dirty="0" err="1" smtClean="0"/>
-              <a:t>questions</a:t>
-            </a:r>
-            <a:endParaRPr lang="de-DE" dirty="0" smtClean="0"/>
-          </a:p>
-          <a:p>
-            <a:pPr lvl="1"/>
-            <a:r>
-              <a:rPr lang="de-DE" dirty="0" err="1" smtClean="0"/>
-              <a:t>Effect</a:t>
-            </a:r>
-            <a:r>
-              <a:rPr lang="de-DE" dirty="0" smtClean="0"/>
-              <a:t> </a:t>
-            </a:r>
-            <a:r>
-              <a:rPr lang="de-DE" dirty="0" err="1" smtClean="0"/>
-              <a:t>of</a:t>
-            </a:r>
-            <a:r>
-              <a:rPr lang="de-DE" dirty="0" smtClean="0"/>
-              <a:t> different </a:t>
-            </a:r>
-            <a:r>
-              <a:rPr lang="de-DE" dirty="0" err="1" smtClean="0"/>
-              <a:t>parameter</a:t>
-            </a:r>
-            <a:r>
-              <a:rPr lang="de-DE" dirty="0" smtClean="0"/>
-              <a:t> </a:t>
-            </a:r>
-            <a:r>
-              <a:rPr lang="de-DE" dirty="0" err="1" smtClean="0"/>
-              <a:t>choices</a:t>
-            </a:r>
-            <a:r>
-              <a:rPr lang="de-DE" dirty="0" smtClean="0"/>
-              <a:t> </a:t>
-            </a:r>
-          </a:p>
-          <a:p>
-            <a:pPr lvl="1"/>
-            <a:r>
-              <a:rPr lang="de-DE" dirty="0" smtClean="0"/>
-              <a:t>Further (</a:t>
-            </a:r>
-            <a:r>
-              <a:rPr lang="de-DE" dirty="0" err="1" smtClean="0"/>
-              <a:t>context-dependent</a:t>
-            </a:r>
-            <a:r>
-              <a:rPr lang="de-DE" dirty="0" smtClean="0"/>
-              <a:t>) </a:t>
-            </a:r>
-            <a:r>
-              <a:rPr lang="de-DE" dirty="0" err="1" smtClean="0"/>
-              <a:t>parameters</a:t>
-            </a:r>
-            <a:endParaRPr lang="de-DE" dirty="0"/>
-          </a:p>
-        </p:txBody>
-      </p:sp>
+        </p:nvGraphicFramePr>
+        <p:xfrm>
+          <a:off x="2663788" y="1196752"/>
+          <a:ext cx="3816424" cy="2808312"/>
+        </p:xfrm>
+        <a:graphic>
+          <a:graphicData uri="http://schemas.openxmlformats.org/drawingml/2006/chart">
+            <c:chart xmlns:c="http://schemas.openxmlformats.org/drawingml/2006/chart" xmlns:r="http://schemas.openxmlformats.org/officeDocument/2006/relationships" r:id="rId3"/>
+          </a:graphicData>
+        </a:graphic>
+      </p:graphicFrame>
+      <p:graphicFrame>
+        <p:nvGraphicFramePr>
+          <p:cNvPr id="5" name="Diagramm 4"/>
+          <p:cNvGraphicFramePr/>
+          <p:nvPr>
+            <p:extLst>
+              <p:ext uri="{D42A27DB-BD31-4B8C-83A1-F6EECF244321}">
+                <p14:modId xmlns:p14="http://schemas.microsoft.com/office/powerpoint/2010/main" val="1854958807"/>
+              </p:ext>
+            </p:extLst>
+          </p:nvPr>
+        </p:nvGraphicFramePr>
+        <p:xfrm>
+          <a:off x="323528" y="4293096"/>
+          <a:ext cx="2664296" cy="2160240"/>
+        </p:xfrm>
+        <a:graphic>
+          <a:graphicData uri="http://schemas.openxmlformats.org/drawingml/2006/chart">
+            <c:chart xmlns:c="http://schemas.openxmlformats.org/drawingml/2006/chart" xmlns:r="http://schemas.openxmlformats.org/officeDocument/2006/relationships" r:id="rId4"/>
+          </a:graphicData>
+        </a:graphic>
+      </p:graphicFrame>
+      <p:graphicFrame>
+        <p:nvGraphicFramePr>
+          <p:cNvPr id="6" name="Diagramm 5"/>
+          <p:cNvGraphicFramePr/>
+          <p:nvPr>
+            <p:extLst>
+              <p:ext uri="{D42A27DB-BD31-4B8C-83A1-F6EECF244321}">
+                <p14:modId xmlns:p14="http://schemas.microsoft.com/office/powerpoint/2010/main" val="2198479930"/>
+              </p:ext>
+            </p:extLst>
+          </p:nvPr>
+        </p:nvGraphicFramePr>
+        <p:xfrm>
+          <a:off x="2699792" y="4293096"/>
+          <a:ext cx="2520280" cy="2160240"/>
+        </p:xfrm>
+        <a:graphic>
+          <a:graphicData uri="http://schemas.openxmlformats.org/drawingml/2006/chart">
+            <c:chart xmlns:c="http://schemas.openxmlformats.org/drawingml/2006/chart" xmlns:r="http://schemas.openxmlformats.org/officeDocument/2006/relationships" r:id="rId5"/>
+          </a:graphicData>
+        </a:graphic>
+      </p:graphicFrame>
+      <p:graphicFrame>
+        <p:nvGraphicFramePr>
+          <p:cNvPr id="7" name="Diagramm 6"/>
+          <p:cNvGraphicFramePr/>
+          <p:nvPr>
+            <p:extLst>
+              <p:ext uri="{D42A27DB-BD31-4B8C-83A1-F6EECF244321}">
+                <p14:modId xmlns:p14="http://schemas.microsoft.com/office/powerpoint/2010/main" val="1785836546"/>
+              </p:ext>
+            </p:extLst>
+          </p:nvPr>
+        </p:nvGraphicFramePr>
+        <p:xfrm>
+          <a:off x="5076056" y="4293096"/>
+          <a:ext cx="3744416" cy="2160240"/>
+        </p:xfrm>
+        <a:graphic>
+          <a:graphicData uri="http://schemas.openxmlformats.org/drawingml/2006/chart">
+            <c:chart xmlns:c="http://schemas.openxmlformats.org/drawingml/2006/chart" xmlns:r="http://schemas.openxmlformats.org/officeDocument/2006/relationships" r:id="rId6"/>
+          </a:graphicData>
+        </a:graphic>
+      </p:graphicFrame>
     </p:spTree>
     <p:extLst>
       <p:ext uri="{BB962C8B-B14F-4D97-AF65-F5344CB8AC3E}">
-        <p14:creationId xmlns:p14="http://schemas.microsoft.com/office/powerpoint/2010/main" val="3656882663"/>
+        <p14:creationId xmlns:p14="http://schemas.microsoft.com/office/powerpoint/2010/main" val="1588701146"/>
       </p:ext>
     </p:extLst>
-  </p:cSld>
-  <p:clrMapOvr>
-    <a:masterClrMapping/>
-  </p:clrMapOvr>
-</p:sld>
-</file>
-
-<file path=ppt/slides/slide13.xml><?xml version="1.0" encoding="utf-8"?>
-<p:sld xmlns:a="http://schemas.openxmlformats.org/drawingml/2006/main" xmlns:r="http://schemas.openxmlformats.org/officeDocument/2006/relationships" xmlns:p="http://schemas.openxmlformats.org/presentationml/2006/main">
-  <p:cSld>
-    <p:spTree>
-      <p:nvGrpSpPr>
-        <p:cNvPr id="1" name=""/>
-        <p:cNvGrpSpPr/>
-        <p:nvPr/>
-      </p:nvGrpSpPr>
-      <p:grpSpPr>
-        <a:xfrm>
-          <a:off x="0" y="0"/>
-          <a:ext cx="0" cy="0"/>
-          <a:chOff x="0" y="0"/>
-          <a:chExt cx="0" cy="0"/>
-        </a:xfrm>
-      </p:grpSpPr>
-      <p:sp>
-        <p:nvSpPr>
-          <p:cNvPr id="3" name="Inhaltsplatzhalter 2"/>
-          <p:cNvSpPr>
-            <a:spLocks noGrp="1"/>
-          </p:cNvSpPr>
-          <p:nvPr>
-            <p:ph idx="1"/>
-          </p:nvPr>
-        </p:nvSpPr>
-        <p:spPr/>
-        <p:txBody>
-          <a:bodyPr anchor="ctr"/>
-          <a:lstStyle/>
-          <a:p>
-            <a:pPr marL="0" indent="0" algn="ctr">
-              <a:buNone/>
-            </a:pPr>
-            <a:r>
-              <a:rPr lang="de-DE" sz="3200" dirty="0" err="1" smtClean="0"/>
-              <a:t>Thank</a:t>
-            </a:r>
-            <a:r>
-              <a:rPr lang="de-DE" sz="3200" dirty="0" smtClean="0"/>
-              <a:t> </a:t>
-            </a:r>
-            <a:r>
-              <a:rPr lang="de-DE" sz="3200" dirty="0" err="1" smtClean="0"/>
-              <a:t>you</a:t>
-            </a:r>
-            <a:r>
-              <a:rPr lang="de-DE" sz="3200" dirty="0" smtClean="0"/>
-              <a:t>!</a:t>
-            </a:r>
-            <a:endParaRPr lang="de-DE" sz="3200" dirty="0"/>
-          </a:p>
-        </p:txBody>
-      </p:sp>
-    </p:spTree>
-    <p:extLst>
-      <p:ext uri="{BB962C8B-B14F-4D97-AF65-F5344CB8AC3E}">
-        <p14:creationId xmlns:p14="http://schemas.microsoft.com/office/powerpoint/2010/main" val="1047112812"/>
-      </p:ext>
-    </p:extLst>
-  </p:cSld>
-  <p:clrMapOvr>
-    <a:masterClrMapping/>
-  </p:clrMapOvr>
-</p:sld>
-</file>
-
-<file path=ppt/slides/slide14.xml><?xml version="1.0" encoding="utf-8"?>
-<p:sld xmlns:a="http://schemas.openxmlformats.org/drawingml/2006/main" xmlns:r="http://schemas.openxmlformats.org/officeDocument/2006/relationships" xmlns:p="http://schemas.openxmlformats.org/presentationml/2006/main">
-  <p:cSld>
-    <p:spTree>
-      <p:nvGrpSpPr>
-        <p:cNvPr id="1" name=""/>
-        <p:cNvGrpSpPr/>
-        <p:nvPr/>
-      </p:nvGrpSpPr>
-      <p:grpSpPr>
-        <a:xfrm>
-          <a:off x="0" y="0"/>
-          <a:ext cx="0" cy="0"/>
-          <a:chOff x="0" y="0"/>
-          <a:chExt cx="0" cy="0"/>
-        </a:xfrm>
-      </p:grpSpPr>
-      <p:sp>
-        <p:nvSpPr>
-          <p:cNvPr id="5121" name="Rectangle 7"/>
-          <p:cNvSpPr>
-            <a:spLocks noGrp="1" noChangeArrowheads="1"/>
-          </p:cNvSpPr>
-          <p:nvPr>
-            <p:ph type="ctrTitle"/>
-          </p:nvPr>
-        </p:nvSpPr>
-        <p:spPr/>
-        <p:txBody>
-          <a:bodyPr/>
-          <a:lstStyle/>
-          <a:p>
-            <a:r>
-              <a:rPr lang="de-DE" dirty="0"/>
-              <a:t>Datenschutzfreundliche Speicherung unternehmensinterner Überwachungsdaten mittels </a:t>
-            </a:r>
-            <a:r>
-              <a:rPr lang="de-DE" dirty="0" err="1"/>
-              <a:t>Pseudonymisierung</a:t>
-            </a:r>
-            <a:r>
-              <a:rPr lang="de-DE" dirty="0"/>
-              <a:t> und kryptographischer Schwellwertschemata</a:t>
-            </a:r>
-          </a:p>
-        </p:txBody>
-      </p:sp>
-      <p:sp>
-        <p:nvSpPr>
-          <p:cNvPr id="5122" name="Rectangle 8"/>
-          <p:cNvSpPr>
-            <a:spLocks noGrp="1" noChangeArrowheads="1"/>
-          </p:cNvSpPr>
-          <p:nvPr>
-            <p:ph type="subTitle" idx="1"/>
-          </p:nvPr>
-        </p:nvSpPr>
-        <p:spPr/>
-        <p:txBody>
-          <a:bodyPr/>
-          <a:lstStyle/>
-          <a:p>
-            <a:pPr>
-              <a:spcAft>
-                <a:spcPts val="1800"/>
-              </a:spcAft>
-            </a:pPr>
-            <a:r>
-              <a:rPr lang="de-DE" dirty="0" smtClean="0"/>
-              <a:t>Tom Petersen</a:t>
-            </a:r>
-            <a:endParaRPr lang="de-DE" dirty="0"/>
-          </a:p>
-          <a:p>
-            <a:r>
-              <a:rPr lang="de-DE" dirty="0" smtClean="0"/>
-              <a:t>Universität Hamburg</a:t>
-            </a:r>
-          </a:p>
-          <a:p>
-            <a:r>
-              <a:rPr lang="de-DE" dirty="0" smtClean="0"/>
-              <a:t>Fachbereich Informatik</a:t>
-            </a:r>
-          </a:p>
-          <a:p>
-            <a:endParaRPr lang="de-DE" dirty="0" smtClean="0"/>
-          </a:p>
-        </p:txBody>
-      </p:sp>
-      <p:sp>
-        <p:nvSpPr>
-          <p:cNvPr id="5123" name="Textplatzhalter 11"/>
-          <p:cNvSpPr>
-            <a:spLocks noGrp="1"/>
-          </p:cNvSpPr>
-          <p:nvPr>
-            <p:ph type="body" sz="quarter" idx="13"/>
-          </p:nvPr>
-        </p:nvSpPr>
-        <p:spPr/>
-        <p:txBody>
-          <a:bodyPr/>
-          <a:lstStyle/>
-          <a:p>
-            <a:r>
-              <a:rPr lang="de-DE" dirty="0" smtClean="0"/>
-              <a:t>20. März 2018</a:t>
-            </a:r>
-            <a:endParaRPr lang="de-DE" dirty="0"/>
-          </a:p>
-        </p:txBody>
-      </p:sp>
-    </p:spTree>
   </p:cSld>
   <p:clrMapOvr>
     <a:masterClrMapping/>
@@ -5920,6 +7016,13 @@
   <p:clrMapOvr>
     <a:masterClrMapping/>
   </p:clrMapOvr>
+  <p:timing>
+    <p:tnLst>
+      <p:par>
+        <p:cTn id="1" dur="indefinite" restart="never" nodeType="tmRoot"/>
+      </p:par>
+    </p:tnLst>
+  </p:timing>
 </p:sld>
 </file>
 
@@ -6196,6 +7299,13 @@
   <p:clrMapOvr>
     <a:masterClrMapping/>
   </p:clrMapOvr>
+  <p:timing>
+    <p:tnLst>
+      <p:par>
+        <p:cTn id="1" dur="indefinite" restart="never" nodeType="tmRoot"/>
+      </p:par>
+    </p:tnLst>
+  </p:timing>
 </p:sld>
 </file>
 
@@ -6461,6 +7571,13 @@
   <p:clrMapOvr>
     <a:masterClrMapping/>
   </p:clrMapOvr>
+  <p:timing>
+    <p:tnLst>
+      <p:par>
+        <p:cTn id="1" dur="indefinite" restart="never" nodeType="tmRoot"/>
+      </p:par>
+    </p:tnLst>
+  </p:timing>
 </p:sld>
 </file>
 
@@ -6649,6 +7766,13 @@
   <p:clrMapOvr>
     <a:masterClrMapping/>
   </p:clrMapOvr>
+  <p:timing>
+    <p:tnLst>
+      <p:par>
+        <p:cTn id="1" dur="indefinite" restart="never" nodeType="tmRoot"/>
+      </p:par>
+    </p:tnLst>
+  </p:timing>
 </p:sld>
 </file>
 
@@ -6739,7 +7863,7 @@
               </a14:hiddenLine>
             </a:ext>
             <a:ext uri="{FAA26D3D-D897-4be2-8F04-BA451C77F1D7}">
-              <ma14:placeholderFlag xmlns:ma14="http://schemas.microsoft.com/office/mac/drawingml/2011/main" xmlns="" val="1"/>
+              <ma14:placeholderFlag xmlns="" xmlns:ma14="http://schemas.microsoft.com/office/mac/drawingml/2011/main" val="1"/>
             </a:ext>
           </a:extLst>
         </p:spPr>
@@ -7230,7 +8354,7 @@
         </p:nvSpPr>
         <p:spPr bwMode="auto">
           <a:xfrm>
-            <a:off x="3208995" y="1760427"/>
+            <a:off x="3208995" y="1760428"/>
             <a:ext cx="4351337" cy="2244637"/>
           </a:xfrm>
           <a:prstGeom prst="rect">
@@ -7320,7 +8444,7 @@
         </p:blipFill>
         <p:spPr bwMode="auto">
           <a:xfrm>
-            <a:off x="3958059" y="1980000"/>
+            <a:off x="3958061" y="1980001"/>
             <a:ext cx="579809" cy="579809"/>
           </a:xfrm>
           <a:prstGeom prst="rect">
@@ -7368,7 +8492,7 @@
         </p:blipFill>
         <p:spPr bwMode="auto">
           <a:xfrm>
-            <a:off x="6260443" y="1980000"/>
+            <a:off x="6260445" y="1980001"/>
             <a:ext cx="579809" cy="579809"/>
           </a:xfrm>
           <a:prstGeom prst="rect">
@@ -7416,7 +8540,7 @@
         </p:blipFill>
         <p:spPr bwMode="auto">
           <a:xfrm>
-            <a:off x="5094758" y="3185357"/>
+            <a:off x="5094759" y="3185358"/>
             <a:ext cx="579809" cy="579809"/>
           </a:xfrm>
           <a:prstGeom prst="rect">
@@ -7465,7 +8589,7 @@
         <p:spPr bwMode="auto">
           <a:xfrm>
             <a:off x="1583668" y="1921779"/>
-            <a:ext cx="576000" cy="688662"/>
+            <a:ext cx="576000" cy="688663"/>
           </a:xfrm>
           <a:prstGeom prst="rect">
             <a:avLst/>
@@ -7492,7 +8616,7 @@
         </p:nvCxnSpPr>
         <p:spPr bwMode="auto">
           <a:xfrm>
-            <a:off x="4537868" y="2278744"/>
+            <a:off x="4537870" y="2278744"/>
             <a:ext cx="846795" cy="906613"/>
           </a:xfrm>
           <a:prstGeom prst="line">
@@ -7527,7 +8651,7 @@
         </p:nvCxnSpPr>
         <p:spPr bwMode="auto">
           <a:xfrm>
-            <a:off x="4537868" y="2269905"/>
+            <a:off x="4537870" y="2269905"/>
             <a:ext cx="1722575" cy="0"/>
           </a:xfrm>
           <a:prstGeom prst="line">
@@ -7562,7 +8686,7 @@
         </p:nvCxnSpPr>
         <p:spPr bwMode="auto">
           <a:xfrm flipH="1">
-            <a:off x="5384663" y="2269905"/>
+            <a:off x="5384663" y="2269906"/>
             <a:ext cx="875780" cy="915452"/>
           </a:xfrm>
           <a:prstGeom prst="line">
@@ -7597,7 +8721,7 @@
         </p:nvCxnSpPr>
         <p:spPr bwMode="auto">
           <a:xfrm flipH="1" flipV="1">
-            <a:off x="2159668" y="2266110"/>
+            <a:off x="2159670" y="2266111"/>
             <a:ext cx="1798391" cy="3795"/>
           </a:xfrm>
           <a:prstGeom prst="line">
@@ -7651,7 +8775,7 @@
         </p:blipFill>
         <p:spPr bwMode="auto">
           <a:xfrm>
-            <a:off x="6281123" y="2636976"/>
+            <a:off x="6281125" y="2636976"/>
             <a:ext cx="538447" cy="576000"/>
           </a:xfrm>
           <a:prstGeom prst="rect">
@@ -7677,7 +8801,7 @@
         </p:nvSpPr>
         <p:spPr>
           <a:xfrm>
-            <a:off x="3208993" y="3296448"/>
+            <a:off x="3208995" y="3296448"/>
             <a:ext cx="1328873" cy="707886"/>
           </a:xfrm>
           <a:prstGeom prst="rect">
@@ -7730,6 +8854,129 @@
   <p:clrMapOvr>
     <a:masterClrMapping/>
   </p:clrMapOvr>
+  <p:timing>
+    <p:tnLst>
+      <p:par>
+        <p:cTn id="1" dur="indefinite" restart="never" nodeType="tmRoot">
+          <p:childTnLst>
+            <p:seq concurrent="1" nextAc="seek">
+              <p:cTn id="2" dur="indefinite" nodeType="mainSeq">
+                <p:childTnLst>
+                  <p:par>
+                    <p:cTn id="3" fill="hold">
+                      <p:stCondLst>
+                        <p:cond delay="indefinite"/>
+                      </p:stCondLst>
+                      <p:childTnLst>
+                        <p:par>
+                          <p:cTn id="4" fill="hold">
+                            <p:stCondLst>
+                              <p:cond delay="0"/>
+                            </p:stCondLst>
+                            <p:childTnLst>
+                              <p:par>
+                                <p:cTn id="5" presetID="1" presetClass="entr" presetSubtype="0" fill="hold" nodeType="clickEffect">
+                                  <p:stCondLst>
+                                    <p:cond delay="0"/>
+                                  </p:stCondLst>
+                                  <p:childTnLst>
+                                    <p:set>
+                                      <p:cBhvr>
+                                        <p:cTn id="6" dur="1" fill="hold">
+                                          <p:stCondLst>
+                                            <p:cond delay="0"/>
+                                          </p:stCondLst>
+                                        </p:cTn>
+                                        <p:tgtEl>
+                                          <p:spTgt spid="1030"/>
+                                        </p:tgtEl>
+                                        <p:attrNameLst>
+                                          <p:attrName>style.visibility</p:attrName>
+                                        </p:attrNameLst>
+                                      </p:cBhvr>
+                                      <p:to>
+                                        <p:strVal val="visible"/>
+                                      </p:to>
+                                    </p:set>
+                                  </p:childTnLst>
+                                </p:cTn>
+                              </p:par>
+                            </p:childTnLst>
+                          </p:cTn>
+                        </p:par>
+                      </p:childTnLst>
+                    </p:cTn>
+                  </p:par>
+                  <p:par>
+                    <p:cTn id="7" fill="hold">
+                      <p:stCondLst>
+                        <p:cond delay="indefinite"/>
+                      </p:stCondLst>
+                      <p:childTnLst>
+                        <p:par>
+                          <p:cTn id="8" fill="hold">
+                            <p:stCondLst>
+                              <p:cond delay="0"/>
+                            </p:stCondLst>
+                            <p:childTnLst>
+                              <p:par>
+                                <p:cTn id="9" presetID="1" presetClass="entr" presetSubtype="0" fill="hold" grpId="0" nodeType="clickEffect">
+                                  <p:stCondLst>
+                                    <p:cond delay="0"/>
+                                  </p:stCondLst>
+                                  <p:childTnLst>
+                                    <p:set>
+                                      <p:cBhvr>
+                                        <p:cTn id="10" dur="1" fill="hold">
+                                          <p:stCondLst>
+                                            <p:cond delay="0"/>
+                                          </p:stCondLst>
+                                        </p:cTn>
+                                        <p:tgtEl>
+                                          <p:spTgt spid="4"/>
+                                        </p:tgtEl>
+                                        <p:attrNameLst>
+                                          <p:attrName>style.visibility</p:attrName>
+                                        </p:attrNameLst>
+                                      </p:cBhvr>
+                                      <p:to>
+                                        <p:strVal val="visible"/>
+                                      </p:to>
+                                    </p:set>
+                                  </p:childTnLst>
+                                </p:cTn>
+                              </p:par>
+                            </p:childTnLst>
+                          </p:cTn>
+                        </p:par>
+                      </p:childTnLst>
+                    </p:cTn>
+                  </p:par>
+                </p:childTnLst>
+              </p:cTn>
+              <p:prevCondLst>
+                <p:cond evt="onPrev" delay="0">
+                  <p:tgtEl>
+                    <p:sldTgt/>
+                  </p:tgtEl>
+                </p:cond>
+              </p:prevCondLst>
+              <p:nextCondLst>
+                <p:cond evt="onNext" delay="0">
+                  <p:tgtEl>
+                    <p:sldTgt/>
+                  </p:tgtEl>
+                </p:cond>
+              </p:nextCondLst>
+            </p:seq>
+          </p:childTnLst>
+        </p:cTn>
+      </p:par>
+    </p:tnLst>
+    <p:bldLst>
+      <p:bldP spid="4" grpId="0"/>
+    </p:bldLst>
+  </p:timing>
 </p:sld>
 </file>
 
@@ -7789,7 +9036,7 @@
         </p:nvSpPr>
         <p:spPr>
           <a:xfrm>
-            <a:off x="5004048" y="6568003"/>
+            <a:off x="5004050" y="6568005"/>
             <a:ext cx="4132709" cy="276999"/>
           </a:xfrm>
           <a:prstGeom prst="rect">
@@ -7998,54 +9245,6 @@
           </a:extLst>
         </p:spPr>
       </p:pic>
-      <p:pic>
-        <p:nvPicPr>
-          <p:cNvPr id="18440" name="Picture 8" descr="C:\Users\m3\Entwicklung\git\master-thesis\kolloquium\pic\law.emf"/>
-          <p:cNvPicPr>
-            <a:picLocks noChangeAspect="1" noChangeArrowheads="1"/>
-          </p:cNvPicPr>
-          <p:nvPr/>
-        </p:nvPicPr>
-        <p:blipFill>
-          <a:blip r:embed="rId4">
-            <a:duotone>
-              <a:schemeClr val="accent5">
-                <a:shade val="45000"/>
-                <a:satMod val="135000"/>
-              </a:schemeClr>
-              <a:prstClr val="white"/>
-            </a:duotone>
-            <a:extLst>
-              <a:ext uri="{28A0092B-C50C-407E-A947-70E740481C1C}">
-                <a14:useLocalDpi xmlns:a14="http://schemas.microsoft.com/office/drawing/2010/main" val="0"/>
-              </a:ext>
-            </a:extLst>
-          </a:blip>
-          <a:srcRect/>
-          <a:stretch>
-            <a:fillRect/>
-          </a:stretch>
-        </p:blipFill>
-        <p:spPr bwMode="auto">
-          <a:xfrm>
-            <a:off x="7663636" y="3284985"/>
-            <a:ext cx="1019214" cy="861382"/>
-          </a:xfrm>
-          <a:prstGeom prst="rect">
-            <a:avLst/>
-          </a:prstGeom>
-          <a:noFill/>
-          <a:extLst>
-            <a:ext uri="{909E8E84-426E-40DD-AFC4-6F175D3DCCD1}">
-              <a14:hiddenFill xmlns:a14="http://schemas.microsoft.com/office/drawing/2010/main">
-                <a:solidFill>
-                  <a:srgbClr val="FFFFFF"/>
-                </a:solidFill>
-              </a14:hiddenFill>
-            </a:ext>
-          </a:extLst>
-        </p:spPr>
-      </p:pic>
       <p:sp>
         <p:nvSpPr>
           <p:cNvPr id="7" name="Inhaltsplatzhalter 6"/>
@@ -8085,7 +9284,7 @@
         </p:nvGrpSpPr>
         <p:grpSpPr>
           <a:xfrm>
-            <a:off x="3115809" y="2708920"/>
+            <a:off x="3115811" y="2708921"/>
             <a:ext cx="2912383" cy="2150876"/>
             <a:chOff x="3203848" y="2708920"/>
             <a:chExt cx="2912383" cy="2150876"/>
@@ -8100,7 +9299,7 @@
             <p:nvPr/>
           </p:nvPicPr>
           <p:blipFill>
-            <a:blip r:embed="rId5">
+            <a:blip r:embed="rId4">
               <a:duotone>
                 <a:schemeClr val="accent5">
                   <a:shade val="45000"/>
@@ -8148,7 +9347,7 @@
             <p:nvPr/>
           </p:nvPicPr>
           <p:blipFill>
-            <a:blip r:embed="rId6">
+            <a:blip r:embed="rId5">
               <a:duotone>
                 <a:schemeClr val="accent5">
                   <a:shade val="45000"/>
@@ -8226,7 +9425,7 @@
                 </a14:hiddenLine>
               </a:ext>
               <a:ext uri="{FAA26D3D-D897-4be2-8F04-BA451C77F1D7}">
-                <ma14:placeholderFlag xmlns:ma14="http://schemas.microsoft.com/office/mac/drawingml/2011/main" xmlns="" val="1"/>
+                <ma14:placeholderFlag xmlns="" xmlns:ma14="http://schemas.microsoft.com/office/mac/drawingml/2011/main" val="1"/>
               </a:ext>
             </a:extLst>
           </p:spPr>
@@ -8417,9 +9616,621 @@
           </p:txBody>
         </p:sp>
       </p:grpSp>
+      <p:grpSp>
+        <p:nvGrpSpPr>
+          <p:cNvPr id="3" name="Gruppieren 2"/>
+          <p:cNvGrpSpPr/>
+          <p:nvPr/>
+        </p:nvGrpSpPr>
+        <p:grpSpPr>
+          <a:xfrm>
+            <a:off x="6804248" y="2636913"/>
+            <a:ext cx="1878602" cy="2222884"/>
+            <a:chOff x="6804248" y="2636912"/>
+            <a:chExt cx="1878602" cy="2222884"/>
+          </a:xfrm>
+        </p:grpSpPr>
+        <p:pic>
+          <p:nvPicPr>
+            <p:cNvPr id="18440" name="Picture 8" descr="C:\Users\m3\Entwicklung\git\master-thesis\kolloquium\pic\law.emf"/>
+            <p:cNvPicPr>
+              <a:picLocks noChangeAspect="1" noChangeArrowheads="1"/>
+            </p:cNvPicPr>
+            <p:nvPr/>
+          </p:nvPicPr>
+          <p:blipFill>
+            <a:blip r:embed="rId6">
+              <a:duotone>
+                <a:schemeClr val="accent5">
+                  <a:shade val="45000"/>
+                  <a:satMod val="135000"/>
+                </a:schemeClr>
+                <a:prstClr val="white"/>
+              </a:duotone>
+              <a:extLst>
+                <a:ext uri="{28A0092B-C50C-407E-A947-70E740481C1C}">
+                  <a14:useLocalDpi xmlns:a14="http://schemas.microsoft.com/office/drawing/2010/main" val="0"/>
+                </a:ext>
+              </a:extLst>
+            </a:blip>
+            <a:srcRect/>
+            <a:stretch>
+              <a:fillRect/>
+            </a:stretch>
+          </p:blipFill>
+          <p:spPr bwMode="auto">
+            <a:xfrm>
+              <a:off x="7663636" y="3284985"/>
+              <a:ext cx="1019214" cy="861382"/>
+            </a:xfrm>
+            <a:prstGeom prst="rect">
+              <a:avLst/>
+            </a:prstGeom>
+            <a:noFill/>
+            <a:extLst>
+              <a:ext uri="{909E8E84-426E-40DD-AFC4-6F175D3DCCD1}">
+                <a14:hiddenFill xmlns:a14="http://schemas.microsoft.com/office/drawing/2010/main">
+                  <a:solidFill>
+                    <a:srgbClr val="FFFFFF"/>
+                  </a:solidFill>
+                </a14:hiddenFill>
+              </a:ext>
+            </a:extLst>
+          </p:spPr>
+        </p:pic>
+        <p:sp>
+          <p:nvSpPr>
+            <p:cNvPr id="16" name="Inhaltsplatzhalter 6"/>
+            <p:cNvSpPr txBox="1">
+              <a:spLocks/>
+            </p:cNvSpPr>
+            <p:nvPr/>
+          </p:nvSpPr>
+          <p:spPr bwMode="auto">
+            <a:xfrm>
+              <a:off x="7098674" y="4499756"/>
+              <a:ext cx="1352695" cy="360040"/>
+            </a:xfrm>
+            <a:prstGeom prst="rect">
+              <a:avLst/>
+            </a:prstGeom>
+            <a:noFill/>
+            <a:ln>
+              <a:noFill/>
+            </a:ln>
+            <a:extLst>
+              <a:ext uri="{909E8E84-426E-40DD-AFC4-6F175D3DCCD1}">
+                <a14:hiddenFill xmlns:a14="http://schemas.microsoft.com/office/drawing/2010/main">
+                  <a:solidFill>
+                    <a:srgbClr val="FFFFFF"/>
+                  </a:solidFill>
+                </a14:hiddenFill>
+              </a:ext>
+              <a:ext uri="{91240B29-F687-4F45-9708-019B960494DF}">
+                <a14:hiddenLine xmlns:a14="http://schemas.microsoft.com/office/drawing/2010/main" w="9525">
+                  <a:solidFill>
+                    <a:srgbClr val="000000"/>
+                  </a:solidFill>
+                  <a:miter lim="800000"/>
+                  <a:headEnd/>
+                  <a:tailEnd/>
+                </a14:hiddenLine>
+              </a:ext>
+              <a:ext uri="{FAA26D3D-D897-4be2-8F04-BA451C77F1D7}">
+                <ma14:placeholderFlag xmlns="" xmlns:ma14="http://schemas.microsoft.com/office/mac/drawingml/2011/main" val="1"/>
+              </a:ext>
+            </a:extLst>
+          </p:spPr>
+          <p:txBody>
+            <a:bodyPr vert="horz" wrap="square" lIns="91440" tIns="45720" rIns="91440" bIns="45720" numCol="1" anchor="t" anchorCtr="0" compatLnSpc="1">
+              <a:prstTxWarp prst="textNoShape">
+                <a:avLst/>
+              </a:prstTxWarp>
+            </a:bodyPr>
+            <a:lstStyle>
+              <a:lvl1pPr marL="342900" indent="-342900" algn="l" rtl="0" eaLnBrk="1" fontAlgn="base" hangingPunct="1">
+                <a:spcBef>
+                  <a:spcPct val="20000"/>
+                </a:spcBef>
+                <a:spcAft>
+                  <a:spcPct val="0"/>
+                </a:spcAft>
+                <a:buClr>
+                  <a:schemeClr val="accent2"/>
+                </a:buClr>
+                <a:buSzPct val="120000"/>
+                <a:buFont typeface="Wingdings" charset="2"/>
+                <a:buChar char="§"/>
+                <a:defRPr sz="2000">
+                  <a:solidFill>
+                    <a:schemeClr val="hlink"/>
+                  </a:solidFill>
+                  <a:latin typeface="+mn-lt"/>
+                  <a:ea typeface="ＭＳ Ｐゴシック" charset="0"/>
+                  <a:cs typeface="ＭＳ Ｐゴシック" charset="0"/>
+                </a:defRPr>
+              </a:lvl1pPr>
+              <a:lvl2pPr marL="742950" indent="-285750" algn="l" rtl="0" eaLnBrk="1" fontAlgn="base" hangingPunct="1">
+                <a:spcBef>
+                  <a:spcPct val="20000"/>
+                </a:spcBef>
+                <a:spcAft>
+                  <a:spcPct val="0"/>
+                </a:spcAft>
+                <a:buClr>
+                  <a:schemeClr val="tx2"/>
+                </a:buClr>
+                <a:buChar char="–"/>
+                <a:defRPr sz="2000">
+                  <a:solidFill>
+                    <a:schemeClr val="tx1"/>
+                  </a:solidFill>
+                  <a:latin typeface="+mn-lt"/>
+                  <a:ea typeface="ＭＳ Ｐゴシック" pitchFamily="-107" charset="-128"/>
+                </a:defRPr>
+              </a:lvl2pPr>
+              <a:lvl3pPr marL="1143000" indent="-228600" algn="l" rtl="0" eaLnBrk="1" fontAlgn="base" hangingPunct="1">
+                <a:spcBef>
+                  <a:spcPct val="20000"/>
+                </a:spcBef>
+                <a:spcAft>
+                  <a:spcPct val="0"/>
+                </a:spcAft>
+                <a:buClr>
+                  <a:schemeClr val="bg2"/>
+                </a:buClr>
+                <a:buSzPct val="90000"/>
+                <a:buChar char="•"/>
+                <a:defRPr sz="2000">
+                  <a:solidFill>
+                    <a:schemeClr val="tx1"/>
+                  </a:solidFill>
+                  <a:latin typeface="+mn-lt"/>
+                  <a:ea typeface="ＭＳ Ｐゴシック" pitchFamily="-107" charset="-128"/>
+                </a:defRPr>
+              </a:lvl3pPr>
+              <a:lvl4pPr marL="1600200" indent="-228600" algn="l" rtl="0" eaLnBrk="1" fontAlgn="base" hangingPunct="1">
+                <a:spcBef>
+                  <a:spcPct val="20000"/>
+                </a:spcBef>
+                <a:spcAft>
+                  <a:spcPct val="0"/>
+                </a:spcAft>
+                <a:buChar char="–"/>
+                <a:defRPr sz="2000">
+                  <a:solidFill>
+                    <a:schemeClr val="tx1"/>
+                  </a:solidFill>
+                  <a:latin typeface="+mn-lt"/>
+                  <a:ea typeface="ＭＳ Ｐゴシック" pitchFamily="-107" charset="-128"/>
+                </a:defRPr>
+              </a:lvl4pPr>
+              <a:lvl5pPr marL="2057400" indent="-228600" algn="l" rtl="0" eaLnBrk="1" fontAlgn="base" hangingPunct="1">
+                <a:spcBef>
+                  <a:spcPct val="20000"/>
+                </a:spcBef>
+                <a:spcAft>
+                  <a:spcPct val="0"/>
+                </a:spcAft>
+                <a:buChar char="»"/>
+                <a:defRPr sz="2000">
+                  <a:solidFill>
+                    <a:schemeClr val="tx1"/>
+                  </a:solidFill>
+                  <a:latin typeface="+mn-lt"/>
+                  <a:ea typeface="ＭＳ Ｐゴシック" pitchFamily="-107" charset="-128"/>
+                </a:defRPr>
+              </a:lvl5pPr>
+              <a:lvl6pPr marL="2514600" indent="-228600" algn="l" rtl="0" eaLnBrk="1" fontAlgn="base" hangingPunct="1">
+                <a:spcBef>
+                  <a:spcPct val="20000"/>
+                </a:spcBef>
+                <a:spcAft>
+                  <a:spcPct val="0"/>
+                </a:spcAft>
+                <a:buChar char="»"/>
+                <a:defRPr>
+                  <a:solidFill>
+                    <a:schemeClr val="tx1"/>
+                  </a:solidFill>
+                  <a:latin typeface="+mn-lt"/>
+                  <a:ea typeface="ＭＳ Ｐゴシック" pitchFamily="-107" charset="-128"/>
+                </a:defRPr>
+              </a:lvl6pPr>
+              <a:lvl7pPr marL="2971800" indent="-228600" algn="l" rtl="0" eaLnBrk="1" fontAlgn="base" hangingPunct="1">
+                <a:spcBef>
+                  <a:spcPct val="20000"/>
+                </a:spcBef>
+                <a:spcAft>
+                  <a:spcPct val="0"/>
+                </a:spcAft>
+                <a:buChar char="»"/>
+                <a:defRPr>
+                  <a:solidFill>
+                    <a:schemeClr val="tx1"/>
+                  </a:solidFill>
+                  <a:latin typeface="+mn-lt"/>
+                  <a:ea typeface="ＭＳ Ｐゴシック" pitchFamily="-107" charset="-128"/>
+                </a:defRPr>
+              </a:lvl7pPr>
+              <a:lvl8pPr marL="3429000" indent="-228600" algn="l" rtl="0" eaLnBrk="1" fontAlgn="base" hangingPunct="1">
+                <a:spcBef>
+                  <a:spcPct val="20000"/>
+                </a:spcBef>
+                <a:spcAft>
+                  <a:spcPct val="0"/>
+                </a:spcAft>
+                <a:buChar char="»"/>
+                <a:defRPr>
+                  <a:solidFill>
+                    <a:schemeClr val="tx1"/>
+                  </a:solidFill>
+                  <a:latin typeface="+mn-lt"/>
+                  <a:ea typeface="ＭＳ Ｐゴシック" pitchFamily="-107" charset="-128"/>
+                </a:defRPr>
+              </a:lvl8pPr>
+              <a:lvl9pPr marL="3886200" indent="-228600" algn="l" rtl="0" eaLnBrk="1" fontAlgn="base" hangingPunct="1">
+                <a:spcBef>
+                  <a:spcPct val="20000"/>
+                </a:spcBef>
+                <a:spcAft>
+                  <a:spcPct val="0"/>
+                </a:spcAft>
+                <a:buChar char="»"/>
+                <a:defRPr>
+                  <a:solidFill>
+                    <a:schemeClr val="tx1"/>
+                  </a:solidFill>
+                  <a:latin typeface="+mn-lt"/>
+                  <a:ea typeface="ＭＳ Ｐゴシック" pitchFamily="-107" charset="-128"/>
+                </a:defRPr>
+              </a:lvl9pPr>
+            </a:lstStyle>
+            <a:p>
+              <a:pPr marL="0" indent="0" algn="ctr">
+                <a:buFont typeface="Wingdings" charset="2"/>
+                <a:buNone/>
+              </a:pPr>
+              <a:r>
+                <a:rPr lang="de-DE" kern="0" dirty="0" smtClean="0"/>
+                <a:t>§32 BDSG</a:t>
+              </a:r>
+            </a:p>
+            <a:p>
+              <a:pPr marL="0" indent="0" algn="ctr">
+                <a:buFont typeface="Wingdings" charset="2"/>
+                <a:buNone/>
+              </a:pPr>
+              <a:r>
+                <a:rPr lang="de-DE" kern="0" dirty="0" smtClean="0"/>
+                <a:t>BAG Erfurt</a:t>
+              </a:r>
+              <a:endParaRPr lang="de-DE" kern="0" dirty="0"/>
+            </a:p>
+          </p:txBody>
+        </p:sp>
+        <p:pic>
+          <p:nvPicPr>
+            <p:cNvPr id="18441" name="Picture 9" descr="C:\Users\m3\Entwicklung\git\master-thesis\kolloquium\pic\eye.emf"/>
+            <p:cNvPicPr>
+              <a:picLocks noChangeAspect="1" noChangeArrowheads="1"/>
+            </p:cNvPicPr>
+            <p:nvPr/>
+          </p:nvPicPr>
+          <p:blipFill>
+            <a:blip r:embed="rId7">
+              <a:duotone>
+                <a:schemeClr val="accent5">
+                  <a:shade val="45000"/>
+                  <a:satMod val="135000"/>
+                </a:schemeClr>
+                <a:prstClr val="white"/>
+              </a:duotone>
+              <a:extLst>
+                <a:ext uri="{28A0092B-C50C-407E-A947-70E740481C1C}">
+                  <a14:useLocalDpi xmlns:a14="http://schemas.microsoft.com/office/drawing/2010/main" val="0"/>
+                </a:ext>
+              </a:extLst>
+            </a:blip>
+            <a:srcRect/>
+            <a:stretch>
+              <a:fillRect/>
+            </a:stretch>
+          </p:blipFill>
+          <p:spPr bwMode="auto">
+            <a:xfrm>
+              <a:off x="6804248" y="2636912"/>
+              <a:ext cx="975619" cy="975619"/>
+            </a:xfrm>
+            <a:prstGeom prst="rect">
+              <a:avLst/>
+            </a:prstGeom>
+            <a:noFill/>
+            <a:extLst>
+              <a:ext uri="{909E8E84-426E-40DD-AFC4-6F175D3DCCD1}">
+                <a14:hiddenFill xmlns:a14="http://schemas.microsoft.com/office/drawing/2010/main">
+                  <a:solidFill>
+                    <a:srgbClr val="FFFFFF"/>
+                  </a:solidFill>
+                </a14:hiddenFill>
+              </a:ext>
+            </a:extLst>
+          </p:spPr>
+        </p:pic>
+      </p:grpSp>
       <p:sp>
         <p:nvSpPr>
-          <p:cNvPr id="16" name="Inhaltsplatzhalter 6"/>
+          <p:cNvPr id="8" name="Multiplizieren 7"/>
+          <p:cNvSpPr/>
+          <p:nvPr/>
+        </p:nvSpPr>
+        <p:spPr bwMode="auto">
+          <a:xfrm>
+            <a:off x="107504" y="2293030"/>
+            <a:ext cx="2376264" cy="2374732"/>
+          </a:xfrm>
+          <a:prstGeom prst="mathMultiply">
+            <a:avLst>
+              <a:gd name="adj1" fmla="val 3676"/>
+            </a:avLst>
+          </a:prstGeom>
+          <a:solidFill>
+            <a:schemeClr val="accent2">
+              <a:lumMod val="60000"/>
+              <a:lumOff val="40000"/>
+            </a:schemeClr>
+          </a:solidFill>
+          <a:ln w="9525" cap="flat" cmpd="sng" algn="ctr">
+            <a:solidFill>
+              <a:schemeClr val="accent2"/>
+            </a:solidFill>
+            <a:prstDash val="solid"/>
+            <a:round/>
+            <a:headEnd type="none" w="med" len="med"/>
+            <a:tailEnd type="none" w="med" len="med"/>
+          </a:ln>
+          <a:effectLst/>
+        </p:spPr>
+        <p:txBody>
+          <a:bodyPr vert="horz" wrap="square" lIns="91440" tIns="45720" rIns="91440" bIns="45720" numCol="1" rtlCol="0" anchor="t" anchorCtr="0" compatLnSpc="1">
+            <a:prstTxWarp prst="textNoShape">
+              <a:avLst/>
+            </a:prstTxWarp>
+          </a:bodyPr>
+          <a:lstStyle/>
+          <a:p>
+            <a:pPr marL="0" marR="0" indent="0" algn="l" defTabSz="914400" rtl="0" eaLnBrk="0" fontAlgn="base" latinLnBrk="0" hangingPunct="0">
+              <a:lnSpc>
+                <a:spcPct val="100000"/>
+              </a:lnSpc>
+              <a:spcBef>
+                <a:spcPct val="0"/>
+              </a:spcBef>
+              <a:spcAft>
+                <a:spcPct val="0"/>
+              </a:spcAft>
+              <a:buClrTx/>
+              <a:buSzTx/>
+              <a:buFontTx/>
+              <a:buNone/>
+              <a:tabLst/>
+            </a:pPr>
+            <a:endParaRPr kumimoji="0" lang="de-DE" sz="2400" b="0" i="0" u="none" strike="noStrike" cap="none" normalizeH="0" baseline="0">
+              <a:ln>
+                <a:noFill/>
+              </a:ln>
+              <a:solidFill>
+                <a:schemeClr val="tx1"/>
+              </a:solidFill>
+              <a:effectLst/>
+              <a:latin typeface="Arial" pitchFamily="-107" charset="0"/>
+              <a:ea typeface="ＭＳ Ｐゴシック" pitchFamily="-107" charset="-128"/>
+              <a:cs typeface="ＭＳ Ｐゴシック" pitchFamily="-107" charset="-128"/>
+            </a:endParaRPr>
+          </a:p>
+        </p:txBody>
+      </p:sp>
+    </p:spTree>
+    <p:extLst>
+      <p:ext uri="{BB962C8B-B14F-4D97-AF65-F5344CB8AC3E}">
+        <p14:creationId xmlns:p14="http://schemas.microsoft.com/office/powerpoint/2010/main" val="4015019280"/>
+      </p:ext>
+    </p:extLst>
+  </p:cSld>
+  <p:clrMapOvr>
+    <a:masterClrMapping/>
+  </p:clrMapOvr>
+  <p:timing>
+    <p:tnLst>
+      <p:par>
+        <p:cTn id="1" dur="indefinite" restart="never" nodeType="tmRoot">
+          <p:childTnLst>
+            <p:seq concurrent="1" nextAc="seek">
+              <p:cTn id="2" dur="indefinite" nodeType="mainSeq">
+                <p:childTnLst>
+                  <p:par>
+                    <p:cTn id="3" fill="hold">
+                      <p:stCondLst>
+                        <p:cond delay="indefinite"/>
+                      </p:stCondLst>
+                      <p:childTnLst>
+                        <p:par>
+                          <p:cTn id="4" fill="hold">
+                            <p:stCondLst>
+                              <p:cond delay="0"/>
+                            </p:stCondLst>
+                            <p:childTnLst>
+                              <p:par>
+                                <p:cTn id="5" presetID="1" presetClass="entr" presetSubtype="0" fill="hold" grpId="0" nodeType="clickEffect">
+                                  <p:stCondLst>
+                                    <p:cond delay="0"/>
+                                  </p:stCondLst>
+                                  <p:childTnLst>
+                                    <p:set>
+                                      <p:cBhvr>
+                                        <p:cTn id="6" dur="1" fill="hold">
+                                          <p:stCondLst>
+                                            <p:cond delay="0"/>
+                                          </p:stCondLst>
+                                        </p:cTn>
+                                        <p:tgtEl>
+                                          <p:spTgt spid="8"/>
+                                        </p:tgtEl>
+                                        <p:attrNameLst>
+                                          <p:attrName>style.visibility</p:attrName>
+                                        </p:attrNameLst>
+                                      </p:cBhvr>
+                                      <p:to>
+                                        <p:strVal val="visible"/>
+                                      </p:to>
+                                    </p:set>
+                                  </p:childTnLst>
+                                </p:cTn>
+                              </p:par>
+                            </p:childTnLst>
+                          </p:cTn>
+                        </p:par>
+                      </p:childTnLst>
+                    </p:cTn>
+                  </p:par>
+                  <p:par>
+                    <p:cTn id="7" fill="hold">
+                      <p:stCondLst>
+                        <p:cond delay="indefinite"/>
+                      </p:stCondLst>
+                      <p:childTnLst>
+                        <p:par>
+                          <p:cTn id="8" fill="hold">
+                            <p:stCondLst>
+                              <p:cond delay="0"/>
+                            </p:stCondLst>
+                            <p:childTnLst>
+                              <p:par>
+                                <p:cTn id="9" presetID="1" presetClass="entr" presetSubtype="0" fill="hold" nodeType="clickEffect">
+                                  <p:stCondLst>
+                                    <p:cond delay="0"/>
+                                  </p:stCondLst>
+                                  <p:childTnLst>
+                                    <p:set>
+                                      <p:cBhvr>
+                                        <p:cTn id="10" dur="1" fill="hold">
+                                          <p:stCondLst>
+                                            <p:cond delay="0"/>
+                                          </p:stCondLst>
+                                        </p:cTn>
+                                        <p:tgtEl>
+                                          <p:spTgt spid="9"/>
+                                        </p:tgtEl>
+                                        <p:attrNameLst>
+                                          <p:attrName>style.visibility</p:attrName>
+                                        </p:attrNameLst>
+                                      </p:cBhvr>
+                                      <p:to>
+                                        <p:strVal val="visible"/>
+                                      </p:to>
+                                    </p:set>
+                                  </p:childTnLst>
+                                </p:cTn>
+                              </p:par>
+                            </p:childTnLst>
+                          </p:cTn>
+                        </p:par>
+                      </p:childTnLst>
+                    </p:cTn>
+                  </p:par>
+                  <p:par>
+                    <p:cTn id="11" fill="hold">
+                      <p:stCondLst>
+                        <p:cond delay="indefinite"/>
+                      </p:stCondLst>
+                      <p:childTnLst>
+                        <p:par>
+                          <p:cTn id="12" fill="hold">
+                            <p:stCondLst>
+                              <p:cond delay="0"/>
+                            </p:stCondLst>
+                            <p:childTnLst>
+                              <p:par>
+                                <p:cTn id="13" presetID="1" presetClass="entr" presetSubtype="0" fill="hold" nodeType="clickEffect">
+                                  <p:stCondLst>
+                                    <p:cond delay="0"/>
+                                  </p:stCondLst>
+                                  <p:childTnLst>
+                                    <p:set>
+                                      <p:cBhvr>
+                                        <p:cTn id="14" dur="1" fill="hold">
+                                          <p:stCondLst>
+                                            <p:cond delay="0"/>
+                                          </p:stCondLst>
+                                        </p:cTn>
+                                        <p:tgtEl>
+                                          <p:spTgt spid="3"/>
+                                        </p:tgtEl>
+                                        <p:attrNameLst>
+                                          <p:attrName>style.visibility</p:attrName>
+                                        </p:attrNameLst>
+                                      </p:cBhvr>
+                                      <p:to>
+                                        <p:strVal val="visible"/>
+                                      </p:to>
+                                    </p:set>
+                                  </p:childTnLst>
+                                </p:cTn>
+                              </p:par>
+                            </p:childTnLst>
+                          </p:cTn>
+                        </p:par>
+                      </p:childTnLst>
+                    </p:cTn>
+                  </p:par>
+                </p:childTnLst>
+              </p:cTn>
+              <p:prevCondLst>
+                <p:cond evt="onPrev" delay="0">
+                  <p:tgtEl>
+                    <p:sldTgt/>
+                  </p:tgtEl>
+                </p:cond>
+              </p:prevCondLst>
+              <p:nextCondLst>
+                <p:cond evt="onNext" delay="0">
+                  <p:tgtEl>
+                    <p:sldTgt/>
+                  </p:tgtEl>
+                </p:cond>
+              </p:nextCondLst>
+            </p:seq>
+          </p:childTnLst>
+        </p:cTn>
+      </p:par>
+    </p:tnLst>
+    <p:bldLst>
+      <p:bldP spid="8" grpId="0" animBg="1"/>
+    </p:bldLst>
+  </p:timing>
+</p:sld>
+</file>
+
+<file path=ppt/slides/slide5.xml><?xml version="1.0" encoding="utf-8"?>
+<p:sld xmlns:a="http://schemas.openxmlformats.org/drawingml/2006/main" xmlns:r="http://schemas.openxmlformats.org/officeDocument/2006/relationships" xmlns:p="http://schemas.openxmlformats.org/presentationml/2006/main">
+  <p:cSld>
+    <p:spTree>
+      <p:nvGrpSpPr>
+        <p:cNvPr id="1" name=""/>
+        <p:cNvGrpSpPr/>
+        <p:nvPr/>
+      </p:nvGrpSpPr>
+      <p:grpSpPr>
+        <a:xfrm>
+          <a:off x="0" y="0"/>
+          <a:ext cx="0" cy="0"/>
+          <a:chOff x="0" y="0"/>
+          <a:chExt cx="0" cy="0"/>
+        </a:xfrm>
+      </p:grpSpPr>
+      <p:sp>
+        <p:nvSpPr>
+          <p:cNvPr id="6" name="Inhaltsplatzhalter 2"/>
           <p:cNvSpPr txBox="1">
             <a:spLocks/>
           </p:cNvSpPr>
@@ -8427,8 +10238,8 @@
         </p:nvSpPr>
         <p:spPr bwMode="auto">
           <a:xfrm>
-            <a:off x="7098674" y="4499756"/>
-            <a:ext cx="1352695" cy="360040"/>
+            <a:off x="4139952" y="1484784"/>
+            <a:ext cx="985539" cy="5040560"/>
           </a:xfrm>
           <a:prstGeom prst="rect">
             <a:avLst/>
@@ -8438,25 +10249,424 @@
             <a:noFill/>
           </a:ln>
           <a:extLst>
-            <a:ext uri="{909E8E84-426E-40DD-AFC4-6F175D3DCCD1}">
-              <a14:hiddenFill xmlns:a14="http://schemas.microsoft.com/office/drawing/2010/main">
+            <a:ext uri="{FAA26D3D-D897-4be2-8F04-BA451C77F1D7}">
+              <ma14:placeholderFlag xmlns="" xmlns:ma14="http://schemas.microsoft.com/office/mac/drawingml/2011/main" val="1"/>
+            </a:ext>
+          </a:extLst>
+        </p:spPr>
+        <p:txBody>
+          <a:bodyPr vert="horz" wrap="square" lIns="91440" tIns="45720" rIns="91440" bIns="45720" numCol="1" anchor="ctr" anchorCtr="0" compatLnSpc="1">
+            <a:prstTxWarp prst="textNoShape">
+              <a:avLst/>
+            </a:prstTxWarp>
+          </a:bodyPr>
+          <a:lstStyle>
+            <a:lvl1pPr marL="342900" indent="-342900" algn="l" rtl="0" eaLnBrk="1" fontAlgn="base" hangingPunct="1">
+              <a:spcBef>
+                <a:spcPct val="20000"/>
+              </a:spcBef>
+              <a:spcAft>
+                <a:spcPct val="0"/>
+              </a:spcAft>
+              <a:buClr>
+                <a:schemeClr val="accent2"/>
+              </a:buClr>
+              <a:buSzPct val="120000"/>
+              <a:buFont typeface="Wingdings" charset="2"/>
+              <a:buChar char="§"/>
+              <a:defRPr sz="2000">
                 <a:solidFill>
-                  <a:srgbClr val="FFFFFF"/>
+                  <a:schemeClr val="hlink"/>
                 </a:solidFill>
-              </a14:hiddenFill>
-            </a:ext>
-            <a:ext uri="{91240B29-F687-4F45-9708-019B960494DF}">
-              <a14:hiddenLine xmlns:a14="http://schemas.microsoft.com/office/drawing/2010/main" w="9525">
+                <a:latin typeface="+mn-lt"/>
+                <a:ea typeface="ＭＳ Ｐゴシック" charset="0"/>
+                <a:cs typeface="ＭＳ Ｐゴシック" charset="0"/>
+              </a:defRPr>
+            </a:lvl1pPr>
+            <a:lvl2pPr marL="742950" indent="-285750" algn="l" rtl="0" eaLnBrk="1" fontAlgn="base" hangingPunct="1">
+              <a:spcBef>
+                <a:spcPct val="20000"/>
+              </a:spcBef>
+              <a:spcAft>
+                <a:spcPct val="0"/>
+              </a:spcAft>
+              <a:buClr>
+                <a:schemeClr val="tx2"/>
+              </a:buClr>
+              <a:buChar char="–"/>
+              <a:defRPr sz="2000">
                 <a:solidFill>
-                  <a:srgbClr val="000000"/>
+                  <a:schemeClr val="tx1"/>
                 </a:solidFill>
-                <a:miter lim="800000"/>
-                <a:headEnd/>
-                <a:tailEnd/>
-              </a14:hiddenLine>
-            </a:ext>
+                <a:latin typeface="+mn-lt"/>
+                <a:ea typeface="ＭＳ Ｐゴシック" pitchFamily="-107" charset="-128"/>
+              </a:defRPr>
+            </a:lvl2pPr>
+            <a:lvl3pPr marL="1143000" indent="-228600" algn="l" rtl="0" eaLnBrk="1" fontAlgn="base" hangingPunct="1">
+              <a:spcBef>
+                <a:spcPct val="20000"/>
+              </a:spcBef>
+              <a:spcAft>
+                <a:spcPct val="0"/>
+              </a:spcAft>
+              <a:buClr>
+                <a:schemeClr val="bg2"/>
+              </a:buClr>
+              <a:buSzPct val="90000"/>
+              <a:buChar char="•"/>
+              <a:defRPr sz="2000">
+                <a:solidFill>
+                  <a:schemeClr val="tx1"/>
+                </a:solidFill>
+                <a:latin typeface="+mn-lt"/>
+                <a:ea typeface="ＭＳ Ｐゴシック" pitchFamily="-107" charset="-128"/>
+              </a:defRPr>
+            </a:lvl3pPr>
+            <a:lvl4pPr marL="1600200" indent="-228600" algn="l" rtl="0" eaLnBrk="1" fontAlgn="base" hangingPunct="1">
+              <a:spcBef>
+                <a:spcPct val="20000"/>
+              </a:spcBef>
+              <a:spcAft>
+                <a:spcPct val="0"/>
+              </a:spcAft>
+              <a:buChar char="–"/>
+              <a:defRPr sz="2000">
+                <a:solidFill>
+                  <a:schemeClr val="tx1"/>
+                </a:solidFill>
+                <a:latin typeface="+mn-lt"/>
+                <a:ea typeface="ＭＳ Ｐゴシック" pitchFamily="-107" charset="-128"/>
+              </a:defRPr>
+            </a:lvl4pPr>
+            <a:lvl5pPr marL="2057400" indent="-228600" algn="l" rtl="0" eaLnBrk="1" fontAlgn="base" hangingPunct="1">
+              <a:spcBef>
+                <a:spcPct val="20000"/>
+              </a:spcBef>
+              <a:spcAft>
+                <a:spcPct val="0"/>
+              </a:spcAft>
+              <a:buChar char="»"/>
+              <a:defRPr sz="2000">
+                <a:solidFill>
+                  <a:schemeClr val="tx1"/>
+                </a:solidFill>
+                <a:latin typeface="+mn-lt"/>
+                <a:ea typeface="ＭＳ Ｐゴシック" pitchFamily="-107" charset="-128"/>
+              </a:defRPr>
+            </a:lvl5pPr>
+            <a:lvl6pPr marL="2514600" indent="-228600" algn="l" rtl="0" eaLnBrk="1" fontAlgn="base" hangingPunct="1">
+              <a:spcBef>
+                <a:spcPct val="20000"/>
+              </a:spcBef>
+              <a:spcAft>
+                <a:spcPct val="0"/>
+              </a:spcAft>
+              <a:buChar char="»"/>
+              <a:defRPr>
+                <a:solidFill>
+                  <a:schemeClr val="tx1"/>
+                </a:solidFill>
+                <a:latin typeface="+mn-lt"/>
+                <a:ea typeface="ＭＳ Ｐゴシック" pitchFamily="-107" charset="-128"/>
+              </a:defRPr>
+            </a:lvl6pPr>
+            <a:lvl7pPr marL="2971800" indent="-228600" algn="l" rtl="0" eaLnBrk="1" fontAlgn="base" hangingPunct="1">
+              <a:spcBef>
+                <a:spcPct val="20000"/>
+              </a:spcBef>
+              <a:spcAft>
+                <a:spcPct val="0"/>
+              </a:spcAft>
+              <a:buChar char="»"/>
+              <a:defRPr>
+                <a:solidFill>
+                  <a:schemeClr val="tx1"/>
+                </a:solidFill>
+                <a:latin typeface="+mn-lt"/>
+                <a:ea typeface="ＭＳ Ｐゴシック" pitchFamily="-107" charset="-128"/>
+              </a:defRPr>
+            </a:lvl7pPr>
+            <a:lvl8pPr marL="3429000" indent="-228600" algn="l" rtl="0" eaLnBrk="1" fontAlgn="base" hangingPunct="1">
+              <a:spcBef>
+                <a:spcPct val="20000"/>
+              </a:spcBef>
+              <a:spcAft>
+                <a:spcPct val="0"/>
+              </a:spcAft>
+              <a:buChar char="»"/>
+              <a:defRPr>
+                <a:solidFill>
+                  <a:schemeClr val="tx1"/>
+                </a:solidFill>
+                <a:latin typeface="+mn-lt"/>
+                <a:ea typeface="ＭＳ Ｐゴシック" pitchFamily="-107" charset="-128"/>
+              </a:defRPr>
+            </a:lvl8pPr>
+            <a:lvl9pPr marL="3886200" indent="-228600" algn="l" rtl="0" eaLnBrk="1" fontAlgn="base" hangingPunct="1">
+              <a:spcBef>
+                <a:spcPct val="20000"/>
+              </a:spcBef>
+              <a:spcAft>
+                <a:spcPct val="0"/>
+              </a:spcAft>
+              <a:buChar char="»"/>
+              <a:defRPr>
+                <a:solidFill>
+                  <a:schemeClr val="tx1"/>
+                </a:solidFill>
+                <a:latin typeface="+mn-lt"/>
+                <a:ea typeface="ＭＳ Ｐゴシック" pitchFamily="-107" charset="-128"/>
+              </a:defRPr>
+            </a:lvl9pPr>
+          </a:lstStyle>
+          <a:p>
+            <a:pPr marL="0" indent="0" algn="ctr">
+              <a:spcAft>
+                <a:spcPts val="1200"/>
+              </a:spcAft>
+              <a:buFont typeface="Wingdings" charset="2"/>
+              <a:buNone/>
+            </a:pPr>
+            <a:r>
+              <a:rPr lang="de-DE" sz="4800" kern="0" dirty="0" smtClean="0"/>
+              <a:t>+</a:t>
+            </a:r>
+            <a:endParaRPr lang="de-DE" sz="4800" kern="0" dirty="0"/>
+          </a:p>
+        </p:txBody>
+      </p:sp>
+      <p:sp>
+        <p:nvSpPr>
+          <p:cNvPr id="2" name="Titel 1"/>
+          <p:cNvSpPr>
+            <a:spLocks noGrp="1"/>
+          </p:cNvSpPr>
+          <p:nvPr>
+            <p:ph type="title"/>
+          </p:nvPr>
+        </p:nvSpPr>
+        <p:spPr/>
+        <p:txBody>
+          <a:bodyPr/>
+          <a:lstStyle/>
+          <a:p>
+            <a:r>
+              <a:rPr lang="de-DE" dirty="0" smtClean="0"/>
+              <a:t>Approach (I)</a:t>
+            </a:r>
+            <a:endParaRPr lang="de-DE" dirty="0"/>
+          </a:p>
+        </p:txBody>
+      </p:sp>
+      <p:sp>
+        <p:nvSpPr>
+          <p:cNvPr id="3" name="Inhaltsplatzhalter 2"/>
+          <p:cNvSpPr>
+            <a:spLocks noGrp="1"/>
+          </p:cNvSpPr>
+          <p:nvPr>
+            <p:ph idx="1"/>
+          </p:nvPr>
+        </p:nvSpPr>
+        <p:spPr>
+          <a:xfrm>
+            <a:off x="457200" y="1484784"/>
+            <a:ext cx="3682752" cy="5040560"/>
+          </a:xfrm>
+          <a:solidFill>
+            <a:schemeClr val="accent5"/>
+          </a:solidFill>
+        </p:spPr>
+        <p:txBody>
+          <a:bodyPr/>
+          <a:lstStyle/>
+          <a:p>
+            <a:pPr marL="0" indent="0" algn="ctr">
+              <a:buNone/>
+            </a:pPr>
+            <a:r>
+              <a:rPr lang="de-DE" b="1" dirty="0" err="1" smtClean="0"/>
+              <a:t>Pseudonymisation</a:t>
+            </a:r>
+            <a:endParaRPr lang="de-DE" b="1" dirty="0" smtClean="0"/>
+          </a:p>
+          <a:p>
+            <a:pPr marL="0" indent="0">
+              <a:buNone/>
+            </a:pPr>
+            <a:endParaRPr lang="de-DE" dirty="0"/>
+          </a:p>
+          <a:p>
+            <a:r>
+              <a:rPr lang="de-DE" dirty="0" err="1" smtClean="0"/>
+              <a:t>Using</a:t>
+            </a:r>
+            <a:r>
+              <a:rPr lang="de-DE" dirty="0" smtClean="0"/>
+              <a:t> an </a:t>
+            </a:r>
+            <a:r>
+              <a:rPr lang="de-DE" dirty="0" err="1" smtClean="0"/>
+              <a:t>identifier</a:t>
+            </a:r>
+            <a:r>
+              <a:rPr lang="de-DE" dirty="0" smtClean="0"/>
+              <a:t> different </a:t>
+            </a:r>
+            <a:r>
+              <a:rPr lang="de-DE" dirty="0" err="1" smtClean="0"/>
+              <a:t>from</a:t>
+            </a:r>
+            <a:r>
+              <a:rPr lang="de-DE" dirty="0" smtClean="0"/>
+              <a:t> </a:t>
+            </a:r>
+            <a:r>
+              <a:rPr lang="de-DE" dirty="0" err="1" smtClean="0"/>
+              <a:t>the</a:t>
+            </a:r>
+            <a:r>
+              <a:rPr lang="de-DE" dirty="0" smtClean="0"/>
+              <a:t> real </a:t>
+            </a:r>
+            <a:r>
+              <a:rPr lang="de-DE" dirty="0" err="1" smtClean="0"/>
+              <a:t>identifier</a:t>
+            </a:r>
+            <a:r>
+              <a:rPr lang="de-DE" dirty="0" smtClean="0"/>
+              <a:t> </a:t>
+            </a:r>
+            <a:r>
+              <a:rPr lang="de-DE" dirty="0" err="1" smtClean="0"/>
+              <a:t>of</a:t>
+            </a:r>
+            <a:r>
+              <a:rPr lang="de-DE" dirty="0" smtClean="0"/>
+              <a:t> a </a:t>
+            </a:r>
+            <a:r>
+              <a:rPr lang="de-DE" dirty="0" err="1" smtClean="0"/>
+              <a:t>subject</a:t>
+            </a:r>
+            <a:endParaRPr lang="de-DE" dirty="0" smtClean="0"/>
+          </a:p>
+          <a:p>
+            <a:endParaRPr lang="de-DE" dirty="0" smtClean="0"/>
+          </a:p>
+          <a:p>
+            <a:pPr marL="0" indent="0" algn="ctr">
+              <a:buNone/>
+            </a:pPr>
+            <a:r>
+              <a:rPr lang="de-DE" b="1" dirty="0" smtClean="0"/>
+              <a:t>Alice : 0x2003</a:t>
+            </a:r>
+          </a:p>
+          <a:p>
+            <a:pPr marL="0" indent="0" algn="ctr">
+              <a:buNone/>
+            </a:pPr>
+            <a:endParaRPr lang="de-DE" dirty="0" smtClean="0"/>
+          </a:p>
+          <a:p>
+            <a:r>
+              <a:rPr lang="de-DE" dirty="0" err="1" smtClean="0"/>
+              <a:t>Assignment</a:t>
+            </a:r>
+            <a:r>
+              <a:rPr lang="de-DE" dirty="0" smtClean="0"/>
+              <a:t> e.g. </a:t>
+            </a:r>
+            <a:r>
+              <a:rPr lang="de-DE" dirty="0" err="1" smtClean="0"/>
+              <a:t>by</a:t>
+            </a:r>
+            <a:r>
+              <a:rPr lang="de-DE" dirty="0" smtClean="0"/>
+              <a:t> </a:t>
+            </a:r>
+            <a:r>
+              <a:rPr lang="de-DE" dirty="0" err="1" smtClean="0"/>
+              <a:t>using</a:t>
+            </a:r>
+            <a:r>
+              <a:rPr lang="de-DE" dirty="0" smtClean="0"/>
+              <a:t> </a:t>
+            </a:r>
+            <a:r>
+              <a:rPr lang="de-DE" dirty="0" err="1" smtClean="0"/>
+              <a:t>functions</a:t>
+            </a:r>
+            <a:r>
+              <a:rPr lang="de-DE" dirty="0" smtClean="0"/>
+              <a:t> like </a:t>
+            </a:r>
+            <a:r>
+              <a:rPr lang="de-DE" dirty="0" err="1" smtClean="0"/>
+              <a:t>hash</a:t>
+            </a:r>
+            <a:r>
+              <a:rPr lang="de-DE" dirty="0" smtClean="0"/>
+              <a:t> </a:t>
+            </a:r>
+            <a:r>
+              <a:rPr lang="de-DE" dirty="0" err="1" smtClean="0"/>
+              <a:t>algorithms</a:t>
+            </a:r>
+            <a:r>
+              <a:rPr lang="de-DE" dirty="0" smtClean="0"/>
+              <a:t> </a:t>
+            </a:r>
+            <a:r>
+              <a:rPr lang="de-DE" dirty="0" err="1" smtClean="0"/>
+              <a:t>or</a:t>
+            </a:r>
+            <a:r>
+              <a:rPr lang="de-DE" dirty="0" smtClean="0"/>
+              <a:t> </a:t>
+            </a:r>
+            <a:r>
+              <a:rPr lang="de-DE" b="1" dirty="0" err="1" smtClean="0"/>
+              <a:t>mapping</a:t>
+            </a:r>
+            <a:r>
+              <a:rPr lang="de-DE" b="1" dirty="0" smtClean="0"/>
+              <a:t> </a:t>
+            </a:r>
+            <a:r>
+              <a:rPr lang="de-DE" b="1" dirty="0" err="1" smtClean="0"/>
+              <a:t>tables</a:t>
+            </a:r>
+            <a:endParaRPr lang="de-DE" b="1" dirty="0"/>
+          </a:p>
+        </p:txBody>
+      </p:sp>
+      <p:sp>
+        <p:nvSpPr>
+          <p:cNvPr id="4" name="Inhaltsplatzhalter 2"/>
+          <p:cNvSpPr txBox="1">
+            <a:spLocks/>
+          </p:cNvSpPr>
+          <p:nvPr/>
+        </p:nvSpPr>
+        <p:spPr bwMode="auto">
+          <a:xfrm>
+            <a:off x="5125491" y="1484784"/>
+            <a:ext cx="3682752" cy="5040560"/>
+          </a:xfrm>
+          <a:prstGeom prst="rect">
+            <a:avLst/>
+          </a:prstGeom>
+          <a:solidFill>
+            <a:schemeClr val="accent5"/>
+          </a:solidFill>
+          <a:ln>
+            <a:noFill/>
+          </a:ln>
+          <a:extLst>
             <a:ext uri="{FAA26D3D-D897-4be2-8F04-BA451C77F1D7}">
-              <ma14:placeholderFlag xmlns:ma14="http://schemas.microsoft.com/office/mac/drawingml/2011/main" xmlns="" val="1"/>
+              <ma14:placeholderFlag xmlns="" xmlns:ma14="http://schemas.microsoft.com/office/mac/drawingml/2011/main" val="1"/>
             </a:ext>
           </a:extLst>
         </p:spPr>
@@ -8631,55 +10841,646 @@
               <a:buNone/>
             </a:pPr>
             <a:r>
-              <a:rPr lang="de-DE" kern="0" dirty="0" smtClean="0"/>
-              <a:t>§32 BDSG</a:t>
-            </a:r>
-          </a:p>
-          <a:p>
-            <a:pPr marL="0" indent="0" algn="ctr">
-              <a:buFont typeface="Wingdings" charset="2"/>
+              <a:rPr lang="de-DE" b="1" kern="0" dirty="0" err="1" smtClean="0"/>
+              <a:t>Threshold</a:t>
+            </a:r>
+            <a:r>
+              <a:rPr lang="de-DE" b="1" kern="0" dirty="0" smtClean="0"/>
+              <a:t> </a:t>
+            </a:r>
+            <a:r>
+              <a:rPr lang="de-DE" b="1" kern="0" dirty="0" err="1" smtClean="0"/>
+              <a:t>cryptosystems</a:t>
+            </a:r>
+            <a:endParaRPr lang="de-DE" b="1" kern="0" dirty="0" smtClean="0"/>
+          </a:p>
+          <a:p>
+            <a:pPr marL="0" indent="0">
               <a:buNone/>
             </a:pPr>
+            <a:endParaRPr lang="de-DE" b="1" kern="0" dirty="0" smtClean="0"/>
+          </a:p>
+          <a:p>
+            <a:r>
+              <a:rPr lang="de-DE" kern="0" dirty="0"/>
+              <a:t>(</a:t>
+            </a:r>
+            <a:r>
+              <a:rPr lang="de-DE" kern="0" dirty="0" err="1"/>
+              <a:t>t,n</a:t>
+            </a:r>
+            <a:r>
+              <a:rPr lang="de-DE" kern="0" dirty="0"/>
+              <a:t>) </a:t>
+            </a:r>
+            <a:r>
+              <a:rPr lang="de-DE" b="1" kern="0" dirty="0" err="1" smtClean="0"/>
+              <a:t>threshold</a:t>
+            </a:r>
+            <a:r>
+              <a:rPr lang="de-DE" b="1" kern="0" dirty="0" smtClean="0"/>
+              <a:t> </a:t>
+            </a:r>
+            <a:r>
+              <a:rPr lang="de-DE" b="1" kern="0" dirty="0" err="1" smtClean="0"/>
+              <a:t>decryption</a:t>
+            </a:r>
+            <a:endParaRPr lang="de-DE" b="1" kern="0" dirty="0" smtClean="0"/>
+          </a:p>
+          <a:p>
+            <a:pPr marL="857250" lvl="1" indent="-457200">
+              <a:buFont typeface="+mj-lt"/>
+              <a:buAutoNum type="arabicPeriod"/>
+            </a:pPr>
             <a:r>
               <a:rPr lang="de-DE" kern="0" dirty="0" smtClean="0"/>
-              <a:t>BAG Erfurt</a:t>
+              <a:t>Key </a:t>
+            </a:r>
+            <a:r>
+              <a:rPr lang="de-DE" kern="0" dirty="0" err="1" smtClean="0"/>
+              <a:t>generation</a:t>
+            </a:r>
+            <a:r>
+              <a:rPr lang="de-DE" kern="0" dirty="0" smtClean="0"/>
+              <a:t> </a:t>
+            </a:r>
+            <a:br>
+              <a:rPr lang="de-DE" kern="0" dirty="0" smtClean="0"/>
+            </a:br>
+            <a:r>
+              <a:rPr lang="de-DE" kern="0" dirty="0" smtClean="0"/>
+              <a:t>(</a:t>
+            </a:r>
+            <a:r>
+              <a:rPr lang="de-DE" kern="0" dirty="0" err="1" smtClean="0"/>
+              <a:t>pk</a:t>
+            </a:r>
+            <a:r>
+              <a:rPr lang="de-DE" kern="0" dirty="0" smtClean="0"/>
+              <a:t>, </a:t>
+            </a:r>
+            <a:r>
+              <a:rPr lang="de-DE" kern="0" dirty="0" err="1" smtClean="0"/>
+              <a:t>shares</a:t>
+            </a:r>
+            <a:r>
+              <a:rPr lang="de-DE" kern="0" dirty="0" smtClean="0"/>
+              <a:t>)</a:t>
+            </a:r>
+          </a:p>
+          <a:p>
+            <a:pPr marL="857250" lvl="1" indent="-457200">
+              <a:buFont typeface="+mj-lt"/>
+              <a:buAutoNum type="arabicPeriod"/>
+            </a:pPr>
+            <a:r>
+              <a:rPr lang="de-DE" kern="0" dirty="0" smtClean="0"/>
+              <a:t>Message </a:t>
+            </a:r>
+            <a:r>
+              <a:rPr lang="de-DE" kern="0" dirty="0" err="1" smtClean="0"/>
+              <a:t>encryption</a:t>
+            </a:r>
+            <a:r>
+              <a:rPr lang="de-DE" kern="0" dirty="0" smtClean="0"/>
+              <a:t> (</a:t>
+            </a:r>
+            <a:r>
+              <a:rPr lang="de-DE" kern="0" dirty="0" err="1" smtClean="0"/>
+              <a:t>pk</a:t>
+            </a:r>
+            <a:r>
+              <a:rPr lang="de-DE" kern="0" dirty="0" smtClean="0"/>
+              <a:t>)</a:t>
+            </a:r>
+          </a:p>
+          <a:p>
+            <a:pPr marL="857250" lvl="1" indent="-457200">
+              <a:buFont typeface="+mj-lt"/>
+              <a:buAutoNum type="arabicPeriod"/>
+            </a:pPr>
+            <a:r>
+              <a:rPr lang="de-DE" kern="0" dirty="0" smtClean="0"/>
+              <a:t>Computing partial </a:t>
+            </a:r>
+            <a:r>
+              <a:rPr lang="de-DE" kern="0" dirty="0" err="1" smtClean="0"/>
+              <a:t>decryptions</a:t>
+            </a:r>
+            <a:endParaRPr lang="de-DE" kern="0" dirty="0" smtClean="0"/>
+          </a:p>
+          <a:p>
+            <a:pPr marL="857250" lvl="1" indent="-457200">
+              <a:buFont typeface="+mj-lt"/>
+              <a:buAutoNum type="arabicPeriod"/>
+            </a:pPr>
+            <a:r>
+              <a:rPr lang="de-DE" kern="0" dirty="0" err="1" smtClean="0"/>
+              <a:t>Decrypting</a:t>
+            </a:r>
+            <a:r>
+              <a:rPr lang="de-DE" kern="0" dirty="0" smtClean="0"/>
+              <a:t> </a:t>
+            </a:r>
+            <a:r>
+              <a:rPr lang="de-DE" kern="0" dirty="0" err="1" smtClean="0"/>
+              <a:t>message</a:t>
+            </a:r>
+            <a:endParaRPr lang="de-DE" kern="0" dirty="0" smtClean="0"/>
+          </a:p>
+          <a:p>
+            <a:r>
+              <a:rPr lang="de-DE" kern="0" dirty="0" smtClean="0"/>
+              <a:t>Secret </a:t>
+            </a:r>
+            <a:r>
+              <a:rPr lang="de-DE" kern="0" dirty="0" err="1" smtClean="0"/>
+              <a:t>key</a:t>
+            </a:r>
+            <a:r>
+              <a:rPr lang="de-DE" kern="0" dirty="0" smtClean="0"/>
+              <a:t> </a:t>
+            </a:r>
+            <a:r>
+              <a:rPr lang="de-DE" kern="0" dirty="0" err="1" smtClean="0"/>
+              <a:t>is</a:t>
+            </a:r>
+            <a:r>
+              <a:rPr lang="de-DE" kern="0" dirty="0" smtClean="0"/>
+              <a:t> NOT </a:t>
+            </a:r>
+            <a:r>
+              <a:rPr lang="de-DE" kern="0" dirty="0" err="1" smtClean="0"/>
+              <a:t>restored</a:t>
+            </a:r>
+            <a:endParaRPr lang="de-DE" kern="0" dirty="0" smtClean="0"/>
+          </a:p>
+          <a:p>
+            <a:r>
+              <a:rPr lang="de-DE" kern="0" dirty="0" smtClean="0"/>
+              <a:t>Distributed </a:t>
+            </a:r>
+            <a:r>
+              <a:rPr lang="de-DE" kern="0" dirty="0" err="1" smtClean="0"/>
+              <a:t>trust</a:t>
             </a:r>
             <a:endParaRPr lang="de-DE" kern="0" dirty="0"/>
+          </a:p>
+        </p:txBody>
+      </p:sp>
+    </p:spTree>
+    <p:extLst>
+      <p:ext uri="{BB962C8B-B14F-4D97-AF65-F5344CB8AC3E}">
+        <p14:creationId xmlns:p14="http://schemas.microsoft.com/office/powerpoint/2010/main" val="1911989622"/>
+      </p:ext>
+    </p:extLst>
+  </p:cSld>
+  <p:clrMapOvr>
+    <a:masterClrMapping/>
+  </p:clrMapOvr>
+  <p:timing>
+    <p:tnLst>
+      <p:par>
+        <p:cTn id="1" dur="indefinite" restart="never" nodeType="tmRoot">
+          <p:childTnLst>
+            <p:seq concurrent="1" nextAc="seek">
+              <p:cTn id="2" dur="indefinite" nodeType="mainSeq">
+                <p:childTnLst>
+                  <p:par>
+                    <p:cTn id="3" fill="hold">
+                      <p:stCondLst>
+                        <p:cond delay="indefinite"/>
+                      </p:stCondLst>
+                      <p:childTnLst>
+                        <p:par>
+                          <p:cTn id="4" fill="hold">
+                            <p:stCondLst>
+                              <p:cond delay="0"/>
+                            </p:stCondLst>
+                            <p:childTnLst>
+                              <p:par>
+                                <p:cTn id="5" presetID="1" presetClass="entr" presetSubtype="0" fill="hold" nodeType="clickEffect">
+                                  <p:stCondLst>
+                                    <p:cond delay="0"/>
+                                  </p:stCondLst>
+                                  <p:childTnLst>
+                                    <p:set>
+                                      <p:cBhvr>
+                                        <p:cTn id="6" dur="1" fill="hold">
+                                          <p:stCondLst>
+                                            <p:cond delay="0"/>
+                                          </p:stCondLst>
+                                        </p:cTn>
+                                        <p:tgtEl>
+                                          <p:spTgt spid="3">
+                                            <p:txEl>
+                                              <p:pRg st="2" end="2"/>
+                                            </p:txEl>
+                                          </p:spTgt>
+                                        </p:tgtEl>
+                                        <p:attrNameLst>
+                                          <p:attrName>style.visibility</p:attrName>
+                                        </p:attrNameLst>
+                                      </p:cBhvr>
+                                      <p:to>
+                                        <p:strVal val="visible"/>
+                                      </p:to>
+                                    </p:set>
+                                  </p:childTnLst>
+                                </p:cTn>
+                              </p:par>
+                              <p:par>
+                                <p:cTn id="7" presetID="1" presetClass="entr" presetSubtype="0" fill="hold" nodeType="withEffect">
+                                  <p:stCondLst>
+                                    <p:cond delay="0"/>
+                                  </p:stCondLst>
+                                  <p:childTnLst>
+                                    <p:set>
+                                      <p:cBhvr>
+                                        <p:cTn id="8" dur="1" fill="hold">
+                                          <p:stCondLst>
+                                            <p:cond delay="0"/>
+                                          </p:stCondLst>
+                                        </p:cTn>
+                                        <p:tgtEl>
+                                          <p:spTgt spid="3">
+                                            <p:txEl>
+                                              <p:pRg st="4" end="4"/>
+                                            </p:txEl>
+                                          </p:spTgt>
+                                        </p:tgtEl>
+                                        <p:attrNameLst>
+                                          <p:attrName>style.visibility</p:attrName>
+                                        </p:attrNameLst>
+                                      </p:cBhvr>
+                                      <p:to>
+                                        <p:strVal val="visible"/>
+                                      </p:to>
+                                    </p:set>
+                                  </p:childTnLst>
+                                </p:cTn>
+                              </p:par>
+                              <p:par>
+                                <p:cTn id="9" presetID="1" presetClass="entr" presetSubtype="0" fill="hold" nodeType="withEffect">
+                                  <p:stCondLst>
+                                    <p:cond delay="0"/>
+                                  </p:stCondLst>
+                                  <p:childTnLst>
+                                    <p:set>
+                                      <p:cBhvr>
+                                        <p:cTn id="10" dur="1" fill="hold">
+                                          <p:stCondLst>
+                                            <p:cond delay="0"/>
+                                          </p:stCondLst>
+                                        </p:cTn>
+                                        <p:tgtEl>
+                                          <p:spTgt spid="3">
+                                            <p:txEl>
+                                              <p:pRg st="6" end="6"/>
+                                            </p:txEl>
+                                          </p:spTgt>
+                                        </p:tgtEl>
+                                        <p:attrNameLst>
+                                          <p:attrName>style.visibility</p:attrName>
+                                        </p:attrNameLst>
+                                      </p:cBhvr>
+                                      <p:to>
+                                        <p:strVal val="visible"/>
+                                      </p:to>
+                                    </p:set>
+                                  </p:childTnLst>
+                                </p:cTn>
+                              </p:par>
+                            </p:childTnLst>
+                          </p:cTn>
+                        </p:par>
+                      </p:childTnLst>
+                    </p:cTn>
+                  </p:par>
+                  <p:par>
+                    <p:cTn id="11" fill="hold">
+                      <p:stCondLst>
+                        <p:cond delay="indefinite"/>
+                      </p:stCondLst>
+                      <p:childTnLst>
+                        <p:par>
+                          <p:cTn id="12" fill="hold">
+                            <p:stCondLst>
+                              <p:cond delay="0"/>
+                            </p:stCondLst>
+                            <p:childTnLst>
+                              <p:par>
+                                <p:cTn id="13" presetID="1" presetClass="entr" presetSubtype="0" fill="hold" nodeType="clickEffect">
+                                  <p:stCondLst>
+                                    <p:cond delay="0"/>
+                                  </p:stCondLst>
+                                  <p:childTnLst>
+                                    <p:set>
+                                      <p:cBhvr>
+                                        <p:cTn id="14" dur="1" fill="hold">
+                                          <p:stCondLst>
+                                            <p:cond delay="0"/>
+                                          </p:stCondLst>
+                                        </p:cTn>
+                                        <p:tgtEl>
+                                          <p:spTgt spid="4">
+                                            <p:txEl>
+                                              <p:pRg st="2" end="2"/>
+                                            </p:txEl>
+                                          </p:spTgt>
+                                        </p:tgtEl>
+                                        <p:attrNameLst>
+                                          <p:attrName>style.visibility</p:attrName>
+                                        </p:attrNameLst>
+                                      </p:cBhvr>
+                                      <p:to>
+                                        <p:strVal val="visible"/>
+                                      </p:to>
+                                    </p:set>
+                                  </p:childTnLst>
+                                </p:cTn>
+                              </p:par>
+                              <p:par>
+                                <p:cTn id="15" presetID="1" presetClass="entr" presetSubtype="0" fill="hold" nodeType="withEffect">
+                                  <p:stCondLst>
+                                    <p:cond delay="0"/>
+                                  </p:stCondLst>
+                                  <p:childTnLst>
+                                    <p:set>
+                                      <p:cBhvr>
+                                        <p:cTn id="16" dur="1" fill="hold">
+                                          <p:stCondLst>
+                                            <p:cond delay="0"/>
+                                          </p:stCondLst>
+                                        </p:cTn>
+                                        <p:tgtEl>
+                                          <p:spTgt spid="4">
+                                            <p:txEl>
+                                              <p:pRg st="3" end="3"/>
+                                            </p:txEl>
+                                          </p:spTgt>
+                                        </p:tgtEl>
+                                        <p:attrNameLst>
+                                          <p:attrName>style.visibility</p:attrName>
+                                        </p:attrNameLst>
+                                      </p:cBhvr>
+                                      <p:to>
+                                        <p:strVal val="visible"/>
+                                      </p:to>
+                                    </p:set>
+                                  </p:childTnLst>
+                                </p:cTn>
+                              </p:par>
+                              <p:par>
+                                <p:cTn id="17" presetID="1" presetClass="entr" presetSubtype="0" fill="hold" nodeType="withEffect">
+                                  <p:stCondLst>
+                                    <p:cond delay="0"/>
+                                  </p:stCondLst>
+                                  <p:childTnLst>
+                                    <p:set>
+                                      <p:cBhvr>
+                                        <p:cTn id="18" dur="1" fill="hold">
+                                          <p:stCondLst>
+                                            <p:cond delay="0"/>
+                                          </p:stCondLst>
+                                        </p:cTn>
+                                        <p:tgtEl>
+                                          <p:spTgt spid="4">
+                                            <p:txEl>
+                                              <p:pRg st="4" end="4"/>
+                                            </p:txEl>
+                                          </p:spTgt>
+                                        </p:tgtEl>
+                                        <p:attrNameLst>
+                                          <p:attrName>style.visibility</p:attrName>
+                                        </p:attrNameLst>
+                                      </p:cBhvr>
+                                      <p:to>
+                                        <p:strVal val="visible"/>
+                                      </p:to>
+                                    </p:set>
+                                  </p:childTnLst>
+                                </p:cTn>
+                              </p:par>
+                              <p:par>
+                                <p:cTn id="19" presetID="1" presetClass="entr" presetSubtype="0" fill="hold" nodeType="withEffect">
+                                  <p:stCondLst>
+                                    <p:cond delay="0"/>
+                                  </p:stCondLst>
+                                  <p:childTnLst>
+                                    <p:set>
+                                      <p:cBhvr>
+                                        <p:cTn id="20" dur="1" fill="hold">
+                                          <p:stCondLst>
+                                            <p:cond delay="0"/>
+                                          </p:stCondLst>
+                                        </p:cTn>
+                                        <p:tgtEl>
+                                          <p:spTgt spid="4">
+                                            <p:txEl>
+                                              <p:pRg st="5" end="5"/>
+                                            </p:txEl>
+                                          </p:spTgt>
+                                        </p:tgtEl>
+                                        <p:attrNameLst>
+                                          <p:attrName>style.visibility</p:attrName>
+                                        </p:attrNameLst>
+                                      </p:cBhvr>
+                                      <p:to>
+                                        <p:strVal val="visible"/>
+                                      </p:to>
+                                    </p:set>
+                                  </p:childTnLst>
+                                </p:cTn>
+                              </p:par>
+                              <p:par>
+                                <p:cTn id="21" presetID="1" presetClass="entr" presetSubtype="0" fill="hold" nodeType="withEffect">
+                                  <p:stCondLst>
+                                    <p:cond delay="0"/>
+                                  </p:stCondLst>
+                                  <p:childTnLst>
+                                    <p:set>
+                                      <p:cBhvr>
+                                        <p:cTn id="22" dur="1" fill="hold">
+                                          <p:stCondLst>
+                                            <p:cond delay="0"/>
+                                          </p:stCondLst>
+                                        </p:cTn>
+                                        <p:tgtEl>
+                                          <p:spTgt spid="4">
+                                            <p:txEl>
+                                              <p:pRg st="6" end="6"/>
+                                            </p:txEl>
+                                          </p:spTgt>
+                                        </p:tgtEl>
+                                        <p:attrNameLst>
+                                          <p:attrName>style.visibility</p:attrName>
+                                        </p:attrNameLst>
+                                      </p:cBhvr>
+                                      <p:to>
+                                        <p:strVal val="visible"/>
+                                      </p:to>
+                                    </p:set>
+                                  </p:childTnLst>
+                                </p:cTn>
+                              </p:par>
+                              <p:par>
+                                <p:cTn id="23" presetID="1" presetClass="entr" presetSubtype="0" fill="hold" nodeType="withEffect">
+                                  <p:stCondLst>
+                                    <p:cond delay="0"/>
+                                  </p:stCondLst>
+                                  <p:childTnLst>
+                                    <p:set>
+                                      <p:cBhvr>
+                                        <p:cTn id="24" dur="1" fill="hold">
+                                          <p:stCondLst>
+                                            <p:cond delay="0"/>
+                                          </p:stCondLst>
+                                        </p:cTn>
+                                        <p:tgtEl>
+                                          <p:spTgt spid="4">
+                                            <p:txEl>
+                                              <p:pRg st="7" end="7"/>
+                                            </p:txEl>
+                                          </p:spTgt>
+                                        </p:tgtEl>
+                                        <p:attrNameLst>
+                                          <p:attrName>style.visibility</p:attrName>
+                                        </p:attrNameLst>
+                                      </p:cBhvr>
+                                      <p:to>
+                                        <p:strVal val="visible"/>
+                                      </p:to>
+                                    </p:set>
+                                  </p:childTnLst>
+                                </p:cTn>
+                              </p:par>
+                              <p:par>
+                                <p:cTn id="25" presetID="1" presetClass="entr" presetSubtype="0" fill="hold" nodeType="withEffect">
+                                  <p:stCondLst>
+                                    <p:cond delay="0"/>
+                                  </p:stCondLst>
+                                  <p:childTnLst>
+                                    <p:set>
+                                      <p:cBhvr>
+                                        <p:cTn id="26" dur="1" fill="hold">
+                                          <p:stCondLst>
+                                            <p:cond delay="0"/>
+                                          </p:stCondLst>
+                                        </p:cTn>
+                                        <p:tgtEl>
+                                          <p:spTgt spid="4">
+                                            <p:txEl>
+                                              <p:pRg st="8" end="8"/>
+                                            </p:txEl>
+                                          </p:spTgt>
+                                        </p:tgtEl>
+                                        <p:attrNameLst>
+                                          <p:attrName>style.visibility</p:attrName>
+                                        </p:attrNameLst>
+                                      </p:cBhvr>
+                                      <p:to>
+                                        <p:strVal val="visible"/>
+                                      </p:to>
+                                    </p:set>
+                                  </p:childTnLst>
+                                </p:cTn>
+                              </p:par>
+                            </p:childTnLst>
+                          </p:cTn>
+                        </p:par>
+                      </p:childTnLst>
+                    </p:cTn>
+                  </p:par>
+                </p:childTnLst>
+              </p:cTn>
+              <p:prevCondLst>
+                <p:cond evt="onPrev" delay="0">
+                  <p:tgtEl>
+                    <p:sldTgt/>
+                  </p:tgtEl>
+                </p:cond>
+              </p:prevCondLst>
+              <p:nextCondLst>
+                <p:cond evt="onNext" delay="0">
+                  <p:tgtEl>
+                    <p:sldTgt/>
+                  </p:tgtEl>
+                </p:cond>
+              </p:nextCondLst>
+            </p:seq>
+          </p:childTnLst>
+        </p:cTn>
+      </p:par>
+    </p:tnLst>
+  </p:timing>
+</p:sld>
+</file>
+
+<file path=ppt/slides/slide6.xml><?xml version="1.0" encoding="utf-8"?>
+<p:sld xmlns:a="http://schemas.openxmlformats.org/drawingml/2006/main" xmlns:r="http://schemas.openxmlformats.org/officeDocument/2006/relationships" xmlns:p="http://schemas.openxmlformats.org/presentationml/2006/main">
+  <p:cSld>
+    <p:spTree>
+      <p:nvGrpSpPr>
+        <p:cNvPr id="1" name=""/>
+        <p:cNvGrpSpPr/>
+        <p:nvPr/>
+      </p:nvGrpSpPr>
+      <p:grpSpPr>
+        <a:xfrm>
+          <a:off x="0" y="0"/>
+          <a:ext cx="0" cy="0"/>
+          <a:chOff x="0" y="0"/>
+          <a:chExt cx="0" cy="0"/>
+        </a:xfrm>
+      </p:grpSpPr>
+      <p:sp>
+        <p:nvSpPr>
+          <p:cNvPr id="2" name="Titel 1"/>
+          <p:cNvSpPr>
+            <a:spLocks noGrp="1"/>
+          </p:cNvSpPr>
+          <p:nvPr>
+            <p:ph type="title"/>
+          </p:nvPr>
+        </p:nvSpPr>
+        <p:spPr/>
+        <p:txBody>
+          <a:bodyPr/>
+          <a:lstStyle/>
+          <a:p>
+            <a:r>
+              <a:rPr lang="de-DE" dirty="0" smtClean="0"/>
+              <a:t>Approach (II)</a:t>
+            </a:r>
+            <a:endParaRPr lang="de-DE" dirty="0"/>
           </a:p>
         </p:txBody>
       </p:sp>
       <p:pic>
         <p:nvPicPr>
-          <p:cNvPr id="18441" name="Picture 9" descr="C:\Users\m3\Entwicklung\git\master-thesis\kolloquium\pic\eye.emf"/>
+          <p:cNvPr id="15363" name="Picture 3"/>
           <p:cNvPicPr>
             <a:picLocks noChangeAspect="1" noChangeArrowheads="1"/>
           </p:cNvPicPr>
           <p:nvPr/>
         </p:nvPicPr>
         <p:blipFill>
-          <a:blip r:embed="rId7">
-            <a:duotone>
-              <a:schemeClr val="accent5">
-                <a:shade val="45000"/>
-                <a:satMod val="135000"/>
-              </a:schemeClr>
-              <a:prstClr val="white"/>
-            </a:duotone>
+          <a:blip r:embed="rId3">
             <a:extLst>
               <a:ext uri="{28A0092B-C50C-407E-A947-70E740481C1C}">
                 <a14:useLocalDpi xmlns:a14="http://schemas.microsoft.com/office/drawing/2010/main" val="0"/>
               </a:ext>
             </a:extLst>
           </a:blip>
-          <a:srcRect/>
           <a:stretch>
             <a:fillRect/>
           </a:stretch>
         </p:blipFill>
         <p:spPr bwMode="auto">
           <a:xfrm>
-            <a:off x="6804248" y="2636912"/>
-            <a:ext cx="975619" cy="975619"/>
+            <a:off x="755576" y="1414092"/>
+            <a:ext cx="7962652" cy="5113027"/>
           </a:xfrm>
           <a:prstGeom prst="rect">
             <a:avLst/>
@@ -8696,92 +11497,131 @@
           </a:extLst>
         </p:spPr>
       </p:pic>
-      <p:sp>
-        <p:nvSpPr>
-          <p:cNvPr id="8" name="Multiplizieren 7"/>
-          <p:cNvSpPr/>
-          <p:nvPr/>
-        </p:nvSpPr>
-        <p:spPr bwMode="auto">
-          <a:xfrm>
-            <a:off x="107504" y="2293029"/>
-            <a:ext cx="2376264" cy="2374732"/>
-          </a:xfrm>
-          <a:prstGeom prst="mathMultiply">
-            <a:avLst>
-              <a:gd name="adj1" fmla="val 3676"/>
-            </a:avLst>
-          </a:prstGeom>
-          <a:solidFill>
-            <a:schemeClr val="accent2">
-              <a:lumMod val="60000"/>
-              <a:lumOff val="40000"/>
-            </a:schemeClr>
-          </a:solidFill>
-          <a:ln w="9525" cap="flat" cmpd="sng" algn="ctr">
-            <a:solidFill>
-              <a:schemeClr val="accent2"/>
-            </a:solidFill>
-            <a:prstDash val="solid"/>
-            <a:round/>
-            <a:headEnd type="none" w="med" len="med"/>
-            <a:tailEnd type="none" w="med" len="med"/>
-          </a:ln>
-          <a:effectLst/>
-        </p:spPr>
-        <p:txBody>
-          <a:bodyPr vert="horz" wrap="square" lIns="91440" tIns="45720" rIns="91440" bIns="45720" numCol="1" rtlCol="0" anchor="t" anchorCtr="0" compatLnSpc="1">
-            <a:prstTxWarp prst="textNoShape">
-              <a:avLst/>
-            </a:prstTxWarp>
-          </a:bodyPr>
-          <a:lstStyle/>
-          <a:p>
-            <a:pPr marL="0" marR="0" indent="0" algn="l" defTabSz="914400" rtl="0" eaLnBrk="0" fontAlgn="base" latinLnBrk="0" hangingPunct="0">
-              <a:lnSpc>
-                <a:spcPct val="100000"/>
-              </a:lnSpc>
-              <a:spcBef>
-                <a:spcPct val="0"/>
-              </a:spcBef>
-              <a:spcAft>
-                <a:spcPct val="0"/>
-              </a:spcAft>
-              <a:buClrTx/>
-              <a:buSzTx/>
-              <a:buFontTx/>
-              <a:buNone/>
-              <a:tabLst/>
-            </a:pPr>
-            <a:endParaRPr kumimoji="0" lang="de-DE" sz="2400" b="0" i="0" u="none" strike="noStrike" cap="none" normalizeH="0" baseline="0">
-              <a:ln>
-                <a:noFill/>
-              </a:ln>
-              <a:solidFill>
-                <a:schemeClr val="tx1"/>
-              </a:solidFill>
-              <a:effectLst/>
-              <a:latin typeface="Arial" pitchFamily="-107" charset="0"/>
-              <a:ea typeface="ＭＳ Ｐゴシック" pitchFamily="-107" charset="-128"/>
-              <a:cs typeface="ＭＳ Ｐゴシック" pitchFamily="-107" charset="-128"/>
-            </a:endParaRPr>
-          </a:p>
-        </p:txBody>
-      </p:sp>
     </p:spTree>
     <p:extLst>
       <p:ext uri="{BB962C8B-B14F-4D97-AF65-F5344CB8AC3E}">
-        <p14:creationId xmlns:p14="http://schemas.microsoft.com/office/powerpoint/2010/main" val="4015019280"/>
+        <p14:creationId xmlns:p14="http://schemas.microsoft.com/office/powerpoint/2010/main" val="1268790526"/>
       </p:ext>
     </p:extLst>
   </p:cSld>
   <p:clrMapOvr>
     <a:masterClrMapping/>
   </p:clrMapOvr>
+  <p:timing>
+    <p:tnLst>
+      <p:par>
+        <p:cTn id="1" dur="indefinite" restart="never" nodeType="tmRoot"/>
+      </p:par>
+    </p:tnLst>
+  </p:timing>
 </p:sld>
 </file>
 
-<file path=ppt/slides/slide5.xml><?xml version="1.0" encoding="utf-8"?>
+<file path=ppt/slides/slide7.xml><?xml version="1.0" encoding="utf-8"?>
+<p:sld xmlns:a="http://schemas.openxmlformats.org/drawingml/2006/main" xmlns:r="http://schemas.openxmlformats.org/officeDocument/2006/relationships" xmlns:p="http://schemas.openxmlformats.org/presentationml/2006/main">
+  <p:cSld>
+    <p:spTree>
+      <p:nvGrpSpPr>
+        <p:cNvPr id="1" name=""/>
+        <p:cNvGrpSpPr/>
+        <p:nvPr/>
+      </p:nvGrpSpPr>
+      <p:grpSpPr>
+        <a:xfrm>
+          <a:off x="0" y="0"/>
+          <a:ext cx="0" cy="0"/>
+          <a:chOff x="0" y="0"/>
+          <a:chExt cx="0" cy="0"/>
+        </a:xfrm>
+      </p:grpSpPr>
+      <p:sp>
+        <p:nvSpPr>
+          <p:cNvPr id="2" name="Titel 1"/>
+          <p:cNvSpPr>
+            <a:spLocks noGrp="1"/>
+          </p:cNvSpPr>
+          <p:nvPr>
+            <p:ph type="title"/>
+          </p:nvPr>
+        </p:nvSpPr>
+        <p:spPr/>
+        <p:txBody>
+          <a:bodyPr/>
+          <a:lstStyle/>
+          <a:p>
+            <a:r>
+              <a:rPr lang="de-DE" dirty="0" err="1" smtClean="0"/>
+              <a:t>Conceptual</a:t>
+            </a:r>
+            <a:r>
+              <a:rPr lang="de-DE" dirty="0" smtClean="0"/>
+              <a:t> design</a:t>
+            </a:r>
+            <a:endParaRPr lang="de-DE" dirty="0"/>
+          </a:p>
+        </p:txBody>
+      </p:sp>
+      <p:pic>
+        <p:nvPicPr>
+          <p:cNvPr id="16386" name="Picture 2"/>
+          <p:cNvPicPr>
+            <a:picLocks noChangeAspect="1" noChangeArrowheads="1"/>
+          </p:cNvPicPr>
+          <p:nvPr/>
+        </p:nvPicPr>
+        <p:blipFill>
+          <a:blip r:embed="rId3">
+            <a:extLst>
+              <a:ext uri="{28A0092B-C50C-407E-A947-70E740481C1C}">
+                <a14:useLocalDpi xmlns:a14="http://schemas.microsoft.com/office/drawing/2010/main" val="0"/>
+              </a:ext>
+            </a:extLst>
+          </a:blip>
+          <a:stretch>
+            <a:fillRect/>
+          </a:stretch>
+        </p:blipFill>
+        <p:spPr bwMode="auto">
+          <a:xfrm>
+            <a:off x="413523" y="1628800"/>
+            <a:ext cx="8361243" cy="4032448"/>
+          </a:xfrm>
+          <a:prstGeom prst="rect">
+            <a:avLst/>
+          </a:prstGeom>
+          <a:noFill/>
+          <a:extLst>
+            <a:ext uri="{909E8E84-426E-40DD-AFC4-6F175D3DCCD1}">
+              <a14:hiddenFill xmlns:a14="http://schemas.microsoft.com/office/drawing/2010/main">
+                <a:solidFill>
+                  <a:srgbClr val="FFFFFF"/>
+                </a:solidFill>
+              </a14:hiddenFill>
+            </a:ext>
+          </a:extLst>
+        </p:spPr>
+      </p:pic>
+    </p:spTree>
+    <p:extLst>
+      <p:ext uri="{BB962C8B-B14F-4D97-AF65-F5344CB8AC3E}">
+        <p14:creationId xmlns:p14="http://schemas.microsoft.com/office/powerpoint/2010/main" val="2471718927"/>
+      </p:ext>
+    </p:extLst>
+  </p:cSld>
+  <p:clrMapOvr>
+    <a:masterClrMapping/>
+  </p:clrMapOvr>
+  <p:timing>
+    <p:tnLst>
+      <p:par>
+        <p:cTn id="1" dur="indefinite" restart="never" nodeType="tmRoot"/>
+      </p:par>
+    </p:tnLst>
+  </p:timing>
+</p:sld>
+</file>
+
+<file path=ppt/slides/slide8.xml><?xml version="1.0" encoding="utf-8"?>
 <p:sld xmlns:a="http://schemas.openxmlformats.org/drawingml/2006/main" xmlns:r="http://schemas.openxmlformats.org/officeDocument/2006/relationships" xmlns:p="http://schemas.openxmlformats.org/presentationml/2006/main">
   <p:cSld>
     <p:spTree>
@@ -8820,7 +11660,7 @@
           </a:ln>
           <a:extLst>
             <a:ext uri="{FAA26D3D-D897-4be2-8F04-BA451C77F1D7}">
-              <ma14:placeholderFlag xmlns:ma14="http://schemas.microsoft.com/office/mac/drawingml/2011/main" xmlns="" val="1"/>
+              <ma14:placeholderFlag xmlns="" xmlns:ma14="http://schemas.microsoft.com/office/mac/drawingml/2011/main" val="1"/>
             </a:ext>
           </a:extLst>
         </p:spPr>
@@ -8997,10 +11837,6 @@
               <a:buFont typeface="Wingdings" charset="2"/>
               <a:buNone/>
             </a:pPr>
-            <a:r>
-              <a:rPr lang="de-DE" sz="4800" kern="0" dirty="0" smtClean="0"/>
-              <a:t>+</a:t>
-            </a:r>
             <a:endParaRPr lang="de-DE" sz="4800" kern="0" dirty="0"/>
           </a:p>
         </p:txBody>
@@ -9022,7 +11858,19 @@
           <a:p>
             <a:r>
               <a:rPr lang="de-DE" dirty="0" smtClean="0"/>
-              <a:t>Approach (I)</a:t>
+              <a:t>Properties </a:t>
+            </a:r>
+            <a:r>
+              <a:rPr lang="de-DE" dirty="0" err="1" smtClean="0"/>
+              <a:t>and</a:t>
+            </a:r>
+            <a:r>
+              <a:rPr lang="de-DE" dirty="0" smtClean="0"/>
+              <a:t> </a:t>
+            </a:r>
+            <a:r>
+              <a:rPr lang="de-DE" dirty="0" err="1" smtClean="0"/>
+              <a:t>implementation</a:t>
             </a:r>
             <a:endParaRPr lang="de-DE" dirty="0"/>
           </a:p>
@@ -9055,160 +11903,121 @@
               <a:buNone/>
             </a:pPr>
             <a:r>
-              <a:rPr lang="de-DE" dirty="0" err="1" smtClean="0"/>
+              <a:rPr lang="de-DE" b="1" dirty="0" err="1" smtClean="0"/>
               <a:t>Pseudonymisation</a:t>
             </a:r>
-            <a:endParaRPr lang="de-DE" dirty="0" smtClean="0"/>
-          </a:p>
-          <a:p>
-            <a:pPr marL="0" indent="0">
-              <a:buNone/>
-            </a:pPr>
-            <a:endParaRPr lang="de-DE" dirty="0"/>
-          </a:p>
-          <a:p>
-            <a:r>
-              <a:rPr lang="de-DE" dirty="0" err="1" smtClean="0"/>
-              <a:t>Using</a:t>
-            </a:r>
-            <a:r>
-              <a:rPr lang="de-DE" dirty="0" smtClean="0"/>
-              <a:t> an </a:t>
-            </a:r>
-            <a:r>
-              <a:rPr lang="de-DE" dirty="0" err="1" smtClean="0"/>
-              <a:t>identifier</a:t>
-            </a:r>
-            <a:r>
-              <a:rPr lang="de-DE" dirty="0" smtClean="0"/>
-              <a:t> different </a:t>
-            </a:r>
-            <a:r>
-              <a:rPr lang="de-DE" dirty="0" err="1" smtClean="0"/>
-              <a:t>from</a:t>
-            </a:r>
-            <a:r>
-              <a:rPr lang="de-DE" dirty="0" smtClean="0"/>
-              <a:t> </a:t>
-            </a:r>
-            <a:r>
-              <a:rPr lang="de-DE" dirty="0" err="1" smtClean="0"/>
-              <a:t>the</a:t>
-            </a:r>
-            <a:r>
-              <a:rPr lang="de-DE" dirty="0" smtClean="0"/>
-              <a:t> real </a:t>
-            </a:r>
-            <a:r>
-              <a:rPr lang="de-DE" dirty="0" err="1" smtClean="0"/>
-              <a:t>identifier</a:t>
-            </a:r>
-            <a:r>
-              <a:rPr lang="de-DE" dirty="0" smtClean="0"/>
-              <a:t> </a:t>
-            </a:r>
-            <a:r>
-              <a:rPr lang="de-DE" dirty="0" err="1" smtClean="0"/>
-              <a:t>of</a:t>
-            </a:r>
-            <a:r>
-              <a:rPr lang="de-DE" dirty="0" smtClean="0"/>
-              <a:t> a </a:t>
-            </a:r>
-            <a:r>
-              <a:rPr lang="de-DE" dirty="0" err="1" smtClean="0"/>
-              <a:t>subject</a:t>
-            </a:r>
-            <a:endParaRPr lang="de-DE" dirty="0" smtClean="0"/>
-          </a:p>
-          <a:p>
-            <a:endParaRPr lang="de-DE" dirty="0" smtClean="0"/>
+            <a:endParaRPr lang="de-DE" b="1" dirty="0" smtClean="0"/>
           </a:p>
           <a:p>
             <a:pPr marL="0" indent="0" algn="ctr">
               <a:buNone/>
             </a:pPr>
-            <a:r>
-              <a:rPr lang="de-DE" b="1" dirty="0" smtClean="0"/>
-              <a:t>Alice : 0x2003</a:t>
-            </a:r>
-          </a:p>
-          <a:p>
-            <a:pPr marL="0" indent="0" algn="ctr">
-              <a:buNone/>
-            </a:pPr>
-            <a:endParaRPr lang="de-DE" dirty="0" smtClean="0"/>
-          </a:p>
-          <a:p>
-            <a:r>
-              <a:rPr lang="de-DE" dirty="0" err="1" smtClean="0"/>
-              <a:t>Assignment</a:t>
-            </a:r>
-            <a:r>
-              <a:rPr lang="de-DE" dirty="0" smtClean="0"/>
-              <a:t> e.g. </a:t>
-            </a:r>
-            <a:r>
-              <a:rPr lang="de-DE" dirty="0" err="1" smtClean="0"/>
-              <a:t>by</a:t>
-            </a:r>
-            <a:r>
-              <a:rPr lang="de-DE" dirty="0" smtClean="0"/>
-              <a:t> </a:t>
-            </a:r>
-            <a:r>
-              <a:rPr lang="de-DE" dirty="0" err="1" smtClean="0"/>
-              <a:t>using</a:t>
-            </a:r>
-            <a:r>
-              <a:rPr lang="de-DE" dirty="0" smtClean="0"/>
-              <a:t> </a:t>
-            </a:r>
-            <a:r>
-              <a:rPr lang="de-DE" dirty="0" err="1" smtClean="0"/>
-              <a:t>functions</a:t>
-            </a:r>
-            <a:r>
-              <a:rPr lang="de-DE" dirty="0" smtClean="0"/>
-              <a:t> like </a:t>
-            </a:r>
-            <a:r>
-              <a:rPr lang="de-DE" dirty="0" err="1" smtClean="0"/>
-              <a:t>hash</a:t>
-            </a:r>
-            <a:r>
-              <a:rPr lang="de-DE" dirty="0" smtClean="0"/>
-              <a:t> </a:t>
-            </a:r>
-            <a:r>
-              <a:rPr lang="de-DE" dirty="0" err="1" smtClean="0"/>
-              <a:t>algorithms</a:t>
-            </a:r>
-            <a:r>
-              <a:rPr lang="de-DE" dirty="0" smtClean="0"/>
-              <a:t> </a:t>
-            </a:r>
-            <a:r>
-              <a:rPr lang="de-DE" dirty="0" err="1" smtClean="0"/>
-              <a:t>or</a:t>
-            </a:r>
-            <a:r>
-              <a:rPr lang="de-DE" dirty="0" smtClean="0"/>
-              <a:t> </a:t>
-            </a:r>
-            <a:r>
-              <a:rPr lang="de-DE" b="1" dirty="0" err="1" smtClean="0"/>
-              <a:t>mapping</a:t>
-            </a:r>
-            <a:r>
-              <a:rPr lang="de-DE" b="1" dirty="0" smtClean="0"/>
-              <a:t> </a:t>
-            </a:r>
-            <a:r>
-              <a:rPr lang="de-DE" b="1" dirty="0" err="1" smtClean="0"/>
-              <a:t>tables</a:t>
-            </a:r>
             <a:endParaRPr lang="de-DE" b="1" dirty="0"/>
+          </a:p>
+          <a:p>
+            <a:r>
+              <a:rPr lang="de-DE" dirty="0" err="1"/>
+              <a:t>Changing</a:t>
+            </a:r>
+            <a:r>
+              <a:rPr lang="de-DE" dirty="0"/>
+              <a:t> </a:t>
+            </a:r>
+            <a:r>
+              <a:rPr lang="de-DE" dirty="0" err="1"/>
+              <a:t>pseudonyms</a:t>
+            </a:r>
+            <a:r>
+              <a:rPr lang="de-DE" dirty="0"/>
+              <a:t> </a:t>
+            </a:r>
+            <a:r>
+              <a:rPr lang="de-DE" dirty="0" err="1"/>
+              <a:t>regularly</a:t>
+            </a:r>
+            <a:endParaRPr lang="de-DE" dirty="0"/>
+          </a:p>
+          <a:p>
+            <a:r>
+              <a:rPr lang="de-DE" dirty="0" err="1"/>
+              <a:t>Linkability</a:t>
+            </a:r>
+            <a:r>
+              <a:rPr lang="de-DE" dirty="0"/>
+              <a:t>: </a:t>
+            </a:r>
+            <a:r>
+              <a:rPr lang="de-DE" dirty="0" err="1"/>
+              <a:t>balancing</a:t>
+            </a:r>
+            <a:r>
+              <a:rPr lang="de-DE" dirty="0"/>
+              <a:t> </a:t>
+            </a:r>
+            <a:r>
+              <a:rPr lang="de-DE" dirty="0" err="1"/>
+              <a:t>privacy</a:t>
+            </a:r>
+            <a:r>
+              <a:rPr lang="de-DE" dirty="0"/>
+              <a:t> </a:t>
+            </a:r>
+            <a:r>
+              <a:rPr lang="de-DE" dirty="0" err="1"/>
+              <a:t>and</a:t>
+            </a:r>
+            <a:r>
+              <a:rPr lang="de-DE" dirty="0"/>
+              <a:t> </a:t>
+            </a:r>
+            <a:r>
+              <a:rPr lang="de-DE" dirty="0" err="1"/>
+              <a:t>anomaly</a:t>
+            </a:r>
+            <a:r>
+              <a:rPr lang="de-DE" dirty="0"/>
+              <a:t> </a:t>
+            </a:r>
+            <a:r>
+              <a:rPr lang="de-DE" dirty="0" err="1"/>
+              <a:t>detection</a:t>
+            </a:r>
+            <a:r>
+              <a:rPr lang="de-DE" dirty="0"/>
+              <a:t> </a:t>
+            </a:r>
+            <a:r>
+              <a:rPr lang="de-DE" dirty="0" err="1"/>
+              <a:t>requirements</a:t>
+            </a:r>
+            <a:endParaRPr lang="de-DE" dirty="0"/>
+          </a:p>
+          <a:p>
+            <a:r>
+              <a:rPr lang="de-DE" dirty="0"/>
+              <a:t>Time </a:t>
+            </a:r>
+            <a:r>
+              <a:rPr lang="de-DE" dirty="0" err="1"/>
+              <a:t>and</a:t>
+            </a:r>
+            <a:r>
+              <a:rPr lang="de-DE" dirty="0"/>
+              <a:t> </a:t>
+            </a:r>
+            <a:r>
+              <a:rPr lang="de-DE" dirty="0" err="1"/>
+              <a:t>usage</a:t>
+            </a:r>
+            <a:r>
+              <a:rPr lang="de-DE" dirty="0"/>
+              <a:t> </a:t>
+            </a:r>
+            <a:r>
+              <a:rPr lang="de-DE" dirty="0" err="1" smtClean="0"/>
+              <a:t>dependent</a:t>
+            </a:r>
+            <a:endParaRPr lang="de-DE" dirty="0"/>
           </a:p>
         </p:txBody>
       </p:sp>
@@ -9236,7 +12045,7 @@
           </a:ln>
           <a:extLst>
             <a:ext uri="{FAA26D3D-D897-4be2-8F04-BA451C77F1D7}">
-              <ma14:placeholderFlag xmlns:ma14="http://schemas.microsoft.com/office/mac/drawingml/2011/main" xmlns="" val="1"/>
+              <ma14:placeholderFlag xmlns="" xmlns:ma14="http://schemas.microsoft.com/office/mac/drawingml/2011/main" val="1"/>
             </a:ext>
           </a:extLst>
         </p:spPr>
@@ -9411,18 +12220,18 @@
               <a:buNone/>
             </a:pPr>
             <a:r>
-              <a:rPr lang="de-DE" kern="0" dirty="0" err="1" smtClean="0"/>
+              <a:rPr lang="de-DE" b="1" kern="0" dirty="0" err="1" smtClean="0"/>
               <a:t>Threshold</a:t>
             </a:r>
             <a:r>
-              <a:rPr lang="de-DE" kern="0" dirty="0" smtClean="0"/>
-              <a:t> </a:t>
-            </a:r>
-            <a:r>
-              <a:rPr lang="de-DE" kern="0" dirty="0" err="1" smtClean="0"/>
+              <a:rPr lang="de-DE" b="1" kern="0" dirty="0" smtClean="0"/>
+              <a:t> </a:t>
+            </a:r>
+            <a:r>
+              <a:rPr lang="de-DE" b="1" kern="0" dirty="0" err="1" smtClean="0"/>
               <a:t>cryptosystems</a:t>
             </a:r>
-            <a:endParaRPr lang="de-DE" kern="0" dirty="0" smtClean="0"/>
+            <a:endParaRPr lang="de-DE" b="1" kern="0" dirty="0"/>
           </a:p>
           <a:p>
             <a:pPr marL="0" indent="0" algn="ctr">
@@ -9433,1160 +12242,6 @@
           </a:p>
           <a:p>
             <a:r>
-              <a:rPr lang="de-DE" kern="0" dirty="0" smtClean="0"/>
-              <a:t>(</a:t>
-            </a:r>
-            <a:r>
-              <a:rPr lang="de-DE" kern="0" dirty="0" err="1" smtClean="0"/>
-              <a:t>t,n</a:t>
-            </a:r>
-            <a:r>
-              <a:rPr lang="de-DE" kern="0" dirty="0" smtClean="0"/>
-              <a:t>) </a:t>
-            </a:r>
-            <a:r>
-              <a:rPr lang="de-DE" kern="0" dirty="0" err="1" smtClean="0"/>
-              <a:t>secret</a:t>
-            </a:r>
-            <a:r>
-              <a:rPr lang="de-DE" kern="0" dirty="0" smtClean="0"/>
-              <a:t> </a:t>
-            </a:r>
-            <a:r>
-              <a:rPr lang="de-DE" kern="0" dirty="0" err="1" smtClean="0"/>
-              <a:t>sharing</a:t>
-            </a:r>
-            <a:r>
-              <a:rPr lang="de-DE" kern="0" dirty="0" smtClean="0"/>
-              <a:t> </a:t>
-            </a:r>
-            <a:r>
-              <a:rPr lang="de-DE" kern="0" dirty="0" err="1" smtClean="0"/>
-              <a:t>scheme</a:t>
-            </a:r>
-            <a:endParaRPr lang="de-DE" kern="0" dirty="0" smtClean="0"/>
-          </a:p>
-          <a:p>
-            <a:pPr marL="0" indent="0">
-              <a:buNone/>
-            </a:pPr>
-            <a:endParaRPr lang="de-DE" b="1" kern="0" dirty="0" smtClean="0"/>
-          </a:p>
-          <a:p>
-            <a:r>
-              <a:rPr lang="de-DE" b="1" kern="0" dirty="0" err="1" smtClean="0"/>
-              <a:t>Threshold</a:t>
-            </a:r>
-            <a:r>
-              <a:rPr lang="de-DE" b="1" kern="0" dirty="0" smtClean="0"/>
-              <a:t> </a:t>
-            </a:r>
-            <a:r>
-              <a:rPr lang="de-DE" b="1" kern="0" dirty="0" err="1" smtClean="0"/>
-              <a:t>decryption</a:t>
-            </a:r>
-            <a:endParaRPr lang="de-DE" b="1" kern="0" dirty="0" smtClean="0"/>
-          </a:p>
-          <a:p>
-            <a:pPr marL="857250" lvl="1" indent="-457200">
-              <a:buFont typeface="+mj-lt"/>
-              <a:buAutoNum type="arabicPeriod"/>
-            </a:pPr>
-            <a:r>
-              <a:rPr lang="de-DE" kern="0" dirty="0" smtClean="0"/>
-              <a:t>Key </a:t>
-            </a:r>
-            <a:r>
-              <a:rPr lang="de-DE" kern="0" dirty="0" err="1" smtClean="0"/>
-              <a:t>generation</a:t>
-            </a:r>
-            <a:r>
-              <a:rPr lang="de-DE" kern="0" dirty="0" smtClean="0"/>
-              <a:t> </a:t>
-            </a:r>
-            <a:br>
-              <a:rPr lang="de-DE" kern="0" dirty="0" smtClean="0"/>
-            </a:br>
-            <a:r>
-              <a:rPr lang="de-DE" kern="0" dirty="0" smtClean="0"/>
-              <a:t>(</a:t>
-            </a:r>
-            <a:r>
-              <a:rPr lang="de-DE" kern="0" dirty="0" err="1" smtClean="0"/>
-              <a:t>pk</a:t>
-            </a:r>
-            <a:r>
-              <a:rPr lang="de-DE" kern="0" dirty="0" smtClean="0"/>
-              <a:t>, </a:t>
-            </a:r>
-            <a:r>
-              <a:rPr lang="de-DE" kern="0" dirty="0" err="1" smtClean="0"/>
-              <a:t>shares</a:t>
-            </a:r>
-            <a:r>
-              <a:rPr lang="de-DE" kern="0" dirty="0" smtClean="0"/>
-              <a:t>)</a:t>
-            </a:r>
-          </a:p>
-          <a:p>
-            <a:pPr marL="857250" lvl="1" indent="-457200">
-              <a:buFont typeface="+mj-lt"/>
-              <a:buAutoNum type="arabicPeriod"/>
-            </a:pPr>
-            <a:r>
-              <a:rPr lang="de-DE" kern="0" dirty="0" smtClean="0"/>
-              <a:t>Message </a:t>
-            </a:r>
-            <a:r>
-              <a:rPr lang="de-DE" kern="0" dirty="0" err="1" smtClean="0"/>
-              <a:t>encryption</a:t>
-            </a:r>
-            <a:r>
-              <a:rPr lang="de-DE" kern="0" dirty="0" smtClean="0"/>
-              <a:t> (</a:t>
-            </a:r>
-            <a:r>
-              <a:rPr lang="de-DE" kern="0" dirty="0" err="1" smtClean="0"/>
-              <a:t>pk</a:t>
-            </a:r>
-            <a:r>
-              <a:rPr lang="de-DE" kern="0" dirty="0" smtClean="0"/>
-              <a:t>)</a:t>
-            </a:r>
-          </a:p>
-          <a:p>
-            <a:pPr marL="857250" lvl="1" indent="-457200">
-              <a:buFont typeface="+mj-lt"/>
-              <a:buAutoNum type="arabicPeriod"/>
-            </a:pPr>
-            <a:r>
-              <a:rPr lang="de-DE" kern="0" dirty="0" smtClean="0"/>
-              <a:t>Computing partial </a:t>
-            </a:r>
-            <a:r>
-              <a:rPr lang="de-DE" kern="0" dirty="0" err="1" smtClean="0"/>
-              <a:t>decryptions</a:t>
-            </a:r>
-            <a:endParaRPr lang="de-DE" kern="0" dirty="0" smtClean="0"/>
-          </a:p>
-          <a:p>
-            <a:pPr marL="857250" lvl="1" indent="-457200">
-              <a:buFont typeface="+mj-lt"/>
-              <a:buAutoNum type="arabicPeriod"/>
-            </a:pPr>
-            <a:r>
-              <a:rPr lang="de-DE" kern="0" dirty="0" err="1" smtClean="0"/>
-              <a:t>Decrypting</a:t>
-            </a:r>
-            <a:r>
-              <a:rPr lang="de-DE" kern="0" dirty="0" smtClean="0"/>
-              <a:t> </a:t>
-            </a:r>
-            <a:r>
-              <a:rPr lang="de-DE" kern="0" dirty="0" err="1" smtClean="0"/>
-              <a:t>message</a:t>
-            </a:r>
-            <a:endParaRPr lang="de-DE" kern="0" dirty="0" smtClean="0"/>
-          </a:p>
-          <a:p>
-            <a:pPr marL="447675" lvl="1" indent="0">
-              <a:buNone/>
-            </a:pPr>
-            <a:r>
-              <a:rPr lang="de-DE" kern="0" dirty="0" smtClean="0"/>
-              <a:t>-&gt; Secret </a:t>
-            </a:r>
-            <a:r>
-              <a:rPr lang="de-DE" kern="0" dirty="0" err="1" smtClean="0"/>
-              <a:t>key</a:t>
-            </a:r>
-            <a:r>
-              <a:rPr lang="de-DE" kern="0" dirty="0" smtClean="0"/>
-              <a:t> </a:t>
-            </a:r>
-            <a:r>
-              <a:rPr lang="de-DE" kern="0" dirty="0" err="1" smtClean="0"/>
-              <a:t>is</a:t>
-            </a:r>
-            <a:r>
-              <a:rPr lang="de-DE" kern="0" dirty="0" smtClean="0"/>
-              <a:t> NOT </a:t>
-            </a:r>
-            <a:r>
-              <a:rPr lang="de-DE" kern="0" dirty="0" err="1" smtClean="0"/>
-              <a:t>restored</a:t>
-            </a:r>
-            <a:endParaRPr lang="de-DE" kern="0" dirty="0" smtClean="0"/>
-          </a:p>
-          <a:p>
-            <a:r>
-              <a:rPr lang="de-DE" kern="0" dirty="0" smtClean="0"/>
-              <a:t>Distributed </a:t>
-            </a:r>
-            <a:r>
-              <a:rPr lang="de-DE" kern="0" dirty="0" err="1" smtClean="0"/>
-              <a:t>trust</a:t>
-            </a:r>
-            <a:endParaRPr lang="de-DE" kern="0" dirty="0" smtClean="0"/>
-          </a:p>
-          <a:p>
-            <a:r>
-              <a:rPr lang="de-DE" kern="0" dirty="0" err="1" smtClean="0"/>
-              <a:t>No</a:t>
-            </a:r>
-            <a:r>
-              <a:rPr lang="de-DE" kern="0" dirty="0" smtClean="0"/>
-              <a:t> „</a:t>
-            </a:r>
-            <a:r>
-              <a:rPr lang="de-DE" kern="0" dirty="0" err="1" smtClean="0"/>
-              <a:t>blocking</a:t>
-            </a:r>
-            <a:r>
-              <a:rPr lang="de-DE" kern="0" dirty="0" smtClean="0"/>
-              <a:t>“ </a:t>
-            </a:r>
-            <a:r>
-              <a:rPr lang="de-DE" kern="0" dirty="0" err="1"/>
-              <a:t>p</a:t>
-            </a:r>
-            <a:r>
-              <a:rPr lang="de-DE" kern="0" dirty="0" err="1" smtClean="0"/>
-              <a:t>articipants</a:t>
-            </a:r>
-            <a:r>
-              <a:rPr lang="de-DE" kern="0" dirty="0" smtClean="0"/>
-              <a:t> </a:t>
-            </a:r>
-          </a:p>
-          <a:p>
-            <a:endParaRPr lang="de-DE" kern="0" dirty="0"/>
-          </a:p>
-        </p:txBody>
-      </p:sp>
-      <p:cxnSp>
-        <p:nvCxnSpPr>
-          <p:cNvPr id="8" name="Gerade Verbindung mit Pfeil 7"/>
-          <p:cNvCxnSpPr/>
-          <p:nvPr/>
-        </p:nvCxnSpPr>
-        <p:spPr bwMode="auto">
-          <a:xfrm>
-            <a:off x="6948264" y="2636912"/>
-            <a:ext cx="0" cy="360000"/>
-          </a:xfrm>
-          <a:prstGeom prst="straightConnector1">
-            <a:avLst/>
-          </a:prstGeom>
-          <a:solidFill>
-            <a:schemeClr val="accent1"/>
-          </a:solidFill>
-          <a:ln w="28575" cap="flat" cmpd="sng" algn="ctr">
-            <a:solidFill>
-              <a:schemeClr val="tx2"/>
-            </a:solidFill>
-            <a:prstDash val="solid"/>
-            <a:round/>
-            <a:headEnd type="none" w="med" len="med"/>
-            <a:tailEnd type="arrow"/>
-          </a:ln>
-          <a:effectLst/>
-        </p:spPr>
-      </p:cxnSp>
-    </p:spTree>
-    <p:extLst>
-      <p:ext uri="{BB962C8B-B14F-4D97-AF65-F5344CB8AC3E}">
-        <p14:creationId xmlns:p14="http://schemas.microsoft.com/office/powerpoint/2010/main" val="1911989622"/>
-      </p:ext>
-    </p:extLst>
-  </p:cSld>
-  <p:clrMapOvr>
-    <a:masterClrMapping/>
-  </p:clrMapOvr>
-</p:sld>
-</file>
-
-<file path=ppt/slides/slide6.xml><?xml version="1.0" encoding="utf-8"?>
-<p:sld xmlns:a="http://schemas.openxmlformats.org/drawingml/2006/main" xmlns:r="http://schemas.openxmlformats.org/officeDocument/2006/relationships" xmlns:p="http://schemas.openxmlformats.org/presentationml/2006/main">
-  <p:cSld>
-    <p:spTree>
-      <p:nvGrpSpPr>
-        <p:cNvPr id="1" name=""/>
-        <p:cNvGrpSpPr/>
-        <p:nvPr/>
-      </p:nvGrpSpPr>
-      <p:grpSpPr>
-        <a:xfrm>
-          <a:off x="0" y="0"/>
-          <a:ext cx="0" cy="0"/>
-          <a:chOff x="0" y="0"/>
-          <a:chExt cx="0" cy="0"/>
-        </a:xfrm>
-      </p:grpSpPr>
-      <p:sp>
-        <p:nvSpPr>
-          <p:cNvPr id="2" name="Titel 1"/>
-          <p:cNvSpPr>
-            <a:spLocks noGrp="1"/>
-          </p:cNvSpPr>
-          <p:nvPr>
-            <p:ph type="title"/>
-          </p:nvPr>
-        </p:nvSpPr>
-        <p:spPr/>
-        <p:txBody>
-          <a:bodyPr/>
-          <a:lstStyle/>
-          <a:p>
-            <a:r>
-              <a:rPr lang="de-DE" dirty="0" smtClean="0"/>
-              <a:t>Approach (II)</a:t>
-            </a:r>
-            <a:endParaRPr lang="de-DE" dirty="0"/>
-          </a:p>
-        </p:txBody>
-      </p:sp>
-      <p:pic>
-        <p:nvPicPr>
-          <p:cNvPr id="15363" name="Picture 3"/>
-          <p:cNvPicPr>
-            <a:picLocks noChangeAspect="1" noChangeArrowheads="1"/>
-          </p:cNvPicPr>
-          <p:nvPr/>
-        </p:nvPicPr>
-        <p:blipFill>
-          <a:blip r:embed="rId2">
-            <a:extLst>
-              <a:ext uri="{28A0092B-C50C-407E-A947-70E740481C1C}">
-                <a14:useLocalDpi xmlns:a14="http://schemas.microsoft.com/office/drawing/2010/main" val="0"/>
-              </a:ext>
-            </a:extLst>
-          </a:blip>
-          <a:stretch>
-            <a:fillRect/>
-          </a:stretch>
-        </p:blipFill>
-        <p:spPr bwMode="auto">
-          <a:xfrm>
-            <a:off x="755576" y="1414091"/>
-            <a:ext cx="7962652" cy="5113027"/>
-          </a:xfrm>
-          <a:prstGeom prst="rect">
-            <a:avLst/>
-          </a:prstGeom>
-          <a:noFill/>
-          <a:extLst>
-            <a:ext uri="{909E8E84-426E-40DD-AFC4-6F175D3DCCD1}">
-              <a14:hiddenFill xmlns:a14="http://schemas.microsoft.com/office/drawing/2010/main">
-                <a:solidFill>
-                  <a:srgbClr val="FFFFFF"/>
-                </a:solidFill>
-              </a14:hiddenFill>
-            </a:ext>
-          </a:extLst>
-        </p:spPr>
-      </p:pic>
-    </p:spTree>
-    <p:extLst>
-      <p:ext uri="{BB962C8B-B14F-4D97-AF65-F5344CB8AC3E}">
-        <p14:creationId xmlns:p14="http://schemas.microsoft.com/office/powerpoint/2010/main" val="1268790526"/>
-      </p:ext>
-    </p:extLst>
-  </p:cSld>
-  <p:clrMapOvr>
-    <a:masterClrMapping/>
-  </p:clrMapOvr>
-</p:sld>
-</file>
-
-<file path=ppt/slides/slide7.xml><?xml version="1.0" encoding="utf-8"?>
-<p:sld xmlns:a="http://schemas.openxmlformats.org/drawingml/2006/main" xmlns:r="http://schemas.openxmlformats.org/officeDocument/2006/relationships" xmlns:p="http://schemas.openxmlformats.org/presentationml/2006/main">
-  <p:cSld>
-    <p:spTree>
-      <p:nvGrpSpPr>
-        <p:cNvPr id="1" name=""/>
-        <p:cNvGrpSpPr/>
-        <p:nvPr/>
-      </p:nvGrpSpPr>
-      <p:grpSpPr>
-        <a:xfrm>
-          <a:off x="0" y="0"/>
-          <a:ext cx="0" cy="0"/>
-          <a:chOff x="0" y="0"/>
-          <a:chExt cx="0" cy="0"/>
-        </a:xfrm>
-      </p:grpSpPr>
-      <p:sp>
-        <p:nvSpPr>
-          <p:cNvPr id="2" name="Titel 1"/>
-          <p:cNvSpPr>
-            <a:spLocks noGrp="1"/>
-          </p:cNvSpPr>
-          <p:nvPr>
-            <p:ph type="title"/>
-          </p:nvPr>
-        </p:nvSpPr>
-        <p:spPr/>
-        <p:txBody>
-          <a:bodyPr/>
-          <a:lstStyle/>
-          <a:p>
-            <a:r>
-              <a:rPr lang="de-DE" dirty="0" err="1" smtClean="0"/>
-              <a:t>Conceptual</a:t>
-            </a:r>
-            <a:r>
-              <a:rPr lang="de-DE" dirty="0" smtClean="0"/>
-              <a:t> design</a:t>
-            </a:r>
-            <a:endParaRPr lang="de-DE" dirty="0"/>
-          </a:p>
-        </p:txBody>
-      </p:sp>
-      <p:pic>
-        <p:nvPicPr>
-          <p:cNvPr id="16386" name="Picture 2"/>
-          <p:cNvPicPr>
-            <a:picLocks noChangeAspect="1" noChangeArrowheads="1"/>
-          </p:cNvPicPr>
-          <p:nvPr/>
-        </p:nvPicPr>
-        <p:blipFill>
-          <a:blip r:embed="rId2">
-            <a:extLst>
-              <a:ext uri="{28A0092B-C50C-407E-A947-70E740481C1C}">
-                <a14:useLocalDpi xmlns:a14="http://schemas.microsoft.com/office/drawing/2010/main" val="0"/>
-              </a:ext>
-            </a:extLst>
-          </a:blip>
-          <a:stretch>
-            <a:fillRect/>
-          </a:stretch>
-        </p:blipFill>
-        <p:spPr bwMode="auto">
-          <a:xfrm>
-            <a:off x="413522" y="1628800"/>
-            <a:ext cx="8361243" cy="4032448"/>
-          </a:xfrm>
-          <a:prstGeom prst="rect">
-            <a:avLst/>
-          </a:prstGeom>
-          <a:noFill/>
-          <a:extLst>
-            <a:ext uri="{909E8E84-426E-40DD-AFC4-6F175D3DCCD1}">
-              <a14:hiddenFill xmlns:a14="http://schemas.microsoft.com/office/drawing/2010/main">
-                <a:solidFill>
-                  <a:srgbClr val="FFFFFF"/>
-                </a:solidFill>
-              </a14:hiddenFill>
-            </a:ext>
-          </a:extLst>
-        </p:spPr>
-      </p:pic>
-    </p:spTree>
-    <p:extLst>
-      <p:ext uri="{BB962C8B-B14F-4D97-AF65-F5344CB8AC3E}">
-        <p14:creationId xmlns:p14="http://schemas.microsoft.com/office/powerpoint/2010/main" val="2471718927"/>
-      </p:ext>
-    </p:extLst>
-  </p:cSld>
-  <p:clrMapOvr>
-    <a:masterClrMapping/>
-  </p:clrMapOvr>
-</p:sld>
-</file>
-
-<file path=ppt/slides/slide8.xml><?xml version="1.0" encoding="utf-8"?>
-<p:sld xmlns:a="http://schemas.openxmlformats.org/drawingml/2006/main" xmlns:r="http://schemas.openxmlformats.org/officeDocument/2006/relationships" xmlns:p="http://schemas.openxmlformats.org/presentationml/2006/main">
-  <p:cSld>
-    <p:spTree>
-      <p:nvGrpSpPr>
-        <p:cNvPr id="1" name=""/>
-        <p:cNvGrpSpPr/>
-        <p:nvPr/>
-      </p:nvGrpSpPr>
-      <p:grpSpPr>
-        <a:xfrm>
-          <a:off x="0" y="0"/>
-          <a:ext cx="0" cy="0"/>
-          <a:chOff x="0" y="0"/>
-          <a:chExt cx="0" cy="0"/>
-        </a:xfrm>
-      </p:grpSpPr>
-      <p:sp>
-        <p:nvSpPr>
-          <p:cNvPr id="6" name="Inhaltsplatzhalter 2"/>
-          <p:cNvSpPr txBox="1">
-            <a:spLocks/>
-          </p:cNvSpPr>
-          <p:nvPr/>
-        </p:nvSpPr>
-        <p:spPr bwMode="auto">
-          <a:xfrm>
-            <a:off x="4139952" y="1484784"/>
-            <a:ext cx="985539" cy="5040560"/>
-          </a:xfrm>
-          <a:prstGeom prst="rect">
-            <a:avLst/>
-          </a:prstGeom>
-          <a:noFill/>
-          <a:ln>
-            <a:noFill/>
-          </a:ln>
-          <a:extLst>
-            <a:ext uri="{FAA26D3D-D897-4be2-8F04-BA451C77F1D7}">
-              <ma14:placeholderFlag xmlns:ma14="http://schemas.microsoft.com/office/mac/drawingml/2011/main" xmlns="" val="1"/>
-            </a:ext>
-          </a:extLst>
-        </p:spPr>
-        <p:txBody>
-          <a:bodyPr vert="horz" wrap="square" lIns="91440" tIns="45720" rIns="91440" bIns="45720" numCol="1" anchor="ctr" anchorCtr="0" compatLnSpc="1">
-            <a:prstTxWarp prst="textNoShape">
-              <a:avLst/>
-            </a:prstTxWarp>
-          </a:bodyPr>
-          <a:lstStyle>
-            <a:lvl1pPr marL="342900" indent="-342900" algn="l" rtl="0" eaLnBrk="1" fontAlgn="base" hangingPunct="1">
-              <a:spcBef>
-                <a:spcPct val="20000"/>
-              </a:spcBef>
-              <a:spcAft>
-                <a:spcPct val="0"/>
-              </a:spcAft>
-              <a:buClr>
-                <a:schemeClr val="accent2"/>
-              </a:buClr>
-              <a:buSzPct val="120000"/>
-              <a:buFont typeface="Wingdings" charset="2"/>
-              <a:buChar char="§"/>
-              <a:defRPr sz="2000">
-                <a:solidFill>
-                  <a:schemeClr val="hlink"/>
-                </a:solidFill>
-                <a:latin typeface="+mn-lt"/>
-                <a:ea typeface="ＭＳ Ｐゴシック" charset="0"/>
-                <a:cs typeface="ＭＳ Ｐゴシック" charset="0"/>
-              </a:defRPr>
-            </a:lvl1pPr>
-            <a:lvl2pPr marL="742950" indent="-285750" algn="l" rtl="0" eaLnBrk="1" fontAlgn="base" hangingPunct="1">
-              <a:spcBef>
-                <a:spcPct val="20000"/>
-              </a:spcBef>
-              <a:spcAft>
-                <a:spcPct val="0"/>
-              </a:spcAft>
-              <a:buClr>
-                <a:schemeClr val="tx2"/>
-              </a:buClr>
-              <a:buChar char="–"/>
-              <a:defRPr sz="2000">
-                <a:solidFill>
-                  <a:schemeClr val="tx1"/>
-                </a:solidFill>
-                <a:latin typeface="+mn-lt"/>
-                <a:ea typeface="ＭＳ Ｐゴシック" pitchFamily="-107" charset="-128"/>
-              </a:defRPr>
-            </a:lvl2pPr>
-            <a:lvl3pPr marL="1143000" indent="-228600" algn="l" rtl="0" eaLnBrk="1" fontAlgn="base" hangingPunct="1">
-              <a:spcBef>
-                <a:spcPct val="20000"/>
-              </a:spcBef>
-              <a:spcAft>
-                <a:spcPct val="0"/>
-              </a:spcAft>
-              <a:buClr>
-                <a:schemeClr val="bg2"/>
-              </a:buClr>
-              <a:buSzPct val="90000"/>
-              <a:buChar char="•"/>
-              <a:defRPr sz="2000">
-                <a:solidFill>
-                  <a:schemeClr val="tx1"/>
-                </a:solidFill>
-                <a:latin typeface="+mn-lt"/>
-                <a:ea typeface="ＭＳ Ｐゴシック" pitchFamily="-107" charset="-128"/>
-              </a:defRPr>
-            </a:lvl3pPr>
-            <a:lvl4pPr marL="1600200" indent="-228600" algn="l" rtl="0" eaLnBrk="1" fontAlgn="base" hangingPunct="1">
-              <a:spcBef>
-                <a:spcPct val="20000"/>
-              </a:spcBef>
-              <a:spcAft>
-                <a:spcPct val="0"/>
-              </a:spcAft>
-              <a:buChar char="–"/>
-              <a:defRPr sz="2000">
-                <a:solidFill>
-                  <a:schemeClr val="tx1"/>
-                </a:solidFill>
-                <a:latin typeface="+mn-lt"/>
-                <a:ea typeface="ＭＳ Ｐゴシック" pitchFamily="-107" charset="-128"/>
-              </a:defRPr>
-            </a:lvl4pPr>
-            <a:lvl5pPr marL="2057400" indent="-228600" algn="l" rtl="0" eaLnBrk="1" fontAlgn="base" hangingPunct="1">
-              <a:spcBef>
-                <a:spcPct val="20000"/>
-              </a:spcBef>
-              <a:spcAft>
-                <a:spcPct val="0"/>
-              </a:spcAft>
-              <a:buChar char="»"/>
-              <a:defRPr sz="2000">
-                <a:solidFill>
-                  <a:schemeClr val="tx1"/>
-                </a:solidFill>
-                <a:latin typeface="+mn-lt"/>
-                <a:ea typeface="ＭＳ Ｐゴシック" pitchFamily="-107" charset="-128"/>
-              </a:defRPr>
-            </a:lvl5pPr>
-            <a:lvl6pPr marL="2514600" indent="-228600" algn="l" rtl="0" eaLnBrk="1" fontAlgn="base" hangingPunct="1">
-              <a:spcBef>
-                <a:spcPct val="20000"/>
-              </a:spcBef>
-              <a:spcAft>
-                <a:spcPct val="0"/>
-              </a:spcAft>
-              <a:buChar char="»"/>
-              <a:defRPr>
-                <a:solidFill>
-                  <a:schemeClr val="tx1"/>
-                </a:solidFill>
-                <a:latin typeface="+mn-lt"/>
-                <a:ea typeface="ＭＳ Ｐゴシック" pitchFamily="-107" charset="-128"/>
-              </a:defRPr>
-            </a:lvl6pPr>
-            <a:lvl7pPr marL="2971800" indent="-228600" algn="l" rtl="0" eaLnBrk="1" fontAlgn="base" hangingPunct="1">
-              <a:spcBef>
-                <a:spcPct val="20000"/>
-              </a:spcBef>
-              <a:spcAft>
-                <a:spcPct val="0"/>
-              </a:spcAft>
-              <a:buChar char="»"/>
-              <a:defRPr>
-                <a:solidFill>
-                  <a:schemeClr val="tx1"/>
-                </a:solidFill>
-                <a:latin typeface="+mn-lt"/>
-                <a:ea typeface="ＭＳ Ｐゴシック" pitchFamily="-107" charset="-128"/>
-              </a:defRPr>
-            </a:lvl7pPr>
-            <a:lvl8pPr marL="3429000" indent="-228600" algn="l" rtl="0" eaLnBrk="1" fontAlgn="base" hangingPunct="1">
-              <a:spcBef>
-                <a:spcPct val="20000"/>
-              </a:spcBef>
-              <a:spcAft>
-                <a:spcPct val="0"/>
-              </a:spcAft>
-              <a:buChar char="»"/>
-              <a:defRPr>
-                <a:solidFill>
-                  <a:schemeClr val="tx1"/>
-                </a:solidFill>
-                <a:latin typeface="+mn-lt"/>
-                <a:ea typeface="ＭＳ Ｐゴシック" pitchFamily="-107" charset="-128"/>
-              </a:defRPr>
-            </a:lvl8pPr>
-            <a:lvl9pPr marL="3886200" indent="-228600" algn="l" rtl="0" eaLnBrk="1" fontAlgn="base" hangingPunct="1">
-              <a:spcBef>
-                <a:spcPct val="20000"/>
-              </a:spcBef>
-              <a:spcAft>
-                <a:spcPct val="0"/>
-              </a:spcAft>
-              <a:buChar char="»"/>
-              <a:defRPr>
-                <a:solidFill>
-                  <a:schemeClr val="tx1"/>
-                </a:solidFill>
-                <a:latin typeface="+mn-lt"/>
-                <a:ea typeface="ＭＳ Ｐゴシック" pitchFamily="-107" charset="-128"/>
-              </a:defRPr>
-            </a:lvl9pPr>
-          </a:lstStyle>
-          <a:p>
-            <a:pPr marL="0" indent="0" algn="ctr">
-              <a:spcAft>
-                <a:spcPts val="1200"/>
-              </a:spcAft>
-              <a:buFont typeface="Wingdings" charset="2"/>
-              <a:buNone/>
-            </a:pPr>
-            <a:endParaRPr lang="de-DE" sz="4800" kern="0" dirty="0"/>
-          </a:p>
-        </p:txBody>
-      </p:sp>
-      <p:sp>
-        <p:nvSpPr>
-          <p:cNvPr id="2" name="Titel 1"/>
-          <p:cNvSpPr>
-            <a:spLocks noGrp="1"/>
-          </p:cNvSpPr>
-          <p:nvPr>
-            <p:ph type="title"/>
-          </p:nvPr>
-        </p:nvSpPr>
-        <p:spPr/>
-        <p:txBody>
-          <a:bodyPr/>
-          <a:lstStyle/>
-          <a:p>
-            <a:r>
-              <a:rPr lang="de-DE" dirty="0" smtClean="0"/>
-              <a:t>This </a:t>
-            </a:r>
-            <a:r>
-              <a:rPr lang="de-DE" dirty="0" err="1" smtClean="0"/>
-              <a:t>way</a:t>
-            </a:r>
-            <a:r>
-              <a:rPr lang="de-DE" dirty="0" smtClean="0"/>
-              <a:t>?</a:t>
-            </a:r>
-            <a:endParaRPr lang="de-DE" dirty="0"/>
-          </a:p>
-        </p:txBody>
-      </p:sp>
-      <p:sp>
-        <p:nvSpPr>
-          <p:cNvPr id="3" name="Inhaltsplatzhalter 2"/>
-          <p:cNvSpPr>
-            <a:spLocks noGrp="1"/>
-          </p:cNvSpPr>
-          <p:nvPr>
-            <p:ph idx="1"/>
-          </p:nvPr>
-        </p:nvSpPr>
-        <p:spPr>
-          <a:xfrm>
-            <a:off x="457200" y="1484784"/>
-            <a:ext cx="3682752" cy="5040560"/>
-          </a:xfrm>
-          <a:solidFill>
-            <a:schemeClr val="accent5"/>
-          </a:solidFill>
-        </p:spPr>
-        <p:txBody>
-          <a:bodyPr/>
-          <a:lstStyle/>
-          <a:p>
-            <a:pPr marL="0" indent="0" algn="ctr">
-              <a:buNone/>
-            </a:pPr>
-            <a:r>
-              <a:rPr lang="de-DE" b="1" dirty="0" err="1" smtClean="0"/>
-              <a:t>Pseudonymisation</a:t>
-            </a:r>
-            <a:endParaRPr lang="de-DE" b="1" dirty="0"/>
-          </a:p>
-          <a:p>
-            <a:r>
-              <a:rPr lang="de-DE" dirty="0" err="1"/>
-              <a:t>Changing</a:t>
-            </a:r>
-            <a:r>
-              <a:rPr lang="de-DE" dirty="0"/>
-              <a:t> </a:t>
-            </a:r>
-            <a:r>
-              <a:rPr lang="de-DE" dirty="0" err="1"/>
-              <a:t>pseudonyms</a:t>
-            </a:r>
-            <a:r>
-              <a:rPr lang="de-DE" dirty="0"/>
-              <a:t> </a:t>
-            </a:r>
-            <a:r>
-              <a:rPr lang="de-DE" dirty="0" err="1"/>
-              <a:t>regularly</a:t>
-            </a:r>
-            <a:endParaRPr lang="de-DE" dirty="0"/>
-          </a:p>
-          <a:p>
-            <a:r>
-              <a:rPr lang="de-DE" dirty="0" err="1"/>
-              <a:t>Linkability</a:t>
-            </a:r>
-            <a:r>
-              <a:rPr lang="de-DE" dirty="0"/>
-              <a:t>: </a:t>
-            </a:r>
-            <a:r>
-              <a:rPr lang="de-DE" dirty="0" err="1"/>
-              <a:t>balancing</a:t>
-            </a:r>
-            <a:r>
-              <a:rPr lang="de-DE" dirty="0"/>
-              <a:t> </a:t>
-            </a:r>
-            <a:r>
-              <a:rPr lang="de-DE" dirty="0" err="1"/>
-              <a:t>privacy</a:t>
-            </a:r>
-            <a:r>
-              <a:rPr lang="de-DE" dirty="0"/>
-              <a:t> </a:t>
-            </a:r>
-            <a:r>
-              <a:rPr lang="de-DE" dirty="0" err="1"/>
-              <a:t>and</a:t>
-            </a:r>
-            <a:r>
-              <a:rPr lang="de-DE" dirty="0"/>
-              <a:t> </a:t>
-            </a:r>
-            <a:r>
-              <a:rPr lang="de-DE" dirty="0" err="1"/>
-              <a:t>anomaly</a:t>
-            </a:r>
-            <a:r>
-              <a:rPr lang="de-DE" dirty="0"/>
-              <a:t> </a:t>
-            </a:r>
-            <a:r>
-              <a:rPr lang="de-DE" dirty="0" err="1"/>
-              <a:t>detection</a:t>
-            </a:r>
-            <a:r>
-              <a:rPr lang="de-DE" dirty="0"/>
-              <a:t> </a:t>
-            </a:r>
-            <a:r>
-              <a:rPr lang="de-DE" dirty="0" err="1"/>
-              <a:t>requirements</a:t>
-            </a:r>
-            <a:endParaRPr lang="de-DE" dirty="0"/>
-          </a:p>
-          <a:p>
-            <a:r>
-              <a:rPr lang="de-DE" dirty="0"/>
-              <a:t>Time </a:t>
-            </a:r>
-            <a:r>
-              <a:rPr lang="de-DE" dirty="0" err="1"/>
-              <a:t>and</a:t>
-            </a:r>
-            <a:r>
-              <a:rPr lang="de-DE" dirty="0"/>
-              <a:t> </a:t>
-            </a:r>
-            <a:r>
-              <a:rPr lang="de-DE" dirty="0" err="1"/>
-              <a:t>usage</a:t>
-            </a:r>
-            <a:r>
-              <a:rPr lang="de-DE" dirty="0"/>
-              <a:t> </a:t>
-            </a:r>
-            <a:r>
-              <a:rPr lang="de-DE" dirty="0" err="1"/>
-              <a:t>dependent</a:t>
-            </a:r>
-            <a:endParaRPr lang="de-DE" dirty="0"/>
-          </a:p>
-          <a:p>
-            <a:r>
-              <a:rPr lang="de-DE" dirty="0"/>
-              <a:t>Parameter </a:t>
-            </a:r>
-            <a:r>
-              <a:rPr lang="de-DE" dirty="0" err="1"/>
-              <a:t>choice</a:t>
-            </a:r>
-            <a:r>
-              <a:rPr lang="de-DE" dirty="0"/>
-              <a:t> </a:t>
-            </a:r>
-            <a:r>
-              <a:rPr lang="de-DE" dirty="0" err="1"/>
-              <a:t>depends</a:t>
-            </a:r>
-            <a:r>
-              <a:rPr lang="de-DE" dirty="0"/>
-              <a:t> on</a:t>
-            </a:r>
-          </a:p>
-          <a:p>
-            <a:pPr lvl="1"/>
-            <a:r>
-              <a:rPr lang="de-DE" dirty="0"/>
-              <a:t>Data </a:t>
-            </a:r>
-            <a:r>
-              <a:rPr lang="de-DE" dirty="0" err="1"/>
-              <a:t>source</a:t>
-            </a:r>
-            <a:r>
-              <a:rPr lang="de-DE" dirty="0"/>
-              <a:t> </a:t>
-            </a:r>
-            <a:r>
-              <a:rPr lang="de-DE" dirty="0" err="1"/>
-              <a:t>properties</a:t>
-            </a:r>
-            <a:endParaRPr lang="de-DE" dirty="0"/>
-          </a:p>
-          <a:p>
-            <a:pPr lvl="1"/>
-            <a:r>
-              <a:rPr lang="de-DE" dirty="0" err="1"/>
-              <a:t>Anomaly</a:t>
-            </a:r>
-            <a:r>
-              <a:rPr lang="de-DE" dirty="0"/>
-              <a:t> </a:t>
-            </a:r>
-            <a:r>
-              <a:rPr lang="de-DE" dirty="0" err="1"/>
-              <a:t>detection</a:t>
-            </a:r>
-            <a:r>
-              <a:rPr lang="de-DE" dirty="0"/>
-              <a:t> </a:t>
-            </a:r>
-            <a:r>
-              <a:rPr lang="de-DE" dirty="0" err="1"/>
-              <a:t>requirements</a:t>
-            </a:r>
-            <a:endParaRPr lang="de-DE" dirty="0"/>
-          </a:p>
-          <a:p>
-            <a:endParaRPr lang="de-DE" dirty="0"/>
-          </a:p>
-          <a:p>
-            <a:r>
-              <a:rPr lang="de-DE" dirty="0"/>
-              <a:t>Implementation:  </a:t>
-            </a:r>
-            <a:r>
-              <a:rPr lang="de-DE" dirty="0" err="1"/>
-              <a:t>straightforward</a:t>
-            </a:r>
-            <a:endParaRPr lang="de-DE" dirty="0"/>
-          </a:p>
-        </p:txBody>
-      </p:sp>
-      <p:sp>
-        <p:nvSpPr>
-          <p:cNvPr id="4" name="Inhaltsplatzhalter 2"/>
-          <p:cNvSpPr txBox="1">
-            <a:spLocks/>
-          </p:cNvSpPr>
-          <p:nvPr/>
-        </p:nvSpPr>
-        <p:spPr bwMode="auto">
-          <a:xfrm>
-            <a:off x="5125491" y="1484784"/>
-            <a:ext cx="3682752" cy="5040560"/>
-          </a:xfrm>
-          <a:prstGeom prst="rect">
-            <a:avLst/>
-          </a:prstGeom>
-          <a:solidFill>
-            <a:schemeClr val="accent5"/>
-          </a:solidFill>
-          <a:ln>
-            <a:noFill/>
-          </a:ln>
-          <a:extLst>
-            <a:ext uri="{FAA26D3D-D897-4be2-8F04-BA451C77F1D7}">
-              <ma14:placeholderFlag xmlns:ma14="http://schemas.microsoft.com/office/mac/drawingml/2011/main" xmlns="" val="1"/>
-            </a:ext>
-          </a:extLst>
-        </p:spPr>
-        <p:txBody>
-          <a:bodyPr vert="horz" wrap="square" lIns="91440" tIns="45720" rIns="91440" bIns="45720" numCol="1" anchor="t" anchorCtr="0" compatLnSpc="1">
-            <a:prstTxWarp prst="textNoShape">
-              <a:avLst/>
-            </a:prstTxWarp>
-          </a:bodyPr>
-          <a:lstStyle>
-            <a:lvl1pPr marL="342900" indent="-342900" algn="l" rtl="0" eaLnBrk="1" fontAlgn="base" hangingPunct="1">
-              <a:spcBef>
-                <a:spcPct val="20000"/>
-              </a:spcBef>
-              <a:spcAft>
-                <a:spcPct val="0"/>
-              </a:spcAft>
-              <a:buClr>
-                <a:schemeClr val="accent2"/>
-              </a:buClr>
-              <a:buSzPct val="120000"/>
-              <a:buFont typeface="Wingdings" charset="2"/>
-              <a:buChar char="§"/>
-              <a:defRPr sz="2000">
-                <a:solidFill>
-                  <a:schemeClr val="hlink"/>
-                </a:solidFill>
-                <a:latin typeface="+mn-lt"/>
-                <a:ea typeface="ＭＳ Ｐゴシック" charset="0"/>
-                <a:cs typeface="ＭＳ Ｐゴシック" charset="0"/>
-              </a:defRPr>
-            </a:lvl1pPr>
-            <a:lvl2pPr marL="742950" indent="-285750" algn="l" rtl="0" eaLnBrk="1" fontAlgn="base" hangingPunct="1">
-              <a:spcBef>
-                <a:spcPct val="20000"/>
-              </a:spcBef>
-              <a:spcAft>
-                <a:spcPct val="0"/>
-              </a:spcAft>
-              <a:buClr>
-                <a:schemeClr val="tx2"/>
-              </a:buClr>
-              <a:buChar char="–"/>
-              <a:defRPr sz="2000">
-                <a:solidFill>
-                  <a:schemeClr val="tx1"/>
-                </a:solidFill>
-                <a:latin typeface="+mn-lt"/>
-                <a:ea typeface="ＭＳ Ｐゴシック" pitchFamily="-107" charset="-128"/>
-              </a:defRPr>
-            </a:lvl2pPr>
-            <a:lvl3pPr marL="1143000" indent="-228600" algn="l" rtl="0" eaLnBrk="1" fontAlgn="base" hangingPunct="1">
-              <a:spcBef>
-                <a:spcPct val="20000"/>
-              </a:spcBef>
-              <a:spcAft>
-                <a:spcPct val="0"/>
-              </a:spcAft>
-              <a:buClr>
-                <a:schemeClr val="bg2"/>
-              </a:buClr>
-              <a:buSzPct val="90000"/>
-              <a:buChar char="•"/>
-              <a:defRPr sz="2000">
-                <a:solidFill>
-                  <a:schemeClr val="tx1"/>
-                </a:solidFill>
-                <a:latin typeface="+mn-lt"/>
-                <a:ea typeface="ＭＳ Ｐゴシック" pitchFamily="-107" charset="-128"/>
-              </a:defRPr>
-            </a:lvl3pPr>
-            <a:lvl4pPr marL="1600200" indent="-228600" algn="l" rtl="0" eaLnBrk="1" fontAlgn="base" hangingPunct="1">
-              <a:spcBef>
-                <a:spcPct val="20000"/>
-              </a:spcBef>
-              <a:spcAft>
-                <a:spcPct val="0"/>
-              </a:spcAft>
-              <a:buChar char="–"/>
-              <a:defRPr sz="2000">
-                <a:solidFill>
-                  <a:schemeClr val="tx1"/>
-                </a:solidFill>
-                <a:latin typeface="+mn-lt"/>
-                <a:ea typeface="ＭＳ Ｐゴシック" pitchFamily="-107" charset="-128"/>
-              </a:defRPr>
-            </a:lvl4pPr>
-            <a:lvl5pPr marL="2057400" indent="-228600" algn="l" rtl="0" eaLnBrk="1" fontAlgn="base" hangingPunct="1">
-              <a:spcBef>
-                <a:spcPct val="20000"/>
-              </a:spcBef>
-              <a:spcAft>
-                <a:spcPct val="0"/>
-              </a:spcAft>
-              <a:buChar char="»"/>
-              <a:defRPr sz="2000">
-                <a:solidFill>
-                  <a:schemeClr val="tx1"/>
-                </a:solidFill>
-                <a:latin typeface="+mn-lt"/>
-                <a:ea typeface="ＭＳ Ｐゴシック" pitchFamily="-107" charset="-128"/>
-              </a:defRPr>
-            </a:lvl5pPr>
-            <a:lvl6pPr marL="2514600" indent="-228600" algn="l" rtl="0" eaLnBrk="1" fontAlgn="base" hangingPunct="1">
-              <a:spcBef>
-                <a:spcPct val="20000"/>
-              </a:spcBef>
-              <a:spcAft>
-                <a:spcPct val="0"/>
-              </a:spcAft>
-              <a:buChar char="»"/>
-              <a:defRPr>
-                <a:solidFill>
-                  <a:schemeClr val="tx1"/>
-                </a:solidFill>
-                <a:latin typeface="+mn-lt"/>
-                <a:ea typeface="ＭＳ Ｐゴシック" pitchFamily="-107" charset="-128"/>
-              </a:defRPr>
-            </a:lvl6pPr>
-            <a:lvl7pPr marL="2971800" indent="-228600" algn="l" rtl="0" eaLnBrk="1" fontAlgn="base" hangingPunct="1">
-              <a:spcBef>
-                <a:spcPct val="20000"/>
-              </a:spcBef>
-              <a:spcAft>
-                <a:spcPct val="0"/>
-              </a:spcAft>
-              <a:buChar char="»"/>
-              <a:defRPr>
-                <a:solidFill>
-                  <a:schemeClr val="tx1"/>
-                </a:solidFill>
-                <a:latin typeface="+mn-lt"/>
-                <a:ea typeface="ＭＳ Ｐゴシック" pitchFamily="-107" charset="-128"/>
-              </a:defRPr>
-            </a:lvl7pPr>
-            <a:lvl8pPr marL="3429000" indent="-228600" algn="l" rtl="0" eaLnBrk="1" fontAlgn="base" hangingPunct="1">
-              <a:spcBef>
-                <a:spcPct val="20000"/>
-              </a:spcBef>
-              <a:spcAft>
-                <a:spcPct val="0"/>
-              </a:spcAft>
-              <a:buChar char="»"/>
-              <a:defRPr>
-                <a:solidFill>
-                  <a:schemeClr val="tx1"/>
-                </a:solidFill>
-                <a:latin typeface="+mn-lt"/>
-                <a:ea typeface="ＭＳ Ｐゴシック" pitchFamily="-107" charset="-128"/>
-              </a:defRPr>
-            </a:lvl8pPr>
-            <a:lvl9pPr marL="3886200" indent="-228600" algn="l" rtl="0" eaLnBrk="1" fontAlgn="base" hangingPunct="1">
-              <a:spcBef>
-                <a:spcPct val="20000"/>
-              </a:spcBef>
-              <a:spcAft>
-                <a:spcPct val="0"/>
-              </a:spcAft>
-              <a:buChar char="»"/>
-              <a:defRPr>
-                <a:solidFill>
-                  <a:schemeClr val="tx1"/>
-                </a:solidFill>
-                <a:latin typeface="+mn-lt"/>
-                <a:ea typeface="ＭＳ Ｐゴシック" pitchFamily="-107" charset="-128"/>
-              </a:defRPr>
-            </a:lvl9pPr>
-          </a:lstStyle>
-          <a:p>
-            <a:pPr marL="0" indent="0" algn="ctr">
-              <a:buFont typeface="Wingdings" charset="2"/>
-              <a:buNone/>
-            </a:pPr>
-            <a:r>
-              <a:rPr lang="de-DE" b="1" kern="0" dirty="0" err="1" smtClean="0"/>
-              <a:t>Threshold</a:t>
-            </a:r>
-            <a:r>
-              <a:rPr lang="de-DE" b="1" kern="0" dirty="0" smtClean="0"/>
-              <a:t> </a:t>
-            </a:r>
-            <a:r>
-              <a:rPr lang="de-DE" b="1" kern="0" dirty="0" err="1" smtClean="0"/>
-              <a:t>cryptosystems</a:t>
-            </a:r>
-            <a:endParaRPr lang="de-DE" b="1" kern="0" dirty="0" smtClean="0"/>
-          </a:p>
-          <a:p>
-            <a:pPr marL="0" indent="0" algn="ctr">
-              <a:buFont typeface="Wingdings" charset="2"/>
-              <a:buNone/>
-            </a:pPr>
-            <a:endParaRPr lang="de-DE" kern="0" dirty="0"/>
-          </a:p>
-          <a:p>
-            <a:r>
               <a:rPr lang="de-DE" dirty="0" err="1"/>
               <a:t>Threshold</a:t>
             </a:r>
@@ -10662,33 +12317,10 @@
               <a:t> </a:t>
             </a:r>
             <a:r>
-              <a:rPr lang="de-DE" dirty="0" err="1"/>
+              <a:rPr lang="de-DE" dirty="0" err="1" smtClean="0"/>
               <a:t>sharing</a:t>
             </a:r>
-            <a:endParaRPr lang="de-DE" dirty="0"/>
-          </a:p>
-          <a:p>
-            <a:r>
-              <a:rPr lang="de-DE" dirty="0" err="1"/>
-              <a:t>Centralized</a:t>
-            </a:r>
-            <a:r>
-              <a:rPr lang="de-DE" dirty="0"/>
-              <a:t> </a:t>
-            </a:r>
-            <a:r>
-              <a:rPr lang="de-DE" dirty="0" err="1"/>
-              <a:t>key</a:t>
-            </a:r>
-            <a:r>
-              <a:rPr lang="de-DE" dirty="0"/>
-              <a:t> </a:t>
-            </a:r>
-            <a:r>
-              <a:rPr lang="de-DE" dirty="0" err="1"/>
-              <a:t>generation</a:t>
-            </a:r>
-            <a:endParaRPr lang="de-DE" dirty="0"/>
+            <a:endParaRPr lang="de-DE" dirty="0" smtClean="0"/>
           </a:p>
           <a:p>
             <a:endParaRPr lang="de-DE" dirty="0"/>
@@ -10784,6 +12416,178 @@
   <p:clrMapOvr>
     <a:masterClrMapping/>
   </p:clrMapOvr>
+  <p:timing>
+    <p:tnLst>
+      <p:par>
+        <p:cTn id="1" dur="indefinite" restart="never" nodeType="tmRoot">
+          <p:childTnLst>
+            <p:seq concurrent="1" nextAc="seek">
+              <p:cTn id="2" dur="indefinite" nodeType="mainSeq">
+                <p:childTnLst>
+                  <p:par>
+                    <p:cTn id="3" fill="hold">
+                      <p:stCondLst>
+                        <p:cond delay="indefinite"/>
+                      </p:stCondLst>
+                      <p:childTnLst>
+                        <p:par>
+                          <p:cTn id="4" fill="hold">
+                            <p:stCondLst>
+                              <p:cond delay="0"/>
+                            </p:stCondLst>
+                            <p:childTnLst>
+                              <p:par>
+                                <p:cTn id="5" presetID="1" presetClass="entr" presetSubtype="0" fill="hold" nodeType="clickEffect">
+                                  <p:stCondLst>
+                                    <p:cond delay="0"/>
+                                  </p:stCondLst>
+                                  <p:childTnLst>
+                                    <p:set>
+                                      <p:cBhvr>
+                                        <p:cTn id="6" dur="1" fill="hold">
+                                          <p:stCondLst>
+                                            <p:cond delay="0"/>
+                                          </p:stCondLst>
+                                        </p:cTn>
+                                        <p:tgtEl>
+                                          <p:spTgt spid="4">
+                                            <p:txEl>
+                                              <p:pRg st="2" end="2"/>
+                                            </p:txEl>
+                                          </p:spTgt>
+                                        </p:tgtEl>
+                                        <p:attrNameLst>
+                                          <p:attrName>style.visibility</p:attrName>
+                                        </p:attrNameLst>
+                                      </p:cBhvr>
+                                      <p:to>
+                                        <p:strVal val="visible"/>
+                                      </p:to>
+                                    </p:set>
+                                  </p:childTnLst>
+                                </p:cTn>
+                              </p:par>
+                              <p:par>
+                                <p:cTn id="7" presetID="1" presetClass="entr" presetSubtype="0" fill="hold" nodeType="withEffect">
+                                  <p:stCondLst>
+                                    <p:cond delay="0"/>
+                                  </p:stCondLst>
+                                  <p:childTnLst>
+                                    <p:set>
+                                      <p:cBhvr>
+                                        <p:cTn id="8" dur="1" fill="hold">
+                                          <p:stCondLst>
+                                            <p:cond delay="0"/>
+                                          </p:stCondLst>
+                                        </p:cTn>
+                                        <p:tgtEl>
+                                          <p:spTgt spid="4">
+                                            <p:txEl>
+                                              <p:pRg st="4" end="4"/>
+                                            </p:txEl>
+                                          </p:spTgt>
+                                        </p:tgtEl>
+                                        <p:attrNameLst>
+                                          <p:attrName>style.visibility</p:attrName>
+                                        </p:attrNameLst>
+                                      </p:cBhvr>
+                                      <p:to>
+                                        <p:strVal val="visible"/>
+                                      </p:to>
+                                    </p:set>
+                                  </p:childTnLst>
+                                </p:cTn>
+                              </p:par>
+                              <p:par>
+                                <p:cTn id="9" presetID="1" presetClass="entr" presetSubtype="0" fill="hold" nodeType="withEffect">
+                                  <p:stCondLst>
+                                    <p:cond delay="0"/>
+                                  </p:stCondLst>
+                                  <p:childTnLst>
+                                    <p:set>
+                                      <p:cBhvr>
+                                        <p:cTn id="10" dur="1" fill="hold">
+                                          <p:stCondLst>
+                                            <p:cond delay="0"/>
+                                          </p:stCondLst>
+                                        </p:cTn>
+                                        <p:tgtEl>
+                                          <p:spTgt spid="4">
+                                            <p:txEl>
+                                              <p:pRg st="5" end="5"/>
+                                            </p:txEl>
+                                          </p:spTgt>
+                                        </p:tgtEl>
+                                        <p:attrNameLst>
+                                          <p:attrName>style.visibility</p:attrName>
+                                        </p:attrNameLst>
+                                      </p:cBhvr>
+                                      <p:to>
+                                        <p:strVal val="visible"/>
+                                      </p:to>
+                                    </p:set>
+                                  </p:childTnLst>
+                                </p:cTn>
+                              </p:par>
+                              <p:par>
+                                <p:cTn id="11" presetID="1" presetClass="entr" presetSubtype="0" fill="hold" nodeType="withEffect">
+                                  <p:stCondLst>
+                                    <p:cond delay="0"/>
+                                  </p:stCondLst>
+                                  <p:childTnLst>
+                                    <p:set>
+                                      <p:cBhvr>
+                                        <p:cTn id="12" dur="1" fill="hold">
+                                          <p:stCondLst>
+                                            <p:cond delay="0"/>
+                                          </p:stCondLst>
+                                        </p:cTn>
+                                        <p:tgtEl>
+                                          <p:spTgt spid="4">
+                                            <p:txEl>
+                                              <p:pRg st="6" end="6"/>
+                                            </p:txEl>
+                                          </p:spTgt>
+                                        </p:tgtEl>
+                                        <p:attrNameLst>
+                                          <p:attrName>style.visibility</p:attrName>
+                                        </p:attrNameLst>
+                                      </p:cBhvr>
+                                      <p:to>
+                                        <p:strVal val="visible"/>
+                                      </p:to>
+                                    </p:set>
+                                  </p:childTnLst>
+                                </p:cTn>
+                              </p:par>
+                            </p:childTnLst>
+                          </p:cTn>
+                        </p:par>
+                      </p:childTnLst>
+                    </p:cTn>
+                  </p:par>
+                </p:childTnLst>
+              </p:cTn>
+              <p:prevCondLst>
+                <p:cond evt="onPrev" delay="0">
+                  <p:tgtEl>
+                    <p:sldTgt/>
+                  </p:tgtEl>
+                </p:cond>
+              </p:prevCondLst>
+              <p:nextCondLst>
+                <p:cond evt="onNext" delay="0">
+                  <p:tgtEl>
+                    <p:sldTgt/>
+                  </p:tgtEl>
+                </p:cond>
+              </p:nextCondLst>
+            </p:seq>
+          </p:childTnLst>
+        </p:cTn>
+      </p:par>
+    </p:tnLst>
+  </p:timing>
 </p:sld>
 </file>
 
@@ -10908,24 +12712,24 @@
           </a:p>
           <a:p>
             <a:r>
+              <a:rPr lang="de-DE" dirty="0" err="1"/>
+              <a:t>Searchable</a:t>
+            </a:r>
+            <a:r>
+              <a:rPr lang="de-DE" dirty="0"/>
+              <a:t> </a:t>
+            </a:r>
+            <a:r>
+              <a:rPr lang="de-DE" dirty="0" err="1" smtClean="0"/>
+              <a:t>encryption</a:t>
+            </a:r>
+            <a:endParaRPr lang="de-DE" strike="sngStrike" dirty="0" smtClean="0"/>
+          </a:p>
+          <a:p>
+            <a:r>
               <a:rPr lang="de-DE" b="1" dirty="0" smtClean="0"/>
               <a:t>MACs</a:t>
             </a:r>
-          </a:p>
-          <a:p>
-            <a:r>
-              <a:rPr lang="de-DE" dirty="0" err="1" smtClean="0"/>
-              <a:t>Searchable</a:t>
-            </a:r>
-            <a:r>
-              <a:rPr lang="de-DE" dirty="0" smtClean="0"/>
-              <a:t> </a:t>
-            </a:r>
-            <a:r>
-              <a:rPr lang="de-DE" dirty="0" err="1" smtClean="0"/>
-              <a:t>encryption</a:t>
-            </a:r>
-            <a:endParaRPr lang="de-DE" dirty="0" smtClean="0"/>
           </a:p>
           <a:p>
             <a:endParaRPr lang="de-DE" dirty="0"/>
@@ -10954,7 +12758,7 @@
         </p:blipFill>
         <p:spPr bwMode="auto">
           <a:xfrm>
-            <a:off x="1554522" y="1632135"/>
+            <a:off x="1554522" y="1632137"/>
             <a:ext cx="6034956" cy="2260129"/>
           </a:xfrm>
           <a:prstGeom prst="rect">
@@ -10982,6 +12786,13 @@
   <p:clrMapOvr>
     <a:masterClrMapping/>
   </p:clrMapOvr>
+  <p:timing>
+    <p:tnLst>
+      <p:par>
+        <p:cTn id="1" dur="indefinite" restart="never" nodeType="tmRoot"/>
+      </p:par>
+    </p:tnLst>
+  </p:timing>
 </p:sld>
 </file>
 

--- a/kolloquium/TemplateSlides2016.pptx
+++ b/kolloquium/TemplateSlides2016.pptx
@@ -246,11 +246,11 @@
           <c:showBubbleSize val="0"/>
         </c:dLbls>
         <c:gapWidth val="75"/>
-        <c:axId val="66796928"/>
-        <c:axId val="106107264"/>
+        <c:axId val="35507200"/>
+        <c:axId val="35508992"/>
       </c:barChart>
       <c:catAx>
-        <c:axId val="66796928"/>
+        <c:axId val="35507200"/>
         <c:scaling>
           <c:orientation val="minMax"/>
         </c:scaling>
@@ -269,7 +269,7 @@
             <a:endParaRPr lang="de-DE"/>
           </a:p>
         </c:txPr>
-        <c:crossAx val="106107264"/>
+        <c:crossAx val="35508992"/>
         <c:crosses val="autoZero"/>
         <c:auto val="1"/>
         <c:lblAlgn val="ctr"/>
@@ -277,7 +277,7 @@
         <c:noMultiLvlLbl val="0"/>
       </c:catAx>
       <c:valAx>
-        <c:axId val="106107264"/>
+        <c:axId val="35508992"/>
         <c:scaling>
           <c:orientation val="minMax"/>
         </c:scaling>
@@ -314,7 +314,7 @@
         <c:majorTickMark val="none"/>
         <c:minorTickMark val="none"/>
         <c:tickLblPos val="nextTo"/>
-        <c:crossAx val="66796928"/>
+        <c:crossAx val="35507200"/>
         <c:crosses val="autoZero"/>
         <c:crossBetween val="between"/>
       </c:valAx>
@@ -431,11 +431,11 @@
           <c:showBubbleSize val="0"/>
         </c:dLbls>
         <c:gapWidth val="75"/>
-        <c:axId val="46897024"/>
-        <c:axId val="46898560"/>
+        <c:axId val="36360960"/>
+        <c:axId val="36362496"/>
       </c:barChart>
       <c:catAx>
-        <c:axId val="46897024"/>
+        <c:axId val="36360960"/>
         <c:scaling>
           <c:orientation val="minMax"/>
         </c:scaling>
@@ -454,7 +454,7 @@
             <a:endParaRPr lang="de-DE"/>
           </a:p>
         </c:txPr>
-        <c:crossAx val="46898560"/>
+        <c:crossAx val="36362496"/>
         <c:crosses val="autoZero"/>
         <c:auto val="1"/>
         <c:lblAlgn val="ctr"/>
@@ -462,7 +462,7 @@
         <c:noMultiLvlLbl val="0"/>
       </c:catAx>
       <c:valAx>
-        <c:axId val="46898560"/>
+        <c:axId val="36362496"/>
         <c:scaling>
           <c:orientation val="minMax"/>
         </c:scaling>
@@ -499,7 +499,7 @@
         <c:majorTickMark val="none"/>
         <c:minorTickMark val="none"/>
         <c:tickLblPos val="nextTo"/>
-        <c:crossAx val="46897024"/>
+        <c:crossAx val="36360960"/>
         <c:crosses val="autoZero"/>
         <c:crossBetween val="between"/>
       </c:valAx>
@@ -1195,7 +1195,7 @@
               <a:rPr lang="de-DE" smtClean="0">
                 <a:latin typeface="Calibri"/>
               </a:rPr>
-              <a:t>19.03.2018</a:t>
+              <a:t>20.03.2018</a:t>
             </a:fld>
             <a:endParaRPr lang="de-DE" dirty="0">
               <a:latin typeface="Calibri"/>
@@ -2006,8 +2006,108 @@
           <a:p>
             <a:pPr eaLnBrk="1" hangingPunct="1"/>
             <a:r>
+              <a:rPr lang="de-DE" dirty="0" smtClean="0"/>
+              <a:t>Privacy-</a:t>
+            </a:r>
+            <a:r>
+              <a:rPr lang="de-DE" dirty="0" err="1" smtClean="0"/>
+              <a:t>preserving</a:t>
+            </a:r>
+            <a:r>
+              <a:rPr lang="de-DE" dirty="0" smtClean="0"/>
+              <a:t> </a:t>
+            </a:r>
+            <a:r>
+              <a:rPr lang="de-DE" dirty="0" err="1" smtClean="0"/>
+              <a:t>storage</a:t>
+            </a:r>
+            <a:r>
+              <a:rPr lang="de-DE" dirty="0" smtClean="0"/>
+              <a:t> </a:t>
+            </a:r>
+            <a:r>
+              <a:rPr lang="de-DE" dirty="0" err="1" smtClean="0"/>
+              <a:t>of</a:t>
+            </a:r>
+            <a:r>
+              <a:rPr lang="de-DE" dirty="0" smtClean="0"/>
+              <a:t> </a:t>
+            </a:r>
+            <a:r>
+              <a:rPr lang="de-DE" dirty="0" err="1" smtClean="0"/>
+              <a:t>enterprise</a:t>
+            </a:r>
+            <a:r>
+              <a:rPr lang="de-DE" dirty="0" smtClean="0"/>
+              <a:t> log </a:t>
+            </a:r>
+            <a:r>
+              <a:rPr lang="de-DE" dirty="0" err="1" smtClean="0"/>
+              <a:t>data</a:t>
+            </a:r>
+            <a:r>
+              <a:rPr lang="de-DE" dirty="0" smtClean="0"/>
+              <a:t> </a:t>
+            </a:r>
+            <a:r>
+              <a:rPr lang="de-DE" dirty="0" err="1" smtClean="0"/>
+              <a:t>using</a:t>
+            </a:r>
+            <a:r>
+              <a:rPr lang="de-DE" dirty="0" smtClean="0"/>
+              <a:t> </a:t>
+            </a:r>
+            <a:r>
+              <a:rPr lang="de-DE" dirty="0" err="1" smtClean="0"/>
+              <a:t>pseudonymisation</a:t>
+            </a:r>
+            <a:r>
+              <a:rPr lang="de-DE" dirty="0" smtClean="0"/>
+              <a:t> </a:t>
+            </a:r>
+            <a:r>
+              <a:rPr lang="de-DE" dirty="0" err="1" smtClean="0"/>
+              <a:t>and</a:t>
+            </a:r>
+            <a:r>
+              <a:rPr lang="de-DE" dirty="0" smtClean="0"/>
+              <a:t> </a:t>
+            </a:r>
+            <a:r>
+              <a:rPr lang="de-DE" dirty="0" err="1" smtClean="0"/>
+              <a:t>cryptographic</a:t>
+            </a:r>
+            <a:r>
+              <a:rPr lang="de-DE" baseline="0" dirty="0" smtClean="0"/>
+              <a:t> </a:t>
+            </a:r>
+            <a:r>
+              <a:rPr lang="de-DE" baseline="0" dirty="0" err="1" smtClean="0"/>
+              <a:t>threshold</a:t>
+            </a:r>
+            <a:r>
+              <a:rPr lang="de-DE" baseline="0" dirty="0" smtClean="0"/>
+              <a:t> </a:t>
+            </a:r>
+            <a:r>
+              <a:rPr lang="de-DE" baseline="0" dirty="0" err="1" smtClean="0"/>
+              <a:t>schemes</a:t>
+            </a:r>
+            <a:endParaRPr lang="de-DE" dirty="0" smtClean="0"/>
+          </a:p>
+          <a:p>
+            <a:pPr eaLnBrk="1" hangingPunct="1"/>
+            <a:endParaRPr lang="de-DE" dirty="0" smtClean="0"/>
+          </a:p>
+          <a:p>
+            <a:pPr eaLnBrk="1" hangingPunct="1"/>
+            <a:r>
+              <a:rPr lang="de-DE" dirty="0" smtClean="0"/>
+              <a:t>Langsam </a:t>
+            </a:r>
+            <a:r>
               <a:rPr lang="de-DE" dirty="0"/>
-              <a:t>Langsam sprechen</a:t>
+              <a:t>sprechen</a:t>
             </a:r>
           </a:p>
           <a:p>
@@ -2045,7 +2145,7 @@
 </p:notes>
 </file>
 
-<file path=ppt/notesSlides/notesSlide2.xml><?xml version="1.0" encoding="utf-8"?>
+<file path=ppt/notesSlides/notesSlide10.xml><?xml version="1.0" encoding="utf-8"?>
 <p:notes xmlns:a="http://schemas.openxmlformats.org/drawingml/2006/main" xmlns:r="http://schemas.openxmlformats.org/officeDocument/2006/relationships" xmlns:p="http://schemas.openxmlformats.org/presentationml/2006/main">
   <p:cSld>
     <p:spTree>
@@ -2099,9 +2199,14 @@
               <a:buChar char="•"/>
             </a:pPr>
             <a:r>
-              <a:rPr lang="en-US" dirty="0" smtClean="0"/>
-              <a:t>regular access control, intrusion detection systems, ... not usable, because users are allowed too perform actions</a:t>
-            </a:r>
+              <a:rPr lang="de-DE" dirty="0" smtClean="0"/>
+              <a:t>Not </a:t>
+            </a:r>
+            <a:r>
+              <a:rPr lang="de-DE" dirty="0" err="1" smtClean="0"/>
+              <a:t>distributed</a:t>
+            </a:r>
+            <a:endParaRPr lang="de-DE" dirty="0" smtClean="0"/>
           </a:p>
           <a:p>
             <a:pPr marL="171450" indent="-171450">
@@ -2109,132 +2214,29 @@
               <a:buChar char="•"/>
             </a:pPr>
             <a:r>
-              <a:rPr lang="en-US" dirty="0" smtClean="0"/>
-              <a:t/>
-            </a:r>
-            <a:br>
-              <a:rPr lang="en-US" dirty="0" smtClean="0"/>
-            </a:br>
-            <a:r>
-              <a:rPr lang="en-US" dirty="0" smtClean="0"/>
-              <a:t>-&gt; </a:t>
-            </a:r>
-            <a:r>
-              <a:rPr lang="en-US" b="1" dirty="0" smtClean="0"/>
-              <a:t>anomaly-based detection </a:t>
-            </a:r>
-            <a:r>
-              <a:rPr lang="en-US" dirty="0" smtClean="0"/>
-              <a:t>= comparing current user </a:t>
-            </a:r>
-            <a:r>
-              <a:rPr lang="en-US" dirty="0" err="1" smtClean="0"/>
-              <a:t>behaviour</a:t>
-            </a:r>
-            <a:r>
-              <a:rPr lang="en-US" dirty="0" smtClean="0"/>
-              <a:t> with common user </a:t>
-            </a:r>
-            <a:r>
-              <a:rPr lang="en-US" dirty="0" err="1" smtClean="0"/>
-              <a:t>behaviour</a:t>
-            </a:r>
-            <a:r>
-              <a:rPr lang="en-US" dirty="0" smtClean="0"/>
-              <a:t> (statistical approach/machine learning)</a:t>
-            </a:r>
-          </a:p>
-          <a:p>
-            <a:pPr marL="171450" indent="-171450">
-              <a:buFont typeface="Arial" panose="020B0604020202020204" pitchFamily="34" charset="0"/>
-              <a:buChar char="•"/>
-            </a:pPr>
-            <a:r>
-              <a:rPr lang="en-US" dirty="0" smtClean="0"/>
-              <a:t>requires a lot of data</a:t>
-            </a:r>
-          </a:p>
-          <a:p>
-            <a:pPr marL="171450" indent="-171450">
-              <a:buFont typeface="Arial" panose="020B0604020202020204" pitchFamily="34" charset="0"/>
-              <a:buChar char="•"/>
-            </a:pPr>
-            <a:endParaRPr lang="en-US" dirty="0" smtClean="0"/>
-          </a:p>
-          <a:p>
-            <a:pPr marL="171450" indent="-171450">
-              <a:buFont typeface="Arial" panose="020B0604020202020204" pitchFamily="34" charset="0"/>
-              <a:buChar char="•"/>
-            </a:pPr>
-            <a:r>
-              <a:rPr lang="en-US" dirty="0" smtClean="0"/>
-              <a:t>But storing and processing this data can collide with the privacy of employees</a:t>
-            </a:r>
-          </a:p>
-          <a:p>
-            <a:pPr marL="171450" indent="-171450">
-              <a:buFont typeface="Arial" panose="020B0604020202020204" pitchFamily="34" charset="0"/>
-              <a:buChar char="•"/>
-            </a:pPr>
-            <a:r>
-              <a:rPr lang="en-US" i="1" dirty="0" smtClean="0"/>
-              <a:t>Bundesdatenschutzgesetz</a:t>
-            </a:r>
-            <a:r>
-              <a:rPr lang="en-US" dirty="0" smtClean="0"/>
-              <a:t>,§32, 1:</a:t>
-            </a:r>
-            <a:br>
-              <a:rPr lang="en-US" dirty="0" smtClean="0"/>
-            </a:br>
-            <a:r>
-              <a:rPr lang="en-US" dirty="0" smtClean="0"/>
-              <a:t>Data related to employees may just be used for detecting crimes when there is concrete evidence </a:t>
-            </a:r>
-          </a:p>
-          <a:p>
-            <a:pPr marL="171450" indent="-171450">
-              <a:buFont typeface="Arial" panose="020B0604020202020204" pitchFamily="34" charset="0"/>
-              <a:buChar char="•"/>
-            </a:pPr>
-            <a:r>
-              <a:rPr lang="en-US" dirty="0" smtClean="0"/>
-              <a:t>BAG Erfurt:</a:t>
-            </a:r>
-            <a:br>
-              <a:rPr lang="en-US" dirty="0" smtClean="0"/>
-            </a:br>
-            <a:r>
-              <a:rPr lang="en-US" dirty="0" smtClean="0"/>
-              <a:t>Using</a:t>
-            </a:r>
-            <a:r>
-              <a:rPr lang="en-US" baseline="0" dirty="0" smtClean="0"/>
-              <a:t> </a:t>
-            </a:r>
-            <a:r>
-              <a:rPr lang="en-US" baseline="0" dirty="0" err="1" smtClean="0"/>
-              <a:t>keyloggers</a:t>
-            </a:r>
-            <a:r>
-              <a:rPr lang="en-US" baseline="0" dirty="0" smtClean="0"/>
-              <a:t> to test user </a:t>
-            </a:r>
-            <a:r>
-              <a:rPr lang="en-US" baseline="0" dirty="0" err="1" smtClean="0"/>
-              <a:t>behaviour</a:t>
-            </a:r>
-            <a:r>
-              <a:rPr lang="en-US" baseline="0" dirty="0" smtClean="0"/>
-              <a:t> is not allowed</a:t>
-            </a:r>
-            <a:endParaRPr lang="de-DE" dirty="0" smtClean="0"/>
-          </a:p>
-          <a:p>
-            <a:pPr marL="171450" indent="-171450">
-              <a:buFont typeface="Arial" panose="020B0604020202020204" pitchFamily="34" charset="0"/>
-              <a:buChar char="•"/>
-            </a:pPr>
+              <a:rPr lang="de-DE" dirty="0" err="1" smtClean="0"/>
+              <a:t>Faster</a:t>
+            </a:r>
+            <a:r>
+              <a:rPr lang="de-DE" baseline="0" dirty="0" smtClean="0"/>
+              <a:t> </a:t>
+            </a:r>
+            <a:r>
+              <a:rPr lang="de-DE" baseline="0" dirty="0" err="1" smtClean="0"/>
+              <a:t>crypto</a:t>
+            </a:r>
+            <a:r>
+              <a:rPr lang="de-DE" baseline="0" dirty="0" smtClean="0"/>
+              <a:t>: ECC, </a:t>
+            </a:r>
+            <a:r>
+              <a:rPr lang="de-DE" baseline="0" dirty="0" err="1" smtClean="0"/>
+              <a:t>implementation</a:t>
+            </a:r>
+            <a:r>
+              <a:rPr lang="de-DE" baseline="0" dirty="0" smtClean="0"/>
+              <a:t> in C/…</a:t>
+            </a:r>
             <a:endParaRPr lang="de-DE" dirty="0"/>
           </a:p>
         </p:txBody>
@@ -2262,7 +2264,7 @@
               <a:pPr>
                 <a:defRPr/>
               </a:pPr>
-              <a:t>4</a:t>
+              <a:t>14</a:t>
             </a:fld>
             <a:endParaRPr lang="de-DE"/>
           </a:p>
@@ -2271,7 +2273,442 @@
     </p:spTree>
     <p:extLst>
       <p:ext uri="{BB962C8B-B14F-4D97-AF65-F5344CB8AC3E}">
-        <p14:creationId xmlns:p14="http://schemas.microsoft.com/office/powerpoint/2010/main" val="2430395130"/>
+        <p14:creationId xmlns:p14="http://schemas.microsoft.com/office/powerpoint/2010/main" val="3075402256"/>
+      </p:ext>
+    </p:extLst>
+  </p:cSld>
+  <p:clrMapOvr>
+    <a:masterClrMapping/>
+  </p:clrMapOvr>
+</p:notes>
+</file>
+
+<file path=ppt/notesSlides/notesSlide11.xml><?xml version="1.0" encoding="utf-8"?>
+<p:notes xmlns:a="http://schemas.openxmlformats.org/drawingml/2006/main" xmlns:r="http://schemas.openxmlformats.org/officeDocument/2006/relationships" xmlns:p="http://schemas.openxmlformats.org/presentationml/2006/main">
+  <p:cSld>
+    <p:spTree>
+      <p:nvGrpSpPr>
+        <p:cNvPr id="1" name=""/>
+        <p:cNvGrpSpPr/>
+        <p:nvPr/>
+      </p:nvGrpSpPr>
+      <p:grpSpPr>
+        <a:xfrm>
+          <a:off x="0" y="0"/>
+          <a:ext cx="0" cy="0"/>
+          <a:chOff x="0" y="0"/>
+          <a:chExt cx="0" cy="0"/>
+        </a:xfrm>
+      </p:grpSpPr>
+      <p:sp>
+        <p:nvSpPr>
+          <p:cNvPr id="2" name="Folienbildplatzhalter 1"/>
+          <p:cNvSpPr>
+            <a:spLocks noGrp="1" noRot="1" noChangeAspect="1"/>
+          </p:cNvSpPr>
+          <p:nvPr>
+            <p:ph type="sldImg"/>
+          </p:nvPr>
+        </p:nvSpPr>
+        <p:spPr>
+          <a:xfrm>
+            <a:off x="1143000" y="685800"/>
+            <a:ext cx="4572000" cy="3429000"/>
+          </a:xfrm>
+        </p:spPr>
+      </p:sp>
+      <p:sp>
+        <p:nvSpPr>
+          <p:cNvPr id="3" name="Notizenplatzhalter 2"/>
+          <p:cNvSpPr>
+            <a:spLocks noGrp="1"/>
+          </p:cNvSpPr>
+          <p:nvPr>
+            <p:ph type="body" idx="1"/>
+          </p:nvPr>
+        </p:nvSpPr>
+        <p:spPr/>
+        <p:txBody>
+          <a:bodyPr/>
+          <a:lstStyle/>
+          <a:p>
+            <a:pPr marL="171450" indent="-171450">
+              <a:buFont typeface="Arial" panose="020B0604020202020204" pitchFamily="34" charset="0"/>
+              <a:buChar char="•"/>
+            </a:pPr>
+            <a:r>
+              <a:rPr lang="en-US" dirty="0" smtClean="0"/>
+              <a:t>Serious threat for companies (examples)</a:t>
+            </a:r>
+          </a:p>
+          <a:p>
+            <a:pPr marL="171450" indent="-171450">
+              <a:buFont typeface="Arial" panose="020B0604020202020204" pitchFamily="34" charset="0"/>
+              <a:buChar char="•"/>
+            </a:pPr>
+            <a:r>
+              <a:rPr lang="en-US" dirty="0" smtClean="0"/>
+              <a:t>IBM, </a:t>
+            </a:r>
+            <a:r>
+              <a:rPr lang="en-US" dirty="0" err="1" smtClean="0"/>
+              <a:t>Bitkom</a:t>
+            </a:r>
+            <a:r>
+              <a:rPr lang="en-US" dirty="0" smtClean="0"/>
+              <a:t> TODO</a:t>
+            </a:r>
+          </a:p>
+          <a:p>
+            <a:pPr marL="171450" indent="-171450">
+              <a:buFont typeface="Arial" panose="020B0604020202020204" pitchFamily="34" charset="0"/>
+              <a:buChar char="•"/>
+            </a:pPr>
+            <a:r>
+              <a:rPr lang="en-US" dirty="0" smtClean="0"/>
+              <a:t>regular access control, intrusion detection systems, ... not usable, because users are allowed too perform actions</a:t>
+            </a:r>
+          </a:p>
+          <a:p>
+            <a:pPr marL="171450" indent="-171450">
+              <a:buFont typeface="Arial" panose="020B0604020202020204" pitchFamily="34" charset="0"/>
+              <a:buChar char="•"/>
+            </a:pPr>
+            <a:r>
+              <a:rPr lang="en-US" dirty="0" smtClean="0"/>
+              <a:t>-&gt; anomaly-based detection = comparing current user </a:t>
+            </a:r>
+            <a:r>
+              <a:rPr lang="en-US" dirty="0" err="1" smtClean="0"/>
+              <a:t>behaviour</a:t>
+            </a:r>
+            <a:r>
+              <a:rPr lang="en-US" dirty="0" smtClean="0"/>
+              <a:t> with common user </a:t>
+            </a:r>
+            <a:r>
+              <a:rPr lang="en-US" dirty="0" err="1" smtClean="0"/>
+              <a:t>behaviour</a:t>
+            </a:r>
+            <a:r>
+              <a:rPr lang="en-US" dirty="0" smtClean="0"/>
+              <a:t> (statistical approach/machine learning)</a:t>
+            </a:r>
+          </a:p>
+          <a:p>
+            <a:pPr marL="171450" indent="-171450">
+              <a:buFont typeface="Arial" panose="020B0604020202020204" pitchFamily="34" charset="0"/>
+              <a:buChar char="•"/>
+            </a:pPr>
+            <a:r>
+              <a:rPr lang="en-US" dirty="0" smtClean="0"/>
+              <a:t>requires a lot of data</a:t>
+            </a:r>
+          </a:p>
+          <a:p>
+            <a:pPr marL="171450" indent="-171450">
+              <a:buFont typeface="Arial" panose="020B0604020202020204" pitchFamily="34" charset="0"/>
+              <a:buChar char="•"/>
+            </a:pPr>
+            <a:r>
+              <a:rPr lang="en-US" dirty="0" smtClean="0"/>
+              <a:t>But storing and processing this data can collide with the privacy of employees</a:t>
+            </a:r>
+          </a:p>
+          <a:p>
+            <a:pPr marL="171450" indent="-171450">
+              <a:buFont typeface="Arial" panose="020B0604020202020204" pitchFamily="34" charset="0"/>
+              <a:buChar char="•"/>
+            </a:pPr>
+            <a:r>
+              <a:rPr lang="en-US" i="1" dirty="0" smtClean="0"/>
+              <a:t>Bundesdatenschutzgesetz</a:t>
+            </a:r>
+            <a:r>
+              <a:rPr lang="en-US" dirty="0" smtClean="0"/>
+              <a:t>,§32, 1:</a:t>
+            </a:r>
+            <a:br>
+              <a:rPr lang="en-US" dirty="0" smtClean="0"/>
+            </a:br>
+            <a:r>
+              <a:rPr lang="en-US" dirty="0" smtClean="0"/>
+              <a:t>Data related to employees can be used for detecting crimes just with concrete evidence </a:t>
+            </a:r>
+            <a:endParaRPr lang="de-DE" dirty="0" smtClean="0"/>
+          </a:p>
+          <a:p>
+            <a:pPr marL="171450" indent="-171450">
+              <a:buFont typeface="Arial" panose="020B0604020202020204" pitchFamily="34" charset="0"/>
+              <a:buChar char="•"/>
+            </a:pPr>
+            <a:endParaRPr lang="de-DE" dirty="0"/>
+          </a:p>
+        </p:txBody>
+      </p:sp>
+      <p:sp>
+        <p:nvSpPr>
+          <p:cNvPr id="4" name="Foliennummernplatzhalter 3"/>
+          <p:cNvSpPr>
+            <a:spLocks noGrp="1"/>
+          </p:cNvSpPr>
+          <p:nvPr>
+            <p:ph type="sldNum" sz="quarter" idx="10"/>
+          </p:nvPr>
+        </p:nvSpPr>
+        <p:spPr/>
+        <p:txBody>
+          <a:bodyPr/>
+          <a:lstStyle/>
+          <a:p>
+            <a:pPr>
+              <a:defRPr/>
+            </a:pPr>
+            <a:fld id="{9DDC5E44-63C0-EF42-9B94-8202B4B6C3D9}" type="slidenum">
+              <a:rPr lang="de-DE" smtClean="0"/>
+              <a:pPr>
+                <a:defRPr/>
+              </a:pPr>
+              <a:t>15</a:t>
+            </a:fld>
+            <a:endParaRPr lang="de-DE"/>
+          </a:p>
+        </p:txBody>
+      </p:sp>
+    </p:spTree>
+    <p:extLst>
+      <p:ext uri="{BB962C8B-B14F-4D97-AF65-F5344CB8AC3E}">
+        <p14:creationId xmlns:p14="http://schemas.microsoft.com/office/powerpoint/2010/main" val="715939272"/>
+      </p:ext>
+    </p:extLst>
+  </p:cSld>
+  <p:clrMapOvr>
+    <a:masterClrMapping/>
+  </p:clrMapOvr>
+</p:notes>
+</file>
+
+<file path=ppt/notesSlides/notesSlide2.xml><?xml version="1.0" encoding="utf-8"?>
+<p:notes xmlns:a="http://schemas.openxmlformats.org/drawingml/2006/main" xmlns:r="http://schemas.openxmlformats.org/officeDocument/2006/relationships" xmlns:p="http://schemas.openxmlformats.org/presentationml/2006/main">
+  <p:cSld>
+    <p:spTree>
+      <p:nvGrpSpPr>
+        <p:cNvPr id="1" name=""/>
+        <p:cNvGrpSpPr/>
+        <p:nvPr/>
+      </p:nvGrpSpPr>
+      <p:grpSpPr>
+        <a:xfrm>
+          <a:off x="0" y="0"/>
+          <a:ext cx="0" cy="0"/>
+          <a:chOff x="0" y="0"/>
+          <a:chExt cx="0" cy="0"/>
+        </a:xfrm>
+      </p:grpSpPr>
+      <p:sp>
+        <p:nvSpPr>
+          <p:cNvPr id="2" name="Folienbildplatzhalter 1"/>
+          <p:cNvSpPr>
+            <a:spLocks noGrp="1" noRot="1" noChangeAspect="1"/>
+          </p:cNvSpPr>
+          <p:nvPr>
+            <p:ph type="sldImg"/>
+          </p:nvPr>
+        </p:nvSpPr>
+        <p:spPr/>
+      </p:sp>
+      <p:sp>
+        <p:nvSpPr>
+          <p:cNvPr id="3" name="Notizenplatzhalter 2"/>
+          <p:cNvSpPr>
+            <a:spLocks noGrp="1"/>
+          </p:cNvSpPr>
+          <p:nvPr>
+            <p:ph type="body" idx="1"/>
+          </p:nvPr>
+        </p:nvSpPr>
+        <p:spPr/>
+        <p:txBody>
+          <a:bodyPr/>
+          <a:lstStyle/>
+          <a:p>
+            <a:r>
+              <a:rPr lang="de-DE" dirty="0" smtClean="0"/>
+              <a:t>So </a:t>
+            </a:r>
+            <a:r>
+              <a:rPr lang="de-DE" dirty="0" err="1" smtClean="0"/>
+              <a:t>even</a:t>
+            </a:r>
+            <a:r>
+              <a:rPr lang="de-DE" dirty="0" smtClean="0"/>
+              <a:t> </a:t>
+            </a:r>
+            <a:r>
+              <a:rPr lang="de-DE" dirty="0" err="1" smtClean="0"/>
+              <a:t>if</a:t>
+            </a:r>
+            <a:r>
+              <a:rPr lang="de-DE" dirty="0" smtClean="0"/>
+              <a:t> </a:t>
+            </a:r>
+            <a:r>
+              <a:rPr lang="de-DE" dirty="0" err="1" smtClean="0"/>
+              <a:t>these</a:t>
+            </a:r>
+            <a:r>
+              <a:rPr lang="de-DE" dirty="0" smtClean="0"/>
+              <a:t> </a:t>
+            </a:r>
+            <a:r>
+              <a:rPr lang="de-DE" dirty="0" err="1" smtClean="0"/>
+              <a:t>numbers</a:t>
+            </a:r>
+            <a:r>
+              <a:rPr lang="de-DE" dirty="0" smtClean="0"/>
+              <a:t> </a:t>
+            </a:r>
+            <a:r>
+              <a:rPr lang="de-DE" dirty="0" err="1" smtClean="0"/>
+              <a:t>should</a:t>
+            </a:r>
+            <a:r>
+              <a:rPr lang="de-DE" dirty="0" smtClean="0"/>
+              <a:t> </a:t>
+            </a:r>
+            <a:r>
+              <a:rPr lang="de-DE" dirty="0" err="1" smtClean="0"/>
+              <a:t>be</a:t>
+            </a:r>
+            <a:r>
+              <a:rPr lang="de-DE" dirty="0" smtClean="0"/>
+              <a:t> </a:t>
+            </a:r>
+            <a:r>
+              <a:rPr lang="de-DE" dirty="0" err="1" smtClean="0"/>
+              <a:t>handled</a:t>
+            </a:r>
+            <a:r>
+              <a:rPr lang="de-DE" dirty="0" smtClean="0"/>
+              <a:t> </a:t>
+            </a:r>
+            <a:r>
+              <a:rPr lang="de-DE" dirty="0" err="1" smtClean="0"/>
+              <a:t>with</a:t>
+            </a:r>
+            <a:r>
+              <a:rPr lang="de-DE" dirty="0" smtClean="0"/>
+              <a:t> care, </a:t>
+            </a:r>
+            <a:r>
+              <a:rPr lang="de-DE" dirty="0" err="1" smtClean="0"/>
+              <a:t>they</a:t>
+            </a:r>
+            <a:r>
+              <a:rPr lang="de-DE" dirty="0" smtClean="0"/>
+              <a:t> </a:t>
+            </a:r>
+            <a:r>
+              <a:rPr lang="de-DE" dirty="0" err="1" smtClean="0"/>
+              <a:t>show</a:t>
+            </a:r>
+            <a:r>
+              <a:rPr lang="de-DE" dirty="0" smtClean="0"/>
+              <a:t> </a:t>
+            </a:r>
+            <a:r>
+              <a:rPr lang="de-DE" dirty="0" err="1" smtClean="0"/>
+              <a:t>that</a:t>
+            </a:r>
+            <a:r>
+              <a:rPr lang="de-DE" dirty="0" smtClean="0"/>
+              <a:t> </a:t>
+            </a:r>
+            <a:r>
+              <a:rPr lang="de-DE" dirty="0" err="1" smtClean="0"/>
+              <a:t>insider</a:t>
+            </a:r>
+            <a:r>
+              <a:rPr lang="de-DE" dirty="0" smtClean="0"/>
+              <a:t> </a:t>
+            </a:r>
+            <a:r>
+              <a:rPr lang="de-DE" dirty="0" err="1" smtClean="0"/>
+              <a:t>attacks</a:t>
+            </a:r>
+            <a:r>
+              <a:rPr lang="de-DE" baseline="0" dirty="0" smtClean="0"/>
+              <a:t> </a:t>
+            </a:r>
+            <a:r>
+              <a:rPr lang="de-DE" baseline="0" dirty="0" err="1" smtClean="0"/>
+              <a:t>are</a:t>
+            </a:r>
+            <a:r>
+              <a:rPr lang="de-DE" baseline="0" dirty="0" smtClean="0"/>
+              <a:t> a relevant </a:t>
+            </a:r>
+            <a:r>
+              <a:rPr lang="de-DE" baseline="0" dirty="0" err="1" smtClean="0"/>
+              <a:t>problem</a:t>
+            </a:r>
+            <a:r>
+              <a:rPr lang="de-DE" baseline="0" dirty="0" smtClean="0"/>
+              <a:t> </a:t>
+            </a:r>
+            <a:r>
+              <a:rPr lang="de-DE" baseline="0" dirty="0" err="1" smtClean="0"/>
+              <a:t>for</a:t>
+            </a:r>
+            <a:r>
+              <a:rPr lang="de-DE" baseline="0" dirty="0" smtClean="0"/>
+              <a:t> </a:t>
+            </a:r>
+            <a:r>
+              <a:rPr lang="de-DE" baseline="0" dirty="0" err="1" smtClean="0"/>
+              <a:t>companies</a:t>
+            </a:r>
+            <a:r>
+              <a:rPr lang="de-DE" baseline="0" dirty="0" smtClean="0"/>
+              <a:t>.</a:t>
+            </a:r>
+            <a:endParaRPr lang="de-DE" dirty="0"/>
+          </a:p>
+        </p:txBody>
+      </p:sp>
+      <p:sp>
+        <p:nvSpPr>
+          <p:cNvPr id="4" name="Foliennummernplatzhalter 3"/>
+          <p:cNvSpPr>
+            <a:spLocks noGrp="1"/>
+          </p:cNvSpPr>
+          <p:nvPr>
+            <p:ph type="sldNum" sz="quarter" idx="10"/>
+          </p:nvPr>
+        </p:nvSpPr>
+        <p:spPr/>
+        <p:txBody>
+          <a:bodyPr/>
+          <a:lstStyle/>
+          <a:p>
+            <a:pPr>
+              <a:defRPr/>
+            </a:pPr>
+            <a:fld id="{9DDC5E44-63C0-EF42-9B94-8202B4B6C3D9}" type="slidenum">
+              <a:rPr lang="de-DE" smtClean="0"/>
+              <a:pPr>
+                <a:defRPr/>
+              </a:pPr>
+              <a:t>3</a:t>
+            </a:fld>
+            <a:endParaRPr lang="de-DE"/>
+          </a:p>
+        </p:txBody>
+      </p:sp>
+    </p:spTree>
+    <p:extLst>
+      <p:ext uri="{BB962C8B-B14F-4D97-AF65-F5344CB8AC3E}">
+        <p14:creationId xmlns:p14="http://schemas.microsoft.com/office/powerpoint/2010/main" val="725958853"/>
       </p:ext>
     </p:extLst>
   </p:cSld>
@@ -2330,302 +2767,147 @@
           <a:bodyPr/>
           <a:lstStyle/>
           <a:p>
-            <a:pPr algn="r"/>
-            <a:r>
-              <a:rPr lang="de-DE" kern="0" dirty="0" smtClean="0"/>
-              <a:t>(</a:t>
-            </a:r>
-            <a:r>
-              <a:rPr lang="de-DE" kern="0" dirty="0" err="1" smtClean="0"/>
-              <a:t>t,n</a:t>
-            </a:r>
-            <a:r>
-              <a:rPr lang="de-DE" kern="0" dirty="0" smtClean="0"/>
-              <a:t>) </a:t>
-            </a:r>
-            <a:r>
-              <a:rPr lang="de-DE" kern="0" dirty="0" err="1" smtClean="0"/>
-              <a:t>secret</a:t>
-            </a:r>
-            <a:r>
-              <a:rPr lang="de-DE" kern="0" dirty="0" smtClean="0"/>
-              <a:t> </a:t>
-            </a:r>
-            <a:r>
-              <a:rPr lang="de-DE" kern="0" dirty="0" err="1" smtClean="0"/>
-              <a:t>sharing</a:t>
-            </a:r>
-            <a:r>
-              <a:rPr lang="de-DE" kern="0" dirty="0" smtClean="0"/>
-              <a:t> </a:t>
-            </a:r>
-            <a:r>
-              <a:rPr lang="de-DE" kern="0" dirty="0" err="1" smtClean="0"/>
-              <a:t>scheme</a:t>
-            </a:r>
-            <a:endParaRPr lang="de-DE" kern="0" dirty="0" smtClean="0"/>
-          </a:p>
-          <a:p>
-            <a:pPr algn="r"/>
-            <a:r>
-              <a:rPr lang="de-DE" kern="0" dirty="0" smtClean="0"/>
-              <a:t>- n: # </a:t>
-            </a:r>
-            <a:r>
-              <a:rPr lang="de-DE" kern="0" dirty="0" err="1" smtClean="0"/>
-              <a:t>parts</a:t>
-            </a:r>
-            <a:r>
-              <a:rPr lang="de-DE" kern="0" dirty="0" smtClean="0"/>
-              <a:t> (</a:t>
-            </a:r>
-            <a:r>
-              <a:rPr lang="de-DE" kern="0" dirty="0" err="1" smtClean="0"/>
-              <a:t>shares</a:t>
-            </a:r>
-            <a:r>
-              <a:rPr lang="de-DE" kern="0" dirty="0" smtClean="0"/>
-              <a:t>) </a:t>
-            </a:r>
-          </a:p>
-          <a:p>
-            <a:pPr algn="r"/>
-            <a:r>
-              <a:rPr lang="de-DE" kern="0" dirty="0" smtClean="0"/>
-              <a:t>- t: </a:t>
-            </a:r>
-            <a:r>
-              <a:rPr lang="de-DE" kern="0" dirty="0" err="1" smtClean="0"/>
-              <a:t>shares</a:t>
-            </a:r>
-            <a:r>
-              <a:rPr lang="de-DE" kern="0" dirty="0" smtClean="0"/>
-              <a:t> </a:t>
-            </a:r>
-            <a:r>
-              <a:rPr lang="de-DE" kern="0" dirty="0" err="1" smtClean="0"/>
-              <a:t>required</a:t>
-            </a:r>
-            <a:r>
-              <a:rPr lang="de-DE" kern="0" dirty="0" smtClean="0"/>
-              <a:t> </a:t>
-            </a:r>
-            <a:r>
-              <a:rPr lang="de-DE" kern="0" dirty="0" err="1" smtClean="0"/>
-              <a:t>for</a:t>
-            </a:r>
-            <a:r>
-              <a:rPr lang="de-DE" kern="0" dirty="0" smtClean="0"/>
-              <a:t> </a:t>
-            </a:r>
-            <a:r>
-              <a:rPr lang="de-DE" kern="0" dirty="0" err="1" smtClean="0"/>
-              <a:t>restoring</a:t>
-            </a:r>
-            <a:r>
-              <a:rPr lang="de-DE" kern="0" dirty="0" smtClean="0"/>
-              <a:t> </a:t>
-            </a:r>
-            <a:r>
-              <a:rPr lang="de-DE" kern="0" dirty="0" err="1" smtClean="0"/>
-              <a:t>the</a:t>
-            </a:r>
-            <a:r>
-              <a:rPr lang="de-DE" kern="0" dirty="0" smtClean="0"/>
-              <a:t> </a:t>
-            </a:r>
-            <a:r>
-              <a:rPr lang="de-DE" kern="0" dirty="0" err="1" smtClean="0"/>
-              <a:t>secret</a:t>
-            </a:r>
-            <a:endParaRPr lang="de-DE" kern="0" dirty="0" smtClean="0"/>
-          </a:p>
-          <a:p>
-            <a:pPr algn="r"/>
-            <a:endParaRPr lang="de-DE" b="1" kern="0" dirty="0" smtClean="0"/>
-          </a:p>
-          <a:p>
-            <a:pPr algn="r"/>
-            <a:r>
-              <a:rPr lang="de-DE" b="1" kern="0" dirty="0" err="1" smtClean="0"/>
-              <a:t>Threshold</a:t>
-            </a:r>
-            <a:r>
-              <a:rPr lang="de-DE" b="1" kern="0" dirty="0" smtClean="0"/>
-              <a:t> </a:t>
-            </a:r>
-            <a:r>
-              <a:rPr lang="de-DE" b="1" kern="0" dirty="0" err="1" smtClean="0"/>
-              <a:t>decryption</a:t>
-            </a:r>
-            <a:endParaRPr lang="de-DE" b="1" kern="0" dirty="0" smtClean="0"/>
-          </a:p>
-          <a:p>
-            <a:pPr algn="r"/>
-            <a:r>
-              <a:rPr lang="de-DE" kern="0" dirty="0" smtClean="0"/>
-              <a:t>Public </a:t>
-            </a:r>
-            <a:r>
-              <a:rPr lang="de-DE" kern="0" dirty="0" err="1" smtClean="0"/>
-              <a:t>key</a:t>
-            </a:r>
-            <a:r>
-              <a:rPr lang="de-DE" kern="0" dirty="0" smtClean="0"/>
-              <a:t> </a:t>
-            </a:r>
-            <a:r>
-              <a:rPr lang="de-DE" kern="0" dirty="0" err="1" smtClean="0"/>
-              <a:t>scheme</a:t>
-            </a:r>
-            <a:endParaRPr lang="de-DE" kern="0" dirty="0" smtClean="0"/>
-          </a:p>
-          <a:p>
-            <a:pPr algn="r"/>
-            <a:r>
-              <a:rPr lang="de-DE" kern="0" dirty="0" err="1" smtClean="0"/>
-              <a:t>Decryption</a:t>
-            </a:r>
-            <a:r>
-              <a:rPr lang="de-DE" kern="0" dirty="0" smtClean="0"/>
-              <a:t> </a:t>
-            </a:r>
-            <a:r>
-              <a:rPr lang="de-DE" kern="0" dirty="0" err="1" smtClean="0"/>
-              <a:t>requires</a:t>
-            </a:r>
-            <a:r>
-              <a:rPr lang="de-DE" kern="0" dirty="0" smtClean="0"/>
-              <a:t> at least t </a:t>
-            </a:r>
-            <a:r>
-              <a:rPr lang="de-DE" kern="0" dirty="0" err="1" smtClean="0"/>
-              <a:t>participants</a:t>
-            </a:r>
-            <a:r>
-              <a:rPr lang="de-DE" kern="0" dirty="0" smtClean="0"/>
-              <a:t> (</a:t>
-            </a:r>
-            <a:r>
-              <a:rPr lang="de-DE" kern="0" dirty="0" err="1" smtClean="0"/>
-              <a:t>share</a:t>
-            </a:r>
-            <a:r>
-              <a:rPr lang="de-DE" kern="0" dirty="0" smtClean="0"/>
-              <a:t> </a:t>
-            </a:r>
-            <a:r>
-              <a:rPr lang="de-DE" kern="0" dirty="0" err="1" smtClean="0"/>
-              <a:t>owners</a:t>
-            </a:r>
-            <a:r>
-              <a:rPr lang="de-DE" kern="0" dirty="0" smtClean="0"/>
-              <a:t>)</a:t>
-            </a:r>
-          </a:p>
-          <a:p>
-            <a:pPr algn="r"/>
-            <a:r>
-              <a:rPr lang="de-DE" kern="0" dirty="0" smtClean="0"/>
-              <a:t>Message </a:t>
-            </a:r>
-            <a:r>
-              <a:rPr lang="de-DE" kern="0" dirty="0" err="1" smtClean="0"/>
-              <a:t>is</a:t>
-            </a:r>
-            <a:r>
-              <a:rPr lang="de-DE" kern="0" dirty="0" smtClean="0"/>
-              <a:t> </a:t>
-            </a:r>
-            <a:r>
-              <a:rPr lang="de-DE" kern="0" dirty="0" err="1" smtClean="0"/>
-              <a:t>decrypted</a:t>
-            </a:r>
-            <a:r>
-              <a:rPr lang="de-DE" kern="0" dirty="0" smtClean="0"/>
-              <a:t> but </a:t>
-            </a:r>
-            <a:r>
-              <a:rPr lang="de-DE" kern="0" dirty="0" err="1" smtClean="0"/>
-              <a:t>secret</a:t>
-            </a:r>
-            <a:r>
-              <a:rPr lang="de-DE" kern="0" dirty="0" smtClean="0"/>
-              <a:t> </a:t>
-            </a:r>
-            <a:r>
-              <a:rPr lang="de-DE" kern="0" dirty="0" err="1" smtClean="0"/>
-              <a:t>key</a:t>
-            </a:r>
-            <a:r>
-              <a:rPr lang="de-DE" kern="0" dirty="0" smtClean="0"/>
-              <a:t> </a:t>
-            </a:r>
-            <a:r>
-              <a:rPr lang="de-DE" kern="0" dirty="0" err="1" smtClean="0"/>
-              <a:t>is</a:t>
-            </a:r>
-            <a:r>
-              <a:rPr lang="de-DE" kern="0" dirty="0" smtClean="0"/>
-              <a:t> NOT </a:t>
-            </a:r>
-            <a:r>
-              <a:rPr lang="de-DE" kern="0" dirty="0" err="1" smtClean="0"/>
-              <a:t>restored</a:t>
-            </a:r>
-            <a:endParaRPr lang="de-DE" kern="0" dirty="0" smtClean="0"/>
-          </a:p>
-          <a:p>
-            <a:pPr algn="r"/>
-            <a:r>
-              <a:rPr lang="de-DE" kern="0" dirty="0" smtClean="0"/>
-              <a:t>Advantages: </a:t>
-            </a:r>
-            <a:r>
-              <a:rPr lang="de-DE" kern="0" dirty="0" err="1" smtClean="0"/>
-              <a:t>distributed</a:t>
-            </a:r>
-            <a:r>
-              <a:rPr lang="de-DE" kern="0" dirty="0" smtClean="0"/>
-              <a:t> </a:t>
-            </a:r>
-            <a:r>
-              <a:rPr lang="de-DE" kern="0" dirty="0" err="1" smtClean="0"/>
-              <a:t>trust</a:t>
-            </a:r>
-            <a:r>
-              <a:rPr lang="de-DE" kern="0" dirty="0" smtClean="0"/>
-              <a:t>, </a:t>
-            </a:r>
-            <a:r>
-              <a:rPr lang="de-DE" kern="0" dirty="0" err="1" smtClean="0"/>
-              <a:t>prevents</a:t>
-            </a:r>
-            <a:r>
-              <a:rPr lang="de-DE" kern="0" dirty="0" smtClean="0"/>
-              <a:t> „</a:t>
-            </a:r>
-            <a:r>
-              <a:rPr lang="de-DE" kern="0" dirty="0" err="1" smtClean="0"/>
-              <a:t>blocking</a:t>
-            </a:r>
-            <a:r>
-              <a:rPr lang="de-DE" kern="0" dirty="0" smtClean="0"/>
-              <a:t>“ </a:t>
-            </a:r>
-            <a:r>
-              <a:rPr lang="de-DE" kern="0" dirty="0" err="1" smtClean="0"/>
-              <a:t>participants</a:t>
-            </a:r>
-            <a:r>
-              <a:rPr lang="de-DE" kern="0" dirty="0" smtClean="0"/>
-              <a:t> </a:t>
-            </a:r>
-          </a:p>
-          <a:p>
-            <a:endParaRPr lang="de-DE" kern="0" dirty="0" smtClean="0"/>
-          </a:p>
-          <a:p>
+            <a:pPr marL="171450" indent="-171450">
+              <a:buFont typeface="Arial" panose="020B0604020202020204" pitchFamily="34" charset="0"/>
+              <a:buChar char="•"/>
+            </a:pPr>
+            <a:r>
+              <a:rPr lang="en-US" dirty="0" smtClean="0"/>
+              <a:t>regular access control, intrusion detection systems, ... not usable, because users are allowed too perform actions</a:t>
+            </a:r>
+          </a:p>
+          <a:p>
+            <a:pPr marL="171450" indent="-171450">
+              <a:buFont typeface="Arial" panose="020B0604020202020204" pitchFamily="34" charset="0"/>
+              <a:buChar char="•"/>
+            </a:pPr>
+            <a:r>
+              <a:rPr lang="en-US" dirty="0" smtClean="0"/>
+              <a:t/>
+            </a:r>
+            <a:br>
+              <a:rPr lang="en-US" dirty="0" smtClean="0"/>
+            </a:br>
+            <a:r>
+              <a:rPr lang="en-US" dirty="0" smtClean="0"/>
+              <a:t>-&gt; </a:t>
+            </a:r>
+            <a:r>
+              <a:rPr lang="en-US" b="1" dirty="0" smtClean="0"/>
+              <a:t>anomaly-based detection </a:t>
+            </a:r>
+            <a:r>
+              <a:rPr lang="en-US" dirty="0" smtClean="0"/>
+              <a:t>= comparing current user </a:t>
+            </a:r>
+            <a:r>
+              <a:rPr lang="en-US" dirty="0" err="1" smtClean="0"/>
+              <a:t>behaviour</a:t>
+            </a:r>
+            <a:r>
+              <a:rPr lang="en-US" dirty="0" smtClean="0"/>
+              <a:t> with common user </a:t>
+            </a:r>
+            <a:r>
+              <a:rPr lang="en-US" dirty="0" err="1" smtClean="0"/>
+              <a:t>behaviour</a:t>
+            </a:r>
+            <a:r>
+              <a:rPr lang="en-US" dirty="0" smtClean="0"/>
+              <a:t> (statistical approach/machine learning)</a:t>
+            </a:r>
+          </a:p>
+          <a:p>
+            <a:pPr marL="171450" indent="-171450">
+              <a:buFont typeface="Arial" panose="020B0604020202020204" pitchFamily="34" charset="0"/>
+              <a:buChar char="•"/>
+            </a:pPr>
+            <a:r>
+              <a:rPr lang="en-US" dirty="0" smtClean="0"/>
+              <a:t>requires a lot of data</a:t>
+            </a:r>
+          </a:p>
+          <a:p>
+            <a:pPr marL="171450" indent="-171450">
+              <a:buFont typeface="Arial" panose="020B0604020202020204" pitchFamily="34" charset="0"/>
+              <a:buChar char="•"/>
+            </a:pPr>
+            <a:endParaRPr lang="en-US" dirty="0" smtClean="0"/>
+          </a:p>
+          <a:p>
+            <a:pPr marL="171450" indent="-171450">
+              <a:buFont typeface="Arial" panose="020B0604020202020204" pitchFamily="34" charset="0"/>
+              <a:buChar char="•"/>
+            </a:pPr>
+            <a:r>
+              <a:rPr lang="en-US" dirty="0" smtClean="0"/>
+              <a:t>But storing and processing this data can collide with the privacy of employees</a:t>
+            </a:r>
+          </a:p>
+          <a:p>
+            <a:pPr marL="171450" indent="-171450">
+              <a:buFont typeface="Arial" panose="020B0604020202020204" pitchFamily="34" charset="0"/>
+              <a:buChar char="•"/>
+            </a:pPr>
+            <a:r>
+              <a:rPr lang="en-US" i="1" dirty="0" smtClean="0"/>
+              <a:t>Bundesdatenschutzgesetz</a:t>
+            </a:r>
+            <a:r>
+              <a:rPr lang="en-US" dirty="0" smtClean="0"/>
+              <a:t>,§32, 1:</a:t>
+            </a:r>
+            <a:br>
+              <a:rPr lang="en-US" dirty="0" smtClean="0"/>
+            </a:br>
+            <a:r>
+              <a:rPr lang="en-US" dirty="0" smtClean="0"/>
+              <a:t>Data related to employees may just be used for detecting crimes when there is concrete evidence </a:t>
+            </a:r>
+          </a:p>
+          <a:p>
+            <a:pPr marL="171450" indent="-171450">
+              <a:buFont typeface="Arial" panose="020B0604020202020204" pitchFamily="34" charset="0"/>
+              <a:buChar char="•"/>
+            </a:pPr>
+            <a:r>
+              <a:rPr lang="en-US" dirty="0" smtClean="0"/>
+              <a:t>BAG Erfurt:</a:t>
+            </a:r>
+            <a:br>
+              <a:rPr lang="en-US" dirty="0" smtClean="0"/>
+            </a:br>
+            <a:r>
+              <a:rPr lang="en-US" dirty="0" smtClean="0"/>
+              <a:t>Using</a:t>
+            </a:r>
+            <a:r>
+              <a:rPr lang="en-US" baseline="0" dirty="0" smtClean="0"/>
+              <a:t> </a:t>
+            </a:r>
+            <a:r>
+              <a:rPr lang="en-US" baseline="0" dirty="0" err="1" smtClean="0"/>
+              <a:t>keyloggers</a:t>
+            </a:r>
+            <a:r>
+              <a:rPr lang="en-US" baseline="0" dirty="0" smtClean="0"/>
+              <a:t> to test user </a:t>
+            </a:r>
+            <a:r>
+              <a:rPr lang="en-US" baseline="0" dirty="0" err="1" smtClean="0"/>
+              <a:t>behaviour</a:t>
+            </a:r>
+            <a:r>
+              <a:rPr lang="en-US" baseline="0" dirty="0" smtClean="0"/>
+              <a:t> is not allowed</a:t>
+            </a:r>
+            <a:endParaRPr lang="de-DE" dirty="0" smtClean="0"/>
+          </a:p>
+          <a:p>
+            <a:pPr marL="171450" indent="-171450">
+              <a:buFont typeface="Arial" panose="020B0604020202020204" pitchFamily="34" charset="0"/>
+              <a:buChar char="•"/>
+            </a:pPr>
             <a:endParaRPr lang="de-DE" dirty="0"/>
           </a:p>
         </p:txBody>
@@ -2653,7 +2935,7 @@
               <a:pPr>
                 <a:defRPr/>
               </a:pPr>
-              <a:t>5</a:t>
+              <a:t>4</a:t>
             </a:fld>
             <a:endParaRPr lang="de-DE"/>
           </a:p>
@@ -2662,7 +2944,7 @@
     </p:spTree>
     <p:extLst>
       <p:ext uri="{BB962C8B-B14F-4D97-AF65-F5344CB8AC3E}">
-        <p14:creationId xmlns:p14="http://schemas.microsoft.com/office/powerpoint/2010/main" val="2854611297"/>
+        <p14:creationId xmlns:p14="http://schemas.microsoft.com/office/powerpoint/2010/main" val="2430395130"/>
       </p:ext>
     </p:extLst>
   </p:cSld>
@@ -2673,100 +2955,6 @@
 </file>
 
 <file path=ppt/notesSlides/notesSlide4.xml><?xml version="1.0" encoding="utf-8"?>
-<p:notes xmlns:a="http://schemas.openxmlformats.org/drawingml/2006/main" xmlns:r="http://schemas.openxmlformats.org/officeDocument/2006/relationships" xmlns:p="http://schemas.openxmlformats.org/presentationml/2006/main">
-  <p:cSld>
-    <p:spTree>
-      <p:nvGrpSpPr>
-        <p:cNvPr id="1" name=""/>
-        <p:cNvGrpSpPr/>
-        <p:nvPr/>
-      </p:nvGrpSpPr>
-      <p:grpSpPr>
-        <a:xfrm>
-          <a:off x="0" y="0"/>
-          <a:ext cx="0" cy="0"/>
-          <a:chOff x="0" y="0"/>
-          <a:chExt cx="0" cy="0"/>
-        </a:xfrm>
-      </p:grpSpPr>
-      <p:sp>
-        <p:nvSpPr>
-          <p:cNvPr id="2" name="Folienbildplatzhalter 1"/>
-          <p:cNvSpPr>
-            <a:spLocks noGrp="1" noRot="1" noChangeAspect="1"/>
-          </p:cNvSpPr>
-          <p:nvPr>
-            <p:ph type="sldImg"/>
-          </p:nvPr>
-        </p:nvSpPr>
-        <p:spPr/>
-      </p:sp>
-      <p:sp>
-        <p:nvSpPr>
-          <p:cNvPr id="3" name="Notizenplatzhalter 2"/>
-          <p:cNvSpPr>
-            <a:spLocks noGrp="1"/>
-          </p:cNvSpPr>
-          <p:nvPr>
-            <p:ph type="body" idx="1"/>
-          </p:nvPr>
-        </p:nvSpPr>
-        <p:spPr/>
-        <p:txBody>
-          <a:bodyPr/>
-          <a:lstStyle/>
-          <a:p>
-            <a:r>
-              <a:rPr lang="de-DE" dirty="0" err="1" smtClean="0"/>
-              <a:t>Disclose</a:t>
-            </a:r>
-            <a:endParaRPr lang="de-DE" dirty="0"/>
-          </a:p>
-        </p:txBody>
-      </p:sp>
-      <p:sp>
-        <p:nvSpPr>
-          <p:cNvPr id="4" name="Foliennummernplatzhalter 3"/>
-          <p:cNvSpPr>
-            <a:spLocks noGrp="1"/>
-          </p:cNvSpPr>
-          <p:nvPr>
-            <p:ph type="sldNum" sz="quarter" idx="10"/>
-          </p:nvPr>
-        </p:nvSpPr>
-        <p:spPr/>
-        <p:txBody>
-          <a:bodyPr/>
-          <a:lstStyle/>
-          <a:p>
-            <a:pPr>
-              <a:defRPr/>
-            </a:pPr>
-            <a:fld id="{9DDC5E44-63C0-EF42-9B94-8202B4B6C3D9}" type="slidenum">
-              <a:rPr lang="de-DE" smtClean="0"/>
-              <a:pPr>
-                <a:defRPr/>
-              </a:pPr>
-              <a:t>6</a:t>
-            </a:fld>
-            <a:endParaRPr lang="de-DE"/>
-          </a:p>
-        </p:txBody>
-      </p:sp>
-    </p:spTree>
-    <p:extLst>
-      <p:ext uri="{BB962C8B-B14F-4D97-AF65-F5344CB8AC3E}">
-        <p14:creationId xmlns:p14="http://schemas.microsoft.com/office/powerpoint/2010/main" val="839073819"/>
-      </p:ext>
-    </p:extLst>
-  </p:cSld>
-  <p:clrMapOvr>
-    <a:masterClrMapping/>
-  </p:clrMapOvr>
-</p:notes>
-</file>
-
-<file path=ppt/notesSlides/notesSlide5.xml><?xml version="1.0" encoding="utf-8"?>
 <p:notes xmlns:a="http://schemas.openxmlformats.org/drawingml/2006/main" xmlns:r="http://schemas.openxmlformats.org/officeDocument/2006/relationships" xmlns:p="http://schemas.openxmlformats.org/presentationml/2006/main">
   <p:cSld>
     <p:spTree>
@@ -2815,160 +3003,302 @@
           <a:bodyPr/>
           <a:lstStyle/>
           <a:p>
-            <a:pPr marL="171450" indent="-171450">
-              <a:buFont typeface="Arial" panose="020B0604020202020204" pitchFamily="34" charset="0"/>
-              <a:buChar char="•"/>
-            </a:pPr>
-            <a:r>
-              <a:rPr lang="de-DE" dirty="0" smtClean="0"/>
-              <a:t>Proxy </a:t>
-            </a:r>
-            <a:r>
-              <a:rPr lang="de-DE" dirty="0" err="1" smtClean="0"/>
-              <a:t>based</a:t>
-            </a:r>
-            <a:r>
-              <a:rPr lang="de-DE" dirty="0" smtClean="0"/>
-              <a:t>: </a:t>
-            </a:r>
-            <a:r>
-              <a:rPr lang="de-DE" dirty="0" err="1" smtClean="0"/>
-              <a:t>No</a:t>
-            </a:r>
-            <a:r>
-              <a:rPr lang="de-DE" dirty="0" smtClean="0"/>
-              <a:t> </a:t>
-            </a:r>
-            <a:r>
-              <a:rPr lang="de-DE" dirty="0" err="1" smtClean="0"/>
-              <a:t>changes</a:t>
-            </a:r>
-            <a:r>
-              <a:rPr lang="de-DE" dirty="0" smtClean="0"/>
-              <a:t> </a:t>
-            </a:r>
-            <a:r>
-              <a:rPr lang="de-DE" dirty="0" err="1" smtClean="0"/>
-              <a:t>to</a:t>
-            </a:r>
-            <a:r>
-              <a:rPr lang="de-DE" dirty="0" smtClean="0"/>
-              <a:t> </a:t>
-            </a:r>
-            <a:r>
-              <a:rPr lang="de-DE" dirty="0" err="1" smtClean="0"/>
-              <a:t>data</a:t>
-            </a:r>
-            <a:r>
-              <a:rPr lang="de-DE" dirty="0" smtClean="0"/>
-              <a:t> </a:t>
-            </a:r>
-            <a:r>
-              <a:rPr lang="de-DE" dirty="0" err="1" smtClean="0"/>
-              <a:t>sources</a:t>
-            </a:r>
-            <a:r>
-              <a:rPr lang="de-DE" dirty="0" smtClean="0"/>
-              <a:t> </a:t>
-            </a:r>
-            <a:r>
-              <a:rPr lang="de-DE" dirty="0" err="1" smtClean="0"/>
-              <a:t>and</a:t>
-            </a:r>
-            <a:r>
-              <a:rPr lang="de-DE" dirty="0" smtClean="0"/>
-              <a:t> </a:t>
-            </a:r>
-            <a:r>
-              <a:rPr lang="de-DE" dirty="0" err="1" smtClean="0"/>
-              <a:t>siem</a:t>
-            </a:r>
-            <a:r>
-              <a:rPr lang="de-DE" dirty="0" smtClean="0"/>
-              <a:t> </a:t>
-            </a:r>
-            <a:r>
-              <a:rPr lang="de-DE" dirty="0" err="1" smtClean="0"/>
-              <a:t>system</a:t>
-            </a:r>
-            <a:endParaRPr lang="de-DE" dirty="0" smtClean="0"/>
-          </a:p>
-          <a:p>
-            <a:pPr marL="171450" indent="-171450">
-              <a:buFont typeface="Arial" panose="020B0604020202020204" pitchFamily="34" charset="0"/>
-              <a:buChar char="•"/>
-            </a:pPr>
-            <a:endParaRPr lang="de-DE" dirty="0" smtClean="0"/>
-          </a:p>
-          <a:p>
-            <a:pPr marL="171450" indent="-171450">
-              <a:buFont typeface="Arial" panose="020B0604020202020204" pitchFamily="34" charset="0"/>
-              <a:buChar char="•"/>
-            </a:pPr>
-            <a:r>
-              <a:rPr lang="de-DE" dirty="0" smtClean="0"/>
-              <a:t>Distributed</a:t>
-            </a:r>
-            <a:r>
-              <a:rPr lang="de-DE" baseline="0" dirty="0" smtClean="0"/>
-              <a:t> </a:t>
-            </a:r>
-            <a:r>
-              <a:rPr lang="de-DE" baseline="0" dirty="0" err="1" smtClean="0"/>
-              <a:t>because</a:t>
-            </a:r>
-            <a:r>
-              <a:rPr lang="de-DE" baseline="0" dirty="0" smtClean="0"/>
-              <a:t>: </a:t>
-            </a:r>
-            <a:r>
-              <a:rPr lang="de-DE" baseline="0" dirty="0" err="1" smtClean="0"/>
+            <a:pPr algn="r"/>
+            <a:r>
+              <a:rPr lang="de-DE" kern="0" dirty="0" smtClean="0"/>
+              <a:t>(</a:t>
+            </a:r>
+            <a:r>
+              <a:rPr lang="de-DE" kern="0" dirty="0" err="1" smtClean="0"/>
+              <a:t>t,n</a:t>
+            </a:r>
+            <a:r>
+              <a:rPr lang="de-DE" kern="0" dirty="0" smtClean="0"/>
+              <a:t>) </a:t>
+            </a:r>
+            <a:r>
+              <a:rPr lang="de-DE" kern="0" dirty="0" err="1" smtClean="0"/>
+              <a:t>secret</a:t>
+            </a:r>
+            <a:r>
+              <a:rPr lang="de-DE" kern="0" dirty="0" smtClean="0"/>
+              <a:t> </a:t>
+            </a:r>
+            <a:r>
+              <a:rPr lang="de-DE" kern="0" dirty="0" err="1" smtClean="0"/>
+              <a:t>sharing</a:t>
+            </a:r>
+            <a:r>
+              <a:rPr lang="de-DE" kern="0" dirty="0" smtClean="0"/>
+              <a:t> </a:t>
+            </a:r>
+            <a:r>
+              <a:rPr lang="de-DE" kern="0" dirty="0" err="1" smtClean="0"/>
+              <a:t>scheme</a:t>
+            </a:r>
+            <a:endParaRPr lang="de-DE" kern="0" dirty="0" smtClean="0"/>
+          </a:p>
+          <a:p>
+            <a:pPr algn="r"/>
+            <a:r>
+              <a:rPr lang="de-DE" kern="0" dirty="0" smtClean="0"/>
+              <a:t>- n: # </a:t>
+            </a:r>
+            <a:r>
+              <a:rPr lang="de-DE" kern="0" dirty="0" err="1" smtClean="0"/>
+              <a:t>parts</a:t>
+            </a:r>
+            <a:r>
+              <a:rPr lang="de-DE" kern="0" dirty="0" smtClean="0"/>
+              <a:t> (</a:t>
+            </a:r>
+            <a:r>
+              <a:rPr lang="de-DE" kern="0" dirty="0" err="1" smtClean="0"/>
+              <a:t>shares</a:t>
+            </a:r>
+            <a:r>
+              <a:rPr lang="de-DE" kern="0" dirty="0" smtClean="0"/>
+              <a:t>) </a:t>
+            </a:r>
+          </a:p>
+          <a:p>
+            <a:pPr algn="r"/>
+            <a:r>
+              <a:rPr lang="de-DE" kern="0" dirty="0" smtClean="0"/>
+              <a:t>- t: </a:t>
+            </a:r>
+            <a:r>
+              <a:rPr lang="de-DE" kern="0" dirty="0" err="1" smtClean="0"/>
+              <a:t>shares</a:t>
+            </a:r>
+            <a:r>
+              <a:rPr lang="de-DE" kern="0" dirty="0" smtClean="0"/>
+              <a:t> </a:t>
+            </a:r>
+            <a:r>
+              <a:rPr lang="de-DE" kern="0" dirty="0" err="1" smtClean="0"/>
+              <a:t>required</a:t>
+            </a:r>
+            <a:r>
+              <a:rPr lang="de-DE" kern="0" dirty="0" smtClean="0"/>
+              <a:t> </a:t>
+            </a:r>
+            <a:r>
+              <a:rPr lang="de-DE" kern="0" dirty="0" err="1" smtClean="0"/>
+              <a:t>for</a:t>
+            </a:r>
+            <a:r>
+              <a:rPr lang="de-DE" kern="0" dirty="0" smtClean="0"/>
+              <a:t> </a:t>
+            </a:r>
+            <a:r>
+              <a:rPr lang="de-DE" kern="0" dirty="0" err="1" smtClean="0"/>
+              <a:t>restoring</a:t>
+            </a:r>
+            <a:r>
+              <a:rPr lang="de-DE" kern="0" dirty="0" smtClean="0"/>
+              <a:t> </a:t>
+            </a:r>
+            <a:r>
+              <a:rPr lang="de-DE" kern="0" dirty="0" err="1" smtClean="0"/>
+              <a:t>the</a:t>
+            </a:r>
+            <a:r>
+              <a:rPr lang="de-DE" kern="0" dirty="0" smtClean="0"/>
+              <a:t> </a:t>
+            </a:r>
+            <a:r>
+              <a:rPr lang="de-DE" kern="0" dirty="0" err="1" smtClean="0"/>
+              <a:t>secret</a:t>
+            </a:r>
+            <a:endParaRPr lang="de-DE" kern="0" dirty="0" smtClean="0"/>
+          </a:p>
+          <a:p>
+            <a:pPr algn="r"/>
+            <a:endParaRPr lang="de-DE" b="1" kern="0" dirty="0" smtClean="0"/>
+          </a:p>
+          <a:p>
+            <a:pPr algn="r"/>
+            <a:r>
+              <a:rPr lang="de-DE" b="1" kern="0" dirty="0" err="1" smtClean="0"/>
+              <a:t>Threshold</a:t>
+            </a:r>
+            <a:r>
+              <a:rPr lang="de-DE" b="1" kern="0" dirty="0" smtClean="0"/>
+              <a:t> </a:t>
+            </a:r>
+            <a:r>
+              <a:rPr lang="de-DE" b="1" kern="0" dirty="0" err="1" smtClean="0"/>
+              <a:t>decryption</a:t>
+            </a:r>
+            <a:endParaRPr lang="de-DE" b="1" kern="0" dirty="0" smtClean="0"/>
+          </a:p>
+          <a:p>
+            <a:pPr algn="r"/>
+            <a:r>
+              <a:rPr lang="de-DE" kern="0" dirty="0" smtClean="0"/>
+              <a:t>Public </a:t>
+            </a:r>
+            <a:r>
+              <a:rPr lang="de-DE" kern="0" dirty="0" err="1" smtClean="0"/>
+              <a:t>key</a:t>
+            </a:r>
+            <a:r>
+              <a:rPr lang="de-DE" kern="0" dirty="0" smtClean="0"/>
+              <a:t> </a:t>
+            </a:r>
+            <a:r>
+              <a:rPr lang="de-DE" kern="0" dirty="0" err="1" smtClean="0"/>
+              <a:t>scheme</a:t>
+            </a:r>
+            <a:endParaRPr lang="de-DE" kern="0" dirty="0" smtClean="0"/>
+          </a:p>
+          <a:p>
+            <a:pPr algn="r"/>
+            <a:r>
+              <a:rPr lang="de-DE" kern="0" dirty="0" err="1" smtClean="0"/>
+              <a:t>Decryption</a:t>
+            </a:r>
+            <a:r>
+              <a:rPr lang="de-DE" kern="0" dirty="0" smtClean="0"/>
+              <a:t> </a:t>
+            </a:r>
+            <a:r>
+              <a:rPr lang="de-DE" kern="0" dirty="0" err="1" smtClean="0"/>
+              <a:t>requires</a:t>
+            </a:r>
+            <a:r>
+              <a:rPr lang="de-DE" kern="0" dirty="0" smtClean="0"/>
+              <a:t> at least t </a:t>
+            </a:r>
+            <a:r>
+              <a:rPr lang="de-DE" kern="0" dirty="0" err="1" smtClean="0"/>
+              <a:t>participants</a:t>
+            </a:r>
+            <a:r>
+              <a:rPr lang="de-DE" kern="0" dirty="0" smtClean="0"/>
+              <a:t> (</a:t>
+            </a:r>
+            <a:r>
+              <a:rPr lang="de-DE" kern="0" dirty="0" err="1" smtClean="0"/>
+              <a:t>share</a:t>
+            </a:r>
+            <a:r>
+              <a:rPr lang="de-DE" kern="0" dirty="0" smtClean="0"/>
+              <a:t> </a:t>
+            </a:r>
+            <a:r>
+              <a:rPr lang="de-DE" kern="0" dirty="0" err="1" smtClean="0"/>
+              <a:t>owners</a:t>
+            </a:r>
+            <a:r>
+              <a:rPr lang="de-DE" kern="0" dirty="0" smtClean="0"/>
+              <a:t>)</a:t>
+            </a:r>
+          </a:p>
+          <a:p>
+            <a:pPr algn="r"/>
+            <a:r>
+              <a:rPr lang="de-DE" kern="0" dirty="0" smtClean="0"/>
+              <a:t>Message </a:t>
+            </a:r>
+            <a:r>
+              <a:rPr lang="de-DE" kern="0" dirty="0" err="1" smtClean="0"/>
+              <a:t>is</a:t>
+            </a:r>
+            <a:r>
+              <a:rPr lang="de-DE" kern="0" dirty="0" smtClean="0"/>
+              <a:t> </a:t>
+            </a:r>
+            <a:r>
+              <a:rPr lang="de-DE" kern="0" dirty="0" err="1" smtClean="0"/>
+              <a:t>decrypted</a:t>
+            </a:r>
+            <a:r>
+              <a:rPr lang="de-DE" kern="0" dirty="0" smtClean="0"/>
+              <a:t> but </a:t>
+            </a:r>
+            <a:r>
+              <a:rPr lang="de-DE" kern="0" dirty="0" err="1" smtClean="0"/>
+              <a:t>secret</a:t>
+            </a:r>
+            <a:r>
+              <a:rPr lang="de-DE" kern="0" dirty="0" smtClean="0"/>
+              <a:t> </a:t>
+            </a:r>
+            <a:r>
+              <a:rPr lang="de-DE" kern="0" dirty="0" err="1" smtClean="0"/>
+              <a:t>key</a:t>
+            </a:r>
+            <a:r>
+              <a:rPr lang="de-DE" kern="0" dirty="0" smtClean="0"/>
+              <a:t> </a:t>
+            </a:r>
+            <a:r>
+              <a:rPr lang="de-DE" kern="0" dirty="0" err="1" smtClean="0"/>
+              <a:t>is</a:t>
+            </a:r>
+            <a:r>
+              <a:rPr lang="de-DE" kern="0" dirty="0" smtClean="0"/>
+              <a:t> NOT </a:t>
+            </a:r>
+            <a:r>
+              <a:rPr lang="de-DE" kern="0" dirty="0" err="1" smtClean="0"/>
+              <a:t>restored</a:t>
+            </a:r>
+            <a:endParaRPr lang="de-DE" kern="0" dirty="0" smtClean="0"/>
+          </a:p>
+          <a:p>
+            <a:pPr algn="r"/>
+            <a:r>
+              <a:rPr lang="de-DE" kern="0" dirty="0" smtClean="0"/>
+              <a:t>Advantages: </a:t>
+            </a:r>
+            <a:r>
+              <a:rPr lang="de-DE" kern="0" dirty="0" err="1" smtClean="0"/>
               <a:t>distributed</a:t>
             </a:r>
             <a:r>
-              <a:rPr lang="de-DE" baseline="0" dirty="0" smtClean="0"/>
-              <a:t> </a:t>
-            </a:r>
-            <a:r>
-              <a:rPr lang="de-DE" baseline="0" dirty="0" err="1" smtClean="0"/>
-              <a:t>storage</a:t>
-            </a:r>
-            <a:r>
-              <a:rPr lang="de-DE" baseline="0" dirty="0" smtClean="0"/>
-              <a:t> </a:t>
-            </a:r>
-            <a:r>
-              <a:rPr lang="de-DE" baseline="0" dirty="0" err="1" smtClean="0"/>
-              <a:t>and</a:t>
-            </a:r>
-            <a:r>
-              <a:rPr lang="de-DE" baseline="0" dirty="0" smtClean="0"/>
-              <a:t> </a:t>
-            </a:r>
-            <a:r>
-              <a:rPr lang="de-DE" baseline="0" dirty="0" err="1" smtClean="0"/>
-              <a:t>processing</a:t>
-            </a:r>
-            <a:r>
-              <a:rPr lang="de-DE" baseline="0" dirty="0" smtClean="0"/>
-              <a:t> </a:t>
-            </a:r>
-            <a:r>
-              <a:rPr lang="de-DE" baseline="0" dirty="0" err="1" smtClean="0"/>
-              <a:t>of</a:t>
-            </a:r>
-            <a:r>
-              <a:rPr lang="de-DE" baseline="0" dirty="0" smtClean="0"/>
-              <a:t> log </a:t>
-            </a:r>
-            <a:r>
-              <a:rPr lang="de-DE" baseline="0" dirty="0" err="1" smtClean="0"/>
-              <a:t>data</a:t>
-            </a:r>
-            <a:r>
-              <a:rPr lang="de-DE" baseline="0" dirty="0" smtClean="0"/>
-              <a:t> </a:t>
-            </a:r>
+              <a:rPr lang="de-DE" kern="0" dirty="0" smtClean="0"/>
+              <a:t> </a:t>
+            </a:r>
+            <a:r>
+              <a:rPr lang="de-DE" kern="0" dirty="0" err="1" smtClean="0"/>
+              <a:t>trust</a:t>
+            </a:r>
+            <a:r>
+              <a:rPr lang="de-DE" kern="0" dirty="0" smtClean="0"/>
+              <a:t>, </a:t>
+            </a:r>
+            <a:r>
+              <a:rPr lang="de-DE" kern="0" dirty="0" err="1" smtClean="0"/>
+              <a:t>prevents</a:t>
+            </a:r>
+            <a:r>
+              <a:rPr lang="de-DE" kern="0" dirty="0" smtClean="0"/>
+              <a:t> „</a:t>
+            </a:r>
+            <a:r>
+              <a:rPr lang="de-DE" kern="0" dirty="0" err="1" smtClean="0"/>
+              <a:t>blocking</a:t>
+            </a:r>
+            <a:r>
+              <a:rPr lang="de-DE" kern="0" dirty="0" smtClean="0"/>
+              <a:t>“ </a:t>
+            </a:r>
+            <a:r>
+              <a:rPr lang="de-DE" kern="0" dirty="0" err="1" smtClean="0"/>
+              <a:t>participants</a:t>
+            </a:r>
+            <a:r>
+              <a:rPr lang="de-DE" kern="0" dirty="0" smtClean="0"/>
+              <a:t> </a:t>
+            </a:r>
+          </a:p>
+          <a:p>
+            <a:endParaRPr lang="de-DE" kern="0" dirty="0" smtClean="0"/>
+          </a:p>
+          <a:p>
             <a:endParaRPr lang="de-DE" dirty="0"/>
           </a:p>
         </p:txBody>
@@ -2996,7 +3326,7 @@
               <a:pPr>
                 <a:defRPr/>
               </a:pPr>
-              <a:t>7</a:t>
+              <a:t>5</a:t>
             </a:fld>
             <a:endParaRPr lang="de-DE"/>
           </a:p>
@@ -3005,7 +3335,101 @@
     </p:spTree>
     <p:extLst>
       <p:ext uri="{BB962C8B-B14F-4D97-AF65-F5344CB8AC3E}">
-        <p14:creationId xmlns:p14="http://schemas.microsoft.com/office/powerpoint/2010/main" val="3905226780"/>
+        <p14:creationId xmlns:p14="http://schemas.microsoft.com/office/powerpoint/2010/main" val="2854611297"/>
+      </p:ext>
+    </p:extLst>
+  </p:cSld>
+  <p:clrMapOvr>
+    <a:masterClrMapping/>
+  </p:clrMapOvr>
+</p:notes>
+</file>
+
+<file path=ppt/notesSlides/notesSlide5.xml><?xml version="1.0" encoding="utf-8"?>
+<p:notes xmlns:a="http://schemas.openxmlformats.org/drawingml/2006/main" xmlns:r="http://schemas.openxmlformats.org/officeDocument/2006/relationships" xmlns:p="http://schemas.openxmlformats.org/presentationml/2006/main">
+  <p:cSld>
+    <p:spTree>
+      <p:nvGrpSpPr>
+        <p:cNvPr id="1" name=""/>
+        <p:cNvGrpSpPr/>
+        <p:nvPr/>
+      </p:nvGrpSpPr>
+      <p:grpSpPr>
+        <a:xfrm>
+          <a:off x="0" y="0"/>
+          <a:ext cx="0" cy="0"/>
+          <a:chOff x="0" y="0"/>
+          <a:chExt cx="0" cy="0"/>
+        </a:xfrm>
+      </p:grpSpPr>
+      <p:sp>
+        <p:nvSpPr>
+          <p:cNvPr id="2" name="Folienbildplatzhalter 1"/>
+          <p:cNvSpPr>
+            <a:spLocks noGrp="1" noRot="1" noChangeAspect="1"/>
+          </p:cNvSpPr>
+          <p:nvPr>
+            <p:ph type="sldImg"/>
+          </p:nvPr>
+        </p:nvSpPr>
+        <p:spPr/>
+      </p:sp>
+      <p:sp>
+        <p:nvSpPr>
+          <p:cNvPr id="3" name="Notizenplatzhalter 2"/>
+          <p:cNvSpPr>
+            <a:spLocks noGrp="1"/>
+          </p:cNvSpPr>
+          <p:nvPr>
+            <p:ph type="body" idx="1"/>
+          </p:nvPr>
+        </p:nvSpPr>
+        <p:spPr/>
+        <p:txBody>
+          <a:bodyPr/>
+          <a:lstStyle/>
+          <a:p>
+            <a:r>
+              <a:rPr lang="de-DE" dirty="0" err="1" smtClean="0"/>
+              <a:t>Disclose</a:t>
+            </a:r>
+            <a:endParaRPr lang="de-DE" dirty="0"/>
+          </a:p>
+        </p:txBody>
+      </p:sp>
+      <p:sp>
+        <p:nvSpPr>
+          <p:cNvPr id="4" name="Foliennummernplatzhalter 3"/>
+          <p:cNvSpPr>
+            <a:spLocks noGrp="1"/>
+          </p:cNvSpPr>
+          <p:nvPr>
+            <p:ph type="sldNum" sz="quarter" idx="10"/>
+          </p:nvPr>
+        </p:nvSpPr>
+        <p:spPr/>
+        <p:txBody>
+          <a:bodyPr/>
+          <a:lstStyle/>
+          <a:p>
+            <a:pPr>
+              <a:defRPr/>
+            </a:pPr>
+            <a:fld id="{9DDC5E44-63C0-EF42-9B94-8202B4B6C3D9}" type="slidenum">
+              <a:rPr lang="de-DE" smtClean="0"/>
+              <a:pPr>
+                <a:defRPr/>
+              </a:pPr>
+              <a:t>6</a:t>
+            </a:fld>
+            <a:endParaRPr lang="de-DE"/>
+          </a:p>
+        </p:txBody>
+      </p:sp>
+    </p:spTree>
+    <p:extLst>
+      <p:ext uri="{BB962C8B-B14F-4D97-AF65-F5344CB8AC3E}">
+        <p14:creationId xmlns:p14="http://schemas.microsoft.com/office/powerpoint/2010/main" val="839073819"/>
       </p:ext>
     </p:extLst>
   </p:cSld>
@@ -3064,6 +3488,160 @@
           <a:bodyPr/>
           <a:lstStyle/>
           <a:p>
+            <a:pPr marL="171450" indent="-171450">
+              <a:buFont typeface="Arial" panose="020B0604020202020204" pitchFamily="34" charset="0"/>
+              <a:buChar char="•"/>
+            </a:pPr>
+            <a:r>
+              <a:rPr lang="de-DE" dirty="0" smtClean="0"/>
+              <a:t>Proxy </a:t>
+            </a:r>
+            <a:r>
+              <a:rPr lang="de-DE" dirty="0" err="1" smtClean="0"/>
+              <a:t>based</a:t>
+            </a:r>
+            <a:r>
+              <a:rPr lang="de-DE" dirty="0" smtClean="0"/>
+              <a:t>: </a:t>
+            </a:r>
+            <a:r>
+              <a:rPr lang="de-DE" dirty="0" err="1" smtClean="0"/>
+              <a:t>No</a:t>
+            </a:r>
+            <a:r>
+              <a:rPr lang="de-DE" dirty="0" smtClean="0"/>
+              <a:t> </a:t>
+            </a:r>
+            <a:r>
+              <a:rPr lang="de-DE" dirty="0" err="1" smtClean="0"/>
+              <a:t>changes</a:t>
+            </a:r>
+            <a:r>
+              <a:rPr lang="de-DE" dirty="0" smtClean="0"/>
+              <a:t> </a:t>
+            </a:r>
+            <a:r>
+              <a:rPr lang="de-DE" dirty="0" err="1" smtClean="0"/>
+              <a:t>to</a:t>
+            </a:r>
+            <a:r>
+              <a:rPr lang="de-DE" dirty="0" smtClean="0"/>
+              <a:t> </a:t>
+            </a:r>
+            <a:r>
+              <a:rPr lang="de-DE" dirty="0" err="1" smtClean="0"/>
+              <a:t>data</a:t>
+            </a:r>
+            <a:r>
+              <a:rPr lang="de-DE" dirty="0" smtClean="0"/>
+              <a:t> </a:t>
+            </a:r>
+            <a:r>
+              <a:rPr lang="de-DE" dirty="0" err="1" smtClean="0"/>
+              <a:t>sources</a:t>
+            </a:r>
+            <a:r>
+              <a:rPr lang="de-DE" dirty="0" smtClean="0"/>
+              <a:t> </a:t>
+            </a:r>
+            <a:r>
+              <a:rPr lang="de-DE" dirty="0" err="1" smtClean="0"/>
+              <a:t>and</a:t>
+            </a:r>
+            <a:r>
+              <a:rPr lang="de-DE" dirty="0" smtClean="0"/>
+              <a:t> </a:t>
+            </a:r>
+            <a:r>
+              <a:rPr lang="de-DE" dirty="0" err="1" smtClean="0"/>
+              <a:t>siem</a:t>
+            </a:r>
+            <a:r>
+              <a:rPr lang="de-DE" dirty="0" smtClean="0"/>
+              <a:t> </a:t>
+            </a:r>
+            <a:r>
+              <a:rPr lang="de-DE" dirty="0" err="1" smtClean="0"/>
+              <a:t>system</a:t>
+            </a:r>
+            <a:endParaRPr lang="de-DE" dirty="0" smtClean="0"/>
+          </a:p>
+          <a:p>
+            <a:pPr marL="171450" indent="-171450">
+              <a:buFont typeface="Arial" panose="020B0604020202020204" pitchFamily="34" charset="0"/>
+              <a:buChar char="•"/>
+            </a:pPr>
+            <a:endParaRPr lang="de-DE" dirty="0" smtClean="0"/>
+          </a:p>
+          <a:p>
+            <a:pPr marL="171450" indent="-171450">
+              <a:buFont typeface="Arial" panose="020B0604020202020204" pitchFamily="34" charset="0"/>
+              <a:buChar char="•"/>
+            </a:pPr>
+            <a:r>
+              <a:rPr lang="de-DE" dirty="0" smtClean="0"/>
+              <a:t>Distributed</a:t>
+            </a:r>
+            <a:r>
+              <a:rPr lang="de-DE" baseline="0" dirty="0" smtClean="0"/>
+              <a:t> </a:t>
+            </a:r>
+            <a:r>
+              <a:rPr lang="de-DE" baseline="0" dirty="0" err="1" smtClean="0"/>
+              <a:t>because</a:t>
+            </a:r>
+            <a:r>
+              <a:rPr lang="de-DE" baseline="0" dirty="0" smtClean="0"/>
+              <a:t>: </a:t>
+            </a:r>
+            <a:r>
+              <a:rPr lang="de-DE" baseline="0" dirty="0" err="1" smtClean="0"/>
+              <a:t>distributed</a:t>
+            </a:r>
+            <a:r>
+              <a:rPr lang="de-DE" baseline="0" dirty="0" smtClean="0"/>
+              <a:t> </a:t>
+            </a:r>
+            <a:r>
+              <a:rPr lang="de-DE" baseline="0" dirty="0" err="1" smtClean="0"/>
+              <a:t>storage</a:t>
+            </a:r>
+            <a:r>
+              <a:rPr lang="de-DE" baseline="0" dirty="0" smtClean="0"/>
+              <a:t> </a:t>
+            </a:r>
+            <a:r>
+              <a:rPr lang="de-DE" baseline="0" dirty="0" err="1" smtClean="0"/>
+              <a:t>and</a:t>
+            </a:r>
+            <a:r>
+              <a:rPr lang="de-DE" baseline="0" dirty="0" smtClean="0"/>
+              <a:t> </a:t>
+            </a:r>
+            <a:r>
+              <a:rPr lang="de-DE" baseline="0" dirty="0" err="1" smtClean="0"/>
+              <a:t>processing</a:t>
+            </a:r>
+            <a:r>
+              <a:rPr lang="de-DE" baseline="0" dirty="0" smtClean="0"/>
+              <a:t> </a:t>
+            </a:r>
+            <a:r>
+              <a:rPr lang="de-DE" baseline="0" dirty="0" err="1" smtClean="0"/>
+              <a:t>of</a:t>
+            </a:r>
+            <a:r>
+              <a:rPr lang="de-DE" baseline="0" dirty="0" smtClean="0"/>
+              <a:t> log </a:t>
+            </a:r>
+            <a:r>
+              <a:rPr lang="de-DE" baseline="0" dirty="0" err="1" smtClean="0"/>
+              <a:t>data</a:t>
+            </a:r>
+            <a:r>
+              <a:rPr lang="de-DE" baseline="0" dirty="0" smtClean="0"/>
+              <a:t> </a:t>
+            </a:r>
             <a:endParaRPr lang="de-DE" dirty="0"/>
           </a:p>
         </p:txBody>
@@ -3091,6 +3669,101 @@
               <a:pPr>
                 <a:defRPr/>
               </a:pPr>
+              <a:t>7</a:t>
+            </a:fld>
+            <a:endParaRPr lang="de-DE"/>
+          </a:p>
+        </p:txBody>
+      </p:sp>
+    </p:spTree>
+    <p:extLst>
+      <p:ext uri="{BB962C8B-B14F-4D97-AF65-F5344CB8AC3E}">
+        <p14:creationId xmlns:p14="http://schemas.microsoft.com/office/powerpoint/2010/main" val="3905226780"/>
+      </p:ext>
+    </p:extLst>
+  </p:cSld>
+  <p:clrMapOvr>
+    <a:masterClrMapping/>
+  </p:clrMapOvr>
+</p:notes>
+</file>
+
+<file path=ppt/notesSlides/notesSlide7.xml><?xml version="1.0" encoding="utf-8"?>
+<p:notes xmlns:a="http://schemas.openxmlformats.org/drawingml/2006/main" xmlns:r="http://schemas.openxmlformats.org/officeDocument/2006/relationships" xmlns:p="http://schemas.openxmlformats.org/presentationml/2006/main">
+  <p:cSld>
+    <p:spTree>
+      <p:nvGrpSpPr>
+        <p:cNvPr id="1" name=""/>
+        <p:cNvGrpSpPr/>
+        <p:nvPr/>
+      </p:nvGrpSpPr>
+      <p:grpSpPr>
+        <a:xfrm>
+          <a:off x="0" y="0"/>
+          <a:ext cx="0" cy="0"/>
+          <a:chOff x="0" y="0"/>
+          <a:chExt cx="0" cy="0"/>
+        </a:xfrm>
+      </p:grpSpPr>
+      <p:sp>
+        <p:nvSpPr>
+          <p:cNvPr id="2" name="Folienbildplatzhalter 1"/>
+          <p:cNvSpPr>
+            <a:spLocks noGrp="1" noRot="1" noChangeAspect="1"/>
+          </p:cNvSpPr>
+          <p:nvPr>
+            <p:ph type="sldImg"/>
+          </p:nvPr>
+        </p:nvSpPr>
+        <p:spPr>
+          <a:xfrm>
+            <a:off x="1143000" y="685800"/>
+            <a:ext cx="4572000" cy="3429000"/>
+          </a:xfrm>
+        </p:spPr>
+      </p:sp>
+      <p:sp>
+        <p:nvSpPr>
+          <p:cNvPr id="3" name="Notizenplatzhalter 2"/>
+          <p:cNvSpPr>
+            <a:spLocks noGrp="1"/>
+          </p:cNvSpPr>
+          <p:nvPr>
+            <p:ph type="body" idx="1"/>
+          </p:nvPr>
+        </p:nvSpPr>
+        <p:spPr/>
+        <p:txBody>
+          <a:bodyPr/>
+          <a:lstStyle/>
+          <a:p>
+            <a:endParaRPr lang="de-DE" dirty="0"/>
+          </a:p>
+        </p:txBody>
+      </p:sp>
+      <p:sp>
+        <p:nvSpPr>
+          <p:cNvPr id="4" name="Foliennummernplatzhalter 3"/>
+          <p:cNvSpPr>
+            <a:spLocks noGrp="1"/>
+          </p:cNvSpPr>
+          <p:nvPr>
+            <p:ph type="sldNum" sz="quarter" idx="10"/>
+          </p:nvPr>
+        </p:nvSpPr>
+        <p:spPr/>
+        <p:txBody>
+          <a:bodyPr/>
+          <a:lstStyle/>
+          <a:p>
+            <a:pPr>
+              <a:defRPr/>
+            </a:pPr>
+            <a:fld id="{9DDC5E44-63C0-EF42-9B94-8202B4B6C3D9}" type="slidenum">
+              <a:rPr lang="de-DE" smtClean="0"/>
+              <a:pPr>
+                <a:defRPr/>
+              </a:pPr>
               <a:t>8</a:t>
             </a:fld>
             <a:endParaRPr lang="de-DE"/>
@@ -3110,7 +3783,221 @@
 </p:notes>
 </file>
 
-<file path=ppt/notesSlides/notesSlide7.xml><?xml version="1.0" encoding="utf-8"?>
+<file path=ppt/notesSlides/notesSlide8.xml><?xml version="1.0" encoding="utf-8"?>
+<p:notes xmlns:a="http://schemas.openxmlformats.org/drawingml/2006/main" xmlns:r="http://schemas.openxmlformats.org/officeDocument/2006/relationships" xmlns:p="http://schemas.openxmlformats.org/presentationml/2006/main">
+  <p:cSld>
+    <p:spTree>
+      <p:nvGrpSpPr>
+        <p:cNvPr id="1" name=""/>
+        <p:cNvGrpSpPr/>
+        <p:nvPr/>
+      </p:nvGrpSpPr>
+      <p:grpSpPr>
+        <a:xfrm>
+          <a:off x="0" y="0"/>
+          <a:ext cx="0" cy="0"/>
+          <a:chOff x="0" y="0"/>
+          <a:chExt cx="0" cy="0"/>
+        </a:xfrm>
+      </p:grpSpPr>
+      <p:sp>
+        <p:nvSpPr>
+          <p:cNvPr id="2" name="Folienbildplatzhalter 1"/>
+          <p:cNvSpPr>
+            <a:spLocks noGrp="1" noRot="1" noChangeAspect="1"/>
+          </p:cNvSpPr>
+          <p:nvPr>
+            <p:ph type="sldImg"/>
+          </p:nvPr>
+        </p:nvSpPr>
+        <p:spPr/>
+      </p:sp>
+      <p:sp>
+        <p:nvSpPr>
+          <p:cNvPr id="3" name="Notizenplatzhalter 2"/>
+          <p:cNvSpPr>
+            <a:spLocks noGrp="1"/>
+          </p:cNvSpPr>
+          <p:nvPr>
+            <p:ph type="body" idx="1"/>
+          </p:nvPr>
+        </p:nvSpPr>
+        <p:spPr/>
+        <p:txBody>
+          <a:bodyPr/>
+          <a:lstStyle/>
+          <a:p>
+            <a:r>
+              <a:rPr lang="de-DE" dirty="0" smtClean="0"/>
+              <a:t>This </a:t>
+            </a:r>
+            <a:r>
+              <a:rPr lang="de-DE" dirty="0" err="1" smtClean="0"/>
+              <a:t>kind</a:t>
+            </a:r>
+            <a:r>
+              <a:rPr lang="de-DE" dirty="0" smtClean="0"/>
+              <a:t> </a:t>
+            </a:r>
+            <a:r>
+              <a:rPr lang="de-DE" dirty="0" err="1" smtClean="0"/>
+              <a:t>of</a:t>
+            </a:r>
+            <a:r>
+              <a:rPr lang="de-DE" dirty="0" smtClean="0"/>
+              <a:t> </a:t>
+            </a:r>
+            <a:r>
+              <a:rPr lang="de-DE" dirty="0" err="1" smtClean="0"/>
+              <a:t>attack</a:t>
+            </a:r>
+            <a:r>
+              <a:rPr lang="de-DE" dirty="0" smtClean="0"/>
+              <a:t> </a:t>
+            </a:r>
+            <a:r>
+              <a:rPr lang="de-DE" dirty="0" err="1" smtClean="0"/>
+              <a:t>is</a:t>
+            </a:r>
+            <a:r>
+              <a:rPr lang="de-DE" dirty="0" smtClean="0"/>
+              <a:t> not </a:t>
+            </a:r>
+            <a:r>
+              <a:rPr lang="de-DE" dirty="0" err="1" smtClean="0"/>
+              <a:t>preventable</a:t>
+            </a:r>
+            <a:r>
+              <a:rPr lang="de-DE" dirty="0" smtClean="0"/>
+              <a:t>, but </a:t>
+            </a:r>
+            <a:r>
+              <a:rPr lang="de-DE" dirty="0" err="1" smtClean="0"/>
+              <a:t>you</a:t>
+            </a:r>
+            <a:r>
+              <a:rPr lang="de-DE" dirty="0" smtClean="0"/>
+              <a:t> </a:t>
+            </a:r>
+            <a:r>
+              <a:rPr lang="de-DE" dirty="0" err="1" smtClean="0"/>
+              <a:t>can</a:t>
+            </a:r>
+            <a:r>
+              <a:rPr lang="de-DE" dirty="0" smtClean="0"/>
+              <a:t> at least </a:t>
+            </a:r>
+            <a:r>
+              <a:rPr lang="de-DE" dirty="0" err="1" smtClean="0"/>
+              <a:t>restrict</a:t>
+            </a:r>
+            <a:r>
+              <a:rPr lang="de-DE" dirty="0" smtClean="0"/>
+              <a:t> </a:t>
+            </a:r>
+            <a:r>
+              <a:rPr lang="de-DE" dirty="0" err="1" smtClean="0"/>
+              <a:t>the</a:t>
+            </a:r>
+            <a:r>
+              <a:rPr lang="de-DE" dirty="0" smtClean="0"/>
+              <a:t> </a:t>
+            </a:r>
+            <a:r>
+              <a:rPr lang="de-DE" dirty="0" err="1" smtClean="0"/>
+              <a:t>consequences</a:t>
+            </a:r>
+            <a:r>
+              <a:rPr lang="de-DE" dirty="0" smtClean="0"/>
+              <a:t> </a:t>
+            </a:r>
+            <a:r>
+              <a:rPr lang="de-DE" dirty="0" err="1" smtClean="0"/>
+              <a:t>by</a:t>
+            </a:r>
+            <a:r>
+              <a:rPr lang="de-DE" dirty="0" smtClean="0"/>
+              <a:t> </a:t>
+            </a:r>
+            <a:r>
+              <a:rPr lang="de-DE" dirty="0" err="1" smtClean="0"/>
+              <a:t>updating</a:t>
+            </a:r>
+            <a:r>
+              <a:rPr lang="de-DE" dirty="0" smtClean="0"/>
+              <a:t> </a:t>
+            </a:r>
+            <a:r>
+              <a:rPr lang="de-DE" dirty="0" err="1" smtClean="0"/>
+              <a:t>pseudonyms</a:t>
+            </a:r>
+            <a:r>
+              <a:rPr lang="de-DE" dirty="0" smtClean="0"/>
+              <a:t> </a:t>
+            </a:r>
+            <a:r>
+              <a:rPr lang="de-DE" dirty="0" err="1" smtClean="0"/>
+              <a:t>more</a:t>
+            </a:r>
+            <a:r>
+              <a:rPr lang="de-DE" baseline="0" dirty="0" smtClean="0"/>
+              <a:t> </a:t>
+            </a:r>
+            <a:r>
+              <a:rPr lang="de-DE" baseline="0" dirty="0" err="1" smtClean="0"/>
+              <a:t>often</a:t>
+            </a:r>
+            <a:r>
+              <a:rPr lang="de-DE" baseline="0" dirty="0" smtClean="0"/>
+              <a:t>.</a:t>
+            </a:r>
+            <a:endParaRPr lang="de-DE" dirty="0"/>
+          </a:p>
+        </p:txBody>
+      </p:sp>
+      <p:sp>
+        <p:nvSpPr>
+          <p:cNvPr id="4" name="Foliennummernplatzhalter 3"/>
+          <p:cNvSpPr>
+            <a:spLocks noGrp="1"/>
+          </p:cNvSpPr>
+          <p:nvPr>
+            <p:ph type="sldNum" sz="quarter" idx="10"/>
+          </p:nvPr>
+        </p:nvSpPr>
+        <p:spPr/>
+        <p:txBody>
+          <a:bodyPr/>
+          <a:lstStyle/>
+          <a:p>
+            <a:pPr>
+              <a:defRPr/>
+            </a:pPr>
+            <a:fld id="{9DDC5E44-63C0-EF42-9B94-8202B4B6C3D9}" type="slidenum">
+              <a:rPr lang="de-DE" smtClean="0"/>
+              <a:pPr>
+                <a:defRPr/>
+              </a:pPr>
+              <a:t>10</a:t>
+            </a:fld>
+            <a:endParaRPr lang="de-DE"/>
+          </a:p>
+        </p:txBody>
+      </p:sp>
+    </p:spTree>
+    <p:extLst>
+      <p:ext uri="{BB962C8B-B14F-4D97-AF65-F5344CB8AC3E}">
+        <p14:creationId xmlns:p14="http://schemas.microsoft.com/office/powerpoint/2010/main" val="1032780683"/>
+      </p:ext>
+    </p:extLst>
+  </p:cSld>
+  <p:clrMapOvr>
+    <a:masterClrMapping/>
+  </p:clrMapOvr>
+</p:notes>
+</file>
+
+<file path=ppt/notesSlides/notesSlide9.xml><?xml version="1.0" encoding="utf-8"?>
 <p:notes xmlns:a="http://schemas.openxmlformats.org/drawingml/2006/main" xmlns:r="http://schemas.openxmlformats.org/officeDocument/2006/relationships" xmlns:p="http://schemas.openxmlformats.org/presentationml/2006/main">
   <p:cSld>
     <p:spTree>
@@ -3373,349 +4260,6 @@
         </p:txBody>
       </p:sp>
     </p:spTree>
-  </p:cSld>
-  <p:clrMapOvr>
-    <a:masterClrMapping/>
-  </p:clrMapOvr>
-</p:notes>
-</file>
-
-<file path=ppt/notesSlides/notesSlide8.xml><?xml version="1.0" encoding="utf-8"?>
-<p:notes xmlns:a="http://schemas.openxmlformats.org/drawingml/2006/main" xmlns:r="http://schemas.openxmlformats.org/officeDocument/2006/relationships" xmlns:p="http://schemas.openxmlformats.org/presentationml/2006/main">
-  <p:cSld>
-    <p:spTree>
-      <p:nvGrpSpPr>
-        <p:cNvPr id="1" name=""/>
-        <p:cNvGrpSpPr/>
-        <p:nvPr/>
-      </p:nvGrpSpPr>
-      <p:grpSpPr>
-        <a:xfrm>
-          <a:off x="0" y="0"/>
-          <a:ext cx="0" cy="0"/>
-          <a:chOff x="0" y="0"/>
-          <a:chExt cx="0" cy="0"/>
-        </a:xfrm>
-      </p:grpSpPr>
-      <p:sp>
-        <p:nvSpPr>
-          <p:cNvPr id="2" name="Folienbildplatzhalter 1"/>
-          <p:cNvSpPr>
-            <a:spLocks noGrp="1" noRot="1" noChangeAspect="1"/>
-          </p:cNvSpPr>
-          <p:nvPr>
-            <p:ph type="sldImg"/>
-          </p:nvPr>
-        </p:nvSpPr>
-        <p:spPr>
-          <a:xfrm>
-            <a:off x="1143000" y="685800"/>
-            <a:ext cx="4572000" cy="3429000"/>
-          </a:xfrm>
-        </p:spPr>
-      </p:sp>
-      <p:sp>
-        <p:nvSpPr>
-          <p:cNvPr id="3" name="Notizenplatzhalter 2"/>
-          <p:cNvSpPr>
-            <a:spLocks noGrp="1"/>
-          </p:cNvSpPr>
-          <p:nvPr>
-            <p:ph type="body" idx="1"/>
-          </p:nvPr>
-        </p:nvSpPr>
-        <p:spPr/>
-        <p:txBody>
-          <a:bodyPr/>
-          <a:lstStyle/>
-          <a:p>
-            <a:pPr marL="171450" indent="-171450">
-              <a:buFont typeface="Arial" panose="020B0604020202020204" pitchFamily="34" charset="0"/>
-              <a:buChar char="•"/>
-            </a:pPr>
-            <a:r>
-              <a:rPr lang="de-DE" dirty="0" smtClean="0"/>
-              <a:t>Not </a:t>
-            </a:r>
-            <a:r>
-              <a:rPr lang="de-DE" dirty="0" err="1" smtClean="0"/>
-              <a:t>distributed</a:t>
-            </a:r>
-            <a:endParaRPr lang="de-DE" dirty="0" smtClean="0"/>
-          </a:p>
-          <a:p>
-            <a:pPr marL="171450" indent="-171450">
-              <a:buFont typeface="Arial" panose="020B0604020202020204" pitchFamily="34" charset="0"/>
-              <a:buChar char="•"/>
-            </a:pPr>
-            <a:r>
-              <a:rPr lang="de-DE" dirty="0" err="1" smtClean="0"/>
-              <a:t>Faster</a:t>
-            </a:r>
-            <a:r>
-              <a:rPr lang="de-DE" baseline="0" dirty="0" smtClean="0"/>
-              <a:t> </a:t>
-            </a:r>
-            <a:r>
-              <a:rPr lang="de-DE" baseline="0" dirty="0" err="1" smtClean="0"/>
-              <a:t>crypto</a:t>
-            </a:r>
-            <a:r>
-              <a:rPr lang="de-DE" baseline="0" dirty="0" smtClean="0"/>
-              <a:t>: ECC, </a:t>
-            </a:r>
-            <a:r>
-              <a:rPr lang="de-DE" baseline="0" dirty="0" err="1" smtClean="0"/>
-              <a:t>implementation</a:t>
-            </a:r>
-            <a:r>
-              <a:rPr lang="de-DE" baseline="0" dirty="0" smtClean="0"/>
-              <a:t> in C/…</a:t>
-            </a:r>
-            <a:endParaRPr lang="de-DE" dirty="0"/>
-          </a:p>
-        </p:txBody>
-      </p:sp>
-      <p:sp>
-        <p:nvSpPr>
-          <p:cNvPr id="4" name="Foliennummernplatzhalter 3"/>
-          <p:cNvSpPr>
-            <a:spLocks noGrp="1"/>
-          </p:cNvSpPr>
-          <p:nvPr>
-            <p:ph type="sldNum" sz="quarter" idx="10"/>
-          </p:nvPr>
-        </p:nvSpPr>
-        <p:spPr/>
-        <p:txBody>
-          <a:bodyPr/>
-          <a:lstStyle/>
-          <a:p>
-            <a:pPr>
-              <a:defRPr/>
-            </a:pPr>
-            <a:fld id="{9DDC5E44-63C0-EF42-9B94-8202B4B6C3D9}" type="slidenum">
-              <a:rPr lang="de-DE" smtClean="0"/>
-              <a:pPr>
-                <a:defRPr/>
-              </a:pPr>
-              <a:t>14</a:t>
-            </a:fld>
-            <a:endParaRPr lang="de-DE"/>
-          </a:p>
-        </p:txBody>
-      </p:sp>
-    </p:spTree>
-    <p:extLst>
-      <p:ext uri="{BB962C8B-B14F-4D97-AF65-F5344CB8AC3E}">
-        <p14:creationId xmlns:p14="http://schemas.microsoft.com/office/powerpoint/2010/main" val="3075402256"/>
-      </p:ext>
-    </p:extLst>
-  </p:cSld>
-  <p:clrMapOvr>
-    <a:masterClrMapping/>
-  </p:clrMapOvr>
-</p:notes>
-</file>
-
-<file path=ppt/notesSlides/notesSlide9.xml><?xml version="1.0" encoding="utf-8"?>
-<p:notes xmlns:a="http://schemas.openxmlformats.org/drawingml/2006/main" xmlns:r="http://schemas.openxmlformats.org/officeDocument/2006/relationships" xmlns:p="http://schemas.openxmlformats.org/presentationml/2006/main">
-  <p:cSld>
-    <p:spTree>
-      <p:nvGrpSpPr>
-        <p:cNvPr id="1" name=""/>
-        <p:cNvGrpSpPr/>
-        <p:nvPr/>
-      </p:nvGrpSpPr>
-      <p:grpSpPr>
-        <a:xfrm>
-          <a:off x="0" y="0"/>
-          <a:ext cx="0" cy="0"/>
-          <a:chOff x="0" y="0"/>
-          <a:chExt cx="0" cy="0"/>
-        </a:xfrm>
-      </p:grpSpPr>
-      <p:sp>
-        <p:nvSpPr>
-          <p:cNvPr id="2" name="Folienbildplatzhalter 1"/>
-          <p:cNvSpPr>
-            <a:spLocks noGrp="1" noRot="1" noChangeAspect="1"/>
-          </p:cNvSpPr>
-          <p:nvPr>
-            <p:ph type="sldImg"/>
-          </p:nvPr>
-        </p:nvSpPr>
-        <p:spPr>
-          <a:xfrm>
-            <a:off x="1143000" y="685800"/>
-            <a:ext cx="4572000" cy="3429000"/>
-          </a:xfrm>
-        </p:spPr>
-      </p:sp>
-      <p:sp>
-        <p:nvSpPr>
-          <p:cNvPr id="3" name="Notizenplatzhalter 2"/>
-          <p:cNvSpPr>
-            <a:spLocks noGrp="1"/>
-          </p:cNvSpPr>
-          <p:nvPr>
-            <p:ph type="body" idx="1"/>
-          </p:nvPr>
-        </p:nvSpPr>
-        <p:spPr/>
-        <p:txBody>
-          <a:bodyPr/>
-          <a:lstStyle/>
-          <a:p>
-            <a:pPr marL="171450" indent="-171450">
-              <a:buFont typeface="Arial" panose="020B0604020202020204" pitchFamily="34" charset="0"/>
-              <a:buChar char="•"/>
-            </a:pPr>
-            <a:r>
-              <a:rPr lang="en-US" dirty="0" smtClean="0"/>
-              <a:t>Serious threat for companies (examples)</a:t>
-            </a:r>
-          </a:p>
-          <a:p>
-            <a:pPr marL="171450" indent="-171450">
-              <a:buFont typeface="Arial" panose="020B0604020202020204" pitchFamily="34" charset="0"/>
-              <a:buChar char="•"/>
-            </a:pPr>
-            <a:r>
-              <a:rPr lang="en-US" dirty="0" smtClean="0"/>
-              <a:t>IBM, </a:t>
-            </a:r>
-            <a:r>
-              <a:rPr lang="en-US" dirty="0" err="1" smtClean="0"/>
-              <a:t>Bitkom</a:t>
-            </a:r>
-            <a:r>
-              <a:rPr lang="en-US" dirty="0" smtClean="0"/>
-              <a:t> TODO</a:t>
-            </a:r>
-          </a:p>
-          <a:p>
-            <a:pPr marL="171450" indent="-171450">
-              <a:buFont typeface="Arial" panose="020B0604020202020204" pitchFamily="34" charset="0"/>
-              <a:buChar char="•"/>
-            </a:pPr>
-            <a:r>
-              <a:rPr lang="en-US" dirty="0" smtClean="0"/>
-              <a:t>regular access control, intrusion detection systems, ... not usable, because users are allowed too perform actions</a:t>
-            </a:r>
-          </a:p>
-          <a:p>
-            <a:pPr marL="171450" indent="-171450">
-              <a:buFont typeface="Arial" panose="020B0604020202020204" pitchFamily="34" charset="0"/>
-              <a:buChar char="•"/>
-            </a:pPr>
-            <a:r>
-              <a:rPr lang="en-US" dirty="0" smtClean="0"/>
-              <a:t>-&gt; anomaly-based detection = comparing current user </a:t>
-            </a:r>
-            <a:r>
-              <a:rPr lang="en-US" dirty="0" err="1" smtClean="0"/>
-              <a:t>behaviour</a:t>
-            </a:r>
-            <a:r>
-              <a:rPr lang="en-US" dirty="0" smtClean="0"/>
-              <a:t> with common user </a:t>
-            </a:r>
-            <a:r>
-              <a:rPr lang="en-US" dirty="0" err="1" smtClean="0"/>
-              <a:t>behaviour</a:t>
-            </a:r>
-            <a:r>
-              <a:rPr lang="en-US" dirty="0" smtClean="0"/>
-              <a:t> (statistical approach/machine learning)</a:t>
-            </a:r>
-          </a:p>
-          <a:p>
-            <a:pPr marL="171450" indent="-171450">
-              <a:buFont typeface="Arial" panose="020B0604020202020204" pitchFamily="34" charset="0"/>
-              <a:buChar char="•"/>
-            </a:pPr>
-            <a:r>
-              <a:rPr lang="en-US" dirty="0" smtClean="0"/>
-              <a:t>requires a lot of data</a:t>
-            </a:r>
-          </a:p>
-          <a:p>
-            <a:pPr marL="171450" indent="-171450">
-              <a:buFont typeface="Arial" panose="020B0604020202020204" pitchFamily="34" charset="0"/>
-              <a:buChar char="•"/>
-            </a:pPr>
-            <a:r>
-              <a:rPr lang="en-US" dirty="0" smtClean="0"/>
-              <a:t>But storing and processing this data can collide with the privacy of employees</a:t>
-            </a:r>
-          </a:p>
-          <a:p>
-            <a:pPr marL="171450" indent="-171450">
-              <a:buFont typeface="Arial" panose="020B0604020202020204" pitchFamily="34" charset="0"/>
-              <a:buChar char="•"/>
-            </a:pPr>
-            <a:r>
-              <a:rPr lang="en-US" i="1" dirty="0" smtClean="0"/>
-              <a:t>Bundesdatenschutzgesetz</a:t>
-            </a:r>
-            <a:r>
-              <a:rPr lang="en-US" dirty="0" smtClean="0"/>
-              <a:t>,§32, 1:</a:t>
-            </a:r>
-            <a:br>
-              <a:rPr lang="en-US" dirty="0" smtClean="0"/>
-            </a:br>
-            <a:r>
-              <a:rPr lang="en-US" dirty="0" smtClean="0"/>
-              <a:t>Data related to employees can be used for detecting crimes just with concrete evidence </a:t>
-            </a:r>
-            <a:endParaRPr lang="de-DE" dirty="0" smtClean="0"/>
-          </a:p>
-          <a:p>
-            <a:pPr marL="171450" indent="-171450">
-              <a:buFont typeface="Arial" panose="020B0604020202020204" pitchFamily="34" charset="0"/>
-              <a:buChar char="•"/>
-            </a:pPr>
-            <a:endParaRPr lang="de-DE" dirty="0"/>
-          </a:p>
-        </p:txBody>
-      </p:sp>
-      <p:sp>
-        <p:nvSpPr>
-          <p:cNvPr id="4" name="Foliennummernplatzhalter 3"/>
-          <p:cNvSpPr>
-            <a:spLocks noGrp="1"/>
-          </p:cNvSpPr>
-          <p:nvPr>
-            <p:ph type="sldNum" sz="quarter" idx="10"/>
-          </p:nvPr>
-        </p:nvSpPr>
-        <p:spPr/>
-        <p:txBody>
-          <a:bodyPr/>
-          <a:lstStyle/>
-          <a:p>
-            <a:pPr>
-              <a:defRPr/>
-            </a:pPr>
-            <a:fld id="{9DDC5E44-63C0-EF42-9B94-8202B4B6C3D9}" type="slidenum">
-              <a:rPr lang="de-DE" smtClean="0"/>
-              <a:pPr>
-                <a:defRPr/>
-              </a:pPr>
-              <a:t>15</a:t>
-            </a:fld>
-            <a:endParaRPr lang="de-DE"/>
-          </a:p>
-        </p:txBody>
-      </p:sp>
-    </p:spTree>
-    <p:extLst>
-      <p:ext uri="{BB962C8B-B14F-4D97-AF65-F5344CB8AC3E}">
-        <p14:creationId xmlns:p14="http://schemas.microsoft.com/office/powerpoint/2010/main" val="715939272"/>
-      </p:ext>
-    </p:extLst>
   </p:cSld>
   <p:clrMapOvr>
     <a:masterClrMapping/>
@@ -5481,7 +6025,6 @@
               <a:rPr lang="de-DE" dirty="0" smtClean="0"/>
               <a:t>Performance</a:t>
             </a:r>
-            <a:endParaRPr lang="de-DE" dirty="0" smtClean="0"/>
           </a:p>
           <a:p>
             <a:pPr marL="0" indent="0">
@@ -5514,7 +6057,7 @@
         </p:xfrm>
         <a:graphic>
           <a:graphicData uri="http://schemas.openxmlformats.org/drawingml/2006/chart">
-            <c:chart xmlns:c="http://schemas.openxmlformats.org/drawingml/2006/chart" xmlns:r="http://schemas.openxmlformats.org/officeDocument/2006/relationships" r:id="rId2"/>
+            <c:chart xmlns:c="http://schemas.openxmlformats.org/drawingml/2006/chart" xmlns:r="http://schemas.openxmlformats.org/officeDocument/2006/relationships" r:id="rId3"/>
           </a:graphicData>
         </a:graphic>
       </p:graphicFrame>
@@ -8423,7 +8966,7 @@
           <p:nvPr/>
         </p:nvPicPr>
         <p:blipFill>
-          <a:blip r:embed="rId2">
+          <a:blip r:embed="rId3">
             <a:duotone>
               <a:schemeClr val="accent5">
                 <a:shade val="45000"/>
@@ -8471,7 +9014,7 @@
           <p:nvPr/>
         </p:nvPicPr>
         <p:blipFill>
-          <a:blip r:embed="rId2">
+          <a:blip r:embed="rId3">
             <a:duotone>
               <a:schemeClr val="accent5">
                 <a:shade val="45000"/>
@@ -8519,7 +9062,7 @@
           <p:nvPr/>
         </p:nvPicPr>
         <p:blipFill>
-          <a:blip r:embed="rId2">
+          <a:blip r:embed="rId3">
             <a:duotone>
               <a:schemeClr val="accent5">
                 <a:shade val="45000"/>
@@ -8567,7 +9110,7 @@
           <p:nvPr/>
         </p:nvPicPr>
         <p:blipFill>
-          <a:blip r:embed="rId3">
+          <a:blip r:embed="rId4">
             <a:duotone>
               <a:schemeClr val="accent6">
                 <a:shade val="45000"/>
@@ -8754,7 +9297,7 @@
           <p:nvPr/>
         </p:nvPicPr>
         <p:blipFill>
-          <a:blip r:embed="rId4">
+          <a:blip r:embed="rId5">
             <a:duotone>
               <a:schemeClr val="accent6">
                 <a:shade val="45000"/>
